--- a/C++.pptx
+++ b/C++.pptx
@@ -26,8 +26,26 @@
     <p:sldId id="276" r:id="rId20"/>
     <p:sldId id="277" r:id="rId21"/>
     <p:sldId id="260" r:id="rId22"/>
-    <p:sldId id="261" r:id="rId23"/>
-    <p:sldId id="262" r:id="rId24"/>
+    <p:sldId id="278" r:id="rId23"/>
+    <p:sldId id="279" r:id="rId24"/>
+    <p:sldId id="280" r:id="rId25"/>
+    <p:sldId id="281" r:id="rId26"/>
+    <p:sldId id="282" r:id="rId27"/>
+    <p:sldId id="283" r:id="rId28"/>
+    <p:sldId id="284" r:id="rId29"/>
+    <p:sldId id="285" r:id="rId30"/>
+    <p:sldId id="286" r:id="rId31"/>
+    <p:sldId id="287" r:id="rId32"/>
+    <p:sldId id="288" r:id="rId33"/>
+    <p:sldId id="261" r:id="rId34"/>
+    <p:sldId id="289" r:id="rId35"/>
+    <p:sldId id="290" r:id="rId36"/>
+    <p:sldId id="291" r:id="rId37"/>
+    <p:sldId id="292" r:id="rId38"/>
+    <p:sldId id="293" r:id="rId39"/>
+    <p:sldId id="294" r:id="rId40"/>
+    <p:sldId id="295" r:id="rId41"/>
+    <p:sldId id="262" r:id="rId42"/>
   </p:sldIdLst>
   <p:sldSz cx="12192000" cy="6858000"/>
   <p:notesSz cx="6858000" cy="9144000"/>
@@ -654,6 +672,9 @@
   <p:clrMapOvr>
     <a:masterClrMapping/>
   </p:clrMapOvr>
+  <p:transition spd="slow">
+    <p:wipe/>
+  </p:transition>
 </p:sldLayout>
 </file>
 
@@ -1112,6 +1133,9 @@
   <p:clrMapOvr>
     <a:masterClrMapping/>
   </p:clrMapOvr>
+  <p:transition spd="slow">
+    <p:wipe/>
+  </p:transition>
 </p:sldLayout>
 </file>
 
@@ -1148,6 +1172,9 @@
   <p:clrMapOvr>
     <a:masterClrMapping/>
   </p:clrMapOvr>
+  <p:transition spd="slow">
+    <p:wipe/>
+  </p:transition>
 </p:sldLayout>
 </file>
 
@@ -2995,6 +3022,9 @@
   <p:clrMapOvr>
     <a:masterClrMapping/>
   </p:clrMapOvr>
+  <p:transition spd="slow">
+    <p:wipe/>
+  </p:transition>
 </p:sldLayout>
 </file>
 
@@ -3452,6 +3482,9 @@
   <p:clrMapOvr>
     <a:masterClrMapping/>
   </p:clrMapOvr>
+  <p:transition spd="slow">
+    <p:wipe/>
+  </p:transition>
 </p:sldLayout>
 </file>
 
@@ -3929,6 +3962,9 @@
   <p:clrMapOvr>
     <a:masterClrMapping/>
   </p:clrMapOvr>
+  <p:transition spd="slow">
+    <p:wipe/>
+  </p:transition>
 </p:sldLayout>
 </file>
 
@@ -4289,6 +4325,9 @@
   <p:clrMapOvr>
     <a:masterClrMapping/>
   </p:clrMapOvr>
+  <p:transition spd="slow">
+    <p:wipe/>
+  </p:transition>
 </p:sldLayout>
 </file>
 
@@ -4649,6 +4688,9 @@
   <p:clrMapOvr>
     <a:masterClrMapping/>
   </p:clrMapOvr>
+  <p:transition spd="slow">
+    <p:wipe/>
+  </p:transition>
 </p:sldLayout>
 </file>
 
@@ -5729,6 +5771,9 @@
   <p:clrMapOvr>
     <a:masterClrMapping/>
   </p:clrMapOvr>
+  <p:transition spd="slow">
+    <p:wipe/>
+  </p:transition>
 </p:sldLayout>
 </file>
 
@@ -6381,2114 +6426,13 @@
   <p:clrMapOvr>
     <a:masterClrMapping/>
   </p:clrMapOvr>
+  <p:transition spd="slow">
+    <p:wipe/>
+  </p:transition>
 </p:sldLayout>
 </file>
 
 <file path=ppt/slideLayouts/slideLayout19.xml><?xml version="1.0" encoding="utf-8"?>
-<p:sldLayout xmlns:a="http://schemas.openxmlformats.org/drawingml/2006/main" xmlns:r="http://schemas.openxmlformats.org/officeDocument/2006/relationships" xmlns:p="http://schemas.openxmlformats.org/presentationml/2006/main" matchingName="Title and three columns">
-  <p:cSld name="Title and three columns">
-    <p:spTree>
-      <p:nvGrpSpPr>
-        <p:cNvPr id="1" name="Shape 142"/>
-        <p:cNvGrpSpPr/>
-        <p:nvPr/>
-      </p:nvGrpSpPr>
-      <p:grpSpPr>
-        <a:xfrm>
-          <a:off x="0" y="0"/>
-          <a:ext cx="0" cy="0"/>
-          <a:chOff x="0" y="0"/>
-          <a:chExt cx="0" cy="0"/>
-        </a:xfrm>
-      </p:grpSpPr>
-      <p:sp>
-        <p:nvSpPr>
-          <p:cNvPr id="143" name="Google Shape;143;p20"/>
-          <p:cNvSpPr/>
-          <p:nvPr/>
-        </p:nvSpPr>
-        <p:spPr>
-          <a:xfrm>
-            <a:off x="10367" y="-2400"/>
-            <a:ext cx="12192000" cy="1547200"/>
-          </a:xfrm>
-          <a:prstGeom prst="rect">
-            <a:avLst/>
-          </a:prstGeom>
-          <a:solidFill>
-            <a:schemeClr val="accent6"/>
-          </a:solidFill>
-          <a:ln>
-            <a:noFill/>
-          </a:ln>
-        </p:spPr>
-        <p:txBody>
-          <a:bodyPr spcFirstLastPara="1" wrap="square" lIns="121900" tIns="121900" rIns="121900" bIns="121900" anchor="ctr" anchorCtr="0">
-            <a:noAutofit/>
-          </a:bodyPr>
-          <a:lstStyle/>
-          <a:p>
-            <a:pPr marL="0" lvl="0" indent="0" algn="l" rtl="0">
-              <a:spcBef>
-                <a:spcPts val="0"/>
-              </a:spcBef>
-              <a:spcAft>
-                <a:spcPts val="0"/>
-              </a:spcAft>
-              <a:buNone/>
-            </a:pPr>
-            <a:endParaRPr sz="2400"/>
-          </a:p>
-        </p:txBody>
-      </p:sp>
-      <p:grpSp>
-        <p:nvGrpSpPr>
-          <p:cNvPr id="144" name="Google Shape;144;p20"/>
-          <p:cNvGrpSpPr/>
-          <p:nvPr/>
-        </p:nvGrpSpPr>
-        <p:grpSpPr>
-          <a:xfrm>
-            <a:off x="11186383" y="239908"/>
-            <a:ext cx="648524" cy="167587"/>
-            <a:chOff x="-890300" y="1406550"/>
-            <a:chExt cx="806088" cy="208200"/>
-          </a:xfrm>
-        </p:grpSpPr>
-        <p:sp>
-          <p:nvSpPr>
-            <p:cNvPr id="145" name="Google Shape;145;p20"/>
-            <p:cNvSpPr/>
-            <p:nvPr/>
-          </p:nvSpPr>
-          <p:spPr>
-            <a:xfrm>
-              <a:off x="-890300" y="1406550"/>
-              <a:ext cx="208200" cy="208200"/>
-            </a:xfrm>
-            <a:prstGeom prst="ellipse">
-              <a:avLst/>
-            </a:prstGeom>
-            <a:solidFill>
-              <a:schemeClr val="lt2"/>
-            </a:solidFill>
-            <a:ln>
-              <a:noFill/>
-            </a:ln>
-          </p:spPr>
-          <p:txBody>
-            <a:bodyPr spcFirstLastPara="1" wrap="square" lIns="91425" tIns="91425" rIns="91425" bIns="91425" anchor="ctr" anchorCtr="0">
-              <a:noAutofit/>
-            </a:bodyPr>
-            <a:lstStyle/>
-            <a:p>
-              <a:pPr marL="0" lvl="0" indent="0" algn="l" rtl="0">
-                <a:spcBef>
-                  <a:spcPts val="0"/>
-                </a:spcBef>
-                <a:spcAft>
-                  <a:spcPts val="0"/>
-                </a:spcAft>
-                <a:buNone/>
-              </a:pPr>
-              <a:endParaRPr sz="2400"/>
-            </a:p>
-          </p:txBody>
-        </p:sp>
-        <p:sp>
-          <p:nvSpPr>
-            <p:cNvPr id="146" name="Google Shape;146;p20"/>
-            <p:cNvSpPr/>
-            <p:nvPr/>
-          </p:nvSpPr>
-          <p:spPr>
-            <a:xfrm>
-              <a:off x="-584825" y="1406550"/>
-              <a:ext cx="208200" cy="208200"/>
-            </a:xfrm>
-            <a:prstGeom prst="ellipse">
-              <a:avLst/>
-            </a:prstGeom>
-            <a:solidFill>
-              <a:schemeClr val="accent5"/>
-            </a:solidFill>
-            <a:ln>
-              <a:noFill/>
-            </a:ln>
-          </p:spPr>
-          <p:txBody>
-            <a:bodyPr spcFirstLastPara="1" wrap="square" lIns="91425" tIns="91425" rIns="91425" bIns="91425" anchor="ctr" anchorCtr="0">
-              <a:noAutofit/>
-            </a:bodyPr>
-            <a:lstStyle/>
-            <a:p>
-              <a:pPr marL="0" lvl="0" indent="0" algn="l" rtl="0">
-                <a:spcBef>
-                  <a:spcPts val="0"/>
-                </a:spcBef>
-                <a:spcAft>
-                  <a:spcPts val="0"/>
-                </a:spcAft>
-                <a:buNone/>
-              </a:pPr>
-              <a:endParaRPr sz="2400"/>
-            </a:p>
-          </p:txBody>
-        </p:sp>
-        <p:sp>
-          <p:nvSpPr>
-            <p:cNvPr id="147" name="Google Shape;147;p20"/>
-            <p:cNvSpPr/>
-            <p:nvPr/>
-          </p:nvSpPr>
-          <p:spPr>
-            <a:xfrm>
-              <a:off x="-292412" y="1406550"/>
-              <a:ext cx="208200" cy="208200"/>
-            </a:xfrm>
-            <a:prstGeom prst="ellipse">
-              <a:avLst/>
-            </a:prstGeom>
-            <a:solidFill>
-              <a:schemeClr val="accent2"/>
-            </a:solidFill>
-            <a:ln>
-              <a:noFill/>
-            </a:ln>
-          </p:spPr>
-          <p:txBody>
-            <a:bodyPr spcFirstLastPara="1" wrap="square" lIns="91425" tIns="91425" rIns="91425" bIns="91425" anchor="ctr" anchorCtr="0">
-              <a:noAutofit/>
-            </a:bodyPr>
-            <a:lstStyle/>
-            <a:p>
-              <a:pPr marL="0" lvl="0" indent="0" algn="l" rtl="0">
-                <a:spcBef>
-                  <a:spcPts val="0"/>
-                </a:spcBef>
-                <a:spcAft>
-                  <a:spcPts val="0"/>
-                </a:spcAft>
-                <a:buNone/>
-              </a:pPr>
-              <a:endParaRPr sz="2400"/>
-            </a:p>
-          </p:txBody>
-        </p:sp>
-      </p:grpSp>
-      <p:sp>
-        <p:nvSpPr>
-          <p:cNvPr id="148" name="Google Shape;148;p20"/>
-          <p:cNvSpPr txBox="1">
-            <a:spLocks noGrp="1"/>
-          </p:cNvSpPr>
-          <p:nvPr>
-            <p:ph type="title"/>
-          </p:nvPr>
-        </p:nvSpPr>
-        <p:spPr>
-          <a:xfrm>
-            <a:off x="960000" y="593367"/>
-            <a:ext cx="10272000" cy="763600"/>
-          </a:xfrm>
-          <a:prstGeom prst="rect">
-            <a:avLst/>
-          </a:prstGeom>
-        </p:spPr>
-        <p:txBody>
-          <a:bodyPr spcFirstLastPara="1" wrap="square" lIns="91425" tIns="91425" rIns="91425" bIns="91425" anchor="t" anchorCtr="0">
-            <a:noAutofit/>
-          </a:bodyPr>
-          <a:lstStyle>
-            <a:lvl1pPr lvl="0" rtl="0">
-              <a:spcBef>
-                <a:spcPts val="0"/>
-              </a:spcBef>
-              <a:spcAft>
-                <a:spcPts val="0"/>
-              </a:spcAft>
-              <a:buSzPts val="3500"/>
-              <a:buNone/>
-              <a:defRPr/>
-            </a:lvl1pPr>
-            <a:lvl2pPr lvl="1" rtl="0">
-              <a:spcBef>
-                <a:spcPts val="0"/>
-              </a:spcBef>
-              <a:spcAft>
-                <a:spcPts val="0"/>
-              </a:spcAft>
-              <a:buSzPts val="3500"/>
-              <a:buNone/>
-              <a:defRPr/>
-            </a:lvl2pPr>
-            <a:lvl3pPr lvl="2" rtl="0">
-              <a:spcBef>
-                <a:spcPts val="0"/>
-              </a:spcBef>
-              <a:spcAft>
-                <a:spcPts val="0"/>
-              </a:spcAft>
-              <a:buSzPts val="3500"/>
-              <a:buNone/>
-              <a:defRPr/>
-            </a:lvl3pPr>
-            <a:lvl4pPr lvl="3" rtl="0">
-              <a:spcBef>
-                <a:spcPts val="0"/>
-              </a:spcBef>
-              <a:spcAft>
-                <a:spcPts val="0"/>
-              </a:spcAft>
-              <a:buSzPts val="3500"/>
-              <a:buNone/>
-              <a:defRPr/>
-            </a:lvl4pPr>
-            <a:lvl5pPr lvl="4" rtl="0">
-              <a:spcBef>
-                <a:spcPts val="0"/>
-              </a:spcBef>
-              <a:spcAft>
-                <a:spcPts val="0"/>
-              </a:spcAft>
-              <a:buSzPts val="3500"/>
-              <a:buNone/>
-              <a:defRPr/>
-            </a:lvl5pPr>
-            <a:lvl6pPr lvl="5" rtl="0">
-              <a:spcBef>
-                <a:spcPts val="0"/>
-              </a:spcBef>
-              <a:spcAft>
-                <a:spcPts val="0"/>
-              </a:spcAft>
-              <a:buSzPts val="3500"/>
-              <a:buNone/>
-              <a:defRPr/>
-            </a:lvl6pPr>
-            <a:lvl7pPr lvl="6" rtl="0">
-              <a:spcBef>
-                <a:spcPts val="0"/>
-              </a:spcBef>
-              <a:spcAft>
-                <a:spcPts val="0"/>
-              </a:spcAft>
-              <a:buSzPts val="3500"/>
-              <a:buNone/>
-              <a:defRPr/>
-            </a:lvl7pPr>
-            <a:lvl8pPr lvl="7" rtl="0">
-              <a:spcBef>
-                <a:spcPts val="0"/>
-              </a:spcBef>
-              <a:spcAft>
-                <a:spcPts val="0"/>
-              </a:spcAft>
-              <a:buSzPts val="3500"/>
-              <a:buNone/>
-              <a:defRPr/>
-            </a:lvl8pPr>
-            <a:lvl9pPr lvl="8" rtl="0">
-              <a:spcBef>
-                <a:spcPts val="0"/>
-              </a:spcBef>
-              <a:spcAft>
-                <a:spcPts val="0"/>
-              </a:spcAft>
-              <a:buSzPts val="3500"/>
-              <a:buNone/>
-              <a:defRPr/>
-            </a:lvl9pPr>
-          </a:lstStyle>
-          <a:p>
-            <a:r>
-              <a:rPr lang="pt-BR"/>
-              <a:t>Clique para editar o título Mestre</a:t>
-            </a:r>
-            <a:endParaRPr/>
-          </a:p>
-        </p:txBody>
-      </p:sp>
-      <p:sp>
-        <p:nvSpPr>
-          <p:cNvPr id="149" name="Google Shape;149;p20"/>
-          <p:cNvSpPr txBox="1">
-            <a:spLocks noGrp="1"/>
-          </p:cNvSpPr>
-          <p:nvPr>
-            <p:ph type="subTitle" idx="1"/>
-          </p:nvPr>
-        </p:nvSpPr>
-        <p:spPr>
-          <a:xfrm>
-            <a:off x="1330267" y="2795167"/>
-            <a:ext cx="3164000" cy="1815200"/>
-          </a:xfrm>
-          <a:prstGeom prst="rect">
-            <a:avLst/>
-          </a:prstGeom>
-        </p:spPr>
-        <p:txBody>
-          <a:bodyPr spcFirstLastPara="1" wrap="square" lIns="91425" tIns="91425" rIns="91425" bIns="91425" anchor="t" anchorCtr="0">
-            <a:noAutofit/>
-          </a:bodyPr>
-          <a:lstStyle>
-            <a:lvl1pPr lvl="0" rtl="0">
-              <a:spcBef>
-                <a:spcPts val="0"/>
-              </a:spcBef>
-              <a:spcAft>
-                <a:spcPts val="0"/>
-              </a:spcAft>
-              <a:buSzPts val="1400"/>
-              <a:buNone/>
-              <a:defRPr sz="1867"/>
-            </a:lvl1pPr>
-            <a:lvl2pPr lvl="1" algn="ctr" rtl="0">
-              <a:lnSpc>
-                <a:spcPct val="100000"/>
-              </a:lnSpc>
-              <a:spcBef>
-                <a:spcPts val="0"/>
-              </a:spcBef>
-              <a:spcAft>
-                <a:spcPts val="0"/>
-              </a:spcAft>
-              <a:buSzPts val="1400"/>
-              <a:buNone/>
-              <a:defRPr/>
-            </a:lvl2pPr>
-            <a:lvl3pPr lvl="2" algn="ctr" rtl="0">
-              <a:lnSpc>
-                <a:spcPct val="100000"/>
-              </a:lnSpc>
-              <a:spcBef>
-                <a:spcPts val="0"/>
-              </a:spcBef>
-              <a:spcAft>
-                <a:spcPts val="0"/>
-              </a:spcAft>
-              <a:buSzPts val="1400"/>
-              <a:buNone/>
-              <a:defRPr/>
-            </a:lvl3pPr>
-            <a:lvl4pPr lvl="3" algn="ctr" rtl="0">
-              <a:lnSpc>
-                <a:spcPct val="100000"/>
-              </a:lnSpc>
-              <a:spcBef>
-                <a:spcPts val="0"/>
-              </a:spcBef>
-              <a:spcAft>
-                <a:spcPts val="0"/>
-              </a:spcAft>
-              <a:buSzPts val="1400"/>
-              <a:buNone/>
-              <a:defRPr/>
-            </a:lvl4pPr>
-            <a:lvl5pPr lvl="4" algn="ctr" rtl="0">
-              <a:lnSpc>
-                <a:spcPct val="100000"/>
-              </a:lnSpc>
-              <a:spcBef>
-                <a:spcPts val="0"/>
-              </a:spcBef>
-              <a:spcAft>
-                <a:spcPts val="0"/>
-              </a:spcAft>
-              <a:buSzPts val="1400"/>
-              <a:buNone/>
-              <a:defRPr/>
-            </a:lvl5pPr>
-            <a:lvl6pPr lvl="5" algn="ctr" rtl="0">
-              <a:lnSpc>
-                <a:spcPct val="100000"/>
-              </a:lnSpc>
-              <a:spcBef>
-                <a:spcPts val="0"/>
-              </a:spcBef>
-              <a:spcAft>
-                <a:spcPts val="0"/>
-              </a:spcAft>
-              <a:buSzPts val="1400"/>
-              <a:buNone/>
-              <a:defRPr/>
-            </a:lvl6pPr>
-            <a:lvl7pPr lvl="6" algn="ctr" rtl="0">
-              <a:lnSpc>
-                <a:spcPct val="100000"/>
-              </a:lnSpc>
-              <a:spcBef>
-                <a:spcPts val="0"/>
-              </a:spcBef>
-              <a:spcAft>
-                <a:spcPts val="0"/>
-              </a:spcAft>
-              <a:buSzPts val="1400"/>
-              <a:buNone/>
-              <a:defRPr/>
-            </a:lvl7pPr>
-            <a:lvl8pPr lvl="7" algn="ctr" rtl="0">
-              <a:lnSpc>
-                <a:spcPct val="100000"/>
-              </a:lnSpc>
-              <a:spcBef>
-                <a:spcPts val="0"/>
-              </a:spcBef>
-              <a:spcAft>
-                <a:spcPts val="0"/>
-              </a:spcAft>
-              <a:buSzPts val="1400"/>
-              <a:buNone/>
-              <a:defRPr/>
-            </a:lvl8pPr>
-            <a:lvl9pPr lvl="8" algn="ctr" rtl="0">
-              <a:lnSpc>
-                <a:spcPct val="100000"/>
-              </a:lnSpc>
-              <a:spcBef>
-                <a:spcPts val="0"/>
-              </a:spcBef>
-              <a:spcAft>
-                <a:spcPts val="0"/>
-              </a:spcAft>
-              <a:buSzPts val="1400"/>
-              <a:buNone/>
-              <a:defRPr/>
-            </a:lvl9pPr>
-          </a:lstStyle>
-          <a:p>
-            <a:r>
-              <a:rPr lang="pt-BR"/>
-              <a:t>Clique para editar o estilo do subtítulo Mestre</a:t>
-            </a:r>
-            <a:endParaRPr/>
-          </a:p>
-        </p:txBody>
-      </p:sp>
-      <p:sp>
-        <p:nvSpPr>
-          <p:cNvPr id="150" name="Google Shape;150;p20"/>
-          <p:cNvSpPr txBox="1">
-            <a:spLocks noGrp="1"/>
-          </p:cNvSpPr>
-          <p:nvPr>
-            <p:ph type="subTitle" idx="2"/>
-          </p:nvPr>
-        </p:nvSpPr>
-        <p:spPr>
-          <a:xfrm>
-            <a:off x="4697316" y="3675167"/>
-            <a:ext cx="3164000" cy="1815200"/>
-          </a:xfrm>
-          <a:prstGeom prst="rect">
-            <a:avLst/>
-          </a:prstGeom>
-        </p:spPr>
-        <p:txBody>
-          <a:bodyPr spcFirstLastPara="1" wrap="square" lIns="91425" tIns="91425" rIns="91425" bIns="91425" anchor="t" anchorCtr="0">
-            <a:noAutofit/>
-          </a:bodyPr>
-          <a:lstStyle>
-            <a:lvl1pPr lvl="0" rtl="0">
-              <a:spcBef>
-                <a:spcPts val="0"/>
-              </a:spcBef>
-              <a:spcAft>
-                <a:spcPts val="0"/>
-              </a:spcAft>
-              <a:buSzPts val="1400"/>
-              <a:buNone/>
-              <a:defRPr sz="1867"/>
-            </a:lvl1pPr>
-            <a:lvl2pPr lvl="1" algn="ctr" rtl="0">
-              <a:lnSpc>
-                <a:spcPct val="100000"/>
-              </a:lnSpc>
-              <a:spcBef>
-                <a:spcPts val="0"/>
-              </a:spcBef>
-              <a:spcAft>
-                <a:spcPts val="0"/>
-              </a:spcAft>
-              <a:buSzPts val="1400"/>
-              <a:buNone/>
-              <a:defRPr/>
-            </a:lvl2pPr>
-            <a:lvl3pPr lvl="2" algn="ctr" rtl="0">
-              <a:lnSpc>
-                <a:spcPct val="100000"/>
-              </a:lnSpc>
-              <a:spcBef>
-                <a:spcPts val="0"/>
-              </a:spcBef>
-              <a:spcAft>
-                <a:spcPts val="0"/>
-              </a:spcAft>
-              <a:buSzPts val="1400"/>
-              <a:buNone/>
-              <a:defRPr/>
-            </a:lvl3pPr>
-            <a:lvl4pPr lvl="3" algn="ctr" rtl="0">
-              <a:lnSpc>
-                <a:spcPct val="100000"/>
-              </a:lnSpc>
-              <a:spcBef>
-                <a:spcPts val="0"/>
-              </a:spcBef>
-              <a:spcAft>
-                <a:spcPts val="0"/>
-              </a:spcAft>
-              <a:buSzPts val="1400"/>
-              <a:buNone/>
-              <a:defRPr/>
-            </a:lvl4pPr>
-            <a:lvl5pPr lvl="4" algn="ctr" rtl="0">
-              <a:lnSpc>
-                <a:spcPct val="100000"/>
-              </a:lnSpc>
-              <a:spcBef>
-                <a:spcPts val="0"/>
-              </a:spcBef>
-              <a:spcAft>
-                <a:spcPts val="0"/>
-              </a:spcAft>
-              <a:buSzPts val="1400"/>
-              <a:buNone/>
-              <a:defRPr/>
-            </a:lvl5pPr>
-            <a:lvl6pPr lvl="5" algn="ctr" rtl="0">
-              <a:lnSpc>
-                <a:spcPct val="100000"/>
-              </a:lnSpc>
-              <a:spcBef>
-                <a:spcPts val="0"/>
-              </a:spcBef>
-              <a:spcAft>
-                <a:spcPts val="0"/>
-              </a:spcAft>
-              <a:buSzPts val="1400"/>
-              <a:buNone/>
-              <a:defRPr/>
-            </a:lvl6pPr>
-            <a:lvl7pPr lvl="6" algn="ctr" rtl="0">
-              <a:lnSpc>
-                <a:spcPct val="100000"/>
-              </a:lnSpc>
-              <a:spcBef>
-                <a:spcPts val="0"/>
-              </a:spcBef>
-              <a:spcAft>
-                <a:spcPts val="0"/>
-              </a:spcAft>
-              <a:buSzPts val="1400"/>
-              <a:buNone/>
-              <a:defRPr/>
-            </a:lvl7pPr>
-            <a:lvl8pPr lvl="7" algn="ctr" rtl="0">
-              <a:lnSpc>
-                <a:spcPct val="100000"/>
-              </a:lnSpc>
-              <a:spcBef>
-                <a:spcPts val="0"/>
-              </a:spcBef>
-              <a:spcAft>
-                <a:spcPts val="0"/>
-              </a:spcAft>
-              <a:buSzPts val="1400"/>
-              <a:buNone/>
-              <a:defRPr/>
-            </a:lvl8pPr>
-            <a:lvl9pPr lvl="8" algn="ctr" rtl="0">
-              <a:lnSpc>
-                <a:spcPct val="100000"/>
-              </a:lnSpc>
-              <a:spcBef>
-                <a:spcPts val="0"/>
-              </a:spcBef>
-              <a:spcAft>
-                <a:spcPts val="0"/>
-              </a:spcAft>
-              <a:buSzPts val="1400"/>
-              <a:buNone/>
-              <a:defRPr/>
-            </a:lvl9pPr>
-          </a:lstStyle>
-          <a:p>
-            <a:r>
-              <a:rPr lang="pt-BR"/>
-              <a:t>Clique para editar o estilo do subtítulo Mestre</a:t>
-            </a:r>
-            <a:endParaRPr/>
-          </a:p>
-        </p:txBody>
-      </p:sp>
-      <p:sp>
-        <p:nvSpPr>
-          <p:cNvPr id="151" name="Google Shape;151;p20"/>
-          <p:cNvSpPr txBox="1">
-            <a:spLocks noGrp="1"/>
-          </p:cNvSpPr>
-          <p:nvPr>
-            <p:ph type="subTitle" idx="3"/>
-          </p:nvPr>
-        </p:nvSpPr>
-        <p:spPr>
-          <a:xfrm>
-            <a:off x="8068311" y="4323467"/>
-            <a:ext cx="3164000" cy="1815200"/>
-          </a:xfrm>
-          <a:prstGeom prst="rect">
-            <a:avLst/>
-          </a:prstGeom>
-        </p:spPr>
-        <p:txBody>
-          <a:bodyPr spcFirstLastPara="1" wrap="square" lIns="91425" tIns="91425" rIns="91425" bIns="91425" anchor="t" anchorCtr="0">
-            <a:noAutofit/>
-          </a:bodyPr>
-          <a:lstStyle>
-            <a:lvl1pPr lvl="0" rtl="0">
-              <a:spcBef>
-                <a:spcPts val="0"/>
-              </a:spcBef>
-              <a:spcAft>
-                <a:spcPts val="0"/>
-              </a:spcAft>
-              <a:buSzPts val="1400"/>
-              <a:buNone/>
-              <a:defRPr sz="1867"/>
-            </a:lvl1pPr>
-            <a:lvl2pPr lvl="1" algn="ctr" rtl="0">
-              <a:lnSpc>
-                <a:spcPct val="100000"/>
-              </a:lnSpc>
-              <a:spcBef>
-                <a:spcPts val="0"/>
-              </a:spcBef>
-              <a:spcAft>
-                <a:spcPts val="0"/>
-              </a:spcAft>
-              <a:buSzPts val="1400"/>
-              <a:buNone/>
-              <a:defRPr/>
-            </a:lvl2pPr>
-            <a:lvl3pPr lvl="2" algn="ctr" rtl="0">
-              <a:lnSpc>
-                <a:spcPct val="100000"/>
-              </a:lnSpc>
-              <a:spcBef>
-                <a:spcPts val="0"/>
-              </a:spcBef>
-              <a:spcAft>
-                <a:spcPts val="0"/>
-              </a:spcAft>
-              <a:buSzPts val="1400"/>
-              <a:buNone/>
-              <a:defRPr/>
-            </a:lvl3pPr>
-            <a:lvl4pPr lvl="3" algn="ctr" rtl="0">
-              <a:lnSpc>
-                <a:spcPct val="100000"/>
-              </a:lnSpc>
-              <a:spcBef>
-                <a:spcPts val="0"/>
-              </a:spcBef>
-              <a:spcAft>
-                <a:spcPts val="0"/>
-              </a:spcAft>
-              <a:buSzPts val="1400"/>
-              <a:buNone/>
-              <a:defRPr/>
-            </a:lvl4pPr>
-            <a:lvl5pPr lvl="4" algn="ctr" rtl="0">
-              <a:lnSpc>
-                <a:spcPct val="100000"/>
-              </a:lnSpc>
-              <a:spcBef>
-                <a:spcPts val="0"/>
-              </a:spcBef>
-              <a:spcAft>
-                <a:spcPts val="0"/>
-              </a:spcAft>
-              <a:buSzPts val="1400"/>
-              <a:buNone/>
-              <a:defRPr/>
-            </a:lvl5pPr>
-            <a:lvl6pPr lvl="5" algn="ctr" rtl="0">
-              <a:lnSpc>
-                <a:spcPct val="100000"/>
-              </a:lnSpc>
-              <a:spcBef>
-                <a:spcPts val="0"/>
-              </a:spcBef>
-              <a:spcAft>
-                <a:spcPts val="0"/>
-              </a:spcAft>
-              <a:buSzPts val="1400"/>
-              <a:buNone/>
-              <a:defRPr/>
-            </a:lvl6pPr>
-            <a:lvl7pPr lvl="6" algn="ctr" rtl="0">
-              <a:lnSpc>
-                <a:spcPct val="100000"/>
-              </a:lnSpc>
-              <a:spcBef>
-                <a:spcPts val="0"/>
-              </a:spcBef>
-              <a:spcAft>
-                <a:spcPts val="0"/>
-              </a:spcAft>
-              <a:buSzPts val="1400"/>
-              <a:buNone/>
-              <a:defRPr/>
-            </a:lvl7pPr>
-            <a:lvl8pPr lvl="7" algn="ctr" rtl="0">
-              <a:lnSpc>
-                <a:spcPct val="100000"/>
-              </a:lnSpc>
-              <a:spcBef>
-                <a:spcPts val="0"/>
-              </a:spcBef>
-              <a:spcAft>
-                <a:spcPts val="0"/>
-              </a:spcAft>
-              <a:buSzPts val="1400"/>
-              <a:buNone/>
-              <a:defRPr/>
-            </a:lvl8pPr>
-            <a:lvl9pPr lvl="8" algn="ctr" rtl="0">
-              <a:lnSpc>
-                <a:spcPct val="100000"/>
-              </a:lnSpc>
-              <a:spcBef>
-                <a:spcPts val="0"/>
-              </a:spcBef>
-              <a:spcAft>
-                <a:spcPts val="0"/>
-              </a:spcAft>
-              <a:buSzPts val="1400"/>
-              <a:buNone/>
-              <a:defRPr/>
-            </a:lvl9pPr>
-          </a:lstStyle>
-          <a:p>
-            <a:r>
-              <a:rPr lang="pt-BR"/>
-              <a:t>Clique para editar o estilo do subtítulo Mestre</a:t>
-            </a:r>
-            <a:endParaRPr/>
-          </a:p>
-        </p:txBody>
-      </p:sp>
-      <p:sp>
-        <p:nvSpPr>
-          <p:cNvPr id="152" name="Google Shape;152;p20"/>
-          <p:cNvSpPr txBox="1">
-            <a:spLocks noGrp="1"/>
-          </p:cNvSpPr>
-          <p:nvPr>
-            <p:ph type="subTitle" idx="4"/>
-          </p:nvPr>
-        </p:nvSpPr>
-        <p:spPr>
-          <a:xfrm>
-            <a:off x="960000" y="1915167"/>
-            <a:ext cx="3222400" cy="880000"/>
-          </a:xfrm>
-          <a:prstGeom prst="rect">
-            <a:avLst/>
-          </a:prstGeom>
-        </p:spPr>
-        <p:txBody>
-          <a:bodyPr spcFirstLastPara="1" wrap="square" lIns="91425" tIns="91425" rIns="91425" bIns="91425" anchor="b" anchorCtr="0">
-            <a:noAutofit/>
-          </a:bodyPr>
-          <a:lstStyle>
-            <a:lvl1pPr lvl="0" rtl="0">
-              <a:spcBef>
-                <a:spcPts val="0"/>
-              </a:spcBef>
-              <a:spcAft>
-                <a:spcPts val="0"/>
-              </a:spcAft>
-              <a:buSzPts val="2400"/>
-              <a:buFont typeface="Bebas Neue"/>
-              <a:buNone/>
-              <a:defRPr sz="3200">
-                <a:solidFill>
-                  <a:schemeClr val="dk2"/>
-                </a:solidFill>
-                <a:latin typeface="Source Code Pro Medium"/>
-                <a:ea typeface="Source Code Pro Medium"/>
-                <a:cs typeface="Source Code Pro Medium"/>
-                <a:sym typeface="Source Code Pro Medium"/>
-              </a:defRPr>
-            </a:lvl1pPr>
-            <a:lvl2pPr lvl="1" algn="ctr" rtl="0">
-              <a:lnSpc>
-                <a:spcPct val="100000"/>
-              </a:lnSpc>
-              <a:spcBef>
-                <a:spcPts val="0"/>
-              </a:spcBef>
-              <a:spcAft>
-                <a:spcPts val="0"/>
-              </a:spcAft>
-              <a:buSzPts val="2400"/>
-              <a:buFont typeface="Bebas Neue"/>
-              <a:buNone/>
-              <a:defRPr sz="3200">
-                <a:latin typeface="Bebas Neue"/>
-                <a:ea typeface="Bebas Neue"/>
-                <a:cs typeface="Bebas Neue"/>
-                <a:sym typeface="Bebas Neue"/>
-              </a:defRPr>
-            </a:lvl2pPr>
-            <a:lvl3pPr lvl="2" algn="ctr" rtl="0">
-              <a:lnSpc>
-                <a:spcPct val="100000"/>
-              </a:lnSpc>
-              <a:spcBef>
-                <a:spcPts val="0"/>
-              </a:spcBef>
-              <a:spcAft>
-                <a:spcPts val="0"/>
-              </a:spcAft>
-              <a:buSzPts val="2400"/>
-              <a:buFont typeface="Bebas Neue"/>
-              <a:buNone/>
-              <a:defRPr sz="3200">
-                <a:latin typeface="Bebas Neue"/>
-                <a:ea typeface="Bebas Neue"/>
-                <a:cs typeface="Bebas Neue"/>
-                <a:sym typeface="Bebas Neue"/>
-              </a:defRPr>
-            </a:lvl3pPr>
-            <a:lvl4pPr lvl="3" algn="ctr" rtl="0">
-              <a:lnSpc>
-                <a:spcPct val="100000"/>
-              </a:lnSpc>
-              <a:spcBef>
-                <a:spcPts val="0"/>
-              </a:spcBef>
-              <a:spcAft>
-                <a:spcPts val="0"/>
-              </a:spcAft>
-              <a:buSzPts val="2400"/>
-              <a:buFont typeface="Bebas Neue"/>
-              <a:buNone/>
-              <a:defRPr sz="3200">
-                <a:latin typeface="Bebas Neue"/>
-                <a:ea typeface="Bebas Neue"/>
-                <a:cs typeface="Bebas Neue"/>
-                <a:sym typeface="Bebas Neue"/>
-              </a:defRPr>
-            </a:lvl4pPr>
-            <a:lvl5pPr lvl="4" algn="ctr" rtl="0">
-              <a:lnSpc>
-                <a:spcPct val="100000"/>
-              </a:lnSpc>
-              <a:spcBef>
-                <a:spcPts val="0"/>
-              </a:spcBef>
-              <a:spcAft>
-                <a:spcPts val="0"/>
-              </a:spcAft>
-              <a:buSzPts val="2400"/>
-              <a:buFont typeface="Bebas Neue"/>
-              <a:buNone/>
-              <a:defRPr sz="3200">
-                <a:latin typeface="Bebas Neue"/>
-                <a:ea typeface="Bebas Neue"/>
-                <a:cs typeface="Bebas Neue"/>
-                <a:sym typeface="Bebas Neue"/>
-              </a:defRPr>
-            </a:lvl5pPr>
-            <a:lvl6pPr lvl="5" algn="ctr" rtl="0">
-              <a:lnSpc>
-                <a:spcPct val="100000"/>
-              </a:lnSpc>
-              <a:spcBef>
-                <a:spcPts val="0"/>
-              </a:spcBef>
-              <a:spcAft>
-                <a:spcPts val="0"/>
-              </a:spcAft>
-              <a:buSzPts val="2400"/>
-              <a:buFont typeface="Bebas Neue"/>
-              <a:buNone/>
-              <a:defRPr sz="3200">
-                <a:latin typeface="Bebas Neue"/>
-                <a:ea typeface="Bebas Neue"/>
-                <a:cs typeface="Bebas Neue"/>
-                <a:sym typeface="Bebas Neue"/>
-              </a:defRPr>
-            </a:lvl6pPr>
-            <a:lvl7pPr lvl="6" algn="ctr" rtl="0">
-              <a:lnSpc>
-                <a:spcPct val="100000"/>
-              </a:lnSpc>
-              <a:spcBef>
-                <a:spcPts val="0"/>
-              </a:spcBef>
-              <a:spcAft>
-                <a:spcPts val="0"/>
-              </a:spcAft>
-              <a:buSzPts val="2400"/>
-              <a:buFont typeface="Bebas Neue"/>
-              <a:buNone/>
-              <a:defRPr sz="3200">
-                <a:latin typeface="Bebas Neue"/>
-                <a:ea typeface="Bebas Neue"/>
-                <a:cs typeface="Bebas Neue"/>
-                <a:sym typeface="Bebas Neue"/>
-              </a:defRPr>
-            </a:lvl7pPr>
-            <a:lvl8pPr lvl="7" algn="ctr" rtl="0">
-              <a:lnSpc>
-                <a:spcPct val="100000"/>
-              </a:lnSpc>
-              <a:spcBef>
-                <a:spcPts val="0"/>
-              </a:spcBef>
-              <a:spcAft>
-                <a:spcPts val="0"/>
-              </a:spcAft>
-              <a:buSzPts val="2400"/>
-              <a:buFont typeface="Bebas Neue"/>
-              <a:buNone/>
-              <a:defRPr sz="3200">
-                <a:latin typeface="Bebas Neue"/>
-                <a:ea typeface="Bebas Neue"/>
-                <a:cs typeface="Bebas Neue"/>
-                <a:sym typeface="Bebas Neue"/>
-              </a:defRPr>
-            </a:lvl8pPr>
-            <a:lvl9pPr lvl="8" algn="ctr" rtl="0">
-              <a:lnSpc>
-                <a:spcPct val="100000"/>
-              </a:lnSpc>
-              <a:spcBef>
-                <a:spcPts val="0"/>
-              </a:spcBef>
-              <a:spcAft>
-                <a:spcPts val="0"/>
-              </a:spcAft>
-              <a:buSzPts val="2400"/>
-              <a:buFont typeface="Bebas Neue"/>
-              <a:buNone/>
-              <a:defRPr sz="3200">
-                <a:latin typeface="Bebas Neue"/>
-                <a:ea typeface="Bebas Neue"/>
-                <a:cs typeface="Bebas Neue"/>
-                <a:sym typeface="Bebas Neue"/>
-              </a:defRPr>
-            </a:lvl9pPr>
-          </a:lstStyle>
-          <a:p>
-            <a:r>
-              <a:rPr lang="pt-BR"/>
-              <a:t>Clique para editar o estilo do subtítulo Mestre</a:t>
-            </a:r>
-            <a:endParaRPr/>
-          </a:p>
-        </p:txBody>
-      </p:sp>
-      <p:sp>
-        <p:nvSpPr>
-          <p:cNvPr id="153" name="Google Shape;153;p20"/>
-          <p:cNvSpPr txBox="1">
-            <a:spLocks noGrp="1"/>
-          </p:cNvSpPr>
-          <p:nvPr>
-            <p:ph type="subTitle" idx="5"/>
-          </p:nvPr>
-        </p:nvSpPr>
-        <p:spPr>
-          <a:xfrm>
-            <a:off x="4389396" y="2795167"/>
-            <a:ext cx="3222400" cy="880000"/>
-          </a:xfrm>
-          <a:prstGeom prst="rect">
-            <a:avLst/>
-          </a:prstGeom>
-        </p:spPr>
-        <p:txBody>
-          <a:bodyPr spcFirstLastPara="1" wrap="square" lIns="91425" tIns="91425" rIns="91425" bIns="91425" anchor="b" anchorCtr="0">
-            <a:noAutofit/>
-          </a:bodyPr>
-          <a:lstStyle>
-            <a:lvl1pPr lvl="0" rtl="0">
-              <a:spcBef>
-                <a:spcPts val="0"/>
-              </a:spcBef>
-              <a:spcAft>
-                <a:spcPts val="0"/>
-              </a:spcAft>
-              <a:buSzPts val="2400"/>
-              <a:buFont typeface="Bebas Neue"/>
-              <a:buNone/>
-              <a:defRPr sz="3200">
-                <a:solidFill>
-                  <a:schemeClr val="accent3"/>
-                </a:solidFill>
-                <a:latin typeface="Source Code Pro Medium"/>
-                <a:ea typeface="Source Code Pro Medium"/>
-                <a:cs typeface="Source Code Pro Medium"/>
-                <a:sym typeface="Source Code Pro Medium"/>
-              </a:defRPr>
-            </a:lvl1pPr>
-            <a:lvl2pPr lvl="1" algn="ctr" rtl="0">
-              <a:lnSpc>
-                <a:spcPct val="100000"/>
-              </a:lnSpc>
-              <a:spcBef>
-                <a:spcPts val="0"/>
-              </a:spcBef>
-              <a:spcAft>
-                <a:spcPts val="0"/>
-              </a:spcAft>
-              <a:buSzPts val="2400"/>
-              <a:buFont typeface="Bebas Neue"/>
-              <a:buNone/>
-              <a:defRPr sz="3200">
-                <a:latin typeface="Bebas Neue"/>
-                <a:ea typeface="Bebas Neue"/>
-                <a:cs typeface="Bebas Neue"/>
-                <a:sym typeface="Bebas Neue"/>
-              </a:defRPr>
-            </a:lvl2pPr>
-            <a:lvl3pPr lvl="2" algn="ctr" rtl="0">
-              <a:lnSpc>
-                <a:spcPct val="100000"/>
-              </a:lnSpc>
-              <a:spcBef>
-                <a:spcPts val="0"/>
-              </a:spcBef>
-              <a:spcAft>
-                <a:spcPts val="0"/>
-              </a:spcAft>
-              <a:buSzPts val="2400"/>
-              <a:buFont typeface="Bebas Neue"/>
-              <a:buNone/>
-              <a:defRPr sz="3200">
-                <a:latin typeface="Bebas Neue"/>
-                <a:ea typeface="Bebas Neue"/>
-                <a:cs typeface="Bebas Neue"/>
-                <a:sym typeface="Bebas Neue"/>
-              </a:defRPr>
-            </a:lvl3pPr>
-            <a:lvl4pPr lvl="3" algn="ctr" rtl="0">
-              <a:lnSpc>
-                <a:spcPct val="100000"/>
-              </a:lnSpc>
-              <a:spcBef>
-                <a:spcPts val="0"/>
-              </a:spcBef>
-              <a:spcAft>
-                <a:spcPts val="0"/>
-              </a:spcAft>
-              <a:buSzPts val="2400"/>
-              <a:buFont typeface="Bebas Neue"/>
-              <a:buNone/>
-              <a:defRPr sz="3200">
-                <a:latin typeface="Bebas Neue"/>
-                <a:ea typeface="Bebas Neue"/>
-                <a:cs typeface="Bebas Neue"/>
-                <a:sym typeface="Bebas Neue"/>
-              </a:defRPr>
-            </a:lvl4pPr>
-            <a:lvl5pPr lvl="4" algn="ctr" rtl="0">
-              <a:lnSpc>
-                <a:spcPct val="100000"/>
-              </a:lnSpc>
-              <a:spcBef>
-                <a:spcPts val="0"/>
-              </a:spcBef>
-              <a:spcAft>
-                <a:spcPts val="0"/>
-              </a:spcAft>
-              <a:buSzPts val="2400"/>
-              <a:buFont typeface="Bebas Neue"/>
-              <a:buNone/>
-              <a:defRPr sz="3200">
-                <a:latin typeface="Bebas Neue"/>
-                <a:ea typeface="Bebas Neue"/>
-                <a:cs typeface="Bebas Neue"/>
-                <a:sym typeface="Bebas Neue"/>
-              </a:defRPr>
-            </a:lvl5pPr>
-            <a:lvl6pPr lvl="5" algn="ctr" rtl="0">
-              <a:lnSpc>
-                <a:spcPct val="100000"/>
-              </a:lnSpc>
-              <a:spcBef>
-                <a:spcPts val="0"/>
-              </a:spcBef>
-              <a:spcAft>
-                <a:spcPts val="0"/>
-              </a:spcAft>
-              <a:buSzPts val="2400"/>
-              <a:buFont typeface="Bebas Neue"/>
-              <a:buNone/>
-              <a:defRPr sz="3200">
-                <a:latin typeface="Bebas Neue"/>
-                <a:ea typeface="Bebas Neue"/>
-                <a:cs typeface="Bebas Neue"/>
-                <a:sym typeface="Bebas Neue"/>
-              </a:defRPr>
-            </a:lvl6pPr>
-            <a:lvl7pPr lvl="6" algn="ctr" rtl="0">
-              <a:lnSpc>
-                <a:spcPct val="100000"/>
-              </a:lnSpc>
-              <a:spcBef>
-                <a:spcPts val="0"/>
-              </a:spcBef>
-              <a:spcAft>
-                <a:spcPts val="0"/>
-              </a:spcAft>
-              <a:buSzPts val="2400"/>
-              <a:buFont typeface="Bebas Neue"/>
-              <a:buNone/>
-              <a:defRPr sz="3200">
-                <a:latin typeface="Bebas Neue"/>
-                <a:ea typeface="Bebas Neue"/>
-                <a:cs typeface="Bebas Neue"/>
-                <a:sym typeface="Bebas Neue"/>
-              </a:defRPr>
-            </a:lvl7pPr>
-            <a:lvl8pPr lvl="7" algn="ctr" rtl="0">
-              <a:lnSpc>
-                <a:spcPct val="100000"/>
-              </a:lnSpc>
-              <a:spcBef>
-                <a:spcPts val="0"/>
-              </a:spcBef>
-              <a:spcAft>
-                <a:spcPts val="0"/>
-              </a:spcAft>
-              <a:buSzPts val="2400"/>
-              <a:buFont typeface="Bebas Neue"/>
-              <a:buNone/>
-              <a:defRPr sz="3200">
-                <a:latin typeface="Bebas Neue"/>
-                <a:ea typeface="Bebas Neue"/>
-                <a:cs typeface="Bebas Neue"/>
-                <a:sym typeface="Bebas Neue"/>
-              </a:defRPr>
-            </a:lvl8pPr>
-            <a:lvl9pPr lvl="8" algn="ctr" rtl="0">
-              <a:lnSpc>
-                <a:spcPct val="100000"/>
-              </a:lnSpc>
-              <a:spcBef>
-                <a:spcPts val="0"/>
-              </a:spcBef>
-              <a:spcAft>
-                <a:spcPts val="0"/>
-              </a:spcAft>
-              <a:buSzPts val="2400"/>
-              <a:buFont typeface="Bebas Neue"/>
-              <a:buNone/>
-              <a:defRPr sz="3200">
-                <a:latin typeface="Bebas Neue"/>
-                <a:ea typeface="Bebas Neue"/>
-                <a:cs typeface="Bebas Neue"/>
-                <a:sym typeface="Bebas Neue"/>
-              </a:defRPr>
-            </a:lvl9pPr>
-          </a:lstStyle>
-          <a:p>
-            <a:r>
-              <a:rPr lang="pt-BR"/>
-              <a:t>Clique para editar o estilo do subtítulo Mestre</a:t>
-            </a:r>
-            <a:endParaRPr/>
-          </a:p>
-        </p:txBody>
-      </p:sp>
-      <p:sp>
-        <p:nvSpPr>
-          <p:cNvPr id="154" name="Google Shape;154;p20"/>
-          <p:cNvSpPr txBox="1">
-            <a:spLocks noGrp="1"/>
-          </p:cNvSpPr>
-          <p:nvPr>
-            <p:ph type="subTitle" idx="6"/>
-          </p:nvPr>
-        </p:nvSpPr>
-        <p:spPr>
-          <a:xfrm>
-            <a:off x="7822725" y="3443467"/>
-            <a:ext cx="3222400" cy="880000"/>
-          </a:xfrm>
-          <a:prstGeom prst="rect">
-            <a:avLst/>
-          </a:prstGeom>
-        </p:spPr>
-        <p:txBody>
-          <a:bodyPr spcFirstLastPara="1" wrap="square" lIns="91425" tIns="91425" rIns="91425" bIns="91425" anchor="b" anchorCtr="0">
-            <a:noAutofit/>
-          </a:bodyPr>
-          <a:lstStyle>
-            <a:lvl1pPr lvl="0" rtl="0">
-              <a:spcBef>
-                <a:spcPts val="0"/>
-              </a:spcBef>
-              <a:spcAft>
-                <a:spcPts val="0"/>
-              </a:spcAft>
-              <a:buSzPts val="2400"/>
-              <a:buFont typeface="Bebas Neue"/>
-              <a:buNone/>
-              <a:defRPr sz="3200">
-                <a:solidFill>
-                  <a:schemeClr val="accent5"/>
-                </a:solidFill>
-                <a:latin typeface="Source Code Pro Medium"/>
-                <a:ea typeface="Source Code Pro Medium"/>
-                <a:cs typeface="Source Code Pro Medium"/>
-                <a:sym typeface="Source Code Pro Medium"/>
-              </a:defRPr>
-            </a:lvl1pPr>
-            <a:lvl2pPr lvl="1" algn="ctr" rtl="0">
-              <a:lnSpc>
-                <a:spcPct val="100000"/>
-              </a:lnSpc>
-              <a:spcBef>
-                <a:spcPts val="0"/>
-              </a:spcBef>
-              <a:spcAft>
-                <a:spcPts val="0"/>
-              </a:spcAft>
-              <a:buSzPts val="2400"/>
-              <a:buFont typeface="Bebas Neue"/>
-              <a:buNone/>
-              <a:defRPr sz="3200">
-                <a:latin typeface="Bebas Neue"/>
-                <a:ea typeface="Bebas Neue"/>
-                <a:cs typeface="Bebas Neue"/>
-                <a:sym typeface="Bebas Neue"/>
-              </a:defRPr>
-            </a:lvl2pPr>
-            <a:lvl3pPr lvl="2" algn="ctr" rtl="0">
-              <a:lnSpc>
-                <a:spcPct val="100000"/>
-              </a:lnSpc>
-              <a:spcBef>
-                <a:spcPts val="0"/>
-              </a:spcBef>
-              <a:spcAft>
-                <a:spcPts val="0"/>
-              </a:spcAft>
-              <a:buSzPts val="2400"/>
-              <a:buFont typeface="Bebas Neue"/>
-              <a:buNone/>
-              <a:defRPr sz="3200">
-                <a:latin typeface="Bebas Neue"/>
-                <a:ea typeface="Bebas Neue"/>
-                <a:cs typeface="Bebas Neue"/>
-                <a:sym typeface="Bebas Neue"/>
-              </a:defRPr>
-            </a:lvl3pPr>
-            <a:lvl4pPr lvl="3" algn="ctr" rtl="0">
-              <a:lnSpc>
-                <a:spcPct val="100000"/>
-              </a:lnSpc>
-              <a:spcBef>
-                <a:spcPts val="0"/>
-              </a:spcBef>
-              <a:spcAft>
-                <a:spcPts val="0"/>
-              </a:spcAft>
-              <a:buSzPts val="2400"/>
-              <a:buFont typeface="Bebas Neue"/>
-              <a:buNone/>
-              <a:defRPr sz="3200">
-                <a:latin typeface="Bebas Neue"/>
-                <a:ea typeface="Bebas Neue"/>
-                <a:cs typeface="Bebas Neue"/>
-                <a:sym typeface="Bebas Neue"/>
-              </a:defRPr>
-            </a:lvl4pPr>
-            <a:lvl5pPr lvl="4" algn="ctr" rtl="0">
-              <a:lnSpc>
-                <a:spcPct val="100000"/>
-              </a:lnSpc>
-              <a:spcBef>
-                <a:spcPts val="0"/>
-              </a:spcBef>
-              <a:spcAft>
-                <a:spcPts val="0"/>
-              </a:spcAft>
-              <a:buSzPts val="2400"/>
-              <a:buFont typeface="Bebas Neue"/>
-              <a:buNone/>
-              <a:defRPr sz="3200">
-                <a:latin typeface="Bebas Neue"/>
-                <a:ea typeface="Bebas Neue"/>
-                <a:cs typeface="Bebas Neue"/>
-                <a:sym typeface="Bebas Neue"/>
-              </a:defRPr>
-            </a:lvl5pPr>
-            <a:lvl6pPr lvl="5" algn="ctr" rtl="0">
-              <a:lnSpc>
-                <a:spcPct val="100000"/>
-              </a:lnSpc>
-              <a:spcBef>
-                <a:spcPts val="0"/>
-              </a:spcBef>
-              <a:spcAft>
-                <a:spcPts val="0"/>
-              </a:spcAft>
-              <a:buSzPts val="2400"/>
-              <a:buFont typeface="Bebas Neue"/>
-              <a:buNone/>
-              <a:defRPr sz="3200">
-                <a:latin typeface="Bebas Neue"/>
-                <a:ea typeface="Bebas Neue"/>
-                <a:cs typeface="Bebas Neue"/>
-                <a:sym typeface="Bebas Neue"/>
-              </a:defRPr>
-            </a:lvl6pPr>
-            <a:lvl7pPr lvl="6" algn="ctr" rtl="0">
-              <a:lnSpc>
-                <a:spcPct val="100000"/>
-              </a:lnSpc>
-              <a:spcBef>
-                <a:spcPts val="0"/>
-              </a:spcBef>
-              <a:spcAft>
-                <a:spcPts val="0"/>
-              </a:spcAft>
-              <a:buSzPts val="2400"/>
-              <a:buFont typeface="Bebas Neue"/>
-              <a:buNone/>
-              <a:defRPr sz="3200">
-                <a:latin typeface="Bebas Neue"/>
-                <a:ea typeface="Bebas Neue"/>
-                <a:cs typeface="Bebas Neue"/>
-                <a:sym typeface="Bebas Neue"/>
-              </a:defRPr>
-            </a:lvl7pPr>
-            <a:lvl8pPr lvl="7" algn="ctr" rtl="0">
-              <a:lnSpc>
-                <a:spcPct val="100000"/>
-              </a:lnSpc>
-              <a:spcBef>
-                <a:spcPts val="0"/>
-              </a:spcBef>
-              <a:spcAft>
-                <a:spcPts val="0"/>
-              </a:spcAft>
-              <a:buSzPts val="2400"/>
-              <a:buFont typeface="Bebas Neue"/>
-              <a:buNone/>
-              <a:defRPr sz="3200">
-                <a:latin typeface="Bebas Neue"/>
-                <a:ea typeface="Bebas Neue"/>
-                <a:cs typeface="Bebas Neue"/>
-                <a:sym typeface="Bebas Neue"/>
-              </a:defRPr>
-            </a:lvl8pPr>
-            <a:lvl9pPr lvl="8" algn="ctr" rtl="0">
-              <a:lnSpc>
-                <a:spcPct val="100000"/>
-              </a:lnSpc>
-              <a:spcBef>
-                <a:spcPts val="0"/>
-              </a:spcBef>
-              <a:spcAft>
-                <a:spcPts val="0"/>
-              </a:spcAft>
-              <a:buSzPts val="2400"/>
-              <a:buFont typeface="Bebas Neue"/>
-              <a:buNone/>
-              <a:defRPr sz="3200">
-                <a:latin typeface="Bebas Neue"/>
-                <a:ea typeface="Bebas Neue"/>
-                <a:cs typeface="Bebas Neue"/>
-                <a:sym typeface="Bebas Neue"/>
-              </a:defRPr>
-            </a:lvl9pPr>
-          </a:lstStyle>
-          <a:p>
-            <a:r>
-              <a:rPr lang="pt-BR"/>
-              <a:t>Clique para editar o estilo do subtítulo Mestre</a:t>
-            </a:r>
-            <a:endParaRPr/>
-          </a:p>
-        </p:txBody>
-      </p:sp>
-    </p:spTree>
-    <p:extLst>
-      <p:ext uri="{BB962C8B-B14F-4D97-AF65-F5344CB8AC3E}">
-        <p14:creationId xmlns:p14="http://schemas.microsoft.com/office/powerpoint/2010/main" val="3954001090"/>
-      </p:ext>
-    </p:extLst>
-  </p:cSld>
-  <p:clrMapOvr>
-    <a:masterClrMapping/>
-  </p:clrMapOvr>
-</p:sldLayout>
-</file>
-
-<file path=ppt/slideLayouts/slideLayout2.xml><?xml version="1.0" encoding="utf-8"?>
-<p:sldLayout xmlns:a="http://schemas.openxmlformats.org/drawingml/2006/main" xmlns:r="http://schemas.openxmlformats.org/officeDocument/2006/relationships" xmlns:p="http://schemas.openxmlformats.org/presentationml/2006/main" matchingName="Section header" type="secHead">
-  <p:cSld name="Section header">
-    <p:spTree>
-      <p:nvGrpSpPr>
-        <p:cNvPr id="1" name="Shape 11"/>
-        <p:cNvGrpSpPr/>
-        <p:nvPr/>
-      </p:nvGrpSpPr>
-      <p:grpSpPr>
-        <a:xfrm>
-          <a:off x="0" y="0"/>
-          <a:ext cx="0" cy="0"/>
-          <a:chOff x="0" y="0"/>
-          <a:chExt cx="0" cy="0"/>
-        </a:xfrm>
-      </p:grpSpPr>
-      <p:sp>
-        <p:nvSpPr>
-          <p:cNvPr id="12" name="Google Shape;12;p3"/>
-          <p:cNvSpPr txBox="1">
-            <a:spLocks noGrp="1"/>
-          </p:cNvSpPr>
-          <p:nvPr>
-            <p:ph type="title"/>
-          </p:nvPr>
-        </p:nvSpPr>
-        <p:spPr>
-          <a:xfrm>
-            <a:off x="2047651" y="3021933"/>
-            <a:ext cx="8847600" cy="1603200"/>
-          </a:xfrm>
-          <a:prstGeom prst="rect">
-            <a:avLst/>
-          </a:prstGeom>
-        </p:spPr>
-        <p:txBody>
-          <a:bodyPr spcFirstLastPara="1" wrap="square" lIns="91425" tIns="91425" rIns="91425" bIns="91425" anchor="ctr" anchorCtr="0">
-            <a:noAutofit/>
-          </a:bodyPr>
-          <a:lstStyle>
-            <a:lvl1pPr lvl="0">
-              <a:spcBef>
-                <a:spcPts val="0"/>
-              </a:spcBef>
-              <a:spcAft>
-                <a:spcPts val="0"/>
-              </a:spcAft>
-              <a:buSzPts val="3600"/>
-              <a:buNone/>
-              <a:defRPr sz="5333"/>
-            </a:lvl1pPr>
-            <a:lvl2pPr lvl="1" algn="ctr">
-              <a:spcBef>
-                <a:spcPts val="0"/>
-              </a:spcBef>
-              <a:spcAft>
-                <a:spcPts val="0"/>
-              </a:spcAft>
-              <a:buSzPts val="3600"/>
-              <a:buNone/>
-              <a:defRPr sz="4800"/>
-            </a:lvl2pPr>
-            <a:lvl3pPr lvl="2" algn="ctr">
-              <a:spcBef>
-                <a:spcPts val="0"/>
-              </a:spcBef>
-              <a:spcAft>
-                <a:spcPts val="0"/>
-              </a:spcAft>
-              <a:buSzPts val="3600"/>
-              <a:buNone/>
-              <a:defRPr sz="4800"/>
-            </a:lvl3pPr>
-            <a:lvl4pPr lvl="3" algn="ctr">
-              <a:spcBef>
-                <a:spcPts val="0"/>
-              </a:spcBef>
-              <a:spcAft>
-                <a:spcPts val="0"/>
-              </a:spcAft>
-              <a:buSzPts val="3600"/>
-              <a:buNone/>
-              <a:defRPr sz="4800"/>
-            </a:lvl4pPr>
-            <a:lvl5pPr lvl="4" algn="ctr">
-              <a:spcBef>
-                <a:spcPts val="0"/>
-              </a:spcBef>
-              <a:spcAft>
-                <a:spcPts val="0"/>
-              </a:spcAft>
-              <a:buSzPts val="3600"/>
-              <a:buNone/>
-              <a:defRPr sz="4800"/>
-            </a:lvl5pPr>
-            <a:lvl6pPr lvl="5" algn="ctr">
-              <a:spcBef>
-                <a:spcPts val="0"/>
-              </a:spcBef>
-              <a:spcAft>
-                <a:spcPts val="0"/>
-              </a:spcAft>
-              <a:buSzPts val="3600"/>
-              <a:buNone/>
-              <a:defRPr sz="4800"/>
-            </a:lvl6pPr>
-            <a:lvl7pPr lvl="6" algn="ctr">
-              <a:spcBef>
-                <a:spcPts val="0"/>
-              </a:spcBef>
-              <a:spcAft>
-                <a:spcPts val="0"/>
-              </a:spcAft>
-              <a:buSzPts val="3600"/>
-              <a:buNone/>
-              <a:defRPr sz="4800"/>
-            </a:lvl7pPr>
-            <a:lvl8pPr lvl="7" algn="ctr">
-              <a:spcBef>
-                <a:spcPts val="0"/>
-              </a:spcBef>
-              <a:spcAft>
-                <a:spcPts val="0"/>
-              </a:spcAft>
-              <a:buSzPts val="3600"/>
-              <a:buNone/>
-              <a:defRPr sz="4800"/>
-            </a:lvl8pPr>
-            <a:lvl9pPr lvl="8" algn="ctr">
-              <a:spcBef>
-                <a:spcPts val="0"/>
-              </a:spcBef>
-              <a:spcAft>
-                <a:spcPts val="0"/>
-              </a:spcAft>
-              <a:buSzPts val="3600"/>
-              <a:buNone/>
-              <a:defRPr sz="4800"/>
-            </a:lvl9pPr>
-          </a:lstStyle>
-          <a:p>
-            <a:r>
-              <a:rPr lang="pt-BR"/>
-              <a:t>Clique para editar o título Mestre</a:t>
-            </a:r>
-            <a:endParaRPr/>
-          </a:p>
-        </p:txBody>
-      </p:sp>
-      <p:sp>
-        <p:nvSpPr>
-          <p:cNvPr id="13" name="Google Shape;13;p3"/>
-          <p:cNvSpPr txBox="1">
-            <a:spLocks noGrp="1"/>
-          </p:cNvSpPr>
-          <p:nvPr>
-            <p:ph type="title" idx="2" hasCustomPrompt="1"/>
-          </p:nvPr>
-        </p:nvSpPr>
-        <p:spPr>
-          <a:xfrm>
-            <a:off x="1317484" y="1800733"/>
-            <a:ext cx="2202800" cy="1221200"/>
-          </a:xfrm>
-          <a:prstGeom prst="rect">
-            <a:avLst/>
-          </a:prstGeom>
-          <a:noFill/>
-        </p:spPr>
-        <p:txBody>
-          <a:bodyPr spcFirstLastPara="1" wrap="square" lIns="91425" tIns="91425" rIns="91425" bIns="91425" anchor="ctr" anchorCtr="0">
-            <a:noAutofit/>
-          </a:bodyPr>
-          <a:lstStyle>
-            <a:lvl1pPr lvl="0" rtl="0">
-              <a:spcBef>
-                <a:spcPts val="0"/>
-              </a:spcBef>
-              <a:spcAft>
-                <a:spcPts val="0"/>
-              </a:spcAft>
-              <a:buClr>
-                <a:schemeClr val="lt1"/>
-              </a:buClr>
-              <a:buSzPts val="6000"/>
-              <a:buNone/>
-              <a:defRPr sz="8000">
-                <a:solidFill>
-                  <a:schemeClr val="dk2"/>
-                </a:solidFill>
-                <a:latin typeface="Fira Code"/>
-                <a:ea typeface="Fira Code"/>
-                <a:cs typeface="Fira Code"/>
-                <a:sym typeface="Fira Code"/>
-              </a:defRPr>
-            </a:lvl1pPr>
-            <a:lvl2pPr lvl="1" algn="ctr" rtl="0">
-              <a:spcBef>
-                <a:spcPts val="0"/>
-              </a:spcBef>
-              <a:spcAft>
-                <a:spcPts val="0"/>
-              </a:spcAft>
-              <a:buClr>
-                <a:schemeClr val="lt1"/>
-              </a:buClr>
-              <a:buSzPts val="6000"/>
-              <a:buNone/>
-              <a:defRPr sz="8000">
-                <a:solidFill>
-                  <a:schemeClr val="lt1"/>
-                </a:solidFill>
-              </a:defRPr>
-            </a:lvl2pPr>
-            <a:lvl3pPr lvl="2" algn="ctr" rtl="0">
-              <a:spcBef>
-                <a:spcPts val="0"/>
-              </a:spcBef>
-              <a:spcAft>
-                <a:spcPts val="0"/>
-              </a:spcAft>
-              <a:buClr>
-                <a:schemeClr val="lt1"/>
-              </a:buClr>
-              <a:buSzPts val="6000"/>
-              <a:buNone/>
-              <a:defRPr sz="8000">
-                <a:solidFill>
-                  <a:schemeClr val="lt1"/>
-                </a:solidFill>
-              </a:defRPr>
-            </a:lvl3pPr>
-            <a:lvl4pPr lvl="3" algn="ctr" rtl="0">
-              <a:spcBef>
-                <a:spcPts val="0"/>
-              </a:spcBef>
-              <a:spcAft>
-                <a:spcPts val="0"/>
-              </a:spcAft>
-              <a:buClr>
-                <a:schemeClr val="lt1"/>
-              </a:buClr>
-              <a:buSzPts val="6000"/>
-              <a:buNone/>
-              <a:defRPr sz="8000">
-                <a:solidFill>
-                  <a:schemeClr val="lt1"/>
-                </a:solidFill>
-              </a:defRPr>
-            </a:lvl4pPr>
-            <a:lvl5pPr lvl="4" algn="ctr" rtl="0">
-              <a:spcBef>
-                <a:spcPts val="0"/>
-              </a:spcBef>
-              <a:spcAft>
-                <a:spcPts val="0"/>
-              </a:spcAft>
-              <a:buClr>
-                <a:schemeClr val="lt1"/>
-              </a:buClr>
-              <a:buSzPts val="6000"/>
-              <a:buNone/>
-              <a:defRPr sz="8000">
-                <a:solidFill>
-                  <a:schemeClr val="lt1"/>
-                </a:solidFill>
-              </a:defRPr>
-            </a:lvl5pPr>
-            <a:lvl6pPr lvl="5" algn="ctr" rtl="0">
-              <a:spcBef>
-                <a:spcPts val="0"/>
-              </a:spcBef>
-              <a:spcAft>
-                <a:spcPts val="0"/>
-              </a:spcAft>
-              <a:buClr>
-                <a:schemeClr val="lt1"/>
-              </a:buClr>
-              <a:buSzPts val="6000"/>
-              <a:buNone/>
-              <a:defRPr sz="8000">
-                <a:solidFill>
-                  <a:schemeClr val="lt1"/>
-                </a:solidFill>
-              </a:defRPr>
-            </a:lvl6pPr>
-            <a:lvl7pPr lvl="6" algn="ctr" rtl="0">
-              <a:spcBef>
-                <a:spcPts val="0"/>
-              </a:spcBef>
-              <a:spcAft>
-                <a:spcPts val="0"/>
-              </a:spcAft>
-              <a:buClr>
-                <a:schemeClr val="lt1"/>
-              </a:buClr>
-              <a:buSzPts val="6000"/>
-              <a:buNone/>
-              <a:defRPr sz="8000">
-                <a:solidFill>
-                  <a:schemeClr val="lt1"/>
-                </a:solidFill>
-              </a:defRPr>
-            </a:lvl7pPr>
-            <a:lvl8pPr lvl="7" algn="ctr" rtl="0">
-              <a:spcBef>
-                <a:spcPts val="0"/>
-              </a:spcBef>
-              <a:spcAft>
-                <a:spcPts val="0"/>
-              </a:spcAft>
-              <a:buClr>
-                <a:schemeClr val="lt1"/>
-              </a:buClr>
-              <a:buSzPts val="6000"/>
-              <a:buNone/>
-              <a:defRPr sz="8000">
-                <a:solidFill>
-                  <a:schemeClr val="lt1"/>
-                </a:solidFill>
-              </a:defRPr>
-            </a:lvl8pPr>
-            <a:lvl9pPr lvl="8" algn="ctr" rtl="0">
-              <a:spcBef>
-                <a:spcPts val="0"/>
-              </a:spcBef>
-              <a:spcAft>
-                <a:spcPts val="0"/>
-              </a:spcAft>
-              <a:buClr>
-                <a:schemeClr val="lt1"/>
-              </a:buClr>
-              <a:buSzPts val="6000"/>
-              <a:buNone/>
-              <a:defRPr sz="8000">
-                <a:solidFill>
-                  <a:schemeClr val="lt1"/>
-                </a:solidFill>
-              </a:defRPr>
-            </a:lvl9pPr>
-          </a:lstStyle>
-          <a:p>
-            <a:r>
-              <a:t>xx%</a:t>
-            </a:r>
-          </a:p>
-        </p:txBody>
-      </p:sp>
-      <p:sp>
-        <p:nvSpPr>
-          <p:cNvPr id="14" name="Google Shape;14;p3"/>
-          <p:cNvSpPr txBox="1">
-            <a:spLocks noGrp="1"/>
-          </p:cNvSpPr>
-          <p:nvPr>
-            <p:ph type="subTitle" idx="1"/>
-          </p:nvPr>
-        </p:nvSpPr>
-        <p:spPr>
-          <a:xfrm>
-            <a:off x="2773533" y="4625133"/>
-            <a:ext cx="8058400" cy="377600"/>
-          </a:xfrm>
-          <a:prstGeom prst="rect">
-            <a:avLst/>
-          </a:prstGeom>
-          <a:noFill/>
-        </p:spPr>
-        <p:txBody>
-          <a:bodyPr spcFirstLastPara="1" wrap="square" lIns="91425" tIns="91425" rIns="91425" bIns="91425" anchor="t" anchorCtr="0">
-            <a:noAutofit/>
-          </a:bodyPr>
-          <a:lstStyle>
-            <a:lvl1pPr lvl="0" rtl="0">
-              <a:spcBef>
-                <a:spcPts val="0"/>
-              </a:spcBef>
-              <a:spcAft>
-                <a:spcPts val="0"/>
-              </a:spcAft>
-              <a:buSzPts val="1400"/>
-              <a:buNone/>
-              <a:defRPr sz="2133"/>
-            </a:lvl1pPr>
-            <a:lvl2pPr lvl="1" algn="ctr" rtl="0">
-              <a:lnSpc>
-                <a:spcPct val="100000"/>
-              </a:lnSpc>
-              <a:spcBef>
-                <a:spcPts val="0"/>
-              </a:spcBef>
-              <a:spcAft>
-                <a:spcPts val="0"/>
-              </a:spcAft>
-              <a:buSzPts val="1400"/>
-              <a:buNone/>
-              <a:defRPr/>
-            </a:lvl2pPr>
-            <a:lvl3pPr lvl="2" algn="ctr" rtl="0">
-              <a:lnSpc>
-                <a:spcPct val="100000"/>
-              </a:lnSpc>
-              <a:spcBef>
-                <a:spcPts val="0"/>
-              </a:spcBef>
-              <a:spcAft>
-                <a:spcPts val="0"/>
-              </a:spcAft>
-              <a:buSzPts val="1400"/>
-              <a:buNone/>
-              <a:defRPr/>
-            </a:lvl3pPr>
-            <a:lvl4pPr lvl="3" algn="ctr" rtl="0">
-              <a:lnSpc>
-                <a:spcPct val="100000"/>
-              </a:lnSpc>
-              <a:spcBef>
-                <a:spcPts val="0"/>
-              </a:spcBef>
-              <a:spcAft>
-                <a:spcPts val="0"/>
-              </a:spcAft>
-              <a:buSzPts val="1400"/>
-              <a:buNone/>
-              <a:defRPr/>
-            </a:lvl4pPr>
-            <a:lvl5pPr lvl="4" algn="ctr" rtl="0">
-              <a:lnSpc>
-                <a:spcPct val="100000"/>
-              </a:lnSpc>
-              <a:spcBef>
-                <a:spcPts val="0"/>
-              </a:spcBef>
-              <a:spcAft>
-                <a:spcPts val="0"/>
-              </a:spcAft>
-              <a:buSzPts val="1400"/>
-              <a:buNone/>
-              <a:defRPr/>
-            </a:lvl5pPr>
-            <a:lvl6pPr lvl="5" algn="ctr" rtl="0">
-              <a:lnSpc>
-                <a:spcPct val="100000"/>
-              </a:lnSpc>
-              <a:spcBef>
-                <a:spcPts val="0"/>
-              </a:spcBef>
-              <a:spcAft>
-                <a:spcPts val="0"/>
-              </a:spcAft>
-              <a:buSzPts val="1400"/>
-              <a:buNone/>
-              <a:defRPr/>
-            </a:lvl6pPr>
-            <a:lvl7pPr lvl="6" algn="ctr" rtl="0">
-              <a:lnSpc>
-                <a:spcPct val="100000"/>
-              </a:lnSpc>
-              <a:spcBef>
-                <a:spcPts val="0"/>
-              </a:spcBef>
-              <a:spcAft>
-                <a:spcPts val="0"/>
-              </a:spcAft>
-              <a:buSzPts val="1400"/>
-              <a:buNone/>
-              <a:defRPr/>
-            </a:lvl7pPr>
-            <a:lvl8pPr lvl="7" algn="ctr" rtl="0">
-              <a:lnSpc>
-                <a:spcPct val="100000"/>
-              </a:lnSpc>
-              <a:spcBef>
-                <a:spcPts val="0"/>
-              </a:spcBef>
-              <a:spcAft>
-                <a:spcPts val="0"/>
-              </a:spcAft>
-              <a:buSzPts val="1400"/>
-              <a:buNone/>
-              <a:defRPr/>
-            </a:lvl8pPr>
-            <a:lvl9pPr lvl="8" algn="ctr" rtl="0">
-              <a:lnSpc>
-                <a:spcPct val="100000"/>
-              </a:lnSpc>
-              <a:spcBef>
-                <a:spcPts val="0"/>
-              </a:spcBef>
-              <a:spcAft>
-                <a:spcPts val="0"/>
-              </a:spcAft>
-              <a:buSzPts val="1400"/>
-              <a:buNone/>
-              <a:defRPr/>
-            </a:lvl9pPr>
-          </a:lstStyle>
-          <a:p>
-            <a:r>
-              <a:rPr lang="pt-BR"/>
-              <a:t>Clique para editar o estilo do subtítulo Mestre</a:t>
-            </a:r>
-            <a:endParaRPr/>
-          </a:p>
-        </p:txBody>
-      </p:sp>
-      <p:sp>
-        <p:nvSpPr>
-          <p:cNvPr id="15" name="Google Shape;15;p3"/>
-          <p:cNvSpPr/>
-          <p:nvPr/>
-        </p:nvSpPr>
-        <p:spPr>
-          <a:xfrm>
-            <a:off x="10367" y="-2400"/>
-            <a:ext cx="12192000" cy="1547200"/>
-          </a:xfrm>
-          <a:prstGeom prst="rect">
-            <a:avLst/>
-          </a:prstGeom>
-          <a:solidFill>
-            <a:schemeClr val="accent6"/>
-          </a:solidFill>
-          <a:ln>
-            <a:noFill/>
-          </a:ln>
-        </p:spPr>
-        <p:txBody>
-          <a:bodyPr spcFirstLastPara="1" wrap="square" lIns="121900" tIns="121900" rIns="121900" bIns="121900" anchor="ctr" anchorCtr="0">
-            <a:noAutofit/>
-          </a:bodyPr>
-          <a:lstStyle/>
-          <a:p>
-            <a:pPr marL="0" lvl="0" indent="0" algn="l" rtl="0">
-              <a:spcBef>
-                <a:spcPts val="0"/>
-              </a:spcBef>
-              <a:spcAft>
-                <a:spcPts val="0"/>
-              </a:spcAft>
-              <a:buNone/>
-            </a:pPr>
-            <a:endParaRPr sz="2400"/>
-          </a:p>
-        </p:txBody>
-      </p:sp>
-      <p:grpSp>
-        <p:nvGrpSpPr>
-          <p:cNvPr id="16" name="Google Shape;16;p3"/>
-          <p:cNvGrpSpPr/>
-          <p:nvPr/>
-        </p:nvGrpSpPr>
-        <p:grpSpPr>
-          <a:xfrm>
-            <a:off x="11085100" y="470667"/>
-            <a:ext cx="630800" cy="248667"/>
-            <a:chOff x="7059675" y="514525"/>
-            <a:chExt cx="473100" cy="186500"/>
-          </a:xfrm>
-        </p:grpSpPr>
-        <p:cxnSp>
-          <p:nvCxnSpPr>
-            <p:cNvPr id="17" name="Google Shape;17;p3"/>
-            <p:cNvCxnSpPr/>
-            <p:nvPr/>
-          </p:nvCxnSpPr>
-          <p:spPr>
-            <a:xfrm rot="10800000" flipH="1">
-              <a:off x="7059675" y="514525"/>
-              <a:ext cx="473100" cy="4200"/>
-            </a:xfrm>
-            <a:prstGeom prst="straightConnector1">
-              <a:avLst/>
-            </a:prstGeom>
-            <a:noFill/>
-            <a:ln w="28575" cap="flat" cmpd="sng">
-              <a:solidFill>
-                <a:schemeClr val="dk1"/>
-              </a:solidFill>
-              <a:prstDash val="solid"/>
-              <a:round/>
-              <a:headEnd type="none" w="med" len="med"/>
-              <a:tailEnd type="none" w="med" len="med"/>
-            </a:ln>
-          </p:spPr>
-        </p:cxnSp>
-        <p:cxnSp>
-          <p:nvCxnSpPr>
-            <p:cNvPr id="18" name="Google Shape;18;p3"/>
-            <p:cNvCxnSpPr/>
-            <p:nvPr/>
-          </p:nvCxnSpPr>
-          <p:spPr>
-            <a:xfrm rot="10800000" flipH="1">
-              <a:off x="7059675" y="605675"/>
-              <a:ext cx="473100" cy="4200"/>
-            </a:xfrm>
-            <a:prstGeom prst="straightConnector1">
-              <a:avLst/>
-            </a:prstGeom>
-            <a:noFill/>
-            <a:ln w="28575" cap="flat" cmpd="sng">
-              <a:solidFill>
-                <a:schemeClr val="dk1"/>
-              </a:solidFill>
-              <a:prstDash val="solid"/>
-              <a:round/>
-              <a:headEnd type="none" w="med" len="med"/>
-              <a:tailEnd type="none" w="med" len="med"/>
-            </a:ln>
-          </p:spPr>
-        </p:cxnSp>
-        <p:cxnSp>
-          <p:nvCxnSpPr>
-            <p:cNvPr id="19" name="Google Shape;19;p3"/>
-            <p:cNvCxnSpPr/>
-            <p:nvPr/>
-          </p:nvCxnSpPr>
-          <p:spPr>
-            <a:xfrm rot="10800000" flipH="1">
-              <a:off x="7059675" y="696825"/>
-              <a:ext cx="473100" cy="4200"/>
-            </a:xfrm>
-            <a:prstGeom prst="straightConnector1">
-              <a:avLst/>
-            </a:prstGeom>
-            <a:noFill/>
-            <a:ln w="28575" cap="flat" cmpd="sng">
-              <a:solidFill>
-                <a:schemeClr val="dk1"/>
-              </a:solidFill>
-              <a:prstDash val="solid"/>
-              <a:round/>
-              <a:headEnd type="none" w="med" len="med"/>
-              <a:tailEnd type="none" w="med" len="med"/>
-            </a:ln>
-          </p:spPr>
-        </p:cxnSp>
-      </p:grpSp>
-    </p:spTree>
-    <p:extLst>
-      <p:ext uri="{BB962C8B-B14F-4D97-AF65-F5344CB8AC3E}">
-        <p14:creationId xmlns:p14="http://schemas.microsoft.com/office/powerpoint/2010/main" val="3466126662"/>
-      </p:ext>
-    </p:extLst>
-  </p:cSld>
-  <p:clrMapOvr>
-    <a:masterClrMapping/>
-  </p:clrMapOvr>
-</p:sldLayout>
-</file>
-
-<file path=ppt/slideLayouts/slideLayout20.xml><?xml version="1.0" encoding="utf-8"?>
 <p:sldLayout xmlns:a="http://schemas.openxmlformats.org/drawingml/2006/main" xmlns:r="http://schemas.openxmlformats.org/officeDocument/2006/relationships" xmlns:p="http://schemas.openxmlformats.org/presentationml/2006/main" matchingName="Title and four columns">
   <p:cSld name="Title and four columns">
     <p:spTree>
@@ -10307,15 +8251,18 @@
   <p:clrMapOvr>
     <a:masterClrMapping/>
   </p:clrMapOvr>
+  <p:transition spd="slow">
+    <p:wipe/>
+  </p:transition>
 </p:sldLayout>
 </file>
 
-<file path=ppt/slideLayouts/slideLayout21.xml><?xml version="1.0" encoding="utf-8"?>
-<p:sldLayout xmlns:a="http://schemas.openxmlformats.org/drawingml/2006/main" xmlns:r="http://schemas.openxmlformats.org/officeDocument/2006/relationships" xmlns:p="http://schemas.openxmlformats.org/presentationml/2006/main" matchingName="Title and six columns">
-  <p:cSld name="Title and six columns">
+<file path=ppt/slideLayouts/slideLayout2.xml><?xml version="1.0" encoding="utf-8"?>
+<p:sldLayout xmlns:a="http://schemas.openxmlformats.org/drawingml/2006/main" xmlns:r="http://schemas.openxmlformats.org/officeDocument/2006/relationships" xmlns:p="http://schemas.openxmlformats.org/presentationml/2006/main" matchingName="Section header" type="secHead">
+  <p:cSld name="Section header">
     <p:spTree>
       <p:nvGrpSpPr>
-        <p:cNvPr id="1" name="Shape 170"/>
+        <p:cNvPr id="1" name="Shape 11"/>
         <p:cNvGrpSpPr/>
         <p:nvPr/>
       </p:nvGrpSpPr>
@@ -10329,7 +8276,7 @@
       </p:grpSpPr>
       <p:sp>
         <p:nvSpPr>
-          <p:cNvPr id="171" name="Google Shape;171;p22"/>
+          <p:cNvPr id="12" name="Google Shape;12;p3"/>
           <p:cNvSpPr txBox="1">
             <a:spLocks noGrp="1"/>
           </p:cNvSpPr>
@@ -10339,116 +8286,116 @@
         </p:nvSpPr>
         <p:spPr>
           <a:xfrm>
-            <a:off x="960000" y="593367"/>
-            <a:ext cx="10272000" cy="763600"/>
+            <a:off x="2047651" y="3021933"/>
+            <a:ext cx="8847600" cy="1603200"/>
           </a:xfrm>
           <a:prstGeom prst="rect">
             <a:avLst/>
           </a:prstGeom>
         </p:spPr>
         <p:txBody>
-          <a:bodyPr spcFirstLastPara="1" wrap="square" lIns="91425" tIns="91425" rIns="91425" bIns="91425" anchor="t" anchorCtr="0">
+          <a:bodyPr spcFirstLastPara="1" wrap="square" lIns="91425" tIns="91425" rIns="91425" bIns="91425" anchor="ctr" anchorCtr="0">
             <a:noAutofit/>
           </a:bodyPr>
           <a:lstStyle>
-            <a:lvl1pPr lvl="0" algn="ctr" rtl="0">
-              <a:spcBef>
-                <a:spcPts val="0"/>
-              </a:spcBef>
-              <a:spcAft>
-                <a:spcPts val="0"/>
-              </a:spcAft>
-              <a:buSzPts val="3500"/>
-              <a:buNone/>
-              <a:defRPr/>
+            <a:lvl1pPr lvl="0">
+              <a:spcBef>
+                <a:spcPts val="0"/>
+              </a:spcBef>
+              <a:spcAft>
+                <a:spcPts val="0"/>
+              </a:spcAft>
+              <a:buSzPts val="3600"/>
+              <a:buNone/>
+              <a:defRPr sz="5333"/>
             </a:lvl1pPr>
-            <a:lvl2pPr lvl="1" rtl="0">
-              <a:spcBef>
-                <a:spcPts val="0"/>
-              </a:spcBef>
-              <a:spcAft>
-                <a:spcPts val="0"/>
-              </a:spcAft>
-              <a:buSzPts val="3500"/>
-              <a:buNone/>
-              <a:defRPr/>
+            <a:lvl2pPr lvl="1" algn="ctr">
+              <a:spcBef>
+                <a:spcPts val="0"/>
+              </a:spcBef>
+              <a:spcAft>
+                <a:spcPts val="0"/>
+              </a:spcAft>
+              <a:buSzPts val="3600"/>
+              <a:buNone/>
+              <a:defRPr sz="4800"/>
             </a:lvl2pPr>
-            <a:lvl3pPr lvl="2" rtl="0">
-              <a:spcBef>
-                <a:spcPts val="0"/>
-              </a:spcBef>
-              <a:spcAft>
-                <a:spcPts val="0"/>
-              </a:spcAft>
-              <a:buSzPts val="3500"/>
-              <a:buNone/>
-              <a:defRPr/>
+            <a:lvl3pPr lvl="2" algn="ctr">
+              <a:spcBef>
+                <a:spcPts val="0"/>
+              </a:spcBef>
+              <a:spcAft>
+                <a:spcPts val="0"/>
+              </a:spcAft>
+              <a:buSzPts val="3600"/>
+              <a:buNone/>
+              <a:defRPr sz="4800"/>
             </a:lvl3pPr>
-            <a:lvl4pPr lvl="3" rtl="0">
-              <a:spcBef>
-                <a:spcPts val="0"/>
-              </a:spcBef>
-              <a:spcAft>
-                <a:spcPts val="0"/>
-              </a:spcAft>
-              <a:buSzPts val="3500"/>
-              <a:buNone/>
-              <a:defRPr/>
+            <a:lvl4pPr lvl="3" algn="ctr">
+              <a:spcBef>
+                <a:spcPts val="0"/>
+              </a:spcBef>
+              <a:spcAft>
+                <a:spcPts val="0"/>
+              </a:spcAft>
+              <a:buSzPts val="3600"/>
+              <a:buNone/>
+              <a:defRPr sz="4800"/>
             </a:lvl4pPr>
-            <a:lvl5pPr lvl="4" rtl="0">
-              <a:spcBef>
-                <a:spcPts val="0"/>
-              </a:spcBef>
-              <a:spcAft>
-                <a:spcPts val="0"/>
-              </a:spcAft>
-              <a:buSzPts val="3500"/>
-              <a:buNone/>
-              <a:defRPr/>
+            <a:lvl5pPr lvl="4" algn="ctr">
+              <a:spcBef>
+                <a:spcPts val="0"/>
+              </a:spcBef>
+              <a:spcAft>
+                <a:spcPts val="0"/>
+              </a:spcAft>
+              <a:buSzPts val="3600"/>
+              <a:buNone/>
+              <a:defRPr sz="4800"/>
             </a:lvl5pPr>
-            <a:lvl6pPr lvl="5" rtl="0">
-              <a:spcBef>
-                <a:spcPts val="0"/>
-              </a:spcBef>
-              <a:spcAft>
-                <a:spcPts val="0"/>
-              </a:spcAft>
-              <a:buSzPts val="3500"/>
-              <a:buNone/>
-              <a:defRPr/>
+            <a:lvl6pPr lvl="5" algn="ctr">
+              <a:spcBef>
+                <a:spcPts val="0"/>
+              </a:spcBef>
+              <a:spcAft>
+                <a:spcPts val="0"/>
+              </a:spcAft>
+              <a:buSzPts val="3600"/>
+              <a:buNone/>
+              <a:defRPr sz="4800"/>
             </a:lvl6pPr>
-            <a:lvl7pPr lvl="6" rtl="0">
-              <a:spcBef>
-                <a:spcPts val="0"/>
-              </a:spcBef>
-              <a:spcAft>
-                <a:spcPts val="0"/>
-              </a:spcAft>
-              <a:buSzPts val="3500"/>
-              <a:buNone/>
-              <a:defRPr/>
+            <a:lvl7pPr lvl="6" algn="ctr">
+              <a:spcBef>
+                <a:spcPts val="0"/>
+              </a:spcBef>
+              <a:spcAft>
+                <a:spcPts val="0"/>
+              </a:spcAft>
+              <a:buSzPts val="3600"/>
+              <a:buNone/>
+              <a:defRPr sz="4800"/>
             </a:lvl7pPr>
-            <a:lvl8pPr lvl="7" rtl="0">
-              <a:spcBef>
-                <a:spcPts val="0"/>
-              </a:spcBef>
-              <a:spcAft>
-                <a:spcPts val="0"/>
-              </a:spcAft>
-              <a:buSzPts val="3500"/>
-              <a:buNone/>
-              <a:defRPr/>
+            <a:lvl8pPr lvl="7" algn="ctr">
+              <a:spcBef>
+                <a:spcPts val="0"/>
+              </a:spcBef>
+              <a:spcAft>
+                <a:spcPts val="0"/>
+              </a:spcAft>
+              <a:buSzPts val="3600"/>
+              <a:buNone/>
+              <a:defRPr sz="4800"/>
             </a:lvl8pPr>
-            <a:lvl9pPr lvl="8" rtl="0">
-              <a:spcBef>
-                <a:spcPts val="0"/>
-              </a:spcBef>
-              <a:spcAft>
-                <a:spcPts val="0"/>
-              </a:spcAft>
-              <a:buSzPts val="3500"/>
-              <a:buNone/>
-              <a:defRPr/>
+            <a:lvl9pPr lvl="8" algn="ctr">
+              <a:spcBef>
+                <a:spcPts val="0"/>
+              </a:spcBef>
+              <a:spcAft>
+                <a:spcPts val="0"/>
+              </a:spcAft>
+              <a:buSzPts val="3600"/>
+              <a:buNone/>
+              <a:defRPr sz="4800"/>
             </a:lvl9pPr>
           </a:lstStyle>
           <a:p>
@@ -10462,7 +8409,206 @@
       </p:sp>
       <p:sp>
         <p:nvSpPr>
-          <p:cNvPr id="172" name="Google Shape;172;p22"/>
+          <p:cNvPr id="13" name="Google Shape;13;p3"/>
+          <p:cNvSpPr txBox="1">
+            <a:spLocks noGrp="1"/>
+          </p:cNvSpPr>
+          <p:nvPr>
+            <p:ph type="title" idx="2" hasCustomPrompt="1"/>
+          </p:nvPr>
+        </p:nvSpPr>
+        <p:spPr>
+          <a:xfrm>
+            <a:off x="1317484" y="1800733"/>
+            <a:ext cx="2202800" cy="1221200"/>
+          </a:xfrm>
+          <a:prstGeom prst="rect">
+            <a:avLst/>
+          </a:prstGeom>
+          <a:noFill/>
+        </p:spPr>
+        <p:txBody>
+          <a:bodyPr spcFirstLastPara="1" wrap="square" lIns="91425" tIns="91425" rIns="91425" bIns="91425" anchor="ctr" anchorCtr="0">
+            <a:noAutofit/>
+          </a:bodyPr>
+          <a:lstStyle>
+            <a:lvl1pPr lvl="0" rtl="0">
+              <a:spcBef>
+                <a:spcPts val="0"/>
+              </a:spcBef>
+              <a:spcAft>
+                <a:spcPts val="0"/>
+              </a:spcAft>
+              <a:buClr>
+                <a:schemeClr val="lt1"/>
+              </a:buClr>
+              <a:buSzPts val="6000"/>
+              <a:buNone/>
+              <a:defRPr sz="8000">
+                <a:solidFill>
+                  <a:schemeClr val="dk2"/>
+                </a:solidFill>
+                <a:latin typeface="Fira Code"/>
+                <a:ea typeface="Fira Code"/>
+                <a:cs typeface="Fira Code"/>
+                <a:sym typeface="Fira Code"/>
+              </a:defRPr>
+            </a:lvl1pPr>
+            <a:lvl2pPr lvl="1" algn="ctr" rtl="0">
+              <a:spcBef>
+                <a:spcPts val="0"/>
+              </a:spcBef>
+              <a:spcAft>
+                <a:spcPts val="0"/>
+              </a:spcAft>
+              <a:buClr>
+                <a:schemeClr val="lt1"/>
+              </a:buClr>
+              <a:buSzPts val="6000"/>
+              <a:buNone/>
+              <a:defRPr sz="8000">
+                <a:solidFill>
+                  <a:schemeClr val="lt1"/>
+                </a:solidFill>
+              </a:defRPr>
+            </a:lvl2pPr>
+            <a:lvl3pPr lvl="2" algn="ctr" rtl="0">
+              <a:spcBef>
+                <a:spcPts val="0"/>
+              </a:spcBef>
+              <a:spcAft>
+                <a:spcPts val="0"/>
+              </a:spcAft>
+              <a:buClr>
+                <a:schemeClr val="lt1"/>
+              </a:buClr>
+              <a:buSzPts val="6000"/>
+              <a:buNone/>
+              <a:defRPr sz="8000">
+                <a:solidFill>
+                  <a:schemeClr val="lt1"/>
+                </a:solidFill>
+              </a:defRPr>
+            </a:lvl3pPr>
+            <a:lvl4pPr lvl="3" algn="ctr" rtl="0">
+              <a:spcBef>
+                <a:spcPts val="0"/>
+              </a:spcBef>
+              <a:spcAft>
+                <a:spcPts val="0"/>
+              </a:spcAft>
+              <a:buClr>
+                <a:schemeClr val="lt1"/>
+              </a:buClr>
+              <a:buSzPts val="6000"/>
+              <a:buNone/>
+              <a:defRPr sz="8000">
+                <a:solidFill>
+                  <a:schemeClr val="lt1"/>
+                </a:solidFill>
+              </a:defRPr>
+            </a:lvl4pPr>
+            <a:lvl5pPr lvl="4" algn="ctr" rtl="0">
+              <a:spcBef>
+                <a:spcPts val="0"/>
+              </a:spcBef>
+              <a:spcAft>
+                <a:spcPts val="0"/>
+              </a:spcAft>
+              <a:buClr>
+                <a:schemeClr val="lt1"/>
+              </a:buClr>
+              <a:buSzPts val="6000"/>
+              <a:buNone/>
+              <a:defRPr sz="8000">
+                <a:solidFill>
+                  <a:schemeClr val="lt1"/>
+                </a:solidFill>
+              </a:defRPr>
+            </a:lvl5pPr>
+            <a:lvl6pPr lvl="5" algn="ctr" rtl="0">
+              <a:spcBef>
+                <a:spcPts val="0"/>
+              </a:spcBef>
+              <a:spcAft>
+                <a:spcPts val="0"/>
+              </a:spcAft>
+              <a:buClr>
+                <a:schemeClr val="lt1"/>
+              </a:buClr>
+              <a:buSzPts val="6000"/>
+              <a:buNone/>
+              <a:defRPr sz="8000">
+                <a:solidFill>
+                  <a:schemeClr val="lt1"/>
+                </a:solidFill>
+              </a:defRPr>
+            </a:lvl6pPr>
+            <a:lvl7pPr lvl="6" algn="ctr" rtl="0">
+              <a:spcBef>
+                <a:spcPts val="0"/>
+              </a:spcBef>
+              <a:spcAft>
+                <a:spcPts val="0"/>
+              </a:spcAft>
+              <a:buClr>
+                <a:schemeClr val="lt1"/>
+              </a:buClr>
+              <a:buSzPts val="6000"/>
+              <a:buNone/>
+              <a:defRPr sz="8000">
+                <a:solidFill>
+                  <a:schemeClr val="lt1"/>
+                </a:solidFill>
+              </a:defRPr>
+            </a:lvl7pPr>
+            <a:lvl8pPr lvl="7" algn="ctr" rtl="0">
+              <a:spcBef>
+                <a:spcPts val="0"/>
+              </a:spcBef>
+              <a:spcAft>
+                <a:spcPts val="0"/>
+              </a:spcAft>
+              <a:buClr>
+                <a:schemeClr val="lt1"/>
+              </a:buClr>
+              <a:buSzPts val="6000"/>
+              <a:buNone/>
+              <a:defRPr sz="8000">
+                <a:solidFill>
+                  <a:schemeClr val="lt1"/>
+                </a:solidFill>
+              </a:defRPr>
+            </a:lvl8pPr>
+            <a:lvl9pPr lvl="8" algn="ctr" rtl="0">
+              <a:spcBef>
+                <a:spcPts val="0"/>
+              </a:spcBef>
+              <a:spcAft>
+                <a:spcPts val="0"/>
+              </a:spcAft>
+              <a:buClr>
+                <a:schemeClr val="lt1"/>
+              </a:buClr>
+              <a:buSzPts val="6000"/>
+              <a:buNone/>
+              <a:defRPr sz="8000">
+                <a:solidFill>
+                  <a:schemeClr val="lt1"/>
+                </a:solidFill>
+              </a:defRPr>
+            </a:lvl9pPr>
+          </a:lstStyle>
+          <a:p>
+            <a:r>
+              <a:t>xx%</a:t>
+            </a:r>
+          </a:p>
+        </p:txBody>
+      </p:sp>
+      <p:sp>
+        <p:nvSpPr>
+          <p:cNvPr id="14" name="Google Shape;14;p3"/>
           <p:cNvSpPr txBox="1">
             <a:spLocks noGrp="1"/>
           </p:cNvSpPr>
@@ -10472,12 +8618,13 @@
         </p:nvSpPr>
         <p:spPr>
           <a:xfrm>
-            <a:off x="1859867" y="2471333"/>
-            <a:ext cx="2648000" cy="1173200"/>
+            <a:off x="2773533" y="4625133"/>
+            <a:ext cx="8058400" cy="377600"/>
           </a:xfrm>
           <a:prstGeom prst="rect">
             <a:avLst/>
           </a:prstGeom>
+          <a:noFill/>
         </p:spPr>
         <p:txBody>
           <a:bodyPr spcFirstLastPara="1" wrap="square" lIns="91425" tIns="91425" rIns="91425" bIns="91425" anchor="t" anchorCtr="0">
@@ -10493,7 +8640,7 @@
               </a:spcAft>
               <a:buSzPts val="1400"/>
               <a:buNone/>
-              <a:defRPr sz="1867"/>
+              <a:defRPr sz="2133"/>
             </a:lvl1pPr>
             <a:lvl2pPr lvl="1" algn="ctr" rtl="0">
               <a:lnSpc>
@@ -10619,2087 +8766,154 @@
       </p:sp>
       <p:sp>
         <p:nvSpPr>
-          <p:cNvPr id="173" name="Google Shape;173;p22"/>
-          <p:cNvSpPr txBox="1">
-            <a:spLocks noGrp="1"/>
-          </p:cNvSpPr>
-          <p:nvPr>
-            <p:ph type="subTitle" idx="2"/>
-          </p:nvPr>
+          <p:cNvPr id="15" name="Google Shape;15;p3"/>
+          <p:cNvSpPr/>
+          <p:nvPr/>
         </p:nvSpPr>
         <p:spPr>
           <a:xfrm>
-            <a:off x="5153000" y="2471333"/>
-            <a:ext cx="2648000" cy="1173200"/>
+            <a:off x="10367" y="-2400"/>
+            <a:ext cx="12192000" cy="1547200"/>
           </a:xfrm>
           <a:prstGeom prst="rect">
             <a:avLst/>
           </a:prstGeom>
+          <a:solidFill>
+            <a:schemeClr val="accent6"/>
+          </a:solidFill>
+          <a:ln>
+            <a:noFill/>
+          </a:ln>
         </p:spPr>
         <p:txBody>
-          <a:bodyPr spcFirstLastPara="1" wrap="square" lIns="91425" tIns="91425" rIns="91425" bIns="91425" anchor="t" anchorCtr="0">
+          <a:bodyPr spcFirstLastPara="1" wrap="square" lIns="121900" tIns="121900" rIns="121900" bIns="121900" anchor="ctr" anchorCtr="0">
             <a:noAutofit/>
           </a:bodyPr>
-          <a:lstStyle>
-            <a:lvl1pPr lvl="0" rtl="0">
-              <a:spcBef>
-                <a:spcPts val="0"/>
-              </a:spcBef>
-              <a:spcAft>
-                <a:spcPts val="0"/>
-              </a:spcAft>
-              <a:buSzPts val="1400"/>
-              <a:buNone/>
-              <a:defRPr sz="1867"/>
-            </a:lvl1pPr>
-            <a:lvl2pPr lvl="1" algn="ctr" rtl="0">
-              <a:lnSpc>
-                <a:spcPct val="100000"/>
-              </a:lnSpc>
-              <a:spcBef>
-                <a:spcPts val="0"/>
-              </a:spcBef>
-              <a:spcAft>
-                <a:spcPts val="0"/>
-              </a:spcAft>
-              <a:buSzPts val="1400"/>
-              <a:buNone/>
-              <a:defRPr/>
-            </a:lvl2pPr>
-            <a:lvl3pPr lvl="2" algn="ctr" rtl="0">
-              <a:lnSpc>
-                <a:spcPct val="100000"/>
-              </a:lnSpc>
-              <a:spcBef>
-                <a:spcPts val="0"/>
-              </a:spcBef>
-              <a:spcAft>
-                <a:spcPts val="0"/>
-              </a:spcAft>
-              <a:buSzPts val="1400"/>
-              <a:buNone/>
-              <a:defRPr/>
-            </a:lvl3pPr>
-            <a:lvl4pPr lvl="3" algn="ctr" rtl="0">
-              <a:lnSpc>
-                <a:spcPct val="100000"/>
-              </a:lnSpc>
-              <a:spcBef>
-                <a:spcPts val="0"/>
-              </a:spcBef>
-              <a:spcAft>
-                <a:spcPts val="0"/>
-              </a:spcAft>
-              <a:buSzPts val="1400"/>
-              <a:buNone/>
-              <a:defRPr/>
-            </a:lvl4pPr>
-            <a:lvl5pPr lvl="4" algn="ctr" rtl="0">
-              <a:lnSpc>
-                <a:spcPct val="100000"/>
-              </a:lnSpc>
-              <a:spcBef>
-                <a:spcPts val="0"/>
-              </a:spcBef>
-              <a:spcAft>
-                <a:spcPts val="0"/>
-              </a:spcAft>
-              <a:buSzPts val="1400"/>
-              <a:buNone/>
-              <a:defRPr/>
-            </a:lvl5pPr>
-            <a:lvl6pPr lvl="5" algn="ctr" rtl="0">
-              <a:lnSpc>
-                <a:spcPct val="100000"/>
-              </a:lnSpc>
-              <a:spcBef>
-                <a:spcPts val="0"/>
-              </a:spcBef>
-              <a:spcAft>
-                <a:spcPts val="0"/>
-              </a:spcAft>
-              <a:buSzPts val="1400"/>
-              <a:buNone/>
-              <a:defRPr/>
-            </a:lvl6pPr>
-            <a:lvl7pPr lvl="6" algn="ctr" rtl="0">
-              <a:lnSpc>
-                <a:spcPct val="100000"/>
-              </a:lnSpc>
-              <a:spcBef>
-                <a:spcPts val="0"/>
-              </a:spcBef>
-              <a:spcAft>
-                <a:spcPts val="0"/>
-              </a:spcAft>
-              <a:buSzPts val="1400"/>
-              <a:buNone/>
-              <a:defRPr/>
-            </a:lvl7pPr>
-            <a:lvl8pPr lvl="7" algn="ctr" rtl="0">
-              <a:lnSpc>
-                <a:spcPct val="100000"/>
-              </a:lnSpc>
-              <a:spcBef>
-                <a:spcPts val="0"/>
-              </a:spcBef>
-              <a:spcAft>
-                <a:spcPts val="0"/>
-              </a:spcAft>
-              <a:buSzPts val="1400"/>
-              <a:buNone/>
-              <a:defRPr/>
-            </a:lvl8pPr>
-            <a:lvl9pPr lvl="8" algn="ctr" rtl="0">
-              <a:lnSpc>
-                <a:spcPct val="100000"/>
-              </a:lnSpc>
-              <a:spcBef>
-                <a:spcPts val="0"/>
-              </a:spcBef>
-              <a:spcAft>
-                <a:spcPts val="0"/>
-              </a:spcAft>
-              <a:buSzPts val="1400"/>
-              <a:buNone/>
-              <a:defRPr/>
-            </a:lvl9pPr>
-          </a:lstStyle>
+          <a:lstStyle/>
           <a:p>
-            <a:r>
-              <a:rPr lang="pt-BR"/>
-              <a:t>Clique para editar o estilo do subtítulo Mestre</a:t>
-            </a:r>
-            <a:endParaRPr/>
+            <a:pPr marL="0" lvl="0" indent="0" algn="l" rtl="0">
+              <a:spcBef>
+                <a:spcPts val="0"/>
+              </a:spcBef>
+              <a:spcAft>
+                <a:spcPts val="0"/>
+              </a:spcAft>
+              <a:buNone/>
+            </a:pPr>
+            <a:endParaRPr sz="2400"/>
           </a:p>
         </p:txBody>
       </p:sp>
-      <p:sp>
-        <p:nvSpPr>
-          <p:cNvPr id="174" name="Google Shape;174;p22"/>
-          <p:cNvSpPr txBox="1">
-            <a:spLocks noGrp="1"/>
-          </p:cNvSpPr>
-          <p:nvPr>
-            <p:ph type="subTitle" idx="3"/>
-          </p:nvPr>
-        </p:nvSpPr>
-        <p:spPr>
+      <p:grpSp>
+        <p:nvGrpSpPr>
+          <p:cNvPr id="16" name="Google Shape;16;p3"/>
+          <p:cNvGrpSpPr/>
+          <p:nvPr/>
+        </p:nvGrpSpPr>
+        <p:grpSpPr>
           <a:xfrm>
-            <a:off x="1859867" y="4378267"/>
-            <a:ext cx="2648000" cy="1173200"/>
+            <a:off x="11085100" y="470667"/>
+            <a:ext cx="630800" cy="248667"/>
+            <a:chOff x="7059675" y="514525"/>
+            <a:chExt cx="473100" cy="186500"/>
           </a:xfrm>
-          <a:prstGeom prst="rect">
-            <a:avLst/>
-          </a:prstGeom>
-        </p:spPr>
-        <p:txBody>
-          <a:bodyPr spcFirstLastPara="1" wrap="square" lIns="91425" tIns="91425" rIns="91425" bIns="91425" anchor="t" anchorCtr="0">
-            <a:noAutofit/>
-          </a:bodyPr>
-          <a:lstStyle>
-            <a:lvl1pPr lvl="0" rtl="0">
-              <a:spcBef>
-                <a:spcPts val="0"/>
-              </a:spcBef>
-              <a:spcAft>
-                <a:spcPts val="0"/>
-              </a:spcAft>
-              <a:buSzPts val="1400"/>
-              <a:buNone/>
-              <a:defRPr sz="1867"/>
-            </a:lvl1pPr>
-            <a:lvl2pPr lvl="1" algn="ctr" rtl="0">
-              <a:lnSpc>
-                <a:spcPct val="100000"/>
-              </a:lnSpc>
-              <a:spcBef>
-                <a:spcPts val="0"/>
-              </a:spcBef>
-              <a:spcAft>
-                <a:spcPts val="0"/>
-              </a:spcAft>
-              <a:buSzPts val="1400"/>
-              <a:buNone/>
-              <a:defRPr/>
-            </a:lvl2pPr>
-            <a:lvl3pPr lvl="2" algn="ctr" rtl="0">
-              <a:lnSpc>
-                <a:spcPct val="100000"/>
-              </a:lnSpc>
-              <a:spcBef>
-                <a:spcPts val="0"/>
-              </a:spcBef>
-              <a:spcAft>
-                <a:spcPts val="0"/>
-              </a:spcAft>
-              <a:buSzPts val="1400"/>
-              <a:buNone/>
-              <a:defRPr/>
-            </a:lvl3pPr>
-            <a:lvl4pPr lvl="3" algn="ctr" rtl="0">
-              <a:lnSpc>
-                <a:spcPct val="100000"/>
-              </a:lnSpc>
-              <a:spcBef>
-                <a:spcPts val="0"/>
-              </a:spcBef>
-              <a:spcAft>
-                <a:spcPts val="0"/>
-              </a:spcAft>
-              <a:buSzPts val="1400"/>
-              <a:buNone/>
-              <a:defRPr/>
-            </a:lvl4pPr>
-            <a:lvl5pPr lvl="4" algn="ctr" rtl="0">
-              <a:lnSpc>
-                <a:spcPct val="100000"/>
-              </a:lnSpc>
-              <a:spcBef>
-                <a:spcPts val="0"/>
-              </a:spcBef>
-              <a:spcAft>
-                <a:spcPts val="0"/>
-              </a:spcAft>
-              <a:buSzPts val="1400"/>
-              <a:buNone/>
-              <a:defRPr/>
-            </a:lvl5pPr>
-            <a:lvl6pPr lvl="5" algn="ctr" rtl="0">
-              <a:lnSpc>
-                <a:spcPct val="100000"/>
-              </a:lnSpc>
-              <a:spcBef>
-                <a:spcPts val="0"/>
-              </a:spcBef>
-              <a:spcAft>
-                <a:spcPts val="0"/>
-              </a:spcAft>
-              <a:buSzPts val="1400"/>
-              <a:buNone/>
-              <a:defRPr/>
-            </a:lvl6pPr>
-            <a:lvl7pPr lvl="6" algn="ctr" rtl="0">
-              <a:lnSpc>
-                <a:spcPct val="100000"/>
-              </a:lnSpc>
-              <a:spcBef>
-                <a:spcPts val="0"/>
-              </a:spcBef>
-              <a:spcAft>
-                <a:spcPts val="0"/>
-              </a:spcAft>
-              <a:buSzPts val="1400"/>
-              <a:buNone/>
-              <a:defRPr/>
-            </a:lvl7pPr>
-            <a:lvl8pPr lvl="7" algn="ctr" rtl="0">
-              <a:lnSpc>
-                <a:spcPct val="100000"/>
-              </a:lnSpc>
-              <a:spcBef>
-                <a:spcPts val="0"/>
-              </a:spcBef>
-              <a:spcAft>
-                <a:spcPts val="0"/>
-              </a:spcAft>
-              <a:buSzPts val="1400"/>
-              <a:buNone/>
-              <a:defRPr/>
-            </a:lvl8pPr>
-            <a:lvl9pPr lvl="8" algn="ctr" rtl="0">
-              <a:lnSpc>
-                <a:spcPct val="100000"/>
-              </a:lnSpc>
-              <a:spcBef>
-                <a:spcPts val="0"/>
-              </a:spcBef>
-              <a:spcAft>
-                <a:spcPts val="0"/>
-              </a:spcAft>
-              <a:buSzPts val="1400"/>
-              <a:buNone/>
-              <a:defRPr/>
-            </a:lvl9pPr>
-          </a:lstStyle>
-          <a:p>
-            <a:r>
-              <a:rPr lang="pt-BR"/>
-              <a:t>Clique para editar o estilo do subtítulo Mestre</a:t>
-            </a:r>
-            <a:endParaRPr/>
-          </a:p>
-        </p:txBody>
-      </p:sp>
-      <p:sp>
-        <p:nvSpPr>
-          <p:cNvPr id="175" name="Google Shape;175;p22"/>
-          <p:cNvSpPr txBox="1">
-            <a:spLocks noGrp="1"/>
-          </p:cNvSpPr>
-          <p:nvPr>
-            <p:ph type="subTitle" idx="4"/>
-          </p:nvPr>
-        </p:nvSpPr>
-        <p:spPr>
-          <a:xfrm>
-            <a:off x="5153000" y="4378267"/>
-            <a:ext cx="2648000" cy="1173200"/>
-          </a:xfrm>
-          <a:prstGeom prst="rect">
-            <a:avLst/>
-          </a:prstGeom>
-        </p:spPr>
-        <p:txBody>
-          <a:bodyPr spcFirstLastPara="1" wrap="square" lIns="91425" tIns="91425" rIns="91425" bIns="91425" anchor="t" anchorCtr="0">
-            <a:noAutofit/>
-          </a:bodyPr>
-          <a:lstStyle>
-            <a:lvl1pPr lvl="0" rtl="0">
-              <a:spcBef>
-                <a:spcPts val="0"/>
-              </a:spcBef>
-              <a:spcAft>
-                <a:spcPts val="0"/>
-              </a:spcAft>
-              <a:buSzPts val="1400"/>
-              <a:buNone/>
-              <a:defRPr sz="1867"/>
-            </a:lvl1pPr>
-            <a:lvl2pPr lvl="1" algn="ctr" rtl="0">
-              <a:lnSpc>
-                <a:spcPct val="100000"/>
-              </a:lnSpc>
-              <a:spcBef>
-                <a:spcPts val="0"/>
-              </a:spcBef>
-              <a:spcAft>
-                <a:spcPts val="0"/>
-              </a:spcAft>
-              <a:buSzPts val="1400"/>
-              <a:buNone/>
-              <a:defRPr/>
-            </a:lvl2pPr>
-            <a:lvl3pPr lvl="2" algn="ctr" rtl="0">
-              <a:lnSpc>
-                <a:spcPct val="100000"/>
-              </a:lnSpc>
-              <a:spcBef>
-                <a:spcPts val="0"/>
-              </a:spcBef>
-              <a:spcAft>
-                <a:spcPts val="0"/>
-              </a:spcAft>
-              <a:buSzPts val="1400"/>
-              <a:buNone/>
-              <a:defRPr/>
-            </a:lvl3pPr>
-            <a:lvl4pPr lvl="3" algn="ctr" rtl="0">
-              <a:lnSpc>
-                <a:spcPct val="100000"/>
-              </a:lnSpc>
-              <a:spcBef>
-                <a:spcPts val="0"/>
-              </a:spcBef>
-              <a:spcAft>
-                <a:spcPts val="0"/>
-              </a:spcAft>
-              <a:buSzPts val="1400"/>
-              <a:buNone/>
-              <a:defRPr/>
-            </a:lvl4pPr>
-            <a:lvl5pPr lvl="4" algn="ctr" rtl="0">
-              <a:lnSpc>
-                <a:spcPct val="100000"/>
-              </a:lnSpc>
-              <a:spcBef>
-                <a:spcPts val="0"/>
-              </a:spcBef>
-              <a:spcAft>
-                <a:spcPts val="0"/>
-              </a:spcAft>
-              <a:buSzPts val="1400"/>
-              <a:buNone/>
-              <a:defRPr/>
-            </a:lvl5pPr>
-            <a:lvl6pPr lvl="5" algn="ctr" rtl="0">
-              <a:lnSpc>
-                <a:spcPct val="100000"/>
-              </a:lnSpc>
-              <a:spcBef>
-                <a:spcPts val="0"/>
-              </a:spcBef>
-              <a:spcAft>
-                <a:spcPts val="0"/>
-              </a:spcAft>
-              <a:buSzPts val="1400"/>
-              <a:buNone/>
-              <a:defRPr/>
-            </a:lvl6pPr>
-            <a:lvl7pPr lvl="6" algn="ctr" rtl="0">
-              <a:lnSpc>
-                <a:spcPct val="100000"/>
-              </a:lnSpc>
-              <a:spcBef>
-                <a:spcPts val="0"/>
-              </a:spcBef>
-              <a:spcAft>
-                <a:spcPts val="0"/>
-              </a:spcAft>
-              <a:buSzPts val="1400"/>
-              <a:buNone/>
-              <a:defRPr/>
-            </a:lvl7pPr>
-            <a:lvl8pPr lvl="7" algn="ctr" rtl="0">
-              <a:lnSpc>
-                <a:spcPct val="100000"/>
-              </a:lnSpc>
-              <a:spcBef>
-                <a:spcPts val="0"/>
-              </a:spcBef>
-              <a:spcAft>
-                <a:spcPts val="0"/>
-              </a:spcAft>
-              <a:buSzPts val="1400"/>
-              <a:buNone/>
-              <a:defRPr/>
-            </a:lvl8pPr>
-            <a:lvl9pPr lvl="8" algn="ctr" rtl="0">
-              <a:lnSpc>
-                <a:spcPct val="100000"/>
-              </a:lnSpc>
-              <a:spcBef>
-                <a:spcPts val="0"/>
-              </a:spcBef>
-              <a:spcAft>
-                <a:spcPts val="0"/>
-              </a:spcAft>
-              <a:buSzPts val="1400"/>
-              <a:buNone/>
-              <a:defRPr/>
-            </a:lvl9pPr>
-          </a:lstStyle>
-          <a:p>
-            <a:r>
-              <a:rPr lang="pt-BR"/>
-              <a:t>Clique para editar o estilo do subtítulo Mestre</a:t>
-            </a:r>
-            <a:endParaRPr/>
-          </a:p>
-        </p:txBody>
-      </p:sp>
-      <p:sp>
-        <p:nvSpPr>
-          <p:cNvPr id="176" name="Google Shape;176;p22"/>
-          <p:cNvSpPr txBox="1">
-            <a:spLocks noGrp="1"/>
-          </p:cNvSpPr>
-          <p:nvPr>
-            <p:ph type="subTitle" idx="5"/>
-          </p:nvPr>
-        </p:nvSpPr>
-        <p:spPr>
-          <a:xfrm>
-            <a:off x="8446132" y="2471333"/>
-            <a:ext cx="2648000" cy="1173200"/>
-          </a:xfrm>
-          <a:prstGeom prst="rect">
-            <a:avLst/>
-          </a:prstGeom>
-        </p:spPr>
-        <p:txBody>
-          <a:bodyPr spcFirstLastPara="1" wrap="square" lIns="91425" tIns="91425" rIns="91425" bIns="91425" anchor="t" anchorCtr="0">
-            <a:noAutofit/>
-          </a:bodyPr>
-          <a:lstStyle>
-            <a:lvl1pPr lvl="0" rtl="0">
-              <a:spcBef>
-                <a:spcPts val="0"/>
-              </a:spcBef>
-              <a:spcAft>
-                <a:spcPts val="0"/>
-              </a:spcAft>
-              <a:buSzPts val="1400"/>
-              <a:buNone/>
-              <a:defRPr sz="1867"/>
-            </a:lvl1pPr>
-            <a:lvl2pPr lvl="1" algn="ctr" rtl="0">
-              <a:lnSpc>
-                <a:spcPct val="100000"/>
-              </a:lnSpc>
-              <a:spcBef>
-                <a:spcPts val="0"/>
-              </a:spcBef>
-              <a:spcAft>
-                <a:spcPts val="0"/>
-              </a:spcAft>
-              <a:buSzPts val="1400"/>
-              <a:buNone/>
-              <a:defRPr/>
-            </a:lvl2pPr>
-            <a:lvl3pPr lvl="2" algn="ctr" rtl="0">
-              <a:lnSpc>
-                <a:spcPct val="100000"/>
-              </a:lnSpc>
-              <a:spcBef>
-                <a:spcPts val="0"/>
-              </a:spcBef>
-              <a:spcAft>
-                <a:spcPts val="0"/>
-              </a:spcAft>
-              <a:buSzPts val="1400"/>
-              <a:buNone/>
-              <a:defRPr/>
-            </a:lvl3pPr>
-            <a:lvl4pPr lvl="3" algn="ctr" rtl="0">
-              <a:lnSpc>
-                <a:spcPct val="100000"/>
-              </a:lnSpc>
-              <a:spcBef>
-                <a:spcPts val="0"/>
-              </a:spcBef>
-              <a:spcAft>
-                <a:spcPts val="0"/>
-              </a:spcAft>
-              <a:buSzPts val="1400"/>
-              <a:buNone/>
-              <a:defRPr/>
-            </a:lvl4pPr>
-            <a:lvl5pPr lvl="4" algn="ctr" rtl="0">
-              <a:lnSpc>
-                <a:spcPct val="100000"/>
-              </a:lnSpc>
-              <a:spcBef>
-                <a:spcPts val="0"/>
-              </a:spcBef>
-              <a:spcAft>
-                <a:spcPts val="0"/>
-              </a:spcAft>
-              <a:buSzPts val="1400"/>
-              <a:buNone/>
-              <a:defRPr/>
-            </a:lvl5pPr>
-            <a:lvl6pPr lvl="5" algn="ctr" rtl="0">
-              <a:lnSpc>
-                <a:spcPct val="100000"/>
-              </a:lnSpc>
-              <a:spcBef>
-                <a:spcPts val="0"/>
-              </a:spcBef>
-              <a:spcAft>
-                <a:spcPts val="0"/>
-              </a:spcAft>
-              <a:buSzPts val="1400"/>
-              <a:buNone/>
-              <a:defRPr/>
-            </a:lvl6pPr>
-            <a:lvl7pPr lvl="6" algn="ctr" rtl="0">
-              <a:lnSpc>
-                <a:spcPct val="100000"/>
-              </a:lnSpc>
-              <a:spcBef>
-                <a:spcPts val="0"/>
-              </a:spcBef>
-              <a:spcAft>
-                <a:spcPts val="0"/>
-              </a:spcAft>
-              <a:buSzPts val="1400"/>
-              <a:buNone/>
-              <a:defRPr/>
-            </a:lvl7pPr>
-            <a:lvl8pPr lvl="7" algn="ctr" rtl="0">
-              <a:lnSpc>
-                <a:spcPct val="100000"/>
-              </a:lnSpc>
-              <a:spcBef>
-                <a:spcPts val="0"/>
-              </a:spcBef>
-              <a:spcAft>
-                <a:spcPts val="0"/>
-              </a:spcAft>
-              <a:buSzPts val="1400"/>
-              <a:buNone/>
-              <a:defRPr/>
-            </a:lvl8pPr>
-            <a:lvl9pPr lvl="8" algn="ctr" rtl="0">
-              <a:lnSpc>
-                <a:spcPct val="100000"/>
-              </a:lnSpc>
-              <a:spcBef>
-                <a:spcPts val="0"/>
-              </a:spcBef>
-              <a:spcAft>
-                <a:spcPts val="0"/>
-              </a:spcAft>
-              <a:buSzPts val="1400"/>
-              <a:buNone/>
-              <a:defRPr/>
-            </a:lvl9pPr>
-          </a:lstStyle>
-          <a:p>
-            <a:r>
-              <a:rPr lang="pt-BR"/>
-              <a:t>Clique para editar o estilo do subtítulo Mestre</a:t>
-            </a:r>
-            <a:endParaRPr/>
-          </a:p>
-        </p:txBody>
-      </p:sp>
-      <p:sp>
-        <p:nvSpPr>
-          <p:cNvPr id="177" name="Google Shape;177;p22"/>
-          <p:cNvSpPr txBox="1">
-            <a:spLocks noGrp="1"/>
-          </p:cNvSpPr>
-          <p:nvPr>
-            <p:ph type="subTitle" idx="6"/>
-          </p:nvPr>
-        </p:nvSpPr>
-        <p:spPr>
-          <a:xfrm>
-            <a:off x="8446132" y="4378267"/>
-            <a:ext cx="2648000" cy="1173200"/>
-          </a:xfrm>
-          <a:prstGeom prst="rect">
-            <a:avLst/>
-          </a:prstGeom>
-        </p:spPr>
-        <p:txBody>
-          <a:bodyPr spcFirstLastPara="1" wrap="square" lIns="91425" tIns="91425" rIns="91425" bIns="91425" anchor="t" anchorCtr="0">
-            <a:noAutofit/>
-          </a:bodyPr>
-          <a:lstStyle>
-            <a:lvl1pPr lvl="0" rtl="0">
-              <a:spcBef>
-                <a:spcPts val="0"/>
-              </a:spcBef>
-              <a:spcAft>
-                <a:spcPts val="0"/>
-              </a:spcAft>
-              <a:buSzPts val="1400"/>
-              <a:buNone/>
-              <a:defRPr sz="1867"/>
-            </a:lvl1pPr>
-            <a:lvl2pPr lvl="1" algn="ctr" rtl="0">
-              <a:lnSpc>
-                <a:spcPct val="100000"/>
-              </a:lnSpc>
-              <a:spcBef>
-                <a:spcPts val="0"/>
-              </a:spcBef>
-              <a:spcAft>
-                <a:spcPts val="0"/>
-              </a:spcAft>
-              <a:buSzPts val="1400"/>
-              <a:buNone/>
-              <a:defRPr/>
-            </a:lvl2pPr>
-            <a:lvl3pPr lvl="2" algn="ctr" rtl="0">
-              <a:lnSpc>
-                <a:spcPct val="100000"/>
-              </a:lnSpc>
-              <a:spcBef>
-                <a:spcPts val="0"/>
-              </a:spcBef>
-              <a:spcAft>
-                <a:spcPts val="0"/>
-              </a:spcAft>
-              <a:buSzPts val="1400"/>
-              <a:buNone/>
-              <a:defRPr/>
-            </a:lvl3pPr>
-            <a:lvl4pPr lvl="3" algn="ctr" rtl="0">
-              <a:lnSpc>
-                <a:spcPct val="100000"/>
-              </a:lnSpc>
-              <a:spcBef>
-                <a:spcPts val="0"/>
-              </a:spcBef>
-              <a:spcAft>
-                <a:spcPts val="0"/>
-              </a:spcAft>
-              <a:buSzPts val="1400"/>
-              <a:buNone/>
-              <a:defRPr/>
-            </a:lvl4pPr>
-            <a:lvl5pPr lvl="4" algn="ctr" rtl="0">
-              <a:lnSpc>
-                <a:spcPct val="100000"/>
-              </a:lnSpc>
-              <a:spcBef>
-                <a:spcPts val="0"/>
-              </a:spcBef>
-              <a:spcAft>
-                <a:spcPts val="0"/>
-              </a:spcAft>
-              <a:buSzPts val="1400"/>
-              <a:buNone/>
-              <a:defRPr/>
-            </a:lvl5pPr>
-            <a:lvl6pPr lvl="5" algn="ctr" rtl="0">
-              <a:lnSpc>
-                <a:spcPct val="100000"/>
-              </a:lnSpc>
-              <a:spcBef>
-                <a:spcPts val="0"/>
-              </a:spcBef>
-              <a:spcAft>
-                <a:spcPts val="0"/>
-              </a:spcAft>
-              <a:buSzPts val="1400"/>
-              <a:buNone/>
-              <a:defRPr/>
-            </a:lvl6pPr>
-            <a:lvl7pPr lvl="6" algn="ctr" rtl="0">
-              <a:lnSpc>
-                <a:spcPct val="100000"/>
-              </a:lnSpc>
-              <a:spcBef>
-                <a:spcPts val="0"/>
-              </a:spcBef>
-              <a:spcAft>
-                <a:spcPts val="0"/>
-              </a:spcAft>
-              <a:buSzPts val="1400"/>
-              <a:buNone/>
-              <a:defRPr/>
-            </a:lvl7pPr>
-            <a:lvl8pPr lvl="7" algn="ctr" rtl="0">
-              <a:lnSpc>
-                <a:spcPct val="100000"/>
-              </a:lnSpc>
-              <a:spcBef>
-                <a:spcPts val="0"/>
-              </a:spcBef>
-              <a:spcAft>
-                <a:spcPts val="0"/>
-              </a:spcAft>
-              <a:buSzPts val="1400"/>
-              <a:buNone/>
-              <a:defRPr/>
-            </a:lvl8pPr>
-            <a:lvl9pPr lvl="8" algn="ctr" rtl="0">
-              <a:lnSpc>
-                <a:spcPct val="100000"/>
-              </a:lnSpc>
-              <a:spcBef>
-                <a:spcPts val="0"/>
-              </a:spcBef>
-              <a:spcAft>
-                <a:spcPts val="0"/>
-              </a:spcAft>
-              <a:buSzPts val="1400"/>
-              <a:buNone/>
-              <a:defRPr/>
-            </a:lvl9pPr>
-          </a:lstStyle>
-          <a:p>
-            <a:r>
-              <a:rPr lang="pt-BR"/>
-              <a:t>Clique para editar o estilo do subtítulo Mestre</a:t>
-            </a:r>
-            <a:endParaRPr/>
-          </a:p>
-        </p:txBody>
-      </p:sp>
-      <p:sp>
-        <p:nvSpPr>
-          <p:cNvPr id="178" name="Google Shape;178;p22"/>
-          <p:cNvSpPr txBox="1">
-            <a:spLocks noGrp="1"/>
-          </p:cNvSpPr>
-          <p:nvPr>
-            <p:ph type="subTitle" idx="7"/>
-          </p:nvPr>
-        </p:nvSpPr>
-        <p:spPr>
-          <a:xfrm>
-            <a:off x="1484069" y="1814532"/>
-            <a:ext cx="2637600" cy="656800"/>
-          </a:xfrm>
-          <a:prstGeom prst="rect">
-            <a:avLst/>
-          </a:prstGeom>
-        </p:spPr>
-        <p:txBody>
-          <a:bodyPr spcFirstLastPara="1" wrap="square" lIns="91425" tIns="91425" rIns="91425" bIns="91425" anchor="b" anchorCtr="0">
-            <a:noAutofit/>
-          </a:bodyPr>
-          <a:lstStyle>
-            <a:lvl1pPr lvl="0" rtl="0">
-              <a:spcBef>
-                <a:spcPts val="0"/>
-              </a:spcBef>
-              <a:spcAft>
-                <a:spcPts val="0"/>
-              </a:spcAft>
-              <a:buSzPts val="2400"/>
-              <a:buFont typeface="Bebas Neue"/>
-              <a:buNone/>
-              <a:defRPr sz="3200">
-                <a:solidFill>
-                  <a:schemeClr val="accent2"/>
-                </a:solidFill>
-                <a:latin typeface="Source Code Pro Medium"/>
-                <a:ea typeface="Source Code Pro Medium"/>
-                <a:cs typeface="Source Code Pro Medium"/>
-                <a:sym typeface="Source Code Pro Medium"/>
-              </a:defRPr>
-            </a:lvl1pPr>
-            <a:lvl2pPr lvl="1" algn="ctr" rtl="0">
-              <a:lnSpc>
-                <a:spcPct val="100000"/>
-              </a:lnSpc>
-              <a:spcBef>
-                <a:spcPts val="0"/>
-              </a:spcBef>
-              <a:spcAft>
-                <a:spcPts val="0"/>
-              </a:spcAft>
-              <a:buSzPts val="2400"/>
-              <a:buFont typeface="Bebas Neue"/>
-              <a:buNone/>
-              <a:defRPr sz="3200">
-                <a:latin typeface="Bebas Neue"/>
-                <a:ea typeface="Bebas Neue"/>
-                <a:cs typeface="Bebas Neue"/>
-                <a:sym typeface="Bebas Neue"/>
-              </a:defRPr>
-            </a:lvl2pPr>
-            <a:lvl3pPr lvl="2" algn="ctr" rtl="0">
-              <a:lnSpc>
-                <a:spcPct val="100000"/>
-              </a:lnSpc>
-              <a:spcBef>
-                <a:spcPts val="0"/>
-              </a:spcBef>
-              <a:spcAft>
-                <a:spcPts val="0"/>
-              </a:spcAft>
-              <a:buSzPts val="2400"/>
-              <a:buFont typeface="Bebas Neue"/>
-              <a:buNone/>
-              <a:defRPr sz="3200">
-                <a:latin typeface="Bebas Neue"/>
-                <a:ea typeface="Bebas Neue"/>
-                <a:cs typeface="Bebas Neue"/>
-                <a:sym typeface="Bebas Neue"/>
-              </a:defRPr>
-            </a:lvl3pPr>
-            <a:lvl4pPr lvl="3" algn="ctr" rtl="0">
-              <a:lnSpc>
-                <a:spcPct val="100000"/>
-              </a:lnSpc>
-              <a:spcBef>
-                <a:spcPts val="0"/>
-              </a:spcBef>
-              <a:spcAft>
-                <a:spcPts val="0"/>
-              </a:spcAft>
-              <a:buSzPts val="2400"/>
-              <a:buFont typeface="Bebas Neue"/>
-              <a:buNone/>
-              <a:defRPr sz="3200">
-                <a:latin typeface="Bebas Neue"/>
-                <a:ea typeface="Bebas Neue"/>
-                <a:cs typeface="Bebas Neue"/>
-                <a:sym typeface="Bebas Neue"/>
-              </a:defRPr>
-            </a:lvl4pPr>
-            <a:lvl5pPr lvl="4" algn="ctr" rtl="0">
-              <a:lnSpc>
-                <a:spcPct val="100000"/>
-              </a:lnSpc>
-              <a:spcBef>
-                <a:spcPts val="0"/>
-              </a:spcBef>
-              <a:spcAft>
-                <a:spcPts val="0"/>
-              </a:spcAft>
-              <a:buSzPts val="2400"/>
-              <a:buFont typeface="Bebas Neue"/>
-              <a:buNone/>
-              <a:defRPr sz="3200">
-                <a:latin typeface="Bebas Neue"/>
-                <a:ea typeface="Bebas Neue"/>
-                <a:cs typeface="Bebas Neue"/>
-                <a:sym typeface="Bebas Neue"/>
-              </a:defRPr>
-            </a:lvl5pPr>
-            <a:lvl6pPr lvl="5" algn="ctr" rtl="0">
-              <a:lnSpc>
-                <a:spcPct val="100000"/>
-              </a:lnSpc>
-              <a:spcBef>
-                <a:spcPts val="0"/>
-              </a:spcBef>
-              <a:spcAft>
-                <a:spcPts val="0"/>
-              </a:spcAft>
-              <a:buSzPts val="2400"/>
-              <a:buFont typeface="Bebas Neue"/>
-              <a:buNone/>
-              <a:defRPr sz="3200">
-                <a:latin typeface="Bebas Neue"/>
-                <a:ea typeface="Bebas Neue"/>
-                <a:cs typeface="Bebas Neue"/>
-                <a:sym typeface="Bebas Neue"/>
-              </a:defRPr>
-            </a:lvl6pPr>
-            <a:lvl7pPr lvl="6" algn="ctr" rtl="0">
-              <a:lnSpc>
-                <a:spcPct val="100000"/>
-              </a:lnSpc>
-              <a:spcBef>
-                <a:spcPts val="0"/>
-              </a:spcBef>
-              <a:spcAft>
-                <a:spcPts val="0"/>
-              </a:spcAft>
-              <a:buSzPts val="2400"/>
-              <a:buFont typeface="Bebas Neue"/>
-              <a:buNone/>
-              <a:defRPr sz="3200">
-                <a:latin typeface="Bebas Neue"/>
-                <a:ea typeface="Bebas Neue"/>
-                <a:cs typeface="Bebas Neue"/>
-                <a:sym typeface="Bebas Neue"/>
-              </a:defRPr>
-            </a:lvl7pPr>
-            <a:lvl8pPr lvl="7" algn="ctr" rtl="0">
-              <a:lnSpc>
-                <a:spcPct val="100000"/>
-              </a:lnSpc>
-              <a:spcBef>
-                <a:spcPts val="0"/>
-              </a:spcBef>
-              <a:spcAft>
-                <a:spcPts val="0"/>
-              </a:spcAft>
-              <a:buSzPts val="2400"/>
-              <a:buFont typeface="Bebas Neue"/>
-              <a:buNone/>
-              <a:defRPr sz="3200">
-                <a:latin typeface="Bebas Neue"/>
-                <a:ea typeface="Bebas Neue"/>
-                <a:cs typeface="Bebas Neue"/>
-                <a:sym typeface="Bebas Neue"/>
-              </a:defRPr>
-            </a:lvl8pPr>
-            <a:lvl9pPr lvl="8" algn="ctr" rtl="0">
-              <a:lnSpc>
-                <a:spcPct val="100000"/>
-              </a:lnSpc>
-              <a:spcBef>
-                <a:spcPts val="0"/>
-              </a:spcBef>
-              <a:spcAft>
-                <a:spcPts val="0"/>
-              </a:spcAft>
-              <a:buSzPts val="2400"/>
-              <a:buFont typeface="Bebas Neue"/>
-              <a:buNone/>
-              <a:defRPr sz="3200">
-                <a:latin typeface="Bebas Neue"/>
-                <a:ea typeface="Bebas Neue"/>
-                <a:cs typeface="Bebas Neue"/>
-                <a:sym typeface="Bebas Neue"/>
-              </a:defRPr>
-            </a:lvl9pPr>
-          </a:lstStyle>
-          <a:p>
-            <a:r>
-              <a:rPr lang="pt-BR"/>
-              <a:t>Clique para editar o estilo do subtítulo Mestre</a:t>
-            </a:r>
-            <a:endParaRPr/>
-          </a:p>
-        </p:txBody>
-      </p:sp>
-      <p:sp>
-        <p:nvSpPr>
-          <p:cNvPr id="179" name="Google Shape;179;p22"/>
-          <p:cNvSpPr txBox="1">
-            <a:spLocks noGrp="1"/>
-          </p:cNvSpPr>
-          <p:nvPr>
-            <p:ph type="subTitle" idx="8"/>
-          </p:nvPr>
-        </p:nvSpPr>
-        <p:spPr>
-          <a:xfrm>
-            <a:off x="4777200" y="1814532"/>
-            <a:ext cx="2637600" cy="656800"/>
-          </a:xfrm>
-          <a:prstGeom prst="rect">
-            <a:avLst/>
-          </a:prstGeom>
-        </p:spPr>
-        <p:txBody>
-          <a:bodyPr spcFirstLastPara="1" wrap="square" lIns="91425" tIns="91425" rIns="91425" bIns="91425" anchor="b" anchorCtr="0">
-            <a:noAutofit/>
-          </a:bodyPr>
-          <a:lstStyle>
-            <a:lvl1pPr lvl="0" rtl="0">
-              <a:spcBef>
-                <a:spcPts val="0"/>
-              </a:spcBef>
-              <a:spcAft>
-                <a:spcPts val="0"/>
-              </a:spcAft>
-              <a:buSzPts val="2400"/>
-              <a:buFont typeface="Bebas Neue"/>
-              <a:buNone/>
-              <a:defRPr sz="3200">
-                <a:solidFill>
-                  <a:schemeClr val="dk2"/>
-                </a:solidFill>
-                <a:latin typeface="Source Code Pro Medium"/>
-                <a:ea typeface="Source Code Pro Medium"/>
-                <a:cs typeface="Source Code Pro Medium"/>
-                <a:sym typeface="Source Code Pro Medium"/>
-              </a:defRPr>
-            </a:lvl1pPr>
-            <a:lvl2pPr lvl="1" algn="ctr" rtl="0">
-              <a:lnSpc>
-                <a:spcPct val="100000"/>
-              </a:lnSpc>
-              <a:spcBef>
-                <a:spcPts val="0"/>
-              </a:spcBef>
-              <a:spcAft>
-                <a:spcPts val="0"/>
-              </a:spcAft>
-              <a:buSzPts val="2400"/>
-              <a:buFont typeface="Bebas Neue"/>
-              <a:buNone/>
-              <a:defRPr sz="3200">
-                <a:latin typeface="Bebas Neue"/>
-                <a:ea typeface="Bebas Neue"/>
-                <a:cs typeface="Bebas Neue"/>
-                <a:sym typeface="Bebas Neue"/>
-              </a:defRPr>
-            </a:lvl2pPr>
-            <a:lvl3pPr lvl="2" algn="ctr" rtl="0">
-              <a:lnSpc>
-                <a:spcPct val="100000"/>
-              </a:lnSpc>
-              <a:spcBef>
-                <a:spcPts val="0"/>
-              </a:spcBef>
-              <a:spcAft>
-                <a:spcPts val="0"/>
-              </a:spcAft>
-              <a:buSzPts val="2400"/>
-              <a:buFont typeface="Bebas Neue"/>
-              <a:buNone/>
-              <a:defRPr sz="3200">
-                <a:latin typeface="Bebas Neue"/>
-                <a:ea typeface="Bebas Neue"/>
-                <a:cs typeface="Bebas Neue"/>
-                <a:sym typeface="Bebas Neue"/>
-              </a:defRPr>
-            </a:lvl3pPr>
-            <a:lvl4pPr lvl="3" algn="ctr" rtl="0">
-              <a:lnSpc>
-                <a:spcPct val="100000"/>
-              </a:lnSpc>
-              <a:spcBef>
-                <a:spcPts val="0"/>
-              </a:spcBef>
-              <a:spcAft>
-                <a:spcPts val="0"/>
-              </a:spcAft>
-              <a:buSzPts val="2400"/>
-              <a:buFont typeface="Bebas Neue"/>
-              <a:buNone/>
-              <a:defRPr sz="3200">
-                <a:latin typeface="Bebas Neue"/>
-                <a:ea typeface="Bebas Neue"/>
-                <a:cs typeface="Bebas Neue"/>
-                <a:sym typeface="Bebas Neue"/>
-              </a:defRPr>
-            </a:lvl4pPr>
-            <a:lvl5pPr lvl="4" algn="ctr" rtl="0">
-              <a:lnSpc>
-                <a:spcPct val="100000"/>
-              </a:lnSpc>
-              <a:spcBef>
-                <a:spcPts val="0"/>
-              </a:spcBef>
-              <a:spcAft>
-                <a:spcPts val="0"/>
-              </a:spcAft>
-              <a:buSzPts val="2400"/>
-              <a:buFont typeface="Bebas Neue"/>
-              <a:buNone/>
-              <a:defRPr sz="3200">
-                <a:latin typeface="Bebas Neue"/>
-                <a:ea typeface="Bebas Neue"/>
-                <a:cs typeface="Bebas Neue"/>
-                <a:sym typeface="Bebas Neue"/>
-              </a:defRPr>
-            </a:lvl5pPr>
-            <a:lvl6pPr lvl="5" algn="ctr" rtl="0">
-              <a:lnSpc>
-                <a:spcPct val="100000"/>
-              </a:lnSpc>
-              <a:spcBef>
-                <a:spcPts val="0"/>
-              </a:spcBef>
-              <a:spcAft>
-                <a:spcPts val="0"/>
-              </a:spcAft>
-              <a:buSzPts val="2400"/>
-              <a:buFont typeface="Bebas Neue"/>
-              <a:buNone/>
-              <a:defRPr sz="3200">
-                <a:latin typeface="Bebas Neue"/>
-                <a:ea typeface="Bebas Neue"/>
-                <a:cs typeface="Bebas Neue"/>
-                <a:sym typeface="Bebas Neue"/>
-              </a:defRPr>
-            </a:lvl6pPr>
-            <a:lvl7pPr lvl="6" algn="ctr" rtl="0">
-              <a:lnSpc>
-                <a:spcPct val="100000"/>
-              </a:lnSpc>
-              <a:spcBef>
-                <a:spcPts val="0"/>
-              </a:spcBef>
-              <a:spcAft>
-                <a:spcPts val="0"/>
-              </a:spcAft>
-              <a:buSzPts val="2400"/>
-              <a:buFont typeface="Bebas Neue"/>
-              <a:buNone/>
-              <a:defRPr sz="3200">
-                <a:latin typeface="Bebas Neue"/>
-                <a:ea typeface="Bebas Neue"/>
-                <a:cs typeface="Bebas Neue"/>
-                <a:sym typeface="Bebas Neue"/>
-              </a:defRPr>
-            </a:lvl7pPr>
-            <a:lvl8pPr lvl="7" algn="ctr" rtl="0">
-              <a:lnSpc>
-                <a:spcPct val="100000"/>
-              </a:lnSpc>
-              <a:spcBef>
-                <a:spcPts val="0"/>
-              </a:spcBef>
-              <a:spcAft>
-                <a:spcPts val="0"/>
-              </a:spcAft>
-              <a:buSzPts val="2400"/>
-              <a:buFont typeface="Bebas Neue"/>
-              <a:buNone/>
-              <a:defRPr sz="3200">
-                <a:latin typeface="Bebas Neue"/>
-                <a:ea typeface="Bebas Neue"/>
-                <a:cs typeface="Bebas Neue"/>
-                <a:sym typeface="Bebas Neue"/>
-              </a:defRPr>
-            </a:lvl8pPr>
-            <a:lvl9pPr lvl="8" algn="ctr" rtl="0">
-              <a:lnSpc>
-                <a:spcPct val="100000"/>
-              </a:lnSpc>
-              <a:spcBef>
-                <a:spcPts val="0"/>
-              </a:spcBef>
-              <a:spcAft>
-                <a:spcPts val="0"/>
-              </a:spcAft>
-              <a:buSzPts val="2400"/>
-              <a:buFont typeface="Bebas Neue"/>
-              <a:buNone/>
-              <a:defRPr sz="3200">
-                <a:latin typeface="Bebas Neue"/>
-                <a:ea typeface="Bebas Neue"/>
-                <a:cs typeface="Bebas Neue"/>
-                <a:sym typeface="Bebas Neue"/>
-              </a:defRPr>
-            </a:lvl9pPr>
-          </a:lstStyle>
-          <a:p>
-            <a:r>
-              <a:rPr lang="pt-BR"/>
-              <a:t>Clique para editar o estilo do subtítulo Mestre</a:t>
-            </a:r>
-            <a:endParaRPr/>
-          </a:p>
-        </p:txBody>
-      </p:sp>
-      <p:sp>
-        <p:nvSpPr>
-          <p:cNvPr id="180" name="Google Shape;180;p22"/>
-          <p:cNvSpPr txBox="1">
-            <a:spLocks noGrp="1"/>
-          </p:cNvSpPr>
-          <p:nvPr>
-            <p:ph type="subTitle" idx="9"/>
-          </p:nvPr>
-        </p:nvSpPr>
-        <p:spPr>
-          <a:xfrm>
-            <a:off x="8070331" y="1814532"/>
-            <a:ext cx="2637600" cy="656800"/>
-          </a:xfrm>
-          <a:prstGeom prst="rect">
-            <a:avLst/>
-          </a:prstGeom>
-        </p:spPr>
-        <p:txBody>
-          <a:bodyPr spcFirstLastPara="1" wrap="square" lIns="91425" tIns="91425" rIns="91425" bIns="91425" anchor="b" anchorCtr="0">
-            <a:noAutofit/>
-          </a:bodyPr>
-          <a:lstStyle>
-            <a:lvl1pPr lvl="0" rtl="0">
-              <a:spcBef>
-                <a:spcPts val="0"/>
-              </a:spcBef>
-              <a:spcAft>
-                <a:spcPts val="0"/>
-              </a:spcAft>
-              <a:buSzPts val="2400"/>
-              <a:buFont typeface="Bebas Neue"/>
-              <a:buNone/>
-              <a:defRPr sz="3200">
-                <a:solidFill>
-                  <a:schemeClr val="accent5"/>
-                </a:solidFill>
-                <a:latin typeface="Source Code Pro Medium"/>
-                <a:ea typeface="Source Code Pro Medium"/>
-                <a:cs typeface="Source Code Pro Medium"/>
-                <a:sym typeface="Source Code Pro Medium"/>
-              </a:defRPr>
-            </a:lvl1pPr>
-            <a:lvl2pPr lvl="1" algn="ctr" rtl="0">
-              <a:lnSpc>
-                <a:spcPct val="100000"/>
-              </a:lnSpc>
-              <a:spcBef>
-                <a:spcPts val="0"/>
-              </a:spcBef>
-              <a:spcAft>
-                <a:spcPts val="0"/>
-              </a:spcAft>
-              <a:buSzPts val="2400"/>
-              <a:buFont typeface="Bebas Neue"/>
-              <a:buNone/>
-              <a:defRPr sz="3200">
-                <a:latin typeface="Bebas Neue"/>
-                <a:ea typeface="Bebas Neue"/>
-                <a:cs typeface="Bebas Neue"/>
-                <a:sym typeface="Bebas Neue"/>
-              </a:defRPr>
-            </a:lvl2pPr>
-            <a:lvl3pPr lvl="2" algn="ctr" rtl="0">
-              <a:lnSpc>
-                <a:spcPct val="100000"/>
-              </a:lnSpc>
-              <a:spcBef>
-                <a:spcPts val="0"/>
-              </a:spcBef>
-              <a:spcAft>
-                <a:spcPts val="0"/>
-              </a:spcAft>
-              <a:buSzPts val="2400"/>
-              <a:buFont typeface="Bebas Neue"/>
-              <a:buNone/>
-              <a:defRPr sz="3200">
-                <a:latin typeface="Bebas Neue"/>
-                <a:ea typeface="Bebas Neue"/>
-                <a:cs typeface="Bebas Neue"/>
-                <a:sym typeface="Bebas Neue"/>
-              </a:defRPr>
-            </a:lvl3pPr>
-            <a:lvl4pPr lvl="3" algn="ctr" rtl="0">
-              <a:lnSpc>
-                <a:spcPct val="100000"/>
-              </a:lnSpc>
-              <a:spcBef>
-                <a:spcPts val="0"/>
-              </a:spcBef>
-              <a:spcAft>
-                <a:spcPts val="0"/>
-              </a:spcAft>
-              <a:buSzPts val="2400"/>
-              <a:buFont typeface="Bebas Neue"/>
-              <a:buNone/>
-              <a:defRPr sz="3200">
-                <a:latin typeface="Bebas Neue"/>
-                <a:ea typeface="Bebas Neue"/>
-                <a:cs typeface="Bebas Neue"/>
-                <a:sym typeface="Bebas Neue"/>
-              </a:defRPr>
-            </a:lvl4pPr>
-            <a:lvl5pPr lvl="4" algn="ctr" rtl="0">
-              <a:lnSpc>
-                <a:spcPct val="100000"/>
-              </a:lnSpc>
-              <a:spcBef>
-                <a:spcPts val="0"/>
-              </a:spcBef>
-              <a:spcAft>
-                <a:spcPts val="0"/>
-              </a:spcAft>
-              <a:buSzPts val="2400"/>
-              <a:buFont typeface="Bebas Neue"/>
-              <a:buNone/>
-              <a:defRPr sz="3200">
-                <a:latin typeface="Bebas Neue"/>
-                <a:ea typeface="Bebas Neue"/>
-                <a:cs typeface="Bebas Neue"/>
-                <a:sym typeface="Bebas Neue"/>
-              </a:defRPr>
-            </a:lvl5pPr>
-            <a:lvl6pPr lvl="5" algn="ctr" rtl="0">
-              <a:lnSpc>
-                <a:spcPct val="100000"/>
-              </a:lnSpc>
-              <a:spcBef>
-                <a:spcPts val="0"/>
-              </a:spcBef>
-              <a:spcAft>
-                <a:spcPts val="0"/>
-              </a:spcAft>
-              <a:buSzPts val="2400"/>
-              <a:buFont typeface="Bebas Neue"/>
-              <a:buNone/>
-              <a:defRPr sz="3200">
-                <a:latin typeface="Bebas Neue"/>
-                <a:ea typeface="Bebas Neue"/>
-                <a:cs typeface="Bebas Neue"/>
-                <a:sym typeface="Bebas Neue"/>
-              </a:defRPr>
-            </a:lvl6pPr>
-            <a:lvl7pPr lvl="6" algn="ctr" rtl="0">
-              <a:lnSpc>
-                <a:spcPct val="100000"/>
-              </a:lnSpc>
-              <a:spcBef>
-                <a:spcPts val="0"/>
-              </a:spcBef>
-              <a:spcAft>
-                <a:spcPts val="0"/>
-              </a:spcAft>
-              <a:buSzPts val="2400"/>
-              <a:buFont typeface="Bebas Neue"/>
-              <a:buNone/>
-              <a:defRPr sz="3200">
-                <a:latin typeface="Bebas Neue"/>
-                <a:ea typeface="Bebas Neue"/>
-                <a:cs typeface="Bebas Neue"/>
-                <a:sym typeface="Bebas Neue"/>
-              </a:defRPr>
-            </a:lvl7pPr>
-            <a:lvl8pPr lvl="7" algn="ctr" rtl="0">
-              <a:lnSpc>
-                <a:spcPct val="100000"/>
-              </a:lnSpc>
-              <a:spcBef>
-                <a:spcPts val="0"/>
-              </a:spcBef>
-              <a:spcAft>
-                <a:spcPts val="0"/>
-              </a:spcAft>
-              <a:buSzPts val="2400"/>
-              <a:buFont typeface="Bebas Neue"/>
-              <a:buNone/>
-              <a:defRPr sz="3200">
-                <a:latin typeface="Bebas Neue"/>
-                <a:ea typeface="Bebas Neue"/>
-                <a:cs typeface="Bebas Neue"/>
-                <a:sym typeface="Bebas Neue"/>
-              </a:defRPr>
-            </a:lvl8pPr>
-            <a:lvl9pPr lvl="8" algn="ctr" rtl="0">
-              <a:lnSpc>
-                <a:spcPct val="100000"/>
-              </a:lnSpc>
-              <a:spcBef>
-                <a:spcPts val="0"/>
-              </a:spcBef>
-              <a:spcAft>
-                <a:spcPts val="0"/>
-              </a:spcAft>
-              <a:buSzPts val="2400"/>
-              <a:buFont typeface="Bebas Neue"/>
-              <a:buNone/>
-              <a:defRPr sz="3200">
-                <a:latin typeface="Bebas Neue"/>
-                <a:ea typeface="Bebas Neue"/>
-                <a:cs typeface="Bebas Neue"/>
-                <a:sym typeface="Bebas Neue"/>
-              </a:defRPr>
-            </a:lvl9pPr>
-          </a:lstStyle>
-          <a:p>
-            <a:r>
-              <a:rPr lang="pt-BR"/>
-              <a:t>Clique para editar o estilo do subtítulo Mestre</a:t>
-            </a:r>
-            <a:endParaRPr/>
-          </a:p>
-        </p:txBody>
-      </p:sp>
-      <p:sp>
-        <p:nvSpPr>
-          <p:cNvPr id="181" name="Google Shape;181;p22"/>
-          <p:cNvSpPr txBox="1">
-            <a:spLocks noGrp="1"/>
-          </p:cNvSpPr>
-          <p:nvPr>
-            <p:ph type="subTitle" idx="13"/>
-          </p:nvPr>
-        </p:nvSpPr>
-        <p:spPr>
-          <a:xfrm>
-            <a:off x="1484069" y="3721467"/>
-            <a:ext cx="2637600" cy="656800"/>
-          </a:xfrm>
-          <a:prstGeom prst="rect">
-            <a:avLst/>
-          </a:prstGeom>
-        </p:spPr>
-        <p:txBody>
-          <a:bodyPr spcFirstLastPara="1" wrap="square" lIns="91425" tIns="91425" rIns="91425" bIns="91425" anchor="b" anchorCtr="0">
-            <a:noAutofit/>
-          </a:bodyPr>
-          <a:lstStyle>
-            <a:lvl1pPr lvl="0" rtl="0">
-              <a:spcBef>
-                <a:spcPts val="0"/>
-              </a:spcBef>
-              <a:spcAft>
-                <a:spcPts val="0"/>
-              </a:spcAft>
-              <a:buSzPts val="2400"/>
-              <a:buFont typeface="Bebas Neue"/>
-              <a:buNone/>
-              <a:defRPr sz="3200">
-                <a:solidFill>
-                  <a:schemeClr val="accent1"/>
-                </a:solidFill>
-                <a:latin typeface="Source Code Pro Medium"/>
-                <a:ea typeface="Source Code Pro Medium"/>
-                <a:cs typeface="Source Code Pro Medium"/>
-                <a:sym typeface="Source Code Pro Medium"/>
-              </a:defRPr>
-            </a:lvl1pPr>
-            <a:lvl2pPr lvl="1" algn="ctr" rtl="0">
-              <a:lnSpc>
-                <a:spcPct val="100000"/>
-              </a:lnSpc>
-              <a:spcBef>
-                <a:spcPts val="0"/>
-              </a:spcBef>
-              <a:spcAft>
-                <a:spcPts val="0"/>
-              </a:spcAft>
-              <a:buSzPts val="2400"/>
-              <a:buFont typeface="Bebas Neue"/>
-              <a:buNone/>
-              <a:defRPr sz="3200">
-                <a:latin typeface="Bebas Neue"/>
-                <a:ea typeface="Bebas Neue"/>
-                <a:cs typeface="Bebas Neue"/>
-                <a:sym typeface="Bebas Neue"/>
-              </a:defRPr>
-            </a:lvl2pPr>
-            <a:lvl3pPr lvl="2" algn="ctr" rtl="0">
-              <a:lnSpc>
-                <a:spcPct val="100000"/>
-              </a:lnSpc>
-              <a:spcBef>
-                <a:spcPts val="0"/>
-              </a:spcBef>
-              <a:spcAft>
-                <a:spcPts val="0"/>
-              </a:spcAft>
-              <a:buSzPts val="2400"/>
-              <a:buFont typeface="Bebas Neue"/>
-              <a:buNone/>
-              <a:defRPr sz="3200">
-                <a:latin typeface="Bebas Neue"/>
-                <a:ea typeface="Bebas Neue"/>
-                <a:cs typeface="Bebas Neue"/>
-                <a:sym typeface="Bebas Neue"/>
-              </a:defRPr>
-            </a:lvl3pPr>
-            <a:lvl4pPr lvl="3" algn="ctr" rtl="0">
-              <a:lnSpc>
-                <a:spcPct val="100000"/>
-              </a:lnSpc>
-              <a:spcBef>
-                <a:spcPts val="0"/>
-              </a:spcBef>
-              <a:spcAft>
-                <a:spcPts val="0"/>
-              </a:spcAft>
-              <a:buSzPts val="2400"/>
-              <a:buFont typeface="Bebas Neue"/>
-              <a:buNone/>
-              <a:defRPr sz="3200">
-                <a:latin typeface="Bebas Neue"/>
-                <a:ea typeface="Bebas Neue"/>
-                <a:cs typeface="Bebas Neue"/>
-                <a:sym typeface="Bebas Neue"/>
-              </a:defRPr>
-            </a:lvl4pPr>
-            <a:lvl5pPr lvl="4" algn="ctr" rtl="0">
-              <a:lnSpc>
-                <a:spcPct val="100000"/>
-              </a:lnSpc>
-              <a:spcBef>
-                <a:spcPts val="0"/>
-              </a:spcBef>
-              <a:spcAft>
-                <a:spcPts val="0"/>
-              </a:spcAft>
-              <a:buSzPts val="2400"/>
-              <a:buFont typeface="Bebas Neue"/>
-              <a:buNone/>
-              <a:defRPr sz="3200">
-                <a:latin typeface="Bebas Neue"/>
-                <a:ea typeface="Bebas Neue"/>
-                <a:cs typeface="Bebas Neue"/>
-                <a:sym typeface="Bebas Neue"/>
-              </a:defRPr>
-            </a:lvl5pPr>
-            <a:lvl6pPr lvl="5" algn="ctr" rtl="0">
-              <a:lnSpc>
-                <a:spcPct val="100000"/>
-              </a:lnSpc>
-              <a:spcBef>
-                <a:spcPts val="0"/>
-              </a:spcBef>
-              <a:spcAft>
-                <a:spcPts val="0"/>
-              </a:spcAft>
-              <a:buSzPts val="2400"/>
-              <a:buFont typeface="Bebas Neue"/>
-              <a:buNone/>
-              <a:defRPr sz="3200">
-                <a:latin typeface="Bebas Neue"/>
-                <a:ea typeface="Bebas Neue"/>
-                <a:cs typeface="Bebas Neue"/>
-                <a:sym typeface="Bebas Neue"/>
-              </a:defRPr>
-            </a:lvl6pPr>
-            <a:lvl7pPr lvl="6" algn="ctr" rtl="0">
-              <a:lnSpc>
-                <a:spcPct val="100000"/>
-              </a:lnSpc>
-              <a:spcBef>
-                <a:spcPts val="0"/>
-              </a:spcBef>
-              <a:spcAft>
-                <a:spcPts val="0"/>
-              </a:spcAft>
-              <a:buSzPts val="2400"/>
-              <a:buFont typeface="Bebas Neue"/>
-              <a:buNone/>
-              <a:defRPr sz="3200">
-                <a:latin typeface="Bebas Neue"/>
-                <a:ea typeface="Bebas Neue"/>
-                <a:cs typeface="Bebas Neue"/>
-                <a:sym typeface="Bebas Neue"/>
-              </a:defRPr>
-            </a:lvl7pPr>
-            <a:lvl8pPr lvl="7" algn="ctr" rtl="0">
-              <a:lnSpc>
-                <a:spcPct val="100000"/>
-              </a:lnSpc>
-              <a:spcBef>
-                <a:spcPts val="0"/>
-              </a:spcBef>
-              <a:spcAft>
-                <a:spcPts val="0"/>
-              </a:spcAft>
-              <a:buSzPts val="2400"/>
-              <a:buFont typeface="Bebas Neue"/>
-              <a:buNone/>
-              <a:defRPr sz="3200">
-                <a:latin typeface="Bebas Neue"/>
-                <a:ea typeface="Bebas Neue"/>
-                <a:cs typeface="Bebas Neue"/>
-                <a:sym typeface="Bebas Neue"/>
-              </a:defRPr>
-            </a:lvl8pPr>
-            <a:lvl9pPr lvl="8" algn="ctr" rtl="0">
-              <a:lnSpc>
-                <a:spcPct val="100000"/>
-              </a:lnSpc>
-              <a:spcBef>
-                <a:spcPts val="0"/>
-              </a:spcBef>
-              <a:spcAft>
-                <a:spcPts val="0"/>
-              </a:spcAft>
-              <a:buSzPts val="2400"/>
-              <a:buFont typeface="Bebas Neue"/>
-              <a:buNone/>
-              <a:defRPr sz="3200">
-                <a:latin typeface="Bebas Neue"/>
-                <a:ea typeface="Bebas Neue"/>
-                <a:cs typeface="Bebas Neue"/>
-                <a:sym typeface="Bebas Neue"/>
-              </a:defRPr>
-            </a:lvl9pPr>
-          </a:lstStyle>
-          <a:p>
-            <a:r>
-              <a:rPr lang="pt-BR"/>
-              <a:t>Clique para editar o estilo do subtítulo Mestre</a:t>
-            </a:r>
-            <a:endParaRPr/>
-          </a:p>
-        </p:txBody>
-      </p:sp>
-      <p:sp>
-        <p:nvSpPr>
-          <p:cNvPr id="182" name="Google Shape;182;p22"/>
-          <p:cNvSpPr txBox="1">
-            <a:spLocks noGrp="1"/>
-          </p:cNvSpPr>
-          <p:nvPr>
-            <p:ph type="subTitle" idx="14"/>
-          </p:nvPr>
-        </p:nvSpPr>
-        <p:spPr>
-          <a:xfrm>
-            <a:off x="4777200" y="3721467"/>
-            <a:ext cx="2637600" cy="656800"/>
-          </a:xfrm>
-          <a:prstGeom prst="rect">
-            <a:avLst/>
-          </a:prstGeom>
-        </p:spPr>
-        <p:txBody>
-          <a:bodyPr spcFirstLastPara="1" wrap="square" lIns="91425" tIns="91425" rIns="91425" bIns="91425" anchor="b" anchorCtr="0">
-            <a:noAutofit/>
-          </a:bodyPr>
-          <a:lstStyle>
-            <a:lvl1pPr lvl="0" rtl="0">
-              <a:spcBef>
-                <a:spcPts val="0"/>
-              </a:spcBef>
-              <a:spcAft>
-                <a:spcPts val="0"/>
-              </a:spcAft>
-              <a:buSzPts val="2400"/>
-              <a:buFont typeface="Bebas Neue"/>
-              <a:buNone/>
-              <a:defRPr sz="3200">
-                <a:solidFill>
-                  <a:schemeClr val="lt2"/>
-                </a:solidFill>
-                <a:latin typeface="Source Code Pro Medium"/>
-                <a:ea typeface="Source Code Pro Medium"/>
-                <a:cs typeface="Source Code Pro Medium"/>
-                <a:sym typeface="Source Code Pro Medium"/>
-              </a:defRPr>
-            </a:lvl1pPr>
-            <a:lvl2pPr lvl="1" algn="ctr" rtl="0">
-              <a:lnSpc>
-                <a:spcPct val="100000"/>
-              </a:lnSpc>
-              <a:spcBef>
-                <a:spcPts val="0"/>
-              </a:spcBef>
-              <a:spcAft>
-                <a:spcPts val="0"/>
-              </a:spcAft>
-              <a:buSzPts val="2400"/>
-              <a:buFont typeface="Bebas Neue"/>
-              <a:buNone/>
-              <a:defRPr sz="3200">
-                <a:latin typeface="Bebas Neue"/>
-                <a:ea typeface="Bebas Neue"/>
-                <a:cs typeface="Bebas Neue"/>
-                <a:sym typeface="Bebas Neue"/>
-              </a:defRPr>
-            </a:lvl2pPr>
-            <a:lvl3pPr lvl="2" algn="ctr" rtl="0">
-              <a:lnSpc>
-                <a:spcPct val="100000"/>
-              </a:lnSpc>
-              <a:spcBef>
-                <a:spcPts val="0"/>
-              </a:spcBef>
-              <a:spcAft>
-                <a:spcPts val="0"/>
-              </a:spcAft>
-              <a:buSzPts val="2400"/>
-              <a:buFont typeface="Bebas Neue"/>
-              <a:buNone/>
-              <a:defRPr sz="3200">
-                <a:latin typeface="Bebas Neue"/>
-                <a:ea typeface="Bebas Neue"/>
-                <a:cs typeface="Bebas Neue"/>
-                <a:sym typeface="Bebas Neue"/>
-              </a:defRPr>
-            </a:lvl3pPr>
-            <a:lvl4pPr lvl="3" algn="ctr" rtl="0">
-              <a:lnSpc>
-                <a:spcPct val="100000"/>
-              </a:lnSpc>
-              <a:spcBef>
-                <a:spcPts val="0"/>
-              </a:spcBef>
-              <a:spcAft>
-                <a:spcPts val="0"/>
-              </a:spcAft>
-              <a:buSzPts val="2400"/>
-              <a:buFont typeface="Bebas Neue"/>
-              <a:buNone/>
-              <a:defRPr sz="3200">
-                <a:latin typeface="Bebas Neue"/>
-                <a:ea typeface="Bebas Neue"/>
-                <a:cs typeface="Bebas Neue"/>
-                <a:sym typeface="Bebas Neue"/>
-              </a:defRPr>
-            </a:lvl4pPr>
-            <a:lvl5pPr lvl="4" algn="ctr" rtl="0">
-              <a:lnSpc>
-                <a:spcPct val="100000"/>
-              </a:lnSpc>
-              <a:spcBef>
-                <a:spcPts val="0"/>
-              </a:spcBef>
-              <a:spcAft>
-                <a:spcPts val="0"/>
-              </a:spcAft>
-              <a:buSzPts val="2400"/>
-              <a:buFont typeface="Bebas Neue"/>
-              <a:buNone/>
-              <a:defRPr sz="3200">
-                <a:latin typeface="Bebas Neue"/>
-                <a:ea typeface="Bebas Neue"/>
-                <a:cs typeface="Bebas Neue"/>
-                <a:sym typeface="Bebas Neue"/>
-              </a:defRPr>
-            </a:lvl5pPr>
-            <a:lvl6pPr lvl="5" algn="ctr" rtl="0">
-              <a:lnSpc>
-                <a:spcPct val="100000"/>
-              </a:lnSpc>
-              <a:spcBef>
-                <a:spcPts val="0"/>
-              </a:spcBef>
-              <a:spcAft>
-                <a:spcPts val="0"/>
-              </a:spcAft>
-              <a:buSzPts val="2400"/>
-              <a:buFont typeface="Bebas Neue"/>
-              <a:buNone/>
-              <a:defRPr sz="3200">
-                <a:latin typeface="Bebas Neue"/>
-                <a:ea typeface="Bebas Neue"/>
-                <a:cs typeface="Bebas Neue"/>
-                <a:sym typeface="Bebas Neue"/>
-              </a:defRPr>
-            </a:lvl6pPr>
-            <a:lvl7pPr lvl="6" algn="ctr" rtl="0">
-              <a:lnSpc>
-                <a:spcPct val="100000"/>
-              </a:lnSpc>
-              <a:spcBef>
-                <a:spcPts val="0"/>
-              </a:spcBef>
-              <a:spcAft>
-                <a:spcPts val="0"/>
-              </a:spcAft>
-              <a:buSzPts val="2400"/>
-              <a:buFont typeface="Bebas Neue"/>
-              <a:buNone/>
-              <a:defRPr sz="3200">
-                <a:latin typeface="Bebas Neue"/>
-                <a:ea typeface="Bebas Neue"/>
-                <a:cs typeface="Bebas Neue"/>
-                <a:sym typeface="Bebas Neue"/>
-              </a:defRPr>
-            </a:lvl7pPr>
-            <a:lvl8pPr lvl="7" algn="ctr" rtl="0">
-              <a:lnSpc>
-                <a:spcPct val="100000"/>
-              </a:lnSpc>
-              <a:spcBef>
-                <a:spcPts val="0"/>
-              </a:spcBef>
-              <a:spcAft>
-                <a:spcPts val="0"/>
-              </a:spcAft>
-              <a:buSzPts val="2400"/>
-              <a:buFont typeface="Bebas Neue"/>
-              <a:buNone/>
-              <a:defRPr sz="3200">
-                <a:latin typeface="Bebas Neue"/>
-                <a:ea typeface="Bebas Neue"/>
-                <a:cs typeface="Bebas Neue"/>
-                <a:sym typeface="Bebas Neue"/>
-              </a:defRPr>
-            </a:lvl8pPr>
-            <a:lvl9pPr lvl="8" algn="ctr" rtl="0">
-              <a:lnSpc>
-                <a:spcPct val="100000"/>
-              </a:lnSpc>
-              <a:spcBef>
-                <a:spcPts val="0"/>
-              </a:spcBef>
-              <a:spcAft>
-                <a:spcPts val="0"/>
-              </a:spcAft>
-              <a:buSzPts val="2400"/>
-              <a:buFont typeface="Bebas Neue"/>
-              <a:buNone/>
-              <a:defRPr sz="3200">
-                <a:latin typeface="Bebas Neue"/>
-                <a:ea typeface="Bebas Neue"/>
-                <a:cs typeface="Bebas Neue"/>
-                <a:sym typeface="Bebas Neue"/>
-              </a:defRPr>
-            </a:lvl9pPr>
-          </a:lstStyle>
-          <a:p>
-            <a:r>
-              <a:rPr lang="pt-BR"/>
-              <a:t>Clique para editar o estilo do subtítulo Mestre</a:t>
-            </a:r>
-            <a:endParaRPr/>
-          </a:p>
-        </p:txBody>
-      </p:sp>
-      <p:sp>
-        <p:nvSpPr>
-          <p:cNvPr id="183" name="Google Shape;183;p22"/>
-          <p:cNvSpPr txBox="1">
-            <a:spLocks noGrp="1"/>
-          </p:cNvSpPr>
-          <p:nvPr>
-            <p:ph type="subTitle" idx="15"/>
-          </p:nvPr>
-        </p:nvSpPr>
-        <p:spPr>
-          <a:xfrm>
-            <a:off x="8070331" y="3721467"/>
-            <a:ext cx="2637600" cy="656800"/>
-          </a:xfrm>
-          <a:prstGeom prst="rect">
-            <a:avLst/>
-          </a:prstGeom>
-        </p:spPr>
-        <p:txBody>
-          <a:bodyPr spcFirstLastPara="1" wrap="square" lIns="91425" tIns="91425" rIns="91425" bIns="91425" anchor="b" anchorCtr="0">
-            <a:noAutofit/>
-          </a:bodyPr>
-          <a:lstStyle>
-            <a:lvl1pPr lvl="0" rtl="0">
-              <a:spcBef>
-                <a:spcPts val="0"/>
-              </a:spcBef>
-              <a:spcAft>
-                <a:spcPts val="0"/>
-              </a:spcAft>
-              <a:buSzPts val="2400"/>
-              <a:buFont typeface="Bebas Neue"/>
-              <a:buNone/>
-              <a:defRPr sz="3200">
-                <a:solidFill>
-                  <a:schemeClr val="accent3"/>
-                </a:solidFill>
-                <a:latin typeface="Source Code Pro Medium"/>
-                <a:ea typeface="Source Code Pro Medium"/>
-                <a:cs typeface="Source Code Pro Medium"/>
-                <a:sym typeface="Source Code Pro Medium"/>
-              </a:defRPr>
-            </a:lvl1pPr>
-            <a:lvl2pPr lvl="1" algn="ctr" rtl="0">
-              <a:lnSpc>
-                <a:spcPct val="100000"/>
-              </a:lnSpc>
-              <a:spcBef>
-                <a:spcPts val="0"/>
-              </a:spcBef>
-              <a:spcAft>
-                <a:spcPts val="0"/>
-              </a:spcAft>
-              <a:buSzPts val="2400"/>
-              <a:buFont typeface="Bebas Neue"/>
-              <a:buNone/>
-              <a:defRPr sz="3200">
-                <a:latin typeface="Bebas Neue"/>
-                <a:ea typeface="Bebas Neue"/>
-                <a:cs typeface="Bebas Neue"/>
-                <a:sym typeface="Bebas Neue"/>
-              </a:defRPr>
-            </a:lvl2pPr>
-            <a:lvl3pPr lvl="2" algn="ctr" rtl="0">
-              <a:lnSpc>
-                <a:spcPct val="100000"/>
-              </a:lnSpc>
-              <a:spcBef>
-                <a:spcPts val="0"/>
-              </a:spcBef>
-              <a:spcAft>
-                <a:spcPts val="0"/>
-              </a:spcAft>
-              <a:buSzPts val="2400"/>
-              <a:buFont typeface="Bebas Neue"/>
-              <a:buNone/>
-              <a:defRPr sz="3200">
-                <a:latin typeface="Bebas Neue"/>
-                <a:ea typeface="Bebas Neue"/>
-                <a:cs typeface="Bebas Neue"/>
-                <a:sym typeface="Bebas Neue"/>
-              </a:defRPr>
-            </a:lvl3pPr>
-            <a:lvl4pPr lvl="3" algn="ctr" rtl="0">
-              <a:lnSpc>
-                <a:spcPct val="100000"/>
-              </a:lnSpc>
-              <a:spcBef>
-                <a:spcPts val="0"/>
-              </a:spcBef>
-              <a:spcAft>
-                <a:spcPts val="0"/>
-              </a:spcAft>
-              <a:buSzPts val="2400"/>
-              <a:buFont typeface="Bebas Neue"/>
-              <a:buNone/>
-              <a:defRPr sz="3200">
-                <a:latin typeface="Bebas Neue"/>
-                <a:ea typeface="Bebas Neue"/>
-                <a:cs typeface="Bebas Neue"/>
-                <a:sym typeface="Bebas Neue"/>
-              </a:defRPr>
-            </a:lvl4pPr>
-            <a:lvl5pPr lvl="4" algn="ctr" rtl="0">
-              <a:lnSpc>
-                <a:spcPct val="100000"/>
-              </a:lnSpc>
-              <a:spcBef>
-                <a:spcPts val="0"/>
-              </a:spcBef>
-              <a:spcAft>
-                <a:spcPts val="0"/>
-              </a:spcAft>
-              <a:buSzPts val="2400"/>
-              <a:buFont typeface="Bebas Neue"/>
-              <a:buNone/>
-              <a:defRPr sz="3200">
-                <a:latin typeface="Bebas Neue"/>
-                <a:ea typeface="Bebas Neue"/>
-                <a:cs typeface="Bebas Neue"/>
-                <a:sym typeface="Bebas Neue"/>
-              </a:defRPr>
-            </a:lvl5pPr>
-            <a:lvl6pPr lvl="5" algn="ctr" rtl="0">
-              <a:lnSpc>
-                <a:spcPct val="100000"/>
-              </a:lnSpc>
-              <a:spcBef>
-                <a:spcPts val="0"/>
-              </a:spcBef>
-              <a:spcAft>
-                <a:spcPts val="0"/>
-              </a:spcAft>
-              <a:buSzPts val="2400"/>
-              <a:buFont typeface="Bebas Neue"/>
-              <a:buNone/>
-              <a:defRPr sz="3200">
-                <a:latin typeface="Bebas Neue"/>
-                <a:ea typeface="Bebas Neue"/>
-                <a:cs typeface="Bebas Neue"/>
-                <a:sym typeface="Bebas Neue"/>
-              </a:defRPr>
-            </a:lvl6pPr>
-            <a:lvl7pPr lvl="6" algn="ctr" rtl="0">
-              <a:lnSpc>
-                <a:spcPct val="100000"/>
-              </a:lnSpc>
-              <a:spcBef>
-                <a:spcPts val="0"/>
-              </a:spcBef>
-              <a:spcAft>
-                <a:spcPts val="0"/>
-              </a:spcAft>
-              <a:buSzPts val="2400"/>
-              <a:buFont typeface="Bebas Neue"/>
-              <a:buNone/>
-              <a:defRPr sz="3200">
-                <a:latin typeface="Bebas Neue"/>
-                <a:ea typeface="Bebas Neue"/>
-                <a:cs typeface="Bebas Neue"/>
-                <a:sym typeface="Bebas Neue"/>
-              </a:defRPr>
-            </a:lvl7pPr>
-            <a:lvl8pPr lvl="7" algn="ctr" rtl="0">
-              <a:lnSpc>
-                <a:spcPct val="100000"/>
-              </a:lnSpc>
-              <a:spcBef>
-                <a:spcPts val="0"/>
-              </a:spcBef>
-              <a:spcAft>
-                <a:spcPts val="0"/>
-              </a:spcAft>
-              <a:buSzPts val="2400"/>
-              <a:buFont typeface="Bebas Neue"/>
-              <a:buNone/>
-              <a:defRPr sz="3200">
-                <a:latin typeface="Bebas Neue"/>
-                <a:ea typeface="Bebas Neue"/>
-                <a:cs typeface="Bebas Neue"/>
-                <a:sym typeface="Bebas Neue"/>
-              </a:defRPr>
-            </a:lvl8pPr>
-            <a:lvl9pPr lvl="8" algn="ctr" rtl="0">
-              <a:lnSpc>
-                <a:spcPct val="100000"/>
-              </a:lnSpc>
-              <a:spcBef>
-                <a:spcPts val="0"/>
-              </a:spcBef>
-              <a:spcAft>
-                <a:spcPts val="0"/>
-              </a:spcAft>
-              <a:buSzPts val="2400"/>
-              <a:buFont typeface="Bebas Neue"/>
-              <a:buNone/>
-              <a:defRPr sz="3200">
-                <a:latin typeface="Bebas Neue"/>
-                <a:ea typeface="Bebas Neue"/>
-                <a:cs typeface="Bebas Neue"/>
-                <a:sym typeface="Bebas Neue"/>
-              </a:defRPr>
-            </a:lvl9pPr>
-          </a:lstStyle>
-          <a:p>
-            <a:r>
-              <a:rPr lang="pt-BR"/>
-              <a:t>Clique para editar o estilo do subtítulo Mestre</a:t>
-            </a:r>
-            <a:endParaRPr/>
-          </a:p>
-        </p:txBody>
-      </p:sp>
+        </p:grpSpPr>
+        <p:cxnSp>
+          <p:nvCxnSpPr>
+            <p:cNvPr id="17" name="Google Shape;17;p3"/>
+            <p:cNvCxnSpPr/>
+            <p:nvPr/>
+          </p:nvCxnSpPr>
+          <p:spPr>
+            <a:xfrm rot="10800000" flipH="1">
+              <a:off x="7059675" y="514525"/>
+              <a:ext cx="473100" cy="4200"/>
+            </a:xfrm>
+            <a:prstGeom prst="straightConnector1">
+              <a:avLst/>
+            </a:prstGeom>
+            <a:noFill/>
+            <a:ln w="28575" cap="flat" cmpd="sng">
+              <a:solidFill>
+                <a:schemeClr val="dk1"/>
+              </a:solidFill>
+              <a:prstDash val="solid"/>
+              <a:round/>
+              <a:headEnd type="none" w="med" len="med"/>
+              <a:tailEnd type="none" w="med" len="med"/>
+            </a:ln>
+          </p:spPr>
+        </p:cxnSp>
+        <p:cxnSp>
+          <p:nvCxnSpPr>
+            <p:cNvPr id="18" name="Google Shape;18;p3"/>
+            <p:cNvCxnSpPr/>
+            <p:nvPr/>
+          </p:nvCxnSpPr>
+          <p:spPr>
+            <a:xfrm rot="10800000" flipH="1">
+              <a:off x="7059675" y="605675"/>
+              <a:ext cx="473100" cy="4200"/>
+            </a:xfrm>
+            <a:prstGeom prst="straightConnector1">
+              <a:avLst/>
+            </a:prstGeom>
+            <a:noFill/>
+            <a:ln w="28575" cap="flat" cmpd="sng">
+              <a:solidFill>
+                <a:schemeClr val="dk1"/>
+              </a:solidFill>
+              <a:prstDash val="solid"/>
+              <a:round/>
+              <a:headEnd type="none" w="med" len="med"/>
+              <a:tailEnd type="none" w="med" len="med"/>
+            </a:ln>
+          </p:spPr>
+        </p:cxnSp>
+        <p:cxnSp>
+          <p:nvCxnSpPr>
+            <p:cNvPr id="19" name="Google Shape;19;p3"/>
+            <p:cNvCxnSpPr/>
+            <p:nvPr/>
+          </p:nvCxnSpPr>
+          <p:spPr>
+            <a:xfrm rot="10800000" flipH="1">
+              <a:off x="7059675" y="696825"/>
+              <a:ext cx="473100" cy="4200"/>
+            </a:xfrm>
+            <a:prstGeom prst="straightConnector1">
+              <a:avLst/>
+            </a:prstGeom>
+            <a:noFill/>
+            <a:ln w="28575" cap="flat" cmpd="sng">
+              <a:solidFill>
+                <a:schemeClr val="dk1"/>
+              </a:solidFill>
+              <a:prstDash val="solid"/>
+              <a:round/>
+              <a:headEnd type="none" w="med" len="med"/>
+              <a:tailEnd type="none" w="med" len="med"/>
+            </a:ln>
+          </p:spPr>
+        </p:cxnSp>
+      </p:grpSp>
     </p:spTree>
     <p:extLst>
       <p:ext uri="{BB962C8B-B14F-4D97-AF65-F5344CB8AC3E}">
-        <p14:creationId xmlns:p14="http://schemas.microsoft.com/office/powerpoint/2010/main" val="1814324426"/>
+        <p14:creationId xmlns:p14="http://schemas.microsoft.com/office/powerpoint/2010/main" val="3466126662"/>
       </p:ext>
     </p:extLst>
   </p:cSld>
   <p:clrMapOvr>
     <a:masterClrMapping/>
   </p:clrMapOvr>
+  <p:transition spd="slow">
+    <p:wipe/>
+  </p:transition>
 </p:sldLayout>
 </file>
 
-<file path=ppt/slideLayouts/slideLayout22.xml><?xml version="1.0" encoding="utf-8"?>
+<file path=ppt/slideLayouts/slideLayout20.xml><?xml version="1.0" encoding="utf-8"?>
 <p:sldLayout xmlns:a="http://schemas.openxmlformats.org/drawingml/2006/main" xmlns:r="http://schemas.openxmlformats.org/officeDocument/2006/relationships" xmlns:p="http://schemas.openxmlformats.org/presentationml/2006/main" matchingName="Numbers and text">
   <p:cSld name="Numbers and text">
     <p:spTree>
@@ -14197,10 +10411,13 @@
   <p:clrMapOvr>
     <a:masterClrMapping/>
   </p:clrMapOvr>
+  <p:transition spd="slow">
+    <p:wipe/>
+  </p:transition>
 </p:sldLayout>
 </file>
 
-<file path=ppt/slideLayouts/slideLayout23.xml><?xml version="1.0" encoding="utf-8"?>
+<file path=ppt/slideLayouts/slideLayout21.xml><?xml version="1.0" encoding="utf-8"?>
 <p:sldLayout xmlns:a="http://schemas.openxmlformats.org/drawingml/2006/main" xmlns:r="http://schemas.openxmlformats.org/officeDocument/2006/relationships" xmlns:p="http://schemas.openxmlformats.org/presentationml/2006/main" matchingName="Numbers and text 1">
   <p:cSld name="Numbers and text 1">
     <p:spTree>
@@ -16497,10 +12714,13 @@
   <p:clrMapOvr>
     <a:masterClrMapping/>
   </p:clrMapOvr>
+  <p:transition spd="slow">
+    <p:wipe/>
+  </p:transition>
 </p:sldLayout>
 </file>
 
-<file path=ppt/slideLayouts/slideLayout24.xml><?xml version="1.0" encoding="utf-8"?>
+<file path=ppt/slideLayouts/slideLayout22.xml><?xml version="1.0" encoding="utf-8"?>
 <p:sldLayout xmlns:a="http://schemas.openxmlformats.org/drawingml/2006/main" xmlns:r="http://schemas.openxmlformats.org/officeDocument/2006/relationships" xmlns:p="http://schemas.openxmlformats.org/presentationml/2006/main" matchingName="Thanks">
   <p:cSld name="Thanks">
     <p:spTree>
@@ -16981,10 +13201,13 @@
   <p:clrMapOvr>
     <a:masterClrMapping/>
   </p:clrMapOvr>
+  <p:transition spd="slow">
+    <p:wipe/>
+  </p:transition>
 </p:sldLayout>
 </file>
 
-<file path=ppt/slideLayouts/slideLayout25.xml><?xml version="1.0" encoding="utf-8"?>
+<file path=ppt/slideLayouts/slideLayout23.xml><?xml version="1.0" encoding="utf-8"?>
 <p:sldLayout xmlns:a="http://schemas.openxmlformats.org/drawingml/2006/main" xmlns:r="http://schemas.openxmlformats.org/officeDocument/2006/relationships" xmlns:p="http://schemas.openxmlformats.org/presentationml/2006/main" matchingName="Background">
   <p:cSld name="Background">
     <p:spTree>
@@ -17186,10 +13409,13 @@
   <p:clrMapOvr>
     <a:masterClrMapping/>
   </p:clrMapOvr>
+  <p:transition spd="slow">
+    <p:wipe/>
+  </p:transition>
 </p:sldLayout>
 </file>
 
-<file path=ppt/slideLayouts/slideLayout26.xml><?xml version="1.0" encoding="utf-8"?>
+<file path=ppt/slideLayouts/slideLayout24.xml><?xml version="1.0" encoding="utf-8"?>
 <p:sldLayout xmlns:a="http://schemas.openxmlformats.org/drawingml/2006/main" xmlns:r="http://schemas.openxmlformats.org/officeDocument/2006/relationships" xmlns:p="http://schemas.openxmlformats.org/presentationml/2006/main" matchingName="Background 1">
   <p:cSld name="Background 1">
     <p:spTree>
@@ -17349,10 +13575,13 @@
   <p:clrMapOvr>
     <a:masterClrMapping/>
   </p:clrMapOvr>
+  <p:transition spd="slow">
+    <p:wipe/>
+  </p:transition>
 </p:sldLayout>
 </file>
 
-<file path=ppt/slideLayouts/slideLayout27.xml><?xml version="1.0" encoding="utf-8"?>
+<file path=ppt/slideLayouts/slideLayout25.xml><?xml version="1.0" encoding="utf-8"?>
 <p:sldLayout xmlns:a="http://schemas.openxmlformats.org/drawingml/2006/main" xmlns:r="http://schemas.openxmlformats.org/officeDocument/2006/relationships" xmlns:p="http://schemas.openxmlformats.org/presentationml/2006/main" matchingName="Blank slide" type="blank" preserve="1">
   <p:cSld name="Blank slide">
     <p:spTree>
@@ -17379,10 +13608,13 @@
   <p:clrMapOvr>
     <a:masterClrMapping/>
   </p:clrMapOvr>
+  <p:transition spd="slow">
+    <p:wipe/>
+  </p:transition>
 </p:sldLayout>
 </file>
 
-<file path=ppt/slideLayouts/slideLayout28.xml><?xml version="1.0" encoding="utf-8"?>
+<file path=ppt/slideLayouts/slideLayout26.xml><?xml version="1.0" encoding="utf-8"?>
 <p:sldLayout xmlns:a="http://schemas.openxmlformats.org/drawingml/2006/main" xmlns:r="http://schemas.openxmlformats.org/officeDocument/2006/relationships" xmlns:p="http://schemas.openxmlformats.org/presentationml/2006/main" matchingName="Title only" preserve="1">
   <p:cSld name="Title only">
     <p:spTree>
@@ -17546,6 +13778,9 @@
   <p:clrMapOvr>
     <a:masterClrMapping/>
   </p:clrMapOvr>
+  <p:transition spd="slow">
+    <p:wipe/>
+  </p:transition>
 </p:sldLayout>
 </file>
 
@@ -18050,6 +14285,9 @@
   <p:clrMapOvr>
     <a:masterClrMapping/>
   </p:clrMapOvr>
+  <p:transition spd="slow">
+    <p:wipe/>
+  </p:transition>
 </p:sldLayout>
 </file>
 
@@ -19130,6 +15368,9 @@
   <p:clrMapOvr>
     <a:masterClrMapping/>
   </p:clrMapOvr>
+  <p:transition spd="slow">
+    <p:wipe/>
+  </p:transition>
 </p:sldLayout>
 </file>
 
@@ -19468,6 +15709,9 @@
   <p:clrMapOvr>
     <a:masterClrMapping/>
   </p:clrMapOvr>
+  <p:transition spd="slow">
+    <p:wipe/>
+  </p:transition>
 </p:sldLayout>
 </file>
 
@@ -19996,6 +16240,9 @@
   <p:clrMapOvr>
     <a:masterClrMapping/>
   </p:clrMapOvr>
+  <p:transition spd="slow">
+    <p:wipe/>
+  </p:transition>
 </p:sldLayout>
 </file>
 
@@ -20295,6 +16542,9 @@
   <p:clrMapOvr>
     <a:masterClrMapping/>
   </p:clrMapOvr>
+  <p:transition spd="slow">
+    <p:wipe/>
+  </p:transition>
 </p:sldLayout>
 </file>
 
@@ -20751,6 +17001,9 @@
   <p:clrMapOvr>
     <a:masterClrMapping/>
   </p:clrMapOvr>
+  <p:transition spd="slow">
+    <p:wipe/>
+  </p:transition>
 </p:sldLayout>
 </file>
 
@@ -20941,6 +17194,9 @@
   <p:clrMapOvr>
     <a:masterClrMapping/>
   </p:clrMapOvr>
+  <p:transition spd="slow">
+    <p:wipe/>
+  </p:transition>
 </p:sldLayout>
 </file>
 
@@ -21505,15 +17761,16 @@
     <p:sldLayoutId id="2147483676" r:id="rId16"/>
     <p:sldLayoutId id="2147483677" r:id="rId17"/>
     <p:sldLayoutId id="2147483678" r:id="rId18"/>
-    <p:sldLayoutId id="2147483679" r:id="rId19"/>
-    <p:sldLayoutId id="2147483680" r:id="rId20"/>
-    <p:sldLayoutId id="2147483681" r:id="rId21"/>
-    <p:sldLayoutId id="2147483682" r:id="rId22"/>
-    <p:sldLayoutId id="2147483683" r:id="rId23"/>
-    <p:sldLayoutId id="2147483684" r:id="rId24"/>
-    <p:sldLayoutId id="2147483685" r:id="rId25"/>
-    <p:sldLayoutId id="2147483686" r:id="rId26"/>
+    <p:sldLayoutId id="2147483680" r:id="rId19"/>
+    <p:sldLayoutId id="2147483682" r:id="rId20"/>
+    <p:sldLayoutId id="2147483683" r:id="rId21"/>
+    <p:sldLayoutId id="2147483684" r:id="rId22"/>
+    <p:sldLayoutId id="2147483685" r:id="rId23"/>
+    <p:sldLayoutId id="2147483686" r:id="rId24"/>
   </p:sldLayoutIdLst>
+  <p:transition spd="slow">
+    <p:wipe/>
+  </p:transition>
   <p:txStyles>
     <p:titleStyle>
       <a:defPPr marR="0" lvl="0" algn="l" rtl="0">
@@ -22707,6 +18964,9 @@
     <p:sldLayoutId id="2147483688" r:id="rId1"/>
     <p:sldLayoutId id="2147483689" r:id="rId2"/>
   </p:sldLayoutIdLst>
+  <p:transition spd="slow">
+    <p:wipe/>
+  </p:transition>
   <p:hf hdr="0" ftr="0" dt="0"/>
   <p:txStyles>
     <p:titleStyle>
@@ -23503,6 +19763,9 @@
   <p:clrMapOvr>
     <a:masterClrMapping/>
   </p:clrMapOvr>
+  <p:transition spd="slow">
+    <p:wipe/>
+  </p:transition>
 </p:sld>
 </file>
 
@@ -23607,6 +19870,9 @@
   <p:clrMapOvr>
     <a:masterClrMapping/>
   </p:clrMapOvr>
+  <p:transition spd="slow">
+    <p:wipe/>
+  </p:transition>
 </p:sld>
 </file>
 
@@ -23759,6 +20025,9 @@
   <p:clrMapOvr>
     <a:masterClrMapping/>
   </p:clrMapOvr>
+  <p:transition spd="slow">
+    <p:wipe/>
+  </p:transition>
 </p:sld>
 </file>
 
@@ -23935,6 +20204,9 @@
   <p:clrMapOvr>
     <a:masterClrMapping/>
   </p:clrMapOvr>
+  <p:transition spd="slow">
+    <p:wipe/>
+  </p:transition>
 </p:sld>
 </file>
 
@@ -24109,6 +20381,9 @@
   <p:clrMapOvr>
     <a:masterClrMapping/>
   </p:clrMapOvr>
+  <p:transition spd="slow">
+    <p:wipe/>
+  </p:transition>
 </p:sld>
 </file>
 
@@ -24204,6 +20479,9 @@
   <p:clrMapOvr>
     <a:masterClrMapping/>
   </p:clrMapOvr>
+  <p:transition spd="slow">
+    <p:wipe/>
+  </p:transition>
 </p:sld>
 </file>
 
@@ -24402,6 +20680,9 @@
   <p:clrMapOvr>
     <a:masterClrMapping/>
   </p:clrMapOvr>
+  <p:transition spd="slow">
+    <p:wipe/>
+  </p:transition>
 </p:sld>
 </file>
 
@@ -24530,6 +20811,9 @@
   <p:clrMapOvr>
     <a:masterClrMapping/>
   </p:clrMapOvr>
+  <p:transition spd="slow">
+    <p:wipe/>
+  </p:transition>
 </p:sld>
 </file>
 
@@ -24701,6 +20985,9 @@
   <p:clrMapOvr>
     <a:masterClrMapping/>
   </p:clrMapOvr>
+  <p:transition spd="slow">
+    <p:wipe/>
+  </p:transition>
 </p:sld>
 </file>
 
@@ -24837,6 +21124,9 @@
   <p:clrMapOvr>
     <a:masterClrMapping/>
   </p:clrMapOvr>
+  <p:transition spd="slow">
+    <p:wipe/>
+  </p:transition>
 </p:sld>
 </file>
 
@@ -24973,6 +21263,9 @@
   <p:clrMapOvr>
     <a:masterClrMapping/>
   </p:clrMapOvr>
+  <p:transition spd="slow">
+    <p:wipe/>
+  </p:transition>
 </p:sld>
 </file>
 
@@ -25179,6 +21472,9 @@
   <p:clrMapOvr>
     <a:masterClrMapping/>
   </p:clrMapOvr>
+  <p:transition spd="slow">
+    <p:wipe/>
+  </p:transition>
 </p:sld>
 </file>
 
@@ -25223,7 +21519,7 @@
             <a:pPr algn="ctr"/>
             <a:r>
               <a:rPr lang="pt-BR" dirty="0"/>
-              <a:t>MEMÓRIA E VARIÁVEIS</a:t>
+              <a:t>VARIÁVEIS</a:t>
             </a:r>
           </a:p>
         </p:txBody>
@@ -25244,15 +21540,67 @@
             <p:ph type="body" idx="1"/>
           </p:nvPr>
         </p:nvSpPr>
-        <p:spPr/>
+        <p:spPr>
+          <a:xfrm>
+            <a:off x="960000" y="1621000"/>
+            <a:ext cx="4894535" cy="4471042"/>
+          </a:xfrm>
+        </p:spPr>
         <p:txBody>
           <a:bodyPr/>
           <a:lstStyle/>
           <a:p>
-            <a:endParaRPr lang="pt-BR" dirty="0"/>
+            <a:r>
+              <a:rPr lang="pt-BR" dirty="0"/>
+              <a:t>A linguagem C++ suporta variáveis estáticas. Variáveis estáticas são declaradas usando a palavra-chave </a:t>
+            </a:r>
+            <a:r>
+              <a:rPr lang="pt-BR" dirty="0" err="1"/>
+              <a:t>static</a:t>
+            </a:r>
+            <a:r>
+              <a:rPr lang="pt-BR" dirty="0"/>
+              <a:t> e mantêm seu valor durante a execução do programa. </a:t>
+            </a:r>
           </a:p>
         </p:txBody>
       </p:sp>
+      <p:pic>
+        <p:nvPicPr>
+          <p:cNvPr id="5" name="Imagem 4">
+            <a:extLst>
+              <a:ext uri="{FF2B5EF4-FFF2-40B4-BE49-F238E27FC236}">
+                <a16:creationId xmlns:a16="http://schemas.microsoft.com/office/drawing/2014/main" id="{5AB1F344-9606-A617-07AB-263188271AFB}"/>
+              </a:ext>
+            </a:extLst>
+          </p:cNvPr>
+          <p:cNvPicPr>
+            <a:picLocks noChangeAspect="1"/>
+          </p:cNvPicPr>
+          <p:nvPr/>
+        </p:nvPicPr>
+        <p:blipFill>
+          <a:blip r:embed="rId2">
+            <a:extLst>
+              <a:ext uri="{28A0092B-C50C-407E-A947-70E740481C1C}">
+                <a14:useLocalDpi xmlns:a14="http://schemas.microsoft.com/office/drawing/2010/main" val="0"/>
+              </a:ext>
+            </a:extLst>
+          </a:blip>
+          <a:stretch>
+            <a:fillRect/>
+          </a:stretch>
+        </p:blipFill>
+        <p:spPr>
+          <a:xfrm>
+            <a:off x="6697684" y="1930691"/>
+            <a:ext cx="5100422" cy="3745714"/>
+          </a:xfrm>
+          <a:prstGeom prst="rect">
+            <a:avLst/>
+          </a:prstGeom>
+        </p:spPr>
+      </p:pic>
     </p:spTree>
     <p:extLst>
       <p:ext uri="{BB962C8B-B14F-4D97-AF65-F5344CB8AC3E}">
@@ -25263,6 +21611,9 @@
   <p:clrMapOvr>
     <a:masterClrMapping/>
   </p:clrMapOvr>
+  <p:transition spd="slow">
+    <p:wipe/>
+  </p:transition>
 </p:sld>
 </file>
 
@@ -25288,7 +21639,7 @@
           <p:cNvPr id="2" name="Título 1">
             <a:extLst>
               <a:ext uri="{FF2B5EF4-FFF2-40B4-BE49-F238E27FC236}">
-                <a16:creationId xmlns:a16="http://schemas.microsoft.com/office/drawing/2014/main" id="{69438CE2-7AFB-821A-BC57-11478A8505C0}"/>
+                <a16:creationId xmlns:a16="http://schemas.microsoft.com/office/drawing/2014/main" id="{73D0613A-0967-F46C-19E6-C3EE755CE009}"/>
               </a:ext>
             </a:extLst>
           </p:cNvPr>
@@ -25307,7 +21658,7 @@
             <a:pPr algn="ctr"/>
             <a:r>
               <a:rPr lang="pt-BR" dirty="0"/>
-              <a:t>ORIENTAÇÃO À OBJETOS</a:t>
+              <a:t>VARIÁVEIS</a:t>
             </a:r>
           </a:p>
         </p:txBody>
@@ -25317,7 +21668,7 @@
           <p:cNvPr id="3" name="Espaço Reservado para Texto 2">
             <a:extLst>
               <a:ext uri="{FF2B5EF4-FFF2-40B4-BE49-F238E27FC236}">
-                <a16:creationId xmlns:a16="http://schemas.microsoft.com/office/drawing/2014/main" id="{E73D2AC8-EAF9-CABF-8CF9-F12E7364C40C}"/>
+                <a16:creationId xmlns:a16="http://schemas.microsoft.com/office/drawing/2014/main" id="{9AC5EBA7-30D9-05E4-E7E2-D341135C6599}"/>
               </a:ext>
             </a:extLst>
           </p:cNvPr>
@@ -25328,25 +21679,94 @@
             <p:ph type="body" idx="1"/>
           </p:nvPr>
         </p:nvSpPr>
-        <p:spPr/>
+        <p:spPr>
+          <a:xfrm>
+            <a:off x="960000" y="1621000"/>
+            <a:ext cx="4894535" cy="4471042"/>
+          </a:xfrm>
+        </p:spPr>
         <p:txBody>
           <a:bodyPr/>
           <a:lstStyle/>
           <a:p>
-            <a:endParaRPr lang="pt-BR" dirty="0"/>
+            <a:r>
+              <a:rPr lang="pt-BR" dirty="0"/>
+              <a:t>Em C++, variáveis globais são declaradas fora de qualquer função ou bloco de código e podem ser acessadas por todo o programa.</a:t>
+            </a:r>
+          </a:p>
+          <a:p>
+            <a:r>
+              <a:rPr lang="pt-BR" dirty="0"/>
+              <a:t>Nesse exemplo, a variável numero é uma variável global, declarada fora de qualquer função. Ela pode ser acessada tanto pela função </a:t>
+            </a:r>
+            <a:r>
+              <a:rPr lang="pt-BR" dirty="0" err="1"/>
+              <a:t>main</a:t>
+            </a:r>
+            <a:r>
+              <a:rPr lang="pt-BR" dirty="0"/>
+              <a:t>() quanto pela função </a:t>
+            </a:r>
+            <a:r>
+              <a:rPr lang="pt-BR" dirty="0" err="1"/>
+              <a:t>exibirNumero</a:t>
+            </a:r>
+            <a:r>
+              <a:rPr lang="pt-BR" dirty="0"/>
+              <a:t>().</a:t>
+            </a:r>
           </a:p>
         </p:txBody>
       </p:sp>
+      <p:pic>
+        <p:nvPicPr>
+          <p:cNvPr id="6" name="Imagem 5">
+            <a:extLst>
+              <a:ext uri="{FF2B5EF4-FFF2-40B4-BE49-F238E27FC236}">
+                <a16:creationId xmlns:a16="http://schemas.microsoft.com/office/drawing/2014/main" id="{E92D29D9-9461-4ED7-91BC-024F0497BFE0}"/>
+              </a:ext>
+            </a:extLst>
+          </p:cNvPr>
+          <p:cNvPicPr>
+            <a:picLocks noChangeAspect="1"/>
+          </p:cNvPicPr>
+          <p:nvPr/>
+        </p:nvPicPr>
+        <p:blipFill>
+          <a:blip r:embed="rId2">
+            <a:extLst>
+              <a:ext uri="{28A0092B-C50C-407E-A947-70E740481C1C}">
+                <a14:useLocalDpi xmlns:a14="http://schemas.microsoft.com/office/drawing/2010/main" val="0"/>
+              </a:ext>
+            </a:extLst>
+          </a:blip>
+          <a:stretch>
+            <a:fillRect/>
+          </a:stretch>
+        </p:blipFill>
+        <p:spPr>
+          <a:xfrm>
+            <a:off x="6420595" y="2011296"/>
+            <a:ext cx="5366026" cy="3690449"/>
+          </a:xfrm>
+          <a:prstGeom prst="rect">
+            <a:avLst/>
+          </a:prstGeom>
+        </p:spPr>
+      </p:pic>
     </p:spTree>
     <p:extLst>
       <p:ext uri="{BB962C8B-B14F-4D97-AF65-F5344CB8AC3E}">
-        <p14:creationId xmlns:p14="http://schemas.microsoft.com/office/powerpoint/2010/main" val="1544455830"/>
+        <p14:creationId xmlns:p14="http://schemas.microsoft.com/office/powerpoint/2010/main" val="38703383"/>
       </p:ext>
     </p:extLst>
   </p:cSld>
   <p:clrMapOvr>
     <a:masterClrMapping/>
   </p:clrMapOvr>
+  <p:transition spd="slow">
+    <p:wipe/>
+  </p:transition>
 </p:sld>
 </file>
 
@@ -25372,7 +21792,7 @@
           <p:cNvPr id="2" name="Título 1">
             <a:extLst>
               <a:ext uri="{FF2B5EF4-FFF2-40B4-BE49-F238E27FC236}">
-                <a16:creationId xmlns:a16="http://schemas.microsoft.com/office/drawing/2014/main" id="{14D0A418-B842-5D00-9EEB-E8F19426076F}"/>
+                <a16:creationId xmlns:a16="http://schemas.microsoft.com/office/drawing/2014/main" id="{73D0613A-0967-F46C-19E6-C3EE755CE009}"/>
               </a:ext>
             </a:extLst>
           </p:cNvPr>
@@ -25391,7 +21811,7 @@
             <a:pPr algn="ctr"/>
             <a:r>
               <a:rPr lang="pt-BR" dirty="0"/>
-              <a:t>TRATAMENTO DE EXCEÇÕES</a:t>
+              <a:t>ESCOPO</a:t>
             </a:r>
           </a:p>
         </p:txBody>
@@ -25401,7 +21821,865 @@
           <p:cNvPr id="3" name="Espaço Reservado para Texto 2">
             <a:extLst>
               <a:ext uri="{FF2B5EF4-FFF2-40B4-BE49-F238E27FC236}">
-                <a16:creationId xmlns:a16="http://schemas.microsoft.com/office/drawing/2014/main" id="{E314832E-1C8D-4681-6E9B-2C4F73B9C0F0}"/>
+                <a16:creationId xmlns:a16="http://schemas.microsoft.com/office/drawing/2014/main" id="{9AC5EBA7-30D9-05E4-E7E2-D341135C6599}"/>
+              </a:ext>
+            </a:extLst>
+          </p:cNvPr>
+          <p:cNvSpPr>
+            <a:spLocks noGrp="1"/>
+          </p:cNvSpPr>
+          <p:nvPr>
+            <p:ph type="body" idx="1"/>
+          </p:nvPr>
+        </p:nvSpPr>
+        <p:spPr>
+          <a:xfrm>
+            <a:off x="960000" y="1621000"/>
+            <a:ext cx="4894535" cy="4471042"/>
+          </a:xfrm>
+        </p:spPr>
+        <p:txBody>
+          <a:bodyPr/>
+          <a:lstStyle/>
+          <a:p>
+            <a:r>
+              <a:rPr lang="pt-BR" dirty="0"/>
+              <a:t>A linguagem C++ utiliza escopo estático e dinâmico. As variáveis locais têm escopo estático, o que significa que elas são visíveis apenas dentro do bloco onde são declaradas. </a:t>
+            </a:r>
+          </a:p>
+          <a:p>
+            <a:r>
+              <a:rPr lang="pt-BR" dirty="0"/>
+              <a:t>Nesse exemplo, a variável </a:t>
+            </a:r>
+            <a:r>
+              <a:rPr lang="pt-BR" dirty="0" err="1"/>
+              <a:t>variavelLocal</a:t>
+            </a:r>
+            <a:r>
+              <a:rPr lang="pt-BR" dirty="0"/>
+              <a:t> é uma variável local dentro da função </a:t>
+            </a:r>
+            <a:r>
+              <a:rPr lang="pt-BR" dirty="0" err="1"/>
+              <a:t>funcaoExemplo</a:t>
+            </a:r>
+            <a:r>
+              <a:rPr lang="pt-BR" dirty="0"/>
+              <a:t>(). Ela não é visível fora dessa função, como demonstrado pelo erro ao tentar imprimi-la na função </a:t>
+            </a:r>
+            <a:r>
+              <a:rPr lang="pt-BR" dirty="0" err="1"/>
+              <a:t>main</a:t>
+            </a:r>
+            <a:r>
+              <a:rPr lang="pt-BR" dirty="0"/>
+              <a:t>().</a:t>
+            </a:r>
+          </a:p>
+        </p:txBody>
+      </p:sp>
+      <p:pic>
+        <p:nvPicPr>
+          <p:cNvPr id="5" name="Imagem 4">
+            <a:extLst>
+              <a:ext uri="{FF2B5EF4-FFF2-40B4-BE49-F238E27FC236}">
+                <a16:creationId xmlns:a16="http://schemas.microsoft.com/office/drawing/2014/main" id="{D2EA9491-977C-27EF-E176-1D533D142A7B}"/>
+              </a:ext>
+            </a:extLst>
+          </p:cNvPr>
+          <p:cNvPicPr>
+            <a:picLocks noChangeAspect="1"/>
+          </p:cNvPicPr>
+          <p:nvPr/>
+        </p:nvPicPr>
+        <p:blipFill>
+          <a:blip r:embed="rId2">
+            <a:extLst>
+              <a:ext uri="{28A0092B-C50C-407E-A947-70E740481C1C}">
+                <a14:useLocalDpi xmlns:a14="http://schemas.microsoft.com/office/drawing/2010/main" val="0"/>
+              </a:ext>
+            </a:extLst>
+          </a:blip>
+          <a:stretch>
+            <a:fillRect/>
+          </a:stretch>
+        </p:blipFill>
+        <p:spPr>
+          <a:xfrm>
+            <a:off x="6096000" y="1919401"/>
+            <a:ext cx="5850577" cy="3424493"/>
+          </a:xfrm>
+          <a:prstGeom prst="rect">
+            <a:avLst/>
+          </a:prstGeom>
+        </p:spPr>
+      </p:pic>
+    </p:spTree>
+    <p:extLst>
+      <p:ext uri="{BB962C8B-B14F-4D97-AF65-F5344CB8AC3E}">
+        <p14:creationId xmlns:p14="http://schemas.microsoft.com/office/powerpoint/2010/main" val="3554839445"/>
+      </p:ext>
+    </p:extLst>
+  </p:cSld>
+  <p:clrMapOvr>
+    <a:masterClrMapping/>
+  </p:clrMapOvr>
+  <p:transition spd="slow">
+    <p:wipe/>
+  </p:transition>
+</p:sld>
+</file>
+
+<file path=ppt/slides/slide23.xml><?xml version="1.0" encoding="utf-8"?>
+<p:sld xmlns:a="http://schemas.openxmlformats.org/drawingml/2006/main" xmlns:r="http://schemas.openxmlformats.org/officeDocument/2006/relationships" xmlns:p="http://schemas.openxmlformats.org/presentationml/2006/main">
+  <p:cSld>
+    <p:spTree>
+      <p:nvGrpSpPr>
+        <p:cNvPr id="1" name=""/>
+        <p:cNvGrpSpPr/>
+        <p:nvPr/>
+      </p:nvGrpSpPr>
+      <p:grpSpPr>
+        <a:xfrm>
+          <a:off x="0" y="0"/>
+          <a:ext cx="0" cy="0"/>
+          <a:chOff x="0" y="0"/>
+          <a:chExt cx="0" cy="0"/>
+        </a:xfrm>
+      </p:grpSpPr>
+      <p:sp>
+        <p:nvSpPr>
+          <p:cNvPr id="2" name="Título 1">
+            <a:extLst>
+              <a:ext uri="{FF2B5EF4-FFF2-40B4-BE49-F238E27FC236}">
+                <a16:creationId xmlns:a16="http://schemas.microsoft.com/office/drawing/2014/main" id="{73D0613A-0967-F46C-19E6-C3EE755CE009}"/>
+              </a:ext>
+            </a:extLst>
+          </p:cNvPr>
+          <p:cNvSpPr>
+            <a:spLocks noGrp="1"/>
+          </p:cNvSpPr>
+          <p:nvPr>
+            <p:ph type="title"/>
+          </p:nvPr>
+        </p:nvSpPr>
+        <p:spPr/>
+        <p:txBody>
+          <a:bodyPr/>
+          <a:lstStyle/>
+          <a:p>
+            <a:pPr algn="ctr"/>
+            <a:r>
+              <a:rPr lang="pt-BR" dirty="0"/>
+              <a:t>MEMÓRIA</a:t>
+            </a:r>
+          </a:p>
+        </p:txBody>
+      </p:sp>
+      <p:sp>
+        <p:nvSpPr>
+          <p:cNvPr id="3" name="Espaço Reservado para Texto 2">
+            <a:extLst>
+              <a:ext uri="{FF2B5EF4-FFF2-40B4-BE49-F238E27FC236}">
+                <a16:creationId xmlns:a16="http://schemas.microsoft.com/office/drawing/2014/main" id="{9AC5EBA7-30D9-05E4-E7E2-D341135C6599}"/>
+              </a:ext>
+            </a:extLst>
+          </p:cNvPr>
+          <p:cNvSpPr>
+            <a:spLocks noGrp="1"/>
+          </p:cNvSpPr>
+          <p:nvPr>
+            <p:ph type="body" idx="1"/>
+          </p:nvPr>
+        </p:nvSpPr>
+        <p:spPr>
+          <a:xfrm>
+            <a:off x="960000" y="2636322"/>
+            <a:ext cx="10808447" cy="3455720"/>
+          </a:xfrm>
+        </p:spPr>
+        <p:txBody>
+          <a:bodyPr/>
+          <a:lstStyle/>
+          <a:p>
+            <a:r>
+              <a:rPr lang="pt-BR" dirty="0"/>
+              <a:t>Em relação à alocação de variáveis na memória, em C++ as variáveis locais são alocadas na pilha (</a:t>
+            </a:r>
+            <a:r>
+              <a:rPr lang="pt-BR" dirty="0" err="1"/>
+              <a:t>stack</a:t>
+            </a:r>
+            <a:r>
+              <a:rPr lang="pt-BR" dirty="0"/>
+              <a:t>), enquanto a alocação dinâmica é realizada no </a:t>
+            </a:r>
+            <a:r>
+              <a:rPr lang="pt-BR" dirty="0" err="1"/>
+              <a:t>heap</a:t>
+            </a:r>
+            <a:r>
+              <a:rPr lang="pt-BR" dirty="0"/>
+              <a:t>. Variáveis locais são alocadas automaticamente quando a função em que são declaradas é chamada, e são desalocadas automaticamente quando a função retorna. Já a alocação dinâmica é realizada usando operadores new e delete para criar e destruir objetos no </a:t>
+            </a:r>
+            <a:r>
+              <a:rPr lang="pt-BR" dirty="0" err="1"/>
+              <a:t>heap</a:t>
+            </a:r>
+            <a:r>
+              <a:rPr lang="pt-BR" dirty="0"/>
+              <a:t>. </a:t>
+            </a:r>
+          </a:p>
+        </p:txBody>
+      </p:sp>
+    </p:spTree>
+    <p:extLst>
+      <p:ext uri="{BB962C8B-B14F-4D97-AF65-F5344CB8AC3E}">
+        <p14:creationId xmlns:p14="http://schemas.microsoft.com/office/powerpoint/2010/main" val="1018574584"/>
+      </p:ext>
+    </p:extLst>
+  </p:cSld>
+  <p:clrMapOvr>
+    <a:masterClrMapping/>
+  </p:clrMapOvr>
+  <p:transition spd="slow">
+    <p:wipe/>
+  </p:transition>
+</p:sld>
+</file>
+
+<file path=ppt/slides/slide24.xml><?xml version="1.0" encoding="utf-8"?>
+<p:sld xmlns:a="http://schemas.openxmlformats.org/drawingml/2006/main" xmlns:r="http://schemas.openxmlformats.org/officeDocument/2006/relationships" xmlns:p="http://schemas.openxmlformats.org/presentationml/2006/main">
+  <p:cSld>
+    <p:spTree>
+      <p:nvGrpSpPr>
+        <p:cNvPr id="1" name=""/>
+        <p:cNvGrpSpPr/>
+        <p:nvPr/>
+      </p:nvGrpSpPr>
+      <p:grpSpPr>
+        <a:xfrm>
+          <a:off x="0" y="0"/>
+          <a:ext cx="0" cy="0"/>
+          <a:chOff x="0" y="0"/>
+          <a:chExt cx="0" cy="0"/>
+        </a:xfrm>
+      </p:grpSpPr>
+      <p:sp>
+        <p:nvSpPr>
+          <p:cNvPr id="2" name="Título 1">
+            <a:extLst>
+              <a:ext uri="{FF2B5EF4-FFF2-40B4-BE49-F238E27FC236}">
+                <a16:creationId xmlns:a16="http://schemas.microsoft.com/office/drawing/2014/main" id="{73D0613A-0967-F46C-19E6-C3EE755CE009}"/>
+              </a:ext>
+            </a:extLst>
+          </p:cNvPr>
+          <p:cNvSpPr>
+            <a:spLocks noGrp="1"/>
+          </p:cNvSpPr>
+          <p:nvPr>
+            <p:ph type="title"/>
+          </p:nvPr>
+        </p:nvSpPr>
+        <p:spPr/>
+        <p:txBody>
+          <a:bodyPr/>
+          <a:lstStyle/>
+          <a:p>
+            <a:pPr algn="ctr"/>
+            <a:r>
+              <a:rPr lang="pt-BR" dirty="0"/>
+              <a:t>MEMÓRIA</a:t>
+            </a:r>
+          </a:p>
+        </p:txBody>
+      </p:sp>
+      <p:sp>
+        <p:nvSpPr>
+          <p:cNvPr id="3" name="Espaço Reservado para Texto 2">
+            <a:extLst>
+              <a:ext uri="{FF2B5EF4-FFF2-40B4-BE49-F238E27FC236}">
+                <a16:creationId xmlns:a16="http://schemas.microsoft.com/office/drawing/2014/main" id="{9AC5EBA7-30D9-05E4-E7E2-D341135C6599}"/>
+              </a:ext>
+            </a:extLst>
+          </p:cNvPr>
+          <p:cNvSpPr>
+            <a:spLocks noGrp="1"/>
+          </p:cNvSpPr>
+          <p:nvPr>
+            <p:ph type="body" idx="1"/>
+          </p:nvPr>
+        </p:nvSpPr>
+        <p:spPr>
+          <a:xfrm>
+            <a:off x="960001" y="1621000"/>
+            <a:ext cx="6034566" cy="4471042"/>
+          </a:xfrm>
+        </p:spPr>
+        <p:txBody>
+          <a:bodyPr/>
+          <a:lstStyle/>
+          <a:p>
+            <a:r>
+              <a:rPr lang="pt-BR" dirty="0"/>
+              <a:t>Nesse exemplo, a variável </a:t>
+            </a:r>
+            <a:r>
+              <a:rPr lang="pt-BR" dirty="0" err="1"/>
+              <a:t>variavelLocal</a:t>
+            </a:r>
+            <a:r>
+              <a:rPr lang="pt-BR" dirty="0"/>
+              <a:t> é uma variável local alocada na pilha. Ela é automaticamente desalocada quando a função </a:t>
+            </a:r>
+            <a:r>
+              <a:rPr lang="pt-BR" dirty="0" err="1"/>
+              <a:t>main</a:t>
+            </a:r>
+            <a:r>
+              <a:rPr lang="pt-BR" dirty="0"/>
+              <a:t>() termina sua execução.</a:t>
+            </a:r>
+          </a:p>
+          <a:p>
+            <a:endParaRPr lang="pt-BR" dirty="0"/>
+          </a:p>
+          <a:p>
+            <a:r>
+              <a:rPr lang="pt-BR" dirty="0"/>
+              <a:t>A variável </a:t>
+            </a:r>
+            <a:r>
+              <a:rPr lang="pt-BR" dirty="0" err="1"/>
+              <a:t>ponteiroInteiro</a:t>
+            </a:r>
+            <a:r>
+              <a:rPr lang="pt-BR" dirty="0"/>
+              <a:t> é um ponteiro para um inteiro, e a alocação dinâmica é realizada usando o operador new. O valor 5 é atribuído ao local de memória alocado no </a:t>
+            </a:r>
+            <a:r>
+              <a:rPr lang="pt-BR" dirty="0" err="1"/>
+              <a:t>heap</a:t>
+            </a:r>
+            <a:r>
+              <a:rPr lang="pt-BR" dirty="0"/>
+              <a:t>. Em seguida, o valor é exibido na saída.</a:t>
+            </a:r>
+          </a:p>
+          <a:p>
+            <a:endParaRPr lang="pt-BR" dirty="0"/>
+          </a:p>
+          <a:p>
+            <a:r>
+              <a:rPr lang="pt-BR" dirty="0"/>
+              <a:t>Após a utilização do objeto alocado no </a:t>
+            </a:r>
+            <a:r>
+              <a:rPr lang="pt-BR" dirty="0" err="1"/>
+              <a:t>heap</a:t>
+            </a:r>
+            <a:r>
+              <a:rPr lang="pt-BR" dirty="0"/>
+              <a:t>, é necessário liberar a memória usando o operador delete. Isso desaloca o espaço no </a:t>
+            </a:r>
+            <a:r>
+              <a:rPr lang="pt-BR" dirty="0" err="1"/>
+              <a:t>heap</a:t>
+            </a:r>
+            <a:r>
+              <a:rPr lang="pt-BR" dirty="0"/>
+              <a:t> e evita vazamentos de memória.</a:t>
+            </a:r>
+          </a:p>
+        </p:txBody>
+      </p:sp>
+      <p:pic>
+        <p:nvPicPr>
+          <p:cNvPr id="6" name="Imagem 5">
+            <a:extLst>
+              <a:ext uri="{FF2B5EF4-FFF2-40B4-BE49-F238E27FC236}">
+                <a16:creationId xmlns:a16="http://schemas.microsoft.com/office/drawing/2014/main" id="{8E9057C5-36D6-E319-4CE1-97C326F4B7FC}"/>
+              </a:ext>
+            </a:extLst>
+          </p:cNvPr>
+          <p:cNvPicPr>
+            <a:picLocks noChangeAspect="1"/>
+          </p:cNvPicPr>
+          <p:nvPr/>
+        </p:nvPicPr>
+        <p:blipFill>
+          <a:blip r:embed="rId2">
+            <a:extLst>
+              <a:ext uri="{28A0092B-C50C-407E-A947-70E740481C1C}">
+                <a14:useLocalDpi xmlns:a14="http://schemas.microsoft.com/office/drawing/2010/main" val="0"/>
+              </a:ext>
+            </a:extLst>
+          </a:blip>
+          <a:stretch>
+            <a:fillRect/>
+          </a:stretch>
+        </p:blipFill>
+        <p:spPr>
+          <a:xfrm>
+            <a:off x="7172696" y="2211788"/>
+            <a:ext cx="4821382" cy="3535869"/>
+          </a:xfrm>
+          <a:prstGeom prst="rect">
+            <a:avLst/>
+          </a:prstGeom>
+        </p:spPr>
+      </p:pic>
+    </p:spTree>
+    <p:extLst>
+      <p:ext uri="{BB962C8B-B14F-4D97-AF65-F5344CB8AC3E}">
+        <p14:creationId xmlns:p14="http://schemas.microsoft.com/office/powerpoint/2010/main" val="546619852"/>
+      </p:ext>
+    </p:extLst>
+  </p:cSld>
+  <p:clrMapOvr>
+    <a:masterClrMapping/>
+  </p:clrMapOvr>
+  <p:transition spd="slow">
+    <p:wipe/>
+  </p:transition>
+</p:sld>
+</file>
+
+<file path=ppt/slides/slide25.xml><?xml version="1.0" encoding="utf-8"?>
+<p:sld xmlns:a="http://schemas.openxmlformats.org/drawingml/2006/main" xmlns:r="http://schemas.openxmlformats.org/officeDocument/2006/relationships" xmlns:p="http://schemas.openxmlformats.org/presentationml/2006/main">
+  <p:cSld>
+    <p:spTree>
+      <p:nvGrpSpPr>
+        <p:cNvPr id="1" name=""/>
+        <p:cNvGrpSpPr/>
+        <p:nvPr/>
+      </p:nvGrpSpPr>
+      <p:grpSpPr>
+        <a:xfrm>
+          <a:off x="0" y="0"/>
+          <a:ext cx="0" cy="0"/>
+          <a:chOff x="0" y="0"/>
+          <a:chExt cx="0" cy="0"/>
+        </a:xfrm>
+      </p:grpSpPr>
+      <p:sp>
+        <p:nvSpPr>
+          <p:cNvPr id="2" name="Título 1">
+            <a:extLst>
+              <a:ext uri="{FF2B5EF4-FFF2-40B4-BE49-F238E27FC236}">
+                <a16:creationId xmlns:a16="http://schemas.microsoft.com/office/drawing/2014/main" id="{73D0613A-0967-F46C-19E6-C3EE755CE009}"/>
+              </a:ext>
+            </a:extLst>
+          </p:cNvPr>
+          <p:cNvSpPr>
+            <a:spLocks noGrp="1"/>
+          </p:cNvSpPr>
+          <p:nvPr>
+            <p:ph type="title"/>
+          </p:nvPr>
+        </p:nvSpPr>
+        <p:spPr/>
+        <p:txBody>
+          <a:bodyPr/>
+          <a:lstStyle/>
+          <a:p>
+            <a:pPr algn="ctr"/>
+            <a:r>
+              <a:rPr lang="pt-BR" dirty="0"/>
+              <a:t>MEMÓRIA</a:t>
+            </a:r>
+          </a:p>
+        </p:txBody>
+      </p:sp>
+      <p:sp>
+        <p:nvSpPr>
+          <p:cNvPr id="3" name="Espaço Reservado para Texto 2">
+            <a:extLst>
+              <a:ext uri="{FF2B5EF4-FFF2-40B4-BE49-F238E27FC236}">
+                <a16:creationId xmlns:a16="http://schemas.microsoft.com/office/drawing/2014/main" id="{9AC5EBA7-30D9-05E4-E7E2-D341135C6599}"/>
+              </a:ext>
+            </a:extLst>
+          </p:cNvPr>
+          <p:cNvSpPr>
+            <a:spLocks noGrp="1"/>
+          </p:cNvSpPr>
+          <p:nvPr>
+            <p:ph type="body" idx="1"/>
+          </p:nvPr>
+        </p:nvSpPr>
+        <p:spPr>
+          <a:xfrm>
+            <a:off x="960001" y="1615044"/>
+            <a:ext cx="10737194" cy="4649589"/>
+          </a:xfrm>
+        </p:spPr>
+        <p:txBody>
+          <a:bodyPr/>
+          <a:lstStyle/>
+          <a:p>
+            <a:r>
+              <a:rPr lang="pt-BR" dirty="0"/>
+              <a:t>A linguagem C++ suporta tanto a passagem de parâmetros por valor quanto por referência. A passagem por valor faz uma cópia do valor do argumento, enquanto a passagem por referência permite manipular diretamente o valor original do argumento. </a:t>
+            </a:r>
+          </a:p>
+          <a:p>
+            <a:pPr marL="186262" indent="0">
+              <a:buNone/>
+            </a:pPr>
+            <a:endParaRPr lang="pt-BR" dirty="0"/>
+          </a:p>
+          <a:p>
+            <a:r>
+              <a:rPr lang="pt-BR" dirty="0"/>
+              <a:t>No exemplo seguinte, a função </a:t>
+            </a:r>
+            <a:r>
+              <a:rPr lang="pt-BR" dirty="0" err="1"/>
+              <a:t>alterarValorPorValor</a:t>
+            </a:r>
+            <a:r>
+              <a:rPr lang="pt-BR" dirty="0"/>
+              <a:t>() recebe um valor inteiro por valor. Qualquer modificação realizada dentro da função afeta apenas a cópia local do valor, não afetando a variável original.</a:t>
+            </a:r>
+          </a:p>
+          <a:p>
+            <a:endParaRPr lang="pt-BR" dirty="0"/>
+          </a:p>
+          <a:p>
+            <a:r>
+              <a:rPr lang="pt-BR" dirty="0"/>
+              <a:t>A função </a:t>
+            </a:r>
+            <a:r>
+              <a:rPr lang="pt-BR" dirty="0" err="1"/>
+              <a:t>alterarValorPorReferencia</a:t>
+            </a:r>
+            <a:r>
+              <a:rPr lang="pt-BR" dirty="0"/>
+              <a:t>() recebe o valor por referência, indicado pelo &amp; antes do parâmetro. Isso permite que a função modifique diretamente o valor original da variável.</a:t>
+            </a:r>
+          </a:p>
+        </p:txBody>
+      </p:sp>
+    </p:spTree>
+    <p:extLst>
+      <p:ext uri="{BB962C8B-B14F-4D97-AF65-F5344CB8AC3E}">
+        <p14:creationId xmlns:p14="http://schemas.microsoft.com/office/powerpoint/2010/main" val="304418474"/>
+      </p:ext>
+    </p:extLst>
+  </p:cSld>
+  <p:clrMapOvr>
+    <a:masterClrMapping/>
+  </p:clrMapOvr>
+  <p:transition spd="slow">
+    <p:wipe/>
+  </p:transition>
+</p:sld>
+</file>
+
+<file path=ppt/slides/slide26.xml><?xml version="1.0" encoding="utf-8"?>
+<p:sld xmlns:a="http://schemas.openxmlformats.org/drawingml/2006/main" xmlns:r="http://schemas.openxmlformats.org/officeDocument/2006/relationships" xmlns:p="http://schemas.openxmlformats.org/presentationml/2006/main">
+  <p:cSld>
+    <p:spTree>
+      <p:nvGrpSpPr>
+        <p:cNvPr id="1" name=""/>
+        <p:cNvGrpSpPr/>
+        <p:nvPr/>
+      </p:nvGrpSpPr>
+      <p:grpSpPr>
+        <a:xfrm>
+          <a:off x="0" y="0"/>
+          <a:ext cx="0" cy="0"/>
+          <a:chOff x="0" y="0"/>
+          <a:chExt cx="0" cy="0"/>
+        </a:xfrm>
+      </p:grpSpPr>
+      <p:sp>
+        <p:nvSpPr>
+          <p:cNvPr id="2" name="Título 1">
+            <a:extLst>
+              <a:ext uri="{FF2B5EF4-FFF2-40B4-BE49-F238E27FC236}">
+                <a16:creationId xmlns:a16="http://schemas.microsoft.com/office/drawing/2014/main" id="{73D0613A-0967-F46C-19E6-C3EE755CE009}"/>
+              </a:ext>
+            </a:extLst>
+          </p:cNvPr>
+          <p:cNvSpPr>
+            <a:spLocks noGrp="1"/>
+          </p:cNvSpPr>
+          <p:nvPr>
+            <p:ph type="title"/>
+          </p:nvPr>
+        </p:nvSpPr>
+        <p:spPr/>
+        <p:txBody>
+          <a:bodyPr/>
+          <a:lstStyle/>
+          <a:p>
+            <a:pPr algn="ctr"/>
+            <a:r>
+              <a:rPr lang="pt-BR" dirty="0"/>
+              <a:t>MEMÓRIA</a:t>
+            </a:r>
+          </a:p>
+        </p:txBody>
+      </p:sp>
+      <p:pic>
+        <p:nvPicPr>
+          <p:cNvPr id="5" name="Imagem 4">
+            <a:extLst>
+              <a:ext uri="{FF2B5EF4-FFF2-40B4-BE49-F238E27FC236}">
+                <a16:creationId xmlns:a16="http://schemas.microsoft.com/office/drawing/2014/main" id="{B295D5BD-6400-8DE0-3DE5-957B937E7BDE}"/>
+              </a:ext>
+            </a:extLst>
+          </p:cNvPr>
+          <p:cNvPicPr>
+            <a:picLocks noChangeAspect="1"/>
+          </p:cNvPicPr>
+          <p:nvPr/>
+        </p:nvPicPr>
+        <p:blipFill>
+          <a:blip r:embed="rId2">
+            <a:extLst>
+              <a:ext uri="{28A0092B-C50C-407E-A947-70E740481C1C}">
+                <a14:useLocalDpi xmlns:a14="http://schemas.microsoft.com/office/drawing/2010/main" val="0"/>
+              </a:ext>
+            </a:extLst>
+          </a:blip>
+          <a:stretch>
+            <a:fillRect/>
+          </a:stretch>
+        </p:blipFill>
+        <p:spPr>
+          <a:xfrm>
+            <a:off x="960000" y="1733797"/>
+            <a:ext cx="10737195" cy="4530836"/>
+          </a:xfrm>
+          <a:prstGeom prst="rect">
+            <a:avLst/>
+          </a:prstGeom>
+        </p:spPr>
+      </p:pic>
+    </p:spTree>
+    <p:extLst>
+      <p:ext uri="{BB962C8B-B14F-4D97-AF65-F5344CB8AC3E}">
+        <p14:creationId xmlns:p14="http://schemas.microsoft.com/office/powerpoint/2010/main" val="2539249920"/>
+      </p:ext>
+    </p:extLst>
+  </p:cSld>
+  <p:clrMapOvr>
+    <a:masterClrMapping/>
+  </p:clrMapOvr>
+  <p:transition spd="slow">
+    <p:wipe/>
+  </p:transition>
+</p:sld>
+</file>
+
+<file path=ppt/slides/slide27.xml><?xml version="1.0" encoding="utf-8"?>
+<p:sld xmlns:a="http://schemas.openxmlformats.org/drawingml/2006/main" xmlns:r="http://schemas.openxmlformats.org/officeDocument/2006/relationships" xmlns:p="http://schemas.openxmlformats.org/presentationml/2006/main">
+  <p:cSld>
+    <p:spTree>
+      <p:nvGrpSpPr>
+        <p:cNvPr id="1" name=""/>
+        <p:cNvGrpSpPr/>
+        <p:nvPr/>
+      </p:nvGrpSpPr>
+      <p:grpSpPr>
+        <a:xfrm>
+          <a:off x="0" y="0"/>
+          <a:ext cx="0" cy="0"/>
+          <a:chOff x="0" y="0"/>
+          <a:chExt cx="0" cy="0"/>
+        </a:xfrm>
+      </p:grpSpPr>
+      <p:sp>
+        <p:nvSpPr>
+          <p:cNvPr id="2" name="Título 1">
+            <a:extLst>
+              <a:ext uri="{FF2B5EF4-FFF2-40B4-BE49-F238E27FC236}">
+                <a16:creationId xmlns:a16="http://schemas.microsoft.com/office/drawing/2014/main" id="{CC42BB49-69D3-1A8E-3ACC-0092E591E04A}"/>
+              </a:ext>
+            </a:extLst>
+          </p:cNvPr>
+          <p:cNvSpPr>
+            <a:spLocks noGrp="1"/>
+          </p:cNvSpPr>
+          <p:nvPr>
+            <p:ph type="title"/>
+          </p:nvPr>
+        </p:nvSpPr>
+        <p:spPr/>
+        <p:txBody>
+          <a:bodyPr/>
+          <a:lstStyle/>
+          <a:p>
+            <a:pPr algn="ctr"/>
+            <a:r>
+              <a:rPr lang="pt-BR" dirty="0"/>
+              <a:t>RECURSIVIDADE</a:t>
+            </a:r>
+          </a:p>
+        </p:txBody>
+      </p:sp>
+      <p:sp>
+        <p:nvSpPr>
+          <p:cNvPr id="3" name="Espaço Reservado para Texto 2">
+            <a:extLst>
+              <a:ext uri="{FF2B5EF4-FFF2-40B4-BE49-F238E27FC236}">
+                <a16:creationId xmlns:a16="http://schemas.microsoft.com/office/drawing/2014/main" id="{70BC410C-EEC0-E3CB-230B-749713F6E597}"/>
+              </a:ext>
+            </a:extLst>
+          </p:cNvPr>
+          <p:cNvSpPr>
+            <a:spLocks noGrp="1"/>
+          </p:cNvSpPr>
+          <p:nvPr>
+            <p:ph type="body" idx="1"/>
+          </p:nvPr>
+        </p:nvSpPr>
+        <p:spPr>
+          <a:xfrm>
+            <a:off x="960000" y="1621000"/>
+            <a:ext cx="4052942" cy="4281036"/>
+          </a:xfrm>
+        </p:spPr>
+        <p:txBody>
+          <a:bodyPr/>
+          <a:lstStyle/>
+          <a:p>
+            <a:r>
+              <a:rPr lang="pt-BR" dirty="0"/>
+              <a:t>Para exemplificar como funciona a recursividade em C++ podemos usar a função de Fibonacci que é uma função recursiva que retorna o </a:t>
+            </a:r>
+            <a:r>
+              <a:rPr lang="pt-BR" dirty="0" err="1"/>
+              <a:t>n-ésimo</a:t>
+            </a:r>
+            <a:r>
+              <a:rPr lang="pt-BR" dirty="0"/>
+              <a:t> termo da sequência de Fibonacci.</a:t>
+            </a:r>
+          </a:p>
+          <a:p>
+            <a:pPr marL="186262" indent="0">
+              <a:buNone/>
+            </a:pPr>
+            <a:endParaRPr lang="pt-BR" dirty="0"/>
+          </a:p>
+          <a:p>
+            <a:r>
+              <a:rPr lang="pt-BR" dirty="0"/>
+              <a:t>Ela utiliza a definição matemática da sequência, onde o termo atual é a soma dos dois termos anteriores.</a:t>
+            </a:r>
+          </a:p>
+        </p:txBody>
+      </p:sp>
+      <p:pic>
+        <p:nvPicPr>
+          <p:cNvPr id="5" name="Imagem 4">
+            <a:extLst>
+              <a:ext uri="{FF2B5EF4-FFF2-40B4-BE49-F238E27FC236}">
+                <a16:creationId xmlns:a16="http://schemas.microsoft.com/office/drawing/2014/main" id="{2CB48F4D-60E2-E7C7-54B6-3C41CEADA0FA}"/>
+              </a:ext>
+            </a:extLst>
+          </p:cNvPr>
+          <p:cNvPicPr>
+            <a:picLocks noChangeAspect="1"/>
+          </p:cNvPicPr>
+          <p:nvPr/>
+        </p:nvPicPr>
+        <p:blipFill>
+          <a:blip r:embed="rId2">
+            <a:extLst>
+              <a:ext uri="{28A0092B-C50C-407E-A947-70E740481C1C}">
+                <a14:useLocalDpi xmlns:a14="http://schemas.microsoft.com/office/drawing/2010/main" val="0"/>
+              </a:ext>
+            </a:extLst>
+          </a:blip>
+          <a:stretch>
+            <a:fillRect/>
+          </a:stretch>
+        </p:blipFill>
+        <p:spPr>
+          <a:xfrm>
+            <a:off x="5028776" y="1801345"/>
+            <a:ext cx="6963747" cy="4281036"/>
+          </a:xfrm>
+          <a:prstGeom prst="rect">
+            <a:avLst/>
+          </a:prstGeom>
+        </p:spPr>
+      </p:pic>
+    </p:spTree>
+    <p:extLst>
+      <p:ext uri="{BB962C8B-B14F-4D97-AF65-F5344CB8AC3E}">
+        <p14:creationId xmlns:p14="http://schemas.microsoft.com/office/powerpoint/2010/main" val="2112887606"/>
+      </p:ext>
+    </p:extLst>
+  </p:cSld>
+  <p:clrMapOvr>
+    <a:masterClrMapping/>
+  </p:clrMapOvr>
+  <p:transition spd="slow">
+    <p:wipe/>
+  </p:transition>
+</p:sld>
+</file>
+
+<file path=ppt/slides/slide28.xml><?xml version="1.0" encoding="utf-8"?>
+<p:sld xmlns:a="http://schemas.openxmlformats.org/drawingml/2006/main" xmlns:r="http://schemas.openxmlformats.org/officeDocument/2006/relationships" xmlns:p="http://schemas.openxmlformats.org/presentationml/2006/main">
+  <p:cSld>
+    <p:spTree>
+      <p:nvGrpSpPr>
+        <p:cNvPr id="1" name=""/>
+        <p:cNvGrpSpPr/>
+        <p:nvPr/>
+      </p:nvGrpSpPr>
+      <p:grpSpPr>
+        <a:xfrm>
+          <a:off x="0" y="0"/>
+          <a:ext cx="0" cy="0"/>
+          <a:chOff x="0" y="0"/>
+          <a:chExt cx="0" cy="0"/>
+        </a:xfrm>
+      </p:grpSpPr>
+      <p:sp>
+        <p:nvSpPr>
+          <p:cNvPr id="2" name="Título 1">
+            <a:extLst>
+              <a:ext uri="{FF2B5EF4-FFF2-40B4-BE49-F238E27FC236}">
+                <a16:creationId xmlns:a16="http://schemas.microsoft.com/office/drawing/2014/main" id="{B071A107-9AC6-BC0E-49BA-8CAC121B65FD}"/>
+              </a:ext>
+            </a:extLst>
+          </p:cNvPr>
+          <p:cNvSpPr>
+            <a:spLocks noGrp="1"/>
+          </p:cNvSpPr>
+          <p:nvPr>
+            <p:ph type="title"/>
+          </p:nvPr>
+        </p:nvSpPr>
+        <p:spPr/>
+        <p:txBody>
+          <a:bodyPr/>
+          <a:lstStyle/>
+          <a:p>
+            <a:pPr algn="ctr"/>
+            <a:r>
+              <a:rPr lang="pt-BR" dirty="0"/>
+              <a:t>PONTEIROS</a:t>
+            </a:r>
+          </a:p>
+        </p:txBody>
+      </p:sp>
+      <p:sp>
+        <p:nvSpPr>
+          <p:cNvPr id="3" name="Espaço Reservado para Texto 2">
+            <a:extLst>
+              <a:ext uri="{FF2B5EF4-FFF2-40B4-BE49-F238E27FC236}">
+                <a16:creationId xmlns:a16="http://schemas.microsoft.com/office/drawing/2014/main" id="{4F8EFD90-7A61-0B16-E98A-34EFBED081C5}"/>
               </a:ext>
             </a:extLst>
           </p:cNvPr>
@@ -25417,20 +22695,438 @@
           <a:bodyPr/>
           <a:lstStyle/>
           <a:p>
-            <a:endParaRPr lang="pt-BR"/>
+            <a:r>
+              <a:rPr lang="pt-BR" dirty="0"/>
+              <a:t>A linguagem C++ suporta tanto ponteiros quanto variáveis de referência. Os ponteiros permitem o acesso direto e manipulação de endereços de memória, enquanto as variáveis de referência fornecem um nome alternativo para uma variável existente.</a:t>
+            </a:r>
+          </a:p>
+          <a:p>
+            <a:pPr marL="186262" indent="0">
+              <a:buNone/>
+            </a:pPr>
+            <a:endParaRPr lang="pt-BR" dirty="0"/>
+          </a:p>
+          <a:p>
+            <a:r>
+              <a:rPr lang="pt-BR" dirty="0"/>
+              <a:t>Em C++, um ponteiro é uma variável que armazena o endereço de memória de outra variável. Eles oferecem um mecanismo poderoso para manipular e acessar dados diretamente na memória.</a:t>
+            </a:r>
           </a:p>
         </p:txBody>
       </p:sp>
     </p:spTree>
     <p:extLst>
       <p:ext uri="{BB962C8B-B14F-4D97-AF65-F5344CB8AC3E}">
-        <p14:creationId xmlns:p14="http://schemas.microsoft.com/office/powerpoint/2010/main" val="267107448"/>
+        <p14:creationId xmlns:p14="http://schemas.microsoft.com/office/powerpoint/2010/main" val="2560260943"/>
       </p:ext>
     </p:extLst>
   </p:cSld>
   <p:clrMapOvr>
     <a:masterClrMapping/>
   </p:clrMapOvr>
+  <p:transition spd="slow">
+    <p:wipe/>
+  </p:transition>
+</p:sld>
+</file>
+
+<file path=ppt/slides/slide29.xml><?xml version="1.0" encoding="utf-8"?>
+<p:sld xmlns:a="http://schemas.openxmlformats.org/drawingml/2006/main" xmlns:r="http://schemas.openxmlformats.org/officeDocument/2006/relationships" xmlns:p="http://schemas.openxmlformats.org/presentationml/2006/main">
+  <p:cSld>
+    <p:spTree>
+      <p:nvGrpSpPr>
+        <p:cNvPr id="1" name=""/>
+        <p:cNvGrpSpPr/>
+        <p:nvPr/>
+      </p:nvGrpSpPr>
+      <p:grpSpPr>
+        <a:xfrm>
+          <a:off x="0" y="0"/>
+          <a:ext cx="0" cy="0"/>
+          <a:chOff x="0" y="0"/>
+          <a:chExt cx="0" cy="0"/>
+        </a:xfrm>
+      </p:grpSpPr>
+      <p:sp>
+        <p:nvSpPr>
+          <p:cNvPr id="2" name="Título 1">
+            <a:extLst>
+              <a:ext uri="{FF2B5EF4-FFF2-40B4-BE49-F238E27FC236}">
+                <a16:creationId xmlns:a16="http://schemas.microsoft.com/office/drawing/2014/main" id="{E7801E85-BB80-5FB1-5CC7-F2EB11175E07}"/>
+              </a:ext>
+            </a:extLst>
+          </p:cNvPr>
+          <p:cNvSpPr>
+            <a:spLocks noGrp="1"/>
+          </p:cNvSpPr>
+          <p:nvPr>
+            <p:ph type="title"/>
+          </p:nvPr>
+        </p:nvSpPr>
+        <p:spPr>
+          <a:xfrm>
+            <a:off x="391886" y="2520933"/>
+            <a:ext cx="2185059" cy="542400"/>
+          </a:xfrm>
+        </p:spPr>
+        <p:txBody>
+          <a:bodyPr/>
+          <a:lstStyle/>
+          <a:p>
+            <a:r>
+              <a:rPr lang="pt-BR" sz="2400" b="0" i="0" dirty="0">
+                <a:solidFill>
+                  <a:srgbClr val="D1D5DB"/>
+                </a:solidFill>
+                <a:effectLst/>
+                <a:latin typeface="Söhne"/>
+              </a:rPr>
+              <a:t>Declaração de ponteiros</a:t>
+            </a:r>
+            <a:endParaRPr lang="pt-BR" sz="2400" dirty="0"/>
+          </a:p>
+        </p:txBody>
+      </p:sp>
+      <p:sp>
+        <p:nvSpPr>
+          <p:cNvPr id="5" name="Título 4">
+            <a:extLst>
+              <a:ext uri="{FF2B5EF4-FFF2-40B4-BE49-F238E27FC236}">
+                <a16:creationId xmlns:a16="http://schemas.microsoft.com/office/drawing/2014/main" id="{5B27525A-88C9-0B2F-A5B2-9DBE851E3094}"/>
+              </a:ext>
+            </a:extLst>
+          </p:cNvPr>
+          <p:cNvSpPr>
+            <a:spLocks noGrp="1"/>
+          </p:cNvSpPr>
+          <p:nvPr>
+            <p:ph type="title" idx="3"/>
+          </p:nvPr>
+        </p:nvSpPr>
+        <p:spPr>
+          <a:xfrm>
+            <a:off x="3348843" y="2520933"/>
+            <a:ext cx="2303812" cy="542400"/>
+          </a:xfrm>
+        </p:spPr>
+        <p:txBody>
+          <a:bodyPr/>
+          <a:lstStyle/>
+          <a:p>
+            <a:r>
+              <a:rPr lang="pt-BR" sz="2400" b="0" i="0" dirty="0">
+                <a:solidFill>
+                  <a:srgbClr val="D1D5DB"/>
+                </a:solidFill>
+                <a:effectLst/>
+                <a:latin typeface="Söhne"/>
+              </a:rPr>
+              <a:t>Atribuição de endereço</a:t>
+            </a:r>
+            <a:endParaRPr lang="pt-BR" sz="2400" dirty="0"/>
+          </a:p>
+        </p:txBody>
+      </p:sp>
+      <p:sp>
+        <p:nvSpPr>
+          <p:cNvPr id="8" name="Título 7">
+            <a:extLst>
+              <a:ext uri="{FF2B5EF4-FFF2-40B4-BE49-F238E27FC236}">
+                <a16:creationId xmlns:a16="http://schemas.microsoft.com/office/drawing/2014/main" id="{2367F86C-1EAF-6112-AC48-E73F51D65840}"/>
+              </a:ext>
+            </a:extLst>
+          </p:cNvPr>
+          <p:cNvSpPr>
+            <a:spLocks noGrp="1"/>
+          </p:cNvSpPr>
+          <p:nvPr>
+            <p:ph type="title" idx="6"/>
+          </p:nvPr>
+        </p:nvSpPr>
+        <p:spPr>
+          <a:xfrm>
+            <a:off x="6293922" y="2521433"/>
+            <a:ext cx="2185059" cy="542400"/>
+          </a:xfrm>
+        </p:spPr>
+        <p:txBody>
+          <a:bodyPr/>
+          <a:lstStyle/>
+          <a:p>
+            <a:r>
+              <a:rPr lang="pt-BR" sz="2400" b="0" i="0" dirty="0">
+                <a:solidFill>
+                  <a:srgbClr val="D1D5DB"/>
+                </a:solidFill>
+                <a:effectLst/>
+                <a:latin typeface="Söhne"/>
+              </a:rPr>
+              <a:t>Alocação dinâmica de memória</a:t>
+            </a:r>
+            <a:endParaRPr lang="pt-BR" sz="2400" dirty="0"/>
+          </a:p>
+        </p:txBody>
+      </p:sp>
+      <p:sp>
+        <p:nvSpPr>
+          <p:cNvPr id="11" name="Título 10">
+            <a:extLst>
+              <a:ext uri="{FF2B5EF4-FFF2-40B4-BE49-F238E27FC236}">
+                <a16:creationId xmlns:a16="http://schemas.microsoft.com/office/drawing/2014/main" id="{1CA07E37-9D2C-9300-1301-8420353BA370}"/>
+              </a:ext>
+            </a:extLst>
+          </p:cNvPr>
+          <p:cNvSpPr>
+            <a:spLocks noGrp="1"/>
+          </p:cNvSpPr>
+          <p:nvPr>
+            <p:ph type="title" idx="9"/>
+          </p:nvPr>
+        </p:nvSpPr>
+        <p:spPr/>
+        <p:txBody>
+          <a:bodyPr/>
+          <a:lstStyle/>
+          <a:p>
+            <a:pPr algn="ctr"/>
+            <a:r>
+              <a:rPr lang="pt-BR" dirty="0"/>
+              <a:t>PONTEIROS</a:t>
+            </a:r>
+          </a:p>
+        </p:txBody>
+      </p:sp>
+      <p:sp>
+        <p:nvSpPr>
+          <p:cNvPr id="12" name="CaixaDeTexto 11">
+            <a:extLst>
+              <a:ext uri="{FF2B5EF4-FFF2-40B4-BE49-F238E27FC236}">
+                <a16:creationId xmlns:a16="http://schemas.microsoft.com/office/drawing/2014/main" id="{0FFCE354-DBD2-89EC-F780-80B98F494473}"/>
+              </a:ext>
+            </a:extLst>
+          </p:cNvPr>
+          <p:cNvSpPr txBox="1"/>
+          <p:nvPr/>
+        </p:nvSpPr>
+        <p:spPr>
+          <a:xfrm>
+            <a:off x="9060874" y="2363190"/>
+            <a:ext cx="2303812" cy="461665"/>
+          </a:xfrm>
+          <a:prstGeom prst="rect">
+            <a:avLst/>
+          </a:prstGeom>
+          <a:noFill/>
+        </p:spPr>
+        <p:txBody>
+          <a:bodyPr wrap="square" rtlCol="0">
+            <a:spAutoFit/>
+          </a:bodyPr>
+          <a:lstStyle/>
+          <a:p>
+            <a:pPr marL="0" marR="0" lvl="0" indent="0" algn="ctr" defTabSz="914400" rtl="0" eaLnBrk="1" fontAlgn="auto" latinLnBrk="0" hangingPunct="1">
+              <a:lnSpc>
+                <a:spcPct val="100000"/>
+              </a:lnSpc>
+              <a:spcBef>
+                <a:spcPts val="0"/>
+              </a:spcBef>
+              <a:spcAft>
+                <a:spcPts val="0"/>
+              </a:spcAft>
+              <a:buClr>
+                <a:srgbClr val="10111A"/>
+              </a:buClr>
+              <a:buSzPts val="6000"/>
+              <a:buFont typeface="Source Code Pro"/>
+              <a:buNone/>
+              <a:tabLst/>
+              <a:defRPr/>
+            </a:pPr>
+            <a:r>
+              <a:rPr lang="pt-BR" sz="2400" b="0" i="0" dirty="0">
+                <a:solidFill>
+                  <a:srgbClr val="D1D5DB"/>
+                </a:solidFill>
+                <a:effectLst/>
+                <a:latin typeface="Söhne"/>
+              </a:rPr>
+              <a:t>Ponteiros nulos</a:t>
+            </a:r>
+            <a:endParaRPr kumimoji="0" lang="pt-BR" sz="2400" b="0" i="0" u="none" strike="noStrike" kern="0" cap="none" spc="0" normalizeH="0" baseline="0" noProof="0" dirty="0">
+              <a:ln>
+                <a:noFill/>
+              </a:ln>
+              <a:solidFill>
+                <a:srgbClr val="FD4A4A"/>
+              </a:solidFill>
+              <a:effectLst/>
+              <a:uLnTx/>
+              <a:uFillTx/>
+              <a:latin typeface="Source Code Pro"/>
+              <a:ea typeface="Source Code Pro"/>
+              <a:sym typeface="Source Code Pro"/>
+            </a:endParaRPr>
+          </a:p>
+        </p:txBody>
+      </p:sp>
+      <p:pic>
+        <p:nvPicPr>
+          <p:cNvPr id="14" name="Imagem 13">
+            <a:extLst>
+              <a:ext uri="{FF2B5EF4-FFF2-40B4-BE49-F238E27FC236}">
+                <a16:creationId xmlns:a16="http://schemas.microsoft.com/office/drawing/2014/main" id="{D998DB89-2D98-D8FB-314C-EE52FFECF9AF}"/>
+              </a:ext>
+            </a:extLst>
+          </p:cNvPr>
+          <p:cNvPicPr>
+            <a:picLocks noChangeAspect="1"/>
+          </p:cNvPicPr>
+          <p:nvPr/>
+        </p:nvPicPr>
+        <p:blipFill>
+          <a:blip r:embed="rId2">
+            <a:extLst>
+              <a:ext uri="{28A0092B-C50C-407E-A947-70E740481C1C}">
+                <a14:useLocalDpi xmlns:a14="http://schemas.microsoft.com/office/drawing/2010/main" val="0"/>
+              </a:ext>
+            </a:extLst>
+          </a:blip>
+          <a:stretch>
+            <a:fillRect/>
+          </a:stretch>
+        </p:blipFill>
+        <p:spPr>
+          <a:xfrm>
+            <a:off x="841388" y="3732323"/>
+            <a:ext cx="1286054" cy="314369"/>
+          </a:xfrm>
+          <a:prstGeom prst="rect">
+            <a:avLst/>
+          </a:prstGeom>
+        </p:spPr>
+      </p:pic>
+      <p:pic>
+        <p:nvPicPr>
+          <p:cNvPr id="16" name="Imagem 15">
+            <a:extLst>
+              <a:ext uri="{FF2B5EF4-FFF2-40B4-BE49-F238E27FC236}">
+                <a16:creationId xmlns:a16="http://schemas.microsoft.com/office/drawing/2014/main" id="{FF0368CB-0239-2C7F-773E-400EFF3DE5EF}"/>
+              </a:ext>
+            </a:extLst>
+          </p:cNvPr>
+          <p:cNvPicPr>
+            <a:picLocks noChangeAspect="1"/>
+          </p:cNvPicPr>
+          <p:nvPr/>
+        </p:nvPicPr>
+        <p:blipFill>
+          <a:blip r:embed="rId3">
+            <a:extLst>
+              <a:ext uri="{28A0092B-C50C-407E-A947-70E740481C1C}">
+                <a14:useLocalDpi xmlns:a14="http://schemas.microsoft.com/office/drawing/2010/main" val="0"/>
+              </a:ext>
+            </a:extLst>
+          </a:blip>
+          <a:stretch>
+            <a:fillRect/>
+          </a:stretch>
+        </p:blipFill>
+        <p:spPr>
+          <a:xfrm>
+            <a:off x="3480652" y="3658102"/>
+            <a:ext cx="2172003" cy="466790"/>
+          </a:xfrm>
+          <a:prstGeom prst="rect">
+            <a:avLst/>
+          </a:prstGeom>
+        </p:spPr>
+      </p:pic>
+      <p:pic>
+        <p:nvPicPr>
+          <p:cNvPr id="18" name="Imagem 17">
+            <a:extLst>
+              <a:ext uri="{FF2B5EF4-FFF2-40B4-BE49-F238E27FC236}">
+                <a16:creationId xmlns:a16="http://schemas.microsoft.com/office/drawing/2014/main" id="{205D926C-13B7-B367-4C62-04355C2237C2}"/>
+              </a:ext>
+            </a:extLst>
+          </p:cNvPr>
+          <p:cNvPicPr>
+            <a:picLocks noChangeAspect="1"/>
+          </p:cNvPicPr>
+          <p:nvPr/>
+        </p:nvPicPr>
+        <p:blipFill>
+          <a:blip r:embed="rId4">
+            <a:extLst>
+              <a:ext uri="{28A0092B-C50C-407E-A947-70E740481C1C}">
+                <a14:useLocalDpi xmlns:a14="http://schemas.microsoft.com/office/drawing/2010/main" val="0"/>
+              </a:ext>
+            </a:extLst>
+          </a:blip>
+          <a:stretch>
+            <a:fillRect/>
+          </a:stretch>
+        </p:blipFill>
+        <p:spPr>
+          <a:xfrm>
+            <a:off x="6539347" y="3648576"/>
+            <a:ext cx="2210108" cy="476316"/>
+          </a:xfrm>
+          <a:prstGeom prst="rect">
+            <a:avLst/>
+          </a:prstGeom>
+        </p:spPr>
+      </p:pic>
+      <p:pic>
+        <p:nvPicPr>
+          <p:cNvPr id="20" name="Imagem 19">
+            <a:extLst>
+              <a:ext uri="{FF2B5EF4-FFF2-40B4-BE49-F238E27FC236}">
+                <a16:creationId xmlns:a16="http://schemas.microsoft.com/office/drawing/2014/main" id="{920388D8-13C8-FED5-0A2A-E483222798FC}"/>
+              </a:ext>
+            </a:extLst>
+          </p:cNvPr>
+          <p:cNvPicPr>
+            <a:picLocks noChangeAspect="1"/>
+          </p:cNvPicPr>
+          <p:nvPr/>
+        </p:nvPicPr>
+        <p:blipFill>
+          <a:blip r:embed="rId5">
+            <a:extLst>
+              <a:ext uri="{28A0092B-C50C-407E-A947-70E740481C1C}">
+                <a14:useLocalDpi xmlns:a14="http://schemas.microsoft.com/office/drawing/2010/main" val="0"/>
+              </a:ext>
+            </a:extLst>
+          </a:blip>
+          <a:stretch>
+            <a:fillRect/>
+          </a:stretch>
+        </p:blipFill>
+        <p:spPr>
+          <a:xfrm>
+            <a:off x="9430034" y="3691444"/>
+            <a:ext cx="2143424" cy="390580"/>
+          </a:xfrm>
+          <a:prstGeom prst="rect">
+            <a:avLst/>
+          </a:prstGeom>
+        </p:spPr>
+      </p:pic>
+    </p:spTree>
+    <p:extLst>
+      <p:ext uri="{BB962C8B-B14F-4D97-AF65-F5344CB8AC3E}">
+        <p14:creationId xmlns:p14="http://schemas.microsoft.com/office/powerpoint/2010/main" val="1283356385"/>
+      </p:ext>
+    </p:extLst>
+  </p:cSld>
+  <p:clrMapOvr>
+    <a:masterClrMapping/>
+  </p:clrMapOvr>
+  <p:transition spd="slow">
+    <p:wipe/>
+  </p:transition>
 </p:sld>
 </file>
 
@@ -25562,6 +23258,1453 @@
   <p:clrMapOvr>
     <a:masterClrMapping/>
   </p:clrMapOvr>
+  <p:transition spd="slow">
+    <p:wipe/>
+  </p:transition>
+</p:sld>
+</file>
+
+<file path=ppt/slides/slide30.xml><?xml version="1.0" encoding="utf-8"?>
+<p:sld xmlns:a="http://schemas.openxmlformats.org/drawingml/2006/main" xmlns:r="http://schemas.openxmlformats.org/officeDocument/2006/relationships" xmlns:p="http://schemas.openxmlformats.org/presentationml/2006/main">
+  <p:cSld>
+    <p:spTree>
+      <p:nvGrpSpPr>
+        <p:cNvPr id="1" name=""/>
+        <p:cNvGrpSpPr/>
+        <p:nvPr/>
+      </p:nvGrpSpPr>
+      <p:grpSpPr>
+        <a:xfrm>
+          <a:off x="0" y="0"/>
+          <a:ext cx="0" cy="0"/>
+          <a:chOff x="0" y="0"/>
+          <a:chExt cx="0" cy="0"/>
+        </a:xfrm>
+      </p:grpSpPr>
+      <p:sp>
+        <p:nvSpPr>
+          <p:cNvPr id="2" name="Título 1">
+            <a:extLst>
+              <a:ext uri="{FF2B5EF4-FFF2-40B4-BE49-F238E27FC236}">
+                <a16:creationId xmlns:a16="http://schemas.microsoft.com/office/drawing/2014/main" id="{A025D1CE-6C01-3C45-581E-0BB1FD118E47}"/>
+              </a:ext>
+            </a:extLst>
+          </p:cNvPr>
+          <p:cNvSpPr>
+            <a:spLocks noGrp="1"/>
+          </p:cNvSpPr>
+          <p:nvPr>
+            <p:ph type="title"/>
+          </p:nvPr>
+        </p:nvSpPr>
+        <p:spPr/>
+        <p:txBody>
+          <a:bodyPr/>
+          <a:lstStyle/>
+          <a:p>
+            <a:pPr algn="ctr"/>
+            <a:r>
+              <a:rPr lang="pt-BR" dirty="0"/>
+              <a:t>PONTEIRO E VARIÁVEL DE REFERÊNCIA</a:t>
+            </a:r>
+          </a:p>
+        </p:txBody>
+      </p:sp>
+      <p:pic>
+        <p:nvPicPr>
+          <p:cNvPr id="4" name="Imagem 3">
+            <a:extLst>
+              <a:ext uri="{FF2B5EF4-FFF2-40B4-BE49-F238E27FC236}">
+                <a16:creationId xmlns:a16="http://schemas.microsoft.com/office/drawing/2014/main" id="{120D273F-B4EC-CD59-215A-9AD4B03D1737}"/>
+              </a:ext>
+            </a:extLst>
+          </p:cNvPr>
+          <p:cNvPicPr>
+            <a:picLocks noChangeAspect="1"/>
+          </p:cNvPicPr>
+          <p:nvPr/>
+        </p:nvPicPr>
+        <p:blipFill>
+          <a:blip r:embed="rId2">
+            <a:extLst>
+              <a:ext uri="{28A0092B-C50C-407E-A947-70E740481C1C}">
+                <a14:useLocalDpi xmlns:a14="http://schemas.microsoft.com/office/drawing/2010/main" val="0"/>
+              </a:ext>
+            </a:extLst>
+          </a:blip>
+          <a:stretch>
+            <a:fillRect/>
+          </a:stretch>
+        </p:blipFill>
+        <p:spPr>
+          <a:xfrm>
+            <a:off x="960000" y="1695862"/>
+            <a:ext cx="10618442" cy="4725059"/>
+          </a:xfrm>
+          <a:prstGeom prst="rect">
+            <a:avLst/>
+          </a:prstGeom>
+        </p:spPr>
+      </p:pic>
+    </p:spTree>
+    <p:extLst>
+      <p:ext uri="{BB962C8B-B14F-4D97-AF65-F5344CB8AC3E}">
+        <p14:creationId xmlns:p14="http://schemas.microsoft.com/office/powerpoint/2010/main" val="3885285496"/>
+      </p:ext>
+    </p:extLst>
+  </p:cSld>
+  <p:clrMapOvr>
+    <a:masterClrMapping/>
+  </p:clrMapOvr>
+  <p:transition spd="slow">
+    <p:wipe/>
+  </p:transition>
+</p:sld>
+</file>
+
+<file path=ppt/slides/slide31.xml><?xml version="1.0" encoding="utf-8"?>
+<p:sld xmlns:a="http://schemas.openxmlformats.org/drawingml/2006/main" xmlns:r="http://schemas.openxmlformats.org/officeDocument/2006/relationships" xmlns:p="http://schemas.openxmlformats.org/presentationml/2006/main">
+  <p:cSld>
+    <p:spTree>
+      <p:nvGrpSpPr>
+        <p:cNvPr id="1" name=""/>
+        <p:cNvGrpSpPr/>
+        <p:nvPr/>
+      </p:nvGrpSpPr>
+      <p:grpSpPr>
+        <a:xfrm>
+          <a:off x="0" y="0"/>
+          <a:ext cx="0" cy="0"/>
+          <a:chOff x="0" y="0"/>
+          <a:chExt cx="0" cy="0"/>
+        </a:xfrm>
+      </p:grpSpPr>
+      <p:sp>
+        <p:nvSpPr>
+          <p:cNvPr id="2" name="Título 1">
+            <a:extLst>
+              <a:ext uri="{FF2B5EF4-FFF2-40B4-BE49-F238E27FC236}">
+                <a16:creationId xmlns:a16="http://schemas.microsoft.com/office/drawing/2014/main" id="{D82DC737-8D3E-4E63-3E42-E93350D5F409}"/>
+              </a:ext>
+            </a:extLst>
+          </p:cNvPr>
+          <p:cNvSpPr>
+            <a:spLocks noGrp="1"/>
+          </p:cNvSpPr>
+          <p:nvPr>
+            <p:ph type="title"/>
+          </p:nvPr>
+        </p:nvSpPr>
+        <p:spPr/>
+        <p:txBody>
+          <a:bodyPr/>
+          <a:lstStyle/>
+          <a:p>
+            <a:pPr algn="ctr"/>
+            <a:r>
+              <a:rPr lang="pt-BR" dirty="0"/>
+              <a:t>PONTEIRO E VARIÁVEL DE REFERÊNCIA</a:t>
+            </a:r>
+          </a:p>
+        </p:txBody>
+      </p:sp>
+      <p:sp>
+        <p:nvSpPr>
+          <p:cNvPr id="3" name="Espaço Reservado para Texto 2">
+            <a:extLst>
+              <a:ext uri="{FF2B5EF4-FFF2-40B4-BE49-F238E27FC236}">
+                <a16:creationId xmlns:a16="http://schemas.microsoft.com/office/drawing/2014/main" id="{63D74801-81E4-7809-9821-C7DA13DB36B5}"/>
+              </a:ext>
+            </a:extLst>
+          </p:cNvPr>
+          <p:cNvSpPr>
+            <a:spLocks noGrp="1"/>
+          </p:cNvSpPr>
+          <p:nvPr>
+            <p:ph type="body" idx="1"/>
+          </p:nvPr>
+        </p:nvSpPr>
+        <p:spPr/>
+        <p:txBody>
+          <a:bodyPr/>
+          <a:lstStyle/>
+          <a:p>
+            <a:r>
+              <a:rPr lang="pt-BR" dirty="0"/>
+              <a:t>No exemplo anterior, a função </a:t>
+            </a:r>
+            <a:r>
+              <a:rPr lang="pt-BR" dirty="0" err="1"/>
+              <a:t>alterarValorPorPonteiro</a:t>
+            </a:r>
+            <a:r>
+              <a:rPr lang="pt-BR" dirty="0"/>
+              <a:t>() recebe um ponteiro para um inteiro como parâmetro. Ao usar o operador de </a:t>
+            </a:r>
+            <a:r>
+              <a:rPr lang="pt-BR" dirty="0" err="1"/>
+              <a:t>desreferência</a:t>
+            </a:r>
+            <a:r>
+              <a:rPr lang="pt-BR" dirty="0"/>
+              <a:t> *, podemos modificar o valor apontado pelo ponteiro.</a:t>
+            </a:r>
+          </a:p>
+          <a:p>
+            <a:endParaRPr lang="pt-BR" dirty="0"/>
+          </a:p>
+          <a:p>
+            <a:r>
+              <a:rPr lang="pt-BR" dirty="0"/>
+              <a:t>A função </a:t>
+            </a:r>
+            <a:r>
+              <a:rPr lang="pt-BR" dirty="0" err="1"/>
+              <a:t>alterarValorPorReferencia</a:t>
+            </a:r>
+            <a:r>
+              <a:rPr lang="pt-BR" dirty="0"/>
+              <a:t>() recebe uma referência para um inteiro como parâmetro. Ao modificar o valor da referência, estamos modificando diretamente o valor original da variável.</a:t>
+            </a:r>
+          </a:p>
+          <a:p>
+            <a:endParaRPr lang="pt-BR" dirty="0"/>
+          </a:p>
+          <a:p>
+            <a:r>
+              <a:rPr lang="pt-BR" dirty="0"/>
+              <a:t>Dessa forma, C++ suporta tanto ponteiros quanto variáveis de referência para permitir manipulação e acesso a dados de forma mais flexível.</a:t>
+            </a:r>
+          </a:p>
+        </p:txBody>
+      </p:sp>
+    </p:spTree>
+    <p:extLst>
+      <p:ext uri="{BB962C8B-B14F-4D97-AF65-F5344CB8AC3E}">
+        <p14:creationId xmlns:p14="http://schemas.microsoft.com/office/powerpoint/2010/main" val="3530882017"/>
+      </p:ext>
+    </p:extLst>
+  </p:cSld>
+  <p:clrMapOvr>
+    <a:masterClrMapping/>
+  </p:clrMapOvr>
+  <p:transition spd="slow">
+    <p:wipe/>
+  </p:transition>
+</p:sld>
+</file>
+
+<file path=ppt/slides/slide32.xml><?xml version="1.0" encoding="utf-8"?>
+<p:sld xmlns:a="http://schemas.openxmlformats.org/drawingml/2006/main" xmlns:r="http://schemas.openxmlformats.org/officeDocument/2006/relationships" xmlns:p="http://schemas.openxmlformats.org/presentationml/2006/main">
+  <p:cSld>
+    <p:spTree>
+      <p:nvGrpSpPr>
+        <p:cNvPr id="1" name=""/>
+        <p:cNvGrpSpPr/>
+        <p:nvPr/>
+      </p:nvGrpSpPr>
+      <p:grpSpPr>
+        <a:xfrm>
+          <a:off x="0" y="0"/>
+          <a:ext cx="0" cy="0"/>
+          <a:chOff x="0" y="0"/>
+          <a:chExt cx="0" cy="0"/>
+        </a:xfrm>
+      </p:grpSpPr>
+      <p:sp>
+        <p:nvSpPr>
+          <p:cNvPr id="2" name="Título 1">
+            <a:extLst>
+              <a:ext uri="{FF2B5EF4-FFF2-40B4-BE49-F238E27FC236}">
+                <a16:creationId xmlns:a16="http://schemas.microsoft.com/office/drawing/2014/main" id="{69438CE2-7AFB-821A-BC57-11478A8505C0}"/>
+              </a:ext>
+            </a:extLst>
+          </p:cNvPr>
+          <p:cNvSpPr>
+            <a:spLocks noGrp="1"/>
+          </p:cNvSpPr>
+          <p:nvPr>
+            <p:ph type="title"/>
+          </p:nvPr>
+        </p:nvSpPr>
+        <p:spPr/>
+        <p:txBody>
+          <a:bodyPr/>
+          <a:lstStyle/>
+          <a:p>
+            <a:pPr algn="ctr"/>
+            <a:r>
+              <a:rPr lang="pt-BR" dirty="0"/>
+              <a:t>ORIENTAÇÃO À OBJETOS</a:t>
+            </a:r>
+          </a:p>
+        </p:txBody>
+      </p:sp>
+      <p:sp>
+        <p:nvSpPr>
+          <p:cNvPr id="3" name="Espaço Reservado para Texto 2">
+            <a:extLst>
+              <a:ext uri="{FF2B5EF4-FFF2-40B4-BE49-F238E27FC236}">
+                <a16:creationId xmlns:a16="http://schemas.microsoft.com/office/drawing/2014/main" id="{E73D2AC8-EAF9-CABF-8CF9-F12E7364C40C}"/>
+              </a:ext>
+            </a:extLst>
+          </p:cNvPr>
+          <p:cNvSpPr>
+            <a:spLocks noGrp="1"/>
+          </p:cNvSpPr>
+          <p:nvPr>
+            <p:ph type="body" idx="1"/>
+          </p:nvPr>
+        </p:nvSpPr>
+        <p:spPr/>
+        <p:txBody>
+          <a:bodyPr/>
+          <a:lstStyle/>
+          <a:p>
+            <a:r>
+              <a:rPr lang="pt-BR" dirty="0"/>
+              <a:t>Em C, uma linguagem de programação procedural, não há suporte nativo para orientação a objetos. Isso significava que os desenvolvedores tinham que implementar manualmente os conceitos de orientação a objetos, o que levava a código mais complexo, difícil de manter e propenso a erros.</a:t>
+            </a:r>
+          </a:p>
+          <a:p>
+            <a:endParaRPr lang="pt-BR" dirty="0"/>
+          </a:p>
+          <a:p>
+            <a:r>
+              <a:rPr lang="pt-BR" dirty="0"/>
+              <a:t>Com a introdução do C++, a orientação a objetos foi incorporada como um recurso nativo. O C++ adicionou classes e outros recursos, como herança, polimorfismo e encapsulamento, que facilitaram a implementação de programas orientados a objetos.</a:t>
+            </a:r>
+          </a:p>
+        </p:txBody>
+      </p:sp>
+    </p:spTree>
+    <p:extLst>
+      <p:ext uri="{BB962C8B-B14F-4D97-AF65-F5344CB8AC3E}">
+        <p14:creationId xmlns:p14="http://schemas.microsoft.com/office/powerpoint/2010/main" val="1544455830"/>
+      </p:ext>
+    </p:extLst>
+  </p:cSld>
+  <p:clrMapOvr>
+    <a:masterClrMapping/>
+  </p:clrMapOvr>
+  <p:transition spd="slow">
+    <p:wipe/>
+  </p:transition>
+</p:sld>
+</file>
+
+<file path=ppt/slides/slide33.xml><?xml version="1.0" encoding="utf-8"?>
+<p:sld xmlns:a="http://schemas.openxmlformats.org/drawingml/2006/main" xmlns:r="http://schemas.openxmlformats.org/officeDocument/2006/relationships" xmlns:p="http://schemas.openxmlformats.org/presentationml/2006/main">
+  <p:cSld>
+    <p:spTree>
+      <p:nvGrpSpPr>
+        <p:cNvPr id="1" name=""/>
+        <p:cNvGrpSpPr/>
+        <p:nvPr/>
+      </p:nvGrpSpPr>
+      <p:grpSpPr>
+        <a:xfrm>
+          <a:off x="0" y="0"/>
+          <a:ext cx="0" cy="0"/>
+          <a:chOff x="0" y="0"/>
+          <a:chExt cx="0" cy="0"/>
+        </a:xfrm>
+      </p:grpSpPr>
+      <p:sp>
+        <p:nvSpPr>
+          <p:cNvPr id="2" name="Título 1">
+            <a:extLst>
+              <a:ext uri="{FF2B5EF4-FFF2-40B4-BE49-F238E27FC236}">
+                <a16:creationId xmlns:a16="http://schemas.microsoft.com/office/drawing/2014/main" id="{69438CE2-7AFB-821A-BC57-11478A8505C0}"/>
+              </a:ext>
+            </a:extLst>
+          </p:cNvPr>
+          <p:cNvSpPr>
+            <a:spLocks noGrp="1"/>
+          </p:cNvSpPr>
+          <p:nvPr>
+            <p:ph type="title"/>
+          </p:nvPr>
+        </p:nvSpPr>
+        <p:spPr/>
+        <p:txBody>
+          <a:bodyPr/>
+          <a:lstStyle/>
+          <a:p>
+            <a:pPr algn="ctr"/>
+            <a:r>
+              <a:rPr lang="pt-BR" dirty="0"/>
+              <a:t>ORIENTAÇÃO À OBJETOS</a:t>
+            </a:r>
+          </a:p>
+        </p:txBody>
+      </p:sp>
+      <p:sp>
+        <p:nvSpPr>
+          <p:cNvPr id="3" name="Espaço Reservado para Texto 2">
+            <a:extLst>
+              <a:ext uri="{FF2B5EF4-FFF2-40B4-BE49-F238E27FC236}">
+                <a16:creationId xmlns:a16="http://schemas.microsoft.com/office/drawing/2014/main" id="{E73D2AC8-EAF9-CABF-8CF9-F12E7364C40C}"/>
+              </a:ext>
+            </a:extLst>
+          </p:cNvPr>
+          <p:cNvSpPr>
+            <a:spLocks noGrp="1"/>
+          </p:cNvSpPr>
+          <p:nvPr>
+            <p:ph type="body" idx="1"/>
+          </p:nvPr>
+        </p:nvSpPr>
+        <p:spPr>
+          <a:xfrm>
+            <a:off x="960000" y="1621000"/>
+            <a:ext cx="4514525" cy="3751600"/>
+          </a:xfrm>
+        </p:spPr>
+        <p:txBody>
+          <a:bodyPr/>
+          <a:lstStyle/>
+          <a:p>
+            <a:r>
+              <a:rPr lang="pt-BR" dirty="0"/>
+              <a:t>Nesse exemplo, temos uma classe chamada </a:t>
+            </a:r>
+            <a:r>
+              <a:rPr lang="pt-BR" dirty="0" err="1"/>
+              <a:t>Retangulo</a:t>
+            </a:r>
+            <a:r>
+              <a:rPr lang="pt-BR" dirty="0"/>
+              <a:t> que possui os atributos comprimento e largura. Ela também possui um construtor que inicializa esses atributos e um método </a:t>
+            </a:r>
+            <a:r>
+              <a:rPr lang="pt-BR" dirty="0" err="1"/>
+              <a:t>calcularArea</a:t>
+            </a:r>
+            <a:r>
+              <a:rPr lang="pt-BR" dirty="0"/>
+              <a:t>() que retorna a área do retângulo.</a:t>
+            </a:r>
+          </a:p>
+          <a:p>
+            <a:endParaRPr lang="pt-BR" dirty="0"/>
+          </a:p>
+          <a:p>
+            <a:r>
+              <a:rPr lang="pt-BR" dirty="0"/>
+              <a:t>No </a:t>
+            </a:r>
+            <a:r>
+              <a:rPr lang="pt-BR" dirty="0" err="1"/>
+              <a:t>main</a:t>
+            </a:r>
+            <a:r>
+              <a:rPr lang="pt-BR" dirty="0"/>
+              <a:t>(), criamos um objeto </a:t>
+            </a:r>
+            <a:r>
+              <a:rPr lang="pt-BR" dirty="0" err="1"/>
+              <a:t>retangulo</a:t>
+            </a:r>
+            <a:r>
+              <a:rPr lang="pt-BR" dirty="0"/>
+              <a:t> da classe </a:t>
+            </a:r>
+            <a:r>
+              <a:rPr lang="pt-BR" dirty="0" err="1"/>
+              <a:t>Retangulo</a:t>
+            </a:r>
+            <a:r>
+              <a:rPr lang="pt-BR" dirty="0"/>
+              <a:t> com um comprimento de 5.0 e largura de 3.0. Em seguida, chamamos o método </a:t>
+            </a:r>
+            <a:r>
+              <a:rPr lang="pt-BR" dirty="0" err="1"/>
+              <a:t>calcularArea</a:t>
+            </a:r>
+            <a:r>
+              <a:rPr lang="pt-BR" dirty="0"/>
+              <a:t>() do objeto para obter a área do retângulo.</a:t>
+            </a:r>
+          </a:p>
+        </p:txBody>
+      </p:sp>
+      <p:pic>
+        <p:nvPicPr>
+          <p:cNvPr id="5" name="Imagem 4">
+            <a:extLst>
+              <a:ext uri="{FF2B5EF4-FFF2-40B4-BE49-F238E27FC236}">
+                <a16:creationId xmlns:a16="http://schemas.microsoft.com/office/drawing/2014/main" id="{F0ACEF9D-FBB8-F079-5E03-B1BB2B5BB97F}"/>
+              </a:ext>
+            </a:extLst>
+          </p:cNvPr>
+          <p:cNvPicPr>
+            <a:picLocks noChangeAspect="1"/>
+          </p:cNvPicPr>
+          <p:nvPr/>
+        </p:nvPicPr>
+        <p:blipFill>
+          <a:blip r:embed="rId2">
+            <a:extLst>
+              <a:ext uri="{28A0092B-C50C-407E-A947-70E740481C1C}">
+                <a14:useLocalDpi xmlns:a14="http://schemas.microsoft.com/office/drawing/2010/main" val="0"/>
+              </a:ext>
+            </a:extLst>
+          </a:blip>
+          <a:stretch>
+            <a:fillRect/>
+          </a:stretch>
+        </p:blipFill>
+        <p:spPr>
+          <a:xfrm>
+            <a:off x="6535265" y="1621000"/>
+            <a:ext cx="5296639" cy="5020415"/>
+          </a:xfrm>
+          <a:prstGeom prst="rect">
+            <a:avLst/>
+          </a:prstGeom>
+        </p:spPr>
+      </p:pic>
+    </p:spTree>
+    <p:extLst>
+      <p:ext uri="{BB962C8B-B14F-4D97-AF65-F5344CB8AC3E}">
+        <p14:creationId xmlns:p14="http://schemas.microsoft.com/office/powerpoint/2010/main" val="737455378"/>
+      </p:ext>
+    </p:extLst>
+  </p:cSld>
+  <p:clrMapOvr>
+    <a:masterClrMapping/>
+  </p:clrMapOvr>
+  <p:transition spd="slow">
+    <p:wipe/>
+  </p:transition>
+</p:sld>
+</file>
+
+<file path=ppt/slides/slide34.xml><?xml version="1.0" encoding="utf-8"?>
+<p:sld xmlns:a="http://schemas.openxmlformats.org/drawingml/2006/main" xmlns:r="http://schemas.openxmlformats.org/officeDocument/2006/relationships" xmlns:p="http://schemas.openxmlformats.org/presentationml/2006/main">
+  <p:cSld>
+    <p:spTree>
+      <p:nvGrpSpPr>
+        <p:cNvPr id="1" name=""/>
+        <p:cNvGrpSpPr/>
+        <p:nvPr/>
+      </p:nvGrpSpPr>
+      <p:grpSpPr>
+        <a:xfrm>
+          <a:off x="0" y="0"/>
+          <a:ext cx="0" cy="0"/>
+          <a:chOff x="0" y="0"/>
+          <a:chExt cx="0" cy="0"/>
+        </a:xfrm>
+      </p:grpSpPr>
+      <p:sp>
+        <p:nvSpPr>
+          <p:cNvPr id="2" name="Título 1">
+            <a:extLst>
+              <a:ext uri="{FF2B5EF4-FFF2-40B4-BE49-F238E27FC236}">
+                <a16:creationId xmlns:a16="http://schemas.microsoft.com/office/drawing/2014/main" id="{69438CE2-7AFB-821A-BC57-11478A8505C0}"/>
+              </a:ext>
+            </a:extLst>
+          </p:cNvPr>
+          <p:cNvSpPr>
+            <a:spLocks noGrp="1"/>
+          </p:cNvSpPr>
+          <p:nvPr>
+            <p:ph type="title"/>
+          </p:nvPr>
+        </p:nvSpPr>
+        <p:spPr/>
+        <p:txBody>
+          <a:bodyPr/>
+          <a:lstStyle/>
+          <a:p>
+            <a:pPr algn="ctr"/>
+            <a:r>
+              <a:rPr lang="pt-BR" dirty="0"/>
+              <a:t>ORIENTAÇÃO À OBJETOS</a:t>
+            </a:r>
+          </a:p>
+        </p:txBody>
+      </p:sp>
+      <p:sp>
+        <p:nvSpPr>
+          <p:cNvPr id="3" name="Espaço Reservado para Texto 2">
+            <a:extLst>
+              <a:ext uri="{FF2B5EF4-FFF2-40B4-BE49-F238E27FC236}">
+                <a16:creationId xmlns:a16="http://schemas.microsoft.com/office/drawing/2014/main" id="{E73D2AC8-EAF9-CABF-8CF9-F12E7364C40C}"/>
+              </a:ext>
+            </a:extLst>
+          </p:cNvPr>
+          <p:cNvSpPr>
+            <a:spLocks noGrp="1"/>
+          </p:cNvSpPr>
+          <p:nvPr>
+            <p:ph type="body" idx="1"/>
+          </p:nvPr>
+        </p:nvSpPr>
+        <p:spPr>
+          <a:xfrm>
+            <a:off x="960000" y="1621000"/>
+            <a:ext cx="4514525" cy="3751600"/>
+          </a:xfrm>
+        </p:spPr>
+        <p:txBody>
+          <a:bodyPr/>
+          <a:lstStyle/>
+          <a:p>
+            <a:r>
+              <a:rPr lang="pt-BR" sz="1400" dirty="0"/>
+              <a:t>A linguagem C++ permite controlar o acesso aos atributos e métodos de uma classe. Podemos especificar se um membro é público, privado ou protegido usando modificadores de acesso.</a:t>
+            </a:r>
+          </a:p>
+          <a:p>
+            <a:r>
+              <a:rPr lang="pt-BR" sz="1400" dirty="0"/>
+              <a:t>Nesse exemplo, a classe Exemplo possui um atributo </a:t>
+            </a:r>
+            <a:r>
+              <a:rPr lang="pt-BR" sz="1400" dirty="0" err="1"/>
+              <a:t>atributoPrivado</a:t>
+            </a:r>
+            <a:r>
+              <a:rPr lang="pt-BR" sz="1400" dirty="0"/>
+              <a:t> definido como privado, um atributo </a:t>
+            </a:r>
+            <a:r>
+              <a:rPr lang="pt-BR" sz="1400" dirty="0" err="1"/>
+              <a:t>atributoPublico</a:t>
+            </a:r>
+            <a:r>
+              <a:rPr lang="pt-BR" sz="1400" dirty="0"/>
+              <a:t> definido como público e um atributo </a:t>
+            </a:r>
+            <a:r>
+              <a:rPr lang="pt-BR" sz="1400" dirty="0" err="1"/>
+              <a:t>atributoProtegido</a:t>
+            </a:r>
+            <a:r>
+              <a:rPr lang="pt-BR" sz="1400" dirty="0"/>
+              <a:t> definido como protegido.</a:t>
+            </a:r>
+          </a:p>
+          <a:p>
+            <a:r>
+              <a:rPr lang="pt-BR" sz="1400" dirty="0"/>
+              <a:t>No </a:t>
+            </a:r>
+            <a:r>
+              <a:rPr lang="pt-BR" sz="1400" dirty="0" err="1"/>
+              <a:t>main</a:t>
+            </a:r>
+            <a:r>
+              <a:rPr lang="pt-BR" sz="1400" dirty="0"/>
+              <a:t>(), criamos um objeto </a:t>
+            </a:r>
+            <a:r>
+              <a:rPr lang="pt-BR" sz="1400" dirty="0" err="1"/>
+              <a:t>obj</a:t>
+            </a:r>
+            <a:r>
+              <a:rPr lang="pt-BR" sz="1400" dirty="0"/>
+              <a:t> da classe Exemplo. Podemos acessar e modificar o atributo público diretamente, mas não podemos acessar o atributo privado ou protegido fora da classe.</a:t>
+            </a:r>
+          </a:p>
+        </p:txBody>
+      </p:sp>
+      <p:pic>
+        <p:nvPicPr>
+          <p:cNvPr id="5" name="Imagem 4">
+            <a:extLst>
+              <a:ext uri="{FF2B5EF4-FFF2-40B4-BE49-F238E27FC236}">
+                <a16:creationId xmlns:a16="http://schemas.microsoft.com/office/drawing/2014/main" id="{F17485FF-BC58-2D93-998F-BA43029E3EA7}"/>
+              </a:ext>
+            </a:extLst>
+          </p:cNvPr>
+          <p:cNvPicPr>
+            <a:picLocks noChangeAspect="1"/>
+          </p:cNvPicPr>
+          <p:nvPr/>
+        </p:nvPicPr>
+        <p:blipFill>
+          <a:blip r:embed="rId2">
+            <a:extLst>
+              <a:ext uri="{28A0092B-C50C-407E-A947-70E740481C1C}">
+                <a14:useLocalDpi xmlns:a14="http://schemas.microsoft.com/office/drawing/2010/main" val="0"/>
+              </a:ext>
+            </a:extLst>
+          </a:blip>
+          <a:stretch>
+            <a:fillRect/>
+          </a:stretch>
+        </p:blipFill>
+        <p:spPr>
+          <a:xfrm>
+            <a:off x="6452267" y="1796784"/>
+            <a:ext cx="5201376" cy="4467849"/>
+          </a:xfrm>
+          <a:prstGeom prst="rect">
+            <a:avLst/>
+          </a:prstGeom>
+        </p:spPr>
+      </p:pic>
+    </p:spTree>
+    <p:extLst>
+      <p:ext uri="{BB962C8B-B14F-4D97-AF65-F5344CB8AC3E}">
+        <p14:creationId xmlns:p14="http://schemas.microsoft.com/office/powerpoint/2010/main" val="3713051300"/>
+      </p:ext>
+    </p:extLst>
+  </p:cSld>
+  <p:clrMapOvr>
+    <a:masterClrMapping/>
+  </p:clrMapOvr>
+  <p:transition spd="slow">
+    <p:wipe/>
+  </p:transition>
+</p:sld>
+</file>
+
+<file path=ppt/slides/slide35.xml><?xml version="1.0" encoding="utf-8"?>
+<p:sld xmlns:a="http://schemas.openxmlformats.org/drawingml/2006/main" xmlns:r="http://schemas.openxmlformats.org/officeDocument/2006/relationships" xmlns:p="http://schemas.openxmlformats.org/presentationml/2006/main">
+  <p:cSld>
+    <p:spTree>
+      <p:nvGrpSpPr>
+        <p:cNvPr id="1" name=""/>
+        <p:cNvGrpSpPr/>
+        <p:nvPr/>
+      </p:nvGrpSpPr>
+      <p:grpSpPr>
+        <a:xfrm>
+          <a:off x="0" y="0"/>
+          <a:ext cx="0" cy="0"/>
+          <a:chOff x="0" y="0"/>
+          <a:chExt cx="0" cy="0"/>
+        </a:xfrm>
+      </p:grpSpPr>
+      <p:sp>
+        <p:nvSpPr>
+          <p:cNvPr id="2" name="Título 1">
+            <a:extLst>
+              <a:ext uri="{FF2B5EF4-FFF2-40B4-BE49-F238E27FC236}">
+                <a16:creationId xmlns:a16="http://schemas.microsoft.com/office/drawing/2014/main" id="{69438CE2-7AFB-821A-BC57-11478A8505C0}"/>
+              </a:ext>
+            </a:extLst>
+          </p:cNvPr>
+          <p:cNvSpPr>
+            <a:spLocks noGrp="1"/>
+          </p:cNvSpPr>
+          <p:nvPr>
+            <p:ph type="title"/>
+          </p:nvPr>
+        </p:nvSpPr>
+        <p:spPr/>
+        <p:txBody>
+          <a:bodyPr/>
+          <a:lstStyle/>
+          <a:p>
+            <a:pPr algn="ctr"/>
+            <a:r>
+              <a:rPr lang="pt-BR" dirty="0"/>
+              <a:t>ORIENTAÇÃO À OBJETOS</a:t>
+            </a:r>
+          </a:p>
+        </p:txBody>
+      </p:sp>
+      <p:sp>
+        <p:nvSpPr>
+          <p:cNvPr id="3" name="Espaço Reservado para Texto 2">
+            <a:extLst>
+              <a:ext uri="{FF2B5EF4-FFF2-40B4-BE49-F238E27FC236}">
+                <a16:creationId xmlns:a16="http://schemas.microsoft.com/office/drawing/2014/main" id="{E73D2AC8-EAF9-CABF-8CF9-F12E7364C40C}"/>
+              </a:ext>
+            </a:extLst>
+          </p:cNvPr>
+          <p:cNvSpPr>
+            <a:spLocks noGrp="1"/>
+          </p:cNvSpPr>
+          <p:nvPr>
+            <p:ph type="body" idx="1"/>
+          </p:nvPr>
+        </p:nvSpPr>
+        <p:spPr>
+          <a:xfrm>
+            <a:off x="960000" y="1621000"/>
+            <a:ext cx="4514525" cy="3751600"/>
+          </a:xfrm>
+        </p:spPr>
+        <p:txBody>
+          <a:bodyPr/>
+          <a:lstStyle/>
+          <a:p>
+            <a:r>
+              <a:rPr lang="pt-BR" sz="1450" dirty="0"/>
+              <a:t>A linguagem C++ suporta herança de classes. Podemos criar classes derivadas que herdam os atributos e métodos de uma classe base.</a:t>
+            </a:r>
+          </a:p>
+          <a:p>
+            <a:pPr marL="186262" indent="0">
+              <a:buNone/>
+            </a:pPr>
+            <a:endParaRPr lang="pt-BR" sz="1450" dirty="0"/>
+          </a:p>
+          <a:p>
+            <a:r>
+              <a:rPr lang="pt-BR" sz="1450" dirty="0"/>
+              <a:t>Nesse exemplo, temos uma classe base Animal que possui um método </a:t>
+            </a:r>
+            <a:r>
+              <a:rPr lang="pt-BR" sz="1450" dirty="0" err="1"/>
+              <a:t>emitirSom</a:t>
+            </a:r>
+            <a:r>
+              <a:rPr lang="pt-BR" sz="1450" dirty="0"/>
+              <a:t>(). Em seguida, temos uma classe derivada Cachorro que herda de Animal e adiciona um método </a:t>
+            </a:r>
+            <a:r>
+              <a:rPr lang="pt-BR" sz="1450" dirty="0" err="1"/>
+              <a:t>abanarRabo</a:t>
+            </a:r>
+            <a:r>
+              <a:rPr lang="pt-BR" sz="1450" dirty="0"/>
+              <a:t>().</a:t>
+            </a:r>
+          </a:p>
+          <a:p>
+            <a:pPr marL="186262" indent="0">
+              <a:buNone/>
+            </a:pPr>
+            <a:endParaRPr lang="pt-BR" sz="1450" dirty="0"/>
+          </a:p>
+        </p:txBody>
+      </p:sp>
+      <p:pic>
+        <p:nvPicPr>
+          <p:cNvPr id="6" name="Imagem 5">
+            <a:extLst>
+              <a:ext uri="{FF2B5EF4-FFF2-40B4-BE49-F238E27FC236}">
+                <a16:creationId xmlns:a16="http://schemas.microsoft.com/office/drawing/2014/main" id="{0DC1F2D5-4882-F961-5D06-F2B9DFABB3C6}"/>
+              </a:ext>
+            </a:extLst>
+          </p:cNvPr>
+          <p:cNvPicPr>
+            <a:picLocks noChangeAspect="1"/>
+          </p:cNvPicPr>
+          <p:nvPr/>
+        </p:nvPicPr>
+        <p:blipFill>
+          <a:blip r:embed="rId2">
+            <a:extLst>
+              <a:ext uri="{28A0092B-C50C-407E-A947-70E740481C1C}">
+                <a14:useLocalDpi xmlns:a14="http://schemas.microsoft.com/office/drawing/2010/main" val="0"/>
+              </a:ext>
+            </a:extLst>
+          </a:blip>
+          <a:stretch>
+            <a:fillRect/>
+          </a:stretch>
+        </p:blipFill>
+        <p:spPr>
+          <a:xfrm>
+            <a:off x="6254694" y="1621000"/>
+            <a:ext cx="5525271" cy="4848902"/>
+          </a:xfrm>
+          <a:prstGeom prst="rect">
+            <a:avLst/>
+          </a:prstGeom>
+        </p:spPr>
+      </p:pic>
+    </p:spTree>
+    <p:extLst>
+      <p:ext uri="{BB962C8B-B14F-4D97-AF65-F5344CB8AC3E}">
+        <p14:creationId xmlns:p14="http://schemas.microsoft.com/office/powerpoint/2010/main" val="2970582576"/>
+      </p:ext>
+    </p:extLst>
+  </p:cSld>
+  <p:clrMapOvr>
+    <a:masterClrMapping/>
+  </p:clrMapOvr>
+  <p:transition spd="slow">
+    <p:wipe/>
+  </p:transition>
+</p:sld>
+</file>
+
+<file path=ppt/slides/slide36.xml><?xml version="1.0" encoding="utf-8"?>
+<p:sld xmlns:a="http://schemas.openxmlformats.org/drawingml/2006/main" xmlns:r="http://schemas.openxmlformats.org/officeDocument/2006/relationships" xmlns:p="http://schemas.openxmlformats.org/presentationml/2006/main">
+  <p:cSld>
+    <p:spTree>
+      <p:nvGrpSpPr>
+        <p:cNvPr id="1" name=""/>
+        <p:cNvGrpSpPr/>
+        <p:nvPr/>
+      </p:nvGrpSpPr>
+      <p:grpSpPr>
+        <a:xfrm>
+          <a:off x="0" y="0"/>
+          <a:ext cx="0" cy="0"/>
+          <a:chOff x="0" y="0"/>
+          <a:chExt cx="0" cy="0"/>
+        </a:xfrm>
+      </p:grpSpPr>
+      <p:sp>
+        <p:nvSpPr>
+          <p:cNvPr id="2" name="Título 1">
+            <a:extLst>
+              <a:ext uri="{FF2B5EF4-FFF2-40B4-BE49-F238E27FC236}">
+                <a16:creationId xmlns:a16="http://schemas.microsoft.com/office/drawing/2014/main" id="{69438CE2-7AFB-821A-BC57-11478A8505C0}"/>
+              </a:ext>
+            </a:extLst>
+          </p:cNvPr>
+          <p:cNvSpPr>
+            <a:spLocks noGrp="1"/>
+          </p:cNvSpPr>
+          <p:nvPr>
+            <p:ph type="title"/>
+          </p:nvPr>
+        </p:nvSpPr>
+        <p:spPr/>
+        <p:txBody>
+          <a:bodyPr/>
+          <a:lstStyle/>
+          <a:p>
+            <a:pPr algn="ctr"/>
+            <a:r>
+              <a:rPr lang="pt-BR" dirty="0"/>
+              <a:t>ORIENTAÇÃO À OBJETOS</a:t>
+            </a:r>
+          </a:p>
+        </p:txBody>
+      </p:sp>
+      <p:sp>
+        <p:nvSpPr>
+          <p:cNvPr id="3" name="Espaço Reservado para Texto 2">
+            <a:extLst>
+              <a:ext uri="{FF2B5EF4-FFF2-40B4-BE49-F238E27FC236}">
+                <a16:creationId xmlns:a16="http://schemas.microsoft.com/office/drawing/2014/main" id="{E73D2AC8-EAF9-CABF-8CF9-F12E7364C40C}"/>
+              </a:ext>
+            </a:extLst>
+          </p:cNvPr>
+          <p:cNvSpPr>
+            <a:spLocks noGrp="1"/>
+          </p:cNvSpPr>
+          <p:nvPr>
+            <p:ph type="body" idx="1"/>
+          </p:nvPr>
+        </p:nvSpPr>
+        <p:spPr>
+          <a:xfrm>
+            <a:off x="960000" y="1621000"/>
+            <a:ext cx="4514525" cy="3751600"/>
+          </a:xfrm>
+        </p:spPr>
+        <p:txBody>
+          <a:bodyPr/>
+          <a:lstStyle/>
+          <a:p>
+            <a:r>
+              <a:rPr lang="pt-BR" sz="1450" dirty="0"/>
+              <a:t>A linguagem C++ também suporta herança múltipla, onde uma classe pode herdar de múltiplas classes base. No entanto, o uso de herança múltipla deve ser feito com cautela, pois pode levar a problemas de ambiguidade.</a:t>
+            </a:r>
+          </a:p>
+          <a:p>
+            <a:pPr marL="186262" indent="0">
+              <a:buNone/>
+            </a:pPr>
+            <a:endParaRPr lang="pt-BR" sz="1450" dirty="0"/>
+          </a:p>
+          <a:p>
+            <a:r>
+              <a:rPr lang="pt-BR" sz="1450" dirty="0"/>
+              <a:t>Nesse exemplo, temos duas classes base: Animal e Voador. Em seguida, temos uma classe Pato que herda de ambas as classes base. A classe Pato tem acesso aos métodos </a:t>
+            </a:r>
+            <a:r>
+              <a:rPr lang="pt-BR" sz="1450" dirty="0" err="1"/>
+              <a:t>emitirSom</a:t>
+            </a:r>
+            <a:r>
+              <a:rPr lang="pt-BR" sz="1450" dirty="0"/>
+              <a:t>() da classe Animal e voar() da classe Voador, além de ter seu próprio método nadar().</a:t>
+            </a:r>
+          </a:p>
+          <a:p>
+            <a:pPr marL="186262" indent="0">
+              <a:buNone/>
+            </a:pPr>
+            <a:endParaRPr lang="pt-BR" sz="1450" dirty="0"/>
+          </a:p>
+        </p:txBody>
+      </p:sp>
+      <p:pic>
+        <p:nvPicPr>
+          <p:cNvPr id="5" name="Imagem 4">
+            <a:extLst>
+              <a:ext uri="{FF2B5EF4-FFF2-40B4-BE49-F238E27FC236}">
+                <a16:creationId xmlns:a16="http://schemas.microsoft.com/office/drawing/2014/main" id="{F1CD5D78-6BCA-6884-A29D-4F3B8B62A55F}"/>
+              </a:ext>
+            </a:extLst>
+          </p:cNvPr>
+          <p:cNvPicPr>
+            <a:picLocks noChangeAspect="1"/>
+          </p:cNvPicPr>
+          <p:nvPr/>
+        </p:nvPicPr>
+        <p:blipFill>
+          <a:blip r:embed="rId2">
+            <a:extLst>
+              <a:ext uri="{28A0092B-C50C-407E-A947-70E740481C1C}">
+                <a14:useLocalDpi xmlns:a14="http://schemas.microsoft.com/office/drawing/2010/main" val="0"/>
+              </a:ext>
+            </a:extLst>
+          </a:blip>
+          <a:stretch>
+            <a:fillRect/>
+          </a:stretch>
+        </p:blipFill>
+        <p:spPr>
+          <a:xfrm>
+            <a:off x="6270171" y="1620999"/>
+            <a:ext cx="5571129" cy="4948041"/>
+          </a:xfrm>
+          <a:prstGeom prst="rect">
+            <a:avLst/>
+          </a:prstGeom>
+        </p:spPr>
+      </p:pic>
+    </p:spTree>
+    <p:extLst>
+      <p:ext uri="{BB962C8B-B14F-4D97-AF65-F5344CB8AC3E}">
+        <p14:creationId xmlns:p14="http://schemas.microsoft.com/office/powerpoint/2010/main" val="2654607481"/>
+      </p:ext>
+    </p:extLst>
+  </p:cSld>
+  <p:clrMapOvr>
+    <a:masterClrMapping/>
+  </p:clrMapOvr>
+  <p:transition spd="slow">
+    <p:wipe/>
+  </p:transition>
+</p:sld>
+</file>
+
+<file path=ppt/slides/slide37.xml><?xml version="1.0" encoding="utf-8"?>
+<p:sld xmlns:a="http://schemas.openxmlformats.org/drawingml/2006/main" xmlns:r="http://schemas.openxmlformats.org/officeDocument/2006/relationships" xmlns:p="http://schemas.openxmlformats.org/presentationml/2006/main">
+  <p:cSld>
+    <p:spTree>
+      <p:nvGrpSpPr>
+        <p:cNvPr id="1" name=""/>
+        <p:cNvGrpSpPr/>
+        <p:nvPr/>
+      </p:nvGrpSpPr>
+      <p:grpSpPr>
+        <a:xfrm>
+          <a:off x="0" y="0"/>
+          <a:ext cx="0" cy="0"/>
+          <a:chOff x="0" y="0"/>
+          <a:chExt cx="0" cy="0"/>
+        </a:xfrm>
+      </p:grpSpPr>
+      <p:sp>
+        <p:nvSpPr>
+          <p:cNvPr id="2" name="Título 1">
+            <a:extLst>
+              <a:ext uri="{FF2B5EF4-FFF2-40B4-BE49-F238E27FC236}">
+                <a16:creationId xmlns:a16="http://schemas.microsoft.com/office/drawing/2014/main" id="{D88BD3A7-F279-5291-448A-0BD7A0E62114}"/>
+              </a:ext>
+            </a:extLst>
+          </p:cNvPr>
+          <p:cNvSpPr>
+            <a:spLocks noGrp="1"/>
+          </p:cNvSpPr>
+          <p:nvPr>
+            <p:ph type="title"/>
+          </p:nvPr>
+        </p:nvSpPr>
+        <p:spPr/>
+        <p:txBody>
+          <a:bodyPr/>
+          <a:lstStyle/>
+          <a:p>
+            <a:pPr algn="ctr"/>
+            <a:r>
+              <a:rPr lang="pt-BR" dirty="0"/>
+              <a:t>ORIENTAÇÃO À OBJETOS</a:t>
+            </a:r>
+          </a:p>
+        </p:txBody>
+      </p:sp>
+      <p:sp>
+        <p:nvSpPr>
+          <p:cNvPr id="3" name="Espaço Reservado para Texto 2">
+            <a:extLst>
+              <a:ext uri="{FF2B5EF4-FFF2-40B4-BE49-F238E27FC236}">
+                <a16:creationId xmlns:a16="http://schemas.microsoft.com/office/drawing/2014/main" id="{422F2081-99B2-8AD3-5EAE-3928F0E17983}"/>
+              </a:ext>
+            </a:extLst>
+          </p:cNvPr>
+          <p:cNvSpPr>
+            <a:spLocks noGrp="1"/>
+          </p:cNvSpPr>
+          <p:nvPr>
+            <p:ph type="body" idx="1"/>
+          </p:nvPr>
+        </p:nvSpPr>
+        <p:spPr/>
+        <p:txBody>
+          <a:bodyPr/>
+          <a:lstStyle/>
+          <a:p>
+            <a:r>
+              <a:rPr lang="pt-BR" dirty="0"/>
+              <a:t>A linguagem C++ suporta polimorfismo, tanto polimorfismo de sobrecarga quanto polimorfismo de herança. O polimorfismo permite que objetos de diferentes classes sejam tratados de maneira uniforme, permitindo a substituição de implementações específicas de métodos em tempo de execução.</a:t>
+            </a:r>
+          </a:p>
+          <a:p>
+            <a:endParaRPr lang="pt-BR" dirty="0"/>
+          </a:p>
+          <a:p>
+            <a:r>
+              <a:rPr lang="pt-BR" dirty="0"/>
+              <a:t>Vamos apresentar dois exemplos de polimorfismo : Polimorfismo de sobrecarga e Polimorfismo de Herança (Polimorfismo de Substituição).</a:t>
+            </a:r>
+          </a:p>
+        </p:txBody>
+      </p:sp>
+    </p:spTree>
+    <p:extLst>
+      <p:ext uri="{BB962C8B-B14F-4D97-AF65-F5344CB8AC3E}">
+        <p14:creationId xmlns:p14="http://schemas.microsoft.com/office/powerpoint/2010/main" val="1081296572"/>
+      </p:ext>
+    </p:extLst>
+  </p:cSld>
+  <p:clrMapOvr>
+    <a:masterClrMapping/>
+  </p:clrMapOvr>
+  <p:transition spd="slow">
+    <p:wipe/>
+  </p:transition>
+</p:sld>
+</file>
+
+<file path=ppt/slides/slide38.xml><?xml version="1.0" encoding="utf-8"?>
+<p:sld xmlns:a="http://schemas.openxmlformats.org/drawingml/2006/main" xmlns:r="http://schemas.openxmlformats.org/officeDocument/2006/relationships" xmlns:p="http://schemas.openxmlformats.org/presentationml/2006/main">
+  <p:cSld>
+    <p:spTree>
+      <p:nvGrpSpPr>
+        <p:cNvPr id="1" name=""/>
+        <p:cNvGrpSpPr/>
+        <p:nvPr/>
+      </p:nvGrpSpPr>
+      <p:grpSpPr>
+        <a:xfrm>
+          <a:off x="0" y="0"/>
+          <a:ext cx="0" cy="0"/>
+          <a:chOff x="0" y="0"/>
+          <a:chExt cx="0" cy="0"/>
+        </a:xfrm>
+      </p:grpSpPr>
+      <p:sp>
+        <p:nvSpPr>
+          <p:cNvPr id="2" name="Título 1">
+            <a:extLst>
+              <a:ext uri="{FF2B5EF4-FFF2-40B4-BE49-F238E27FC236}">
+                <a16:creationId xmlns:a16="http://schemas.microsoft.com/office/drawing/2014/main" id="{D88BD3A7-F279-5291-448A-0BD7A0E62114}"/>
+              </a:ext>
+            </a:extLst>
+          </p:cNvPr>
+          <p:cNvSpPr>
+            <a:spLocks noGrp="1"/>
+          </p:cNvSpPr>
+          <p:nvPr>
+            <p:ph type="title"/>
+          </p:nvPr>
+        </p:nvSpPr>
+        <p:spPr/>
+        <p:txBody>
+          <a:bodyPr/>
+          <a:lstStyle/>
+          <a:p>
+            <a:pPr algn="ctr"/>
+            <a:r>
+              <a:rPr lang="pt-BR" dirty="0"/>
+              <a:t>ORIENTAÇÃO À OBJETOS</a:t>
+            </a:r>
+          </a:p>
+        </p:txBody>
+      </p:sp>
+      <p:sp>
+        <p:nvSpPr>
+          <p:cNvPr id="3" name="Espaço Reservado para Texto 2">
+            <a:extLst>
+              <a:ext uri="{FF2B5EF4-FFF2-40B4-BE49-F238E27FC236}">
+                <a16:creationId xmlns:a16="http://schemas.microsoft.com/office/drawing/2014/main" id="{422F2081-99B2-8AD3-5EAE-3928F0E17983}"/>
+              </a:ext>
+            </a:extLst>
+          </p:cNvPr>
+          <p:cNvSpPr>
+            <a:spLocks noGrp="1"/>
+          </p:cNvSpPr>
+          <p:nvPr>
+            <p:ph type="body" idx="1"/>
+          </p:nvPr>
+        </p:nvSpPr>
+        <p:spPr>
+          <a:xfrm>
+            <a:off x="581891" y="1620999"/>
+            <a:ext cx="4453247" cy="4482917"/>
+          </a:xfrm>
+        </p:spPr>
+        <p:txBody>
+          <a:bodyPr/>
+          <a:lstStyle/>
+          <a:p>
+            <a:pPr marL="186262" indent="0">
+              <a:buNone/>
+            </a:pPr>
+            <a:endParaRPr lang="pt-BR" dirty="0"/>
+          </a:p>
+          <a:p>
+            <a:r>
+              <a:rPr lang="pt-BR" dirty="0"/>
+              <a:t>Nesse exemplo, a classe Calculadora possui dois métodos somar() com assinaturas diferentes, um para inteiros e outro para </a:t>
+            </a:r>
+            <a:r>
+              <a:rPr lang="pt-BR" dirty="0" err="1"/>
+              <a:t>floats</a:t>
+            </a:r>
+            <a:r>
+              <a:rPr lang="pt-BR" dirty="0"/>
+              <a:t>. Dependendo do tipo dos argumentos passados durante a chamada, o compilador seleciona automaticamente a versão apropriada do método somar(). Isso é conhecido como polimorfismo de sobrecarga.</a:t>
+            </a:r>
+          </a:p>
+        </p:txBody>
+      </p:sp>
+      <p:pic>
+        <p:nvPicPr>
+          <p:cNvPr id="5" name="Imagem 4">
+            <a:extLst>
+              <a:ext uri="{FF2B5EF4-FFF2-40B4-BE49-F238E27FC236}">
+                <a16:creationId xmlns:a16="http://schemas.microsoft.com/office/drawing/2014/main" id="{AE62A091-507B-E130-69E2-DED12250969A}"/>
+              </a:ext>
+            </a:extLst>
+          </p:cNvPr>
+          <p:cNvPicPr>
+            <a:picLocks noChangeAspect="1"/>
+          </p:cNvPicPr>
+          <p:nvPr/>
+        </p:nvPicPr>
+        <p:blipFill>
+          <a:blip r:embed="rId2">
+            <a:extLst>
+              <a:ext uri="{28A0092B-C50C-407E-A947-70E740481C1C}">
+                <a14:useLocalDpi xmlns:a14="http://schemas.microsoft.com/office/drawing/2010/main" val="0"/>
+              </a:ext>
+            </a:extLst>
+          </a:blip>
+          <a:stretch>
+            <a:fillRect/>
+          </a:stretch>
+        </p:blipFill>
+        <p:spPr>
+          <a:xfrm>
+            <a:off x="5118265" y="1620999"/>
+            <a:ext cx="6895484" cy="4906060"/>
+          </a:xfrm>
+          <a:prstGeom prst="rect">
+            <a:avLst/>
+          </a:prstGeom>
+        </p:spPr>
+      </p:pic>
+    </p:spTree>
+    <p:extLst>
+      <p:ext uri="{BB962C8B-B14F-4D97-AF65-F5344CB8AC3E}">
+        <p14:creationId xmlns:p14="http://schemas.microsoft.com/office/powerpoint/2010/main" val="112986484"/>
+      </p:ext>
+    </p:extLst>
+  </p:cSld>
+  <p:clrMapOvr>
+    <a:masterClrMapping/>
+  </p:clrMapOvr>
+  <p:transition spd="slow">
+    <p:wipe/>
+  </p:transition>
+</p:sld>
+</file>
+
+<file path=ppt/slides/slide39.xml><?xml version="1.0" encoding="utf-8"?>
+<p:sld xmlns:a="http://schemas.openxmlformats.org/drawingml/2006/main" xmlns:r="http://schemas.openxmlformats.org/officeDocument/2006/relationships" xmlns:p="http://schemas.openxmlformats.org/presentationml/2006/main">
+  <p:cSld>
+    <p:spTree>
+      <p:nvGrpSpPr>
+        <p:cNvPr id="1" name=""/>
+        <p:cNvGrpSpPr/>
+        <p:nvPr/>
+      </p:nvGrpSpPr>
+      <p:grpSpPr>
+        <a:xfrm>
+          <a:off x="0" y="0"/>
+          <a:ext cx="0" cy="0"/>
+          <a:chOff x="0" y="0"/>
+          <a:chExt cx="0" cy="0"/>
+        </a:xfrm>
+      </p:grpSpPr>
+      <p:sp>
+        <p:nvSpPr>
+          <p:cNvPr id="2" name="Título 1">
+            <a:extLst>
+              <a:ext uri="{FF2B5EF4-FFF2-40B4-BE49-F238E27FC236}">
+                <a16:creationId xmlns:a16="http://schemas.microsoft.com/office/drawing/2014/main" id="{D88BD3A7-F279-5291-448A-0BD7A0E62114}"/>
+              </a:ext>
+            </a:extLst>
+          </p:cNvPr>
+          <p:cNvSpPr>
+            <a:spLocks noGrp="1"/>
+          </p:cNvSpPr>
+          <p:nvPr>
+            <p:ph type="title"/>
+          </p:nvPr>
+        </p:nvSpPr>
+        <p:spPr/>
+        <p:txBody>
+          <a:bodyPr/>
+          <a:lstStyle/>
+          <a:p>
+            <a:pPr algn="ctr"/>
+            <a:r>
+              <a:rPr lang="pt-BR" dirty="0"/>
+              <a:t>ORIENTAÇÃO À OBJETOS</a:t>
+            </a:r>
+          </a:p>
+        </p:txBody>
+      </p:sp>
+      <p:sp>
+        <p:nvSpPr>
+          <p:cNvPr id="3" name="Espaço Reservado para Texto 2">
+            <a:extLst>
+              <a:ext uri="{FF2B5EF4-FFF2-40B4-BE49-F238E27FC236}">
+                <a16:creationId xmlns:a16="http://schemas.microsoft.com/office/drawing/2014/main" id="{422F2081-99B2-8AD3-5EAE-3928F0E17983}"/>
+              </a:ext>
+            </a:extLst>
+          </p:cNvPr>
+          <p:cNvSpPr>
+            <a:spLocks noGrp="1"/>
+          </p:cNvSpPr>
+          <p:nvPr>
+            <p:ph type="body" idx="1"/>
+          </p:nvPr>
+        </p:nvSpPr>
+        <p:spPr>
+          <a:xfrm>
+            <a:off x="959999" y="1620999"/>
+            <a:ext cx="4823283" cy="4482917"/>
+          </a:xfrm>
+        </p:spPr>
+        <p:txBody>
+          <a:bodyPr/>
+          <a:lstStyle/>
+          <a:p>
+            <a:pPr marL="186262" indent="0">
+              <a:buNone/>
+            </a:pPr>
+            <a:endParaRPr lang="pt-BR" sz="1450" dirty="0"/>
+          </a:p>
+          <a:p>
+            <a:r>
+              <a:rPr lang="pt-BR" sz="1450" dirty="0"/>
+              <a:t>Nesse exemplo, temos uma classe base Animal com um método </a:t>
+            </a:r>
+            <a:r>
+              <a:rPr lang="pt-BR" sz="1450" dirty="0" err="1"/>
+              <a:t>emitirSom</a:t>
+            </a:r>
+            <a:r>
+              <a:rPr lang="pt-BR" sz="1450" dirty="0"/>
+              <a:t>(). Em seguida, temos classes derivadas Cachorro e Gato, que substituem a implementação do método </a:t>
+            </a:r>
+            <a:r>
+              <a:rPr lang="pt-BR" sz="1450" dirty="0" err="1"/>
+              <a:t>emitirSom</a:t>
+            </a:r>
+            <a:r>
+              <a:rPr lang="pt-BR" sz="1450" dirty="0"/>
+              <a:t>() para cada animal específico.</a:t>
+            </a:r>
+          </a:p>
+          <a:p>
+            <a:endParaRPr lang="pt-BR" sz="1450" dirty="0"/>
+          </a:p>
+          <a:p>
+            <a:r>
+              <a:rPr lang="pt-BR" sz="1450" dirty="0"/>
+              <a:t>No </a:t>
+            </a:r>
+            <a:r>
+              <a:rPr lang="pt-BR" sz="1450" dirty="0" err="1"/>
+              <a:t>main</a:t>
+            </a:r>
+            <a:r>
+              <a:rPr lang="pt-BR" sz="1450" dirty="0"/>
+              <a:t>(), criamos ponteiros de tipo Animal apontando para objetos de tipo Cachorro e Gato. Quando chamamos o método </a:t>
+            </a:r>
+            <a:r>
+              <a:rPr lang="pt-BR" sz="1450" dirty="0" err="1"/>
+              <a:t>emitirSom</a:t>
+            </a:r>
+            <a:r>
+              <a:rPr lang="pt-BR" sz="1450" dirty="0"/>
+              <a:t>() através dos ponteiros, o compilador seleciona automaticamente a versão correta do método, com base no tipo real do objeto apontado. Isso é conhecido como polimorfismo de herança ou polimorfismo de substituição.</a:t>
+            </a:r>
+          </a:p>
+        </p:txBody>
+      </p:sp>
+      <p:pic>
+        <p:nvPicPr>
+          <p:cNvPr id="7" name="Imagem 6">
+            <a:extLst>
+              <a:ext uri="{FF2B5EF4-FFF2-40B4-BE49-F238E27FC236}">
+                <a16:creationId xmlns:a16="http://schemas.microsoft.com/office/drawing/2014/main" id="{0B94306A-6A4D-EC49-6371-101E2E2B73A2}"/>
+              </a:ext>
+            </a:extLst>
+          </p:cNvPr>
+          <p:cNvPicPr>
+            <a:picLocks noChangeAspect="1"/>
+          </p:cNvPicPr>
+          <p:nvPr/>
+        </p:nvPicPr>
+        <p:blipFill>
+          <a:blip r:embed="rId2">
+            <a:extLst>
+              <a:ext uri="{28A0092B-C50C-407E-A947-70E740481C1C}">
+                <a14:useLocalDpi xmlns:a14="http://schemas.microsoft.com/office/drawing/2010/main" val="0"/>
+              </a:ext>
+            </a:extLst>
+          </a:blip>
+          <a:stretch>
+            <a:fillRect/>
+          </a:stretch>
+        </p:blipFill>
+        <p:spPr>
+          <a:xfrm>
+            <a:off x="6408720" y="1620998"/>
+            <a:ext cx="5268060" cy="5074749"/>
+          </a:xfrm>
+          <a:prstGeom prst="rect">
+            <a:avLst/>
+          </a:prstGeom>
+        </p:spPr>
+      </p:pic>
+    </p:spTree>
+    <p:extLst>
+      <p:ext uri="{BB962C8B-B14F-4D97-AF65-F5344CB8AC3E}">
+        <p14:creationId xmlns:p14="http://schemas.microsoft.com/office/powerpoint/2010/main" val="2538058303"/>
+      </p:ext>
+    </p:extLst>
+  </p:cSld>
+  <p:clrMapOvr>
+    <a:masterClrMapping/>
+  </p:clrMapOvr>
+  <p:transition spd="slow">
+    <p:wipe/>
+  </p:transition>
 </p:sld>
 </file>
 
@@ -25685,6 +24828,96 @@
   <p:clrMapOvr>
     <a:masterClrMapping/>
   </p:clrMapOvr>
+  <p:transition spd="slow">
+    <p:wipe/>
+  </p:transition>
+</p:sld>
+</file>
+
+<file path=ppt/slides/slide40.xml><?xml version="1.0" encoding="utf-8"?>
+<p:sld xmlns:a="http://schemas.openxmlformats.org/drawingml/2006/main" xmlns:r="http://schemas.openxmlformats.org/officeDocument/2006/relationships" xmlns:p="http://schemas.openxmlformats.org/presentationml/2006/main">
+  <p:cSld>
+    <p:spTree>
+      <p:nvGrpSpPr>
+        <p:cNvPr id="1" name=""/>
+        <p:cNvGrpSpPr/>
+        <p:nvPr/>
+      </p:nvGrpSpPr>
+      <p:grpSpPr>
+        <a:xfrm>
+          <a:off x="0" y="0"/>
+          <a:ext cx="0" cy="0"/>
+          <a:chOff x="0" y="0"/>
+          <a:chExt cx="0" cy="0"/>
+        </a:xfrm>
+      </p:grpSpPr>
+      <p:sp>
+        <p:nvSpPr>
+          <p:cNvPr id="2" name="Título 1">
+            <a:extLst>
+              <a:ext uri="{FF2B5EF4-FFF2-40B4-BE49-F238E27FC236}">
+                <a16:creationId xmlns:a16="http://schemas.microsoft.com/office/drawing/2014/main" id="{14D0A418-B842-5D00-9EEB-E8F19426076F}"/>
+              </a:ext>
+            </a:extLst>
+          </p:cNvPr>
+          <p:cNvSpPr>
+            <a:spLocks noGrp="1"/>
+          </p:cNvSpPr>
+          <p:nvPr>
+            <p:ph type="title"/>
+          </p:nvPr>
+        </p:nvSpPr>
+        <p:spPr/>
+        <p:txBody>
+          <a:bodyPr/>
+          <a:lstStyle/>
+          <a:p>
+            <a:pPr algn="ctr"/>
+            <a:r>
+              <a:rPr lang="pt-BR" dirty="0"/>
+              <a:t>TRATAMENTO DE EXCEÇÕES</a:t>
+            </a:r>
+          </a:p>
+        </p:txBody>
+      </p:sp>
+      <p:sp>
+        <p:nvSpPr>
+          <p:cNvPr id="3" name="Espaço Reservado para Texto 2">
+            <a:extLst>
+              <a:ext uri="{FF2B5EF4-FFF2-40B4-BE49-F238E27FC236}">
+                <a16:creationId xmlns:a16="http://schemas.microsoft.com/office/drawing/2014/main" id="{E314832E-1C8D-4681-6E9B-2C4F73B9C0F0}"/>
+              </a:ext>
+            </a:extLst>
+          </p:cNvPr>
+          <p:cNvSpPr>
+            <a:spLocks noGrp="1"/>
+          </p:cNvSpPr>
+          <p:nvPr>
+            <p:ph type="body" idx="1"/>
+          </p:nvPr>
+        </p:nvSpPr>
+        <p:spPr/>
+        <p:txBody>
+          <a:bodyPr/>
+          <a:lstStyle/>
+          <a:p>
+            <a:endParaRPr lang="pt-BR"/>
+          </a:p>
+        </p:txBody>
+      </p:sp>
+    </p:spTree>
+    <p:extLst>
+      <p:ext uri="{BB962C8B-B14F-4D97-AF65-F5344CB8AC3E}">
+        <p14:creationId xmlns:p14="http://schemas.microsoft.com/office/powerpoint/2010/main" val="267107448"/>
+      </p:ext>
+    </p:extLst>
+  </p:cSld>
+  <p:clrMapOvr>
+    <a:masterClrMapping/>
+  </p:clrMapOvr>
+  <p:transition spd="slow">
+    <p:wipe/>
+  </p:transition>
 </p:sld>
 </file>
 
@@ -25851,6 +25084,9 @@
   <p:clrMapOvr>
     <a:masterClrMapping/>
   </p:clrMapOvr>
+  <p:transition spd="slow">
+    <p:wipe/>
+  </p:transition>
 </p:sld>
 </file>
 
@@ -26037,6 +25273,9 @@
   <p:clrMapOvr>
     <a:masterClrMapping/>
   </p:clrMapOvr>
+  <p:transition spd="slow">
+    <p:wipe/>
+  </p:transition>
 </p:sld>
 </file>
 
@@ -26262,6 +25501,9 @@
   <p:clrMapOvr>
     <a:masterClrMapping/>
   </p:clrMapOvr>
+  <p:transition spd="slow">
+    <p:wipe/>
+  </p:transition>
 </p:sld>
 </file>
 
@@ -26474,6 +25716,9 @@
   <p:clrMapOvr>
     <a:masterClrMapping/>
   </p:clrMapOvr>
+  <p:transition spd="slow">
+    <p:wipe/>
+  </p:transition>
 </p:sld>
 </file>
 
@@ -26666,6 +25911,9 @@
   <p:clrMapOvr>
     <a:masterClrMapping/>
   </p:clrMapOvr>
+  <p:transition spd="slow">
+    <p:wipe/>
+  </p:transition>
 </p:sld>
 </file>
 

--- a/C++.pptx
+++ b/C++.pptx
@@ -46,6 +46,8 @@
     <p:sldId id="294" r:id="rId40"/>
     <p:sldId id="295" r:id="rId41"/>
     <p:sldId id="262" r:id="rId42"/>
+    <p:sldId id="296" r:id="rId43"/>
+    <p:sldId id="297" r:id="rId44"/>
   </p:sldIdLst>
   <p:sldSz cx="12192000" cy="6858000"/>
   <p:notesSz cx="6858000" cy="9144000"/>
@@ -672,9 +674,6 @@
   <p:clrMapOvr>
     <a:masterClrMapping/>
   </p:clrMapOvr>
-  <p:transition spd="slow">
-    <p:wipe/>
-  </p:transition>
 </p:sldLayout>
 </file>
 
@@ -1133,9 +1132,6 @@
   <p:clrMapOvr>
     <a:masterClrMapping/>
   </p:clrMapOvr>
-  <p:transition spd="slow">
-    <p:wipe/>
-  </p:transition>
 </p:sldLayout>
 </file>
 
@@ -1172,9 +1168,6 @@
   <p:clrMapOvr>
     <a:masterClrMapping/>
   </p:clrMapOvr>
-  <p:transition spd="slow">
-    <p:wipe/>
-  </p:transition>
 </p:sldLayout>
 </file>
 
@@ -3022,9 +3015,6 @@
   <p:clrMapOvr>
     <a:masterClrMapping/>
   </p:clrMapOvr>
-  <p:transition spd="slow">
-    <p:wipe/>
-  </p:transition>
 </p:sldLayout>
 </file>
 
@@ -3482,9 +3472,6 @@
   <p:clrMapOvr>
     <a:masterClrMapping/>
   </p:clrMapOvr>
-  <p:transition spd="slow">
-    <p:wipe/>
-  </p:transition>
 </p:sldLayout>
 </file>
 
@@ -3962,9 +3949,6 @@
   <p:clrMapOvr>
     <a:masterClrMapping/>
   </p:clrMapOvr>
-  <p:transition spd="slow">
-    <p:wipe/>
-  </p:transition>
 </p:sldLayout>
 </file>
 
@@ -4325,9 +4309,6 @@
   <p:clrMapOvr>
     <a:masterClrMapping/>
   </p:clrMapOvr>
-  <p:transition spd="slow">
-    <p:wipe/>
-  </p:transition>
 </p:sldLayout>
 </file>
 
@@ -4688,9 +4669,6 @@
   <p:clrMapOvr>
     <a:masterClrMapping/>
   </p:clrMapOvr>
-  <p:transition spd="slow">
-    <p:wipe/>
-  </p:transition>
 </p:sldLayout>
 </file>
 
@@ -5771,9 +5749,6 @@
   <p:clrMapOvr>
     <a:masterClrMapping/>
   </p:clrMapOvr>
-  <p:transition spd="slow">
-    <p:wipe/>
-  </p:transition>
 </p:sldLayout>
 </file>
 
@@ -6426,9 +6401,6 @@
   <p:clrMapOvr>
     <a:masterClrMapping/>
   </p:clrMapOvr>
-  <p:transition spd="slow">
-    <p:wipe/>
-  </p:transition>
 </p:sldLayout>
 </file>
 
@@ -8251,9 +8223,6 @@
   <p:clrMapOvr>
     <a:masterClrMapping/>
   </p:clrMapOvr>
-  <p:transition spd="slow">
-    <p:wipe/>
-  </p:transition>
 </p:sldLayout>
 </file>
 
@@ -8907,9 +8876,6 @@
   <p:clrMapOvr>
     <a:masterClrMapping/>
   </p:clrMapOvr>
-  <p:transition spd="slow">
-    <p:wipe/>
-  </p:transition>
 </p:sldLayout>
 </file>
 
@@ -10411,9 +10377,6 @@
   <p:clrMapOvr>
     <a:masterClrMapping/>
   </p:clrMapOvr>
-  <p:transition spd="slow">
-    <p:wipe/>
-  </p:transition>
 </p:sldLayout>
 </file>
 
@@ -12714,9 +12677,6 @@
   <p:clrMapOvr>
     <a:masterClrMapping/>
   </p:clrMapOvr>
-  <p:transition spd="slow">
-    <p:wipe/>
-  </p:transition>
 </p:sldLayout>
 </file>
 
@@ -13201,9 +13161,6 @@
   <p:clrMapOvr>
     <a:masterClrMapping/>
   </p:clrMapOvr>
-  <p:transition spd="slow">
-    <p:wipe/>
-  </p:transition>
 </p:sldLayout>
 </file>
 
@@ -13409,9 +13366,6 @@
   <p:clrMapOvr>
     <a:masterClrMapping/>
   </p:clrMapOvr>
-  <p:transition spd="slow">
-    <p:wipe/>
-  </p:transition>
 </p:sldLayout>
 </file>
 
@@ -13575,9 +13529,6 @@
   <p:clrMapOvr>
     <a:masterClrMapping/>
   </p:clrMapOvr>
-  <p:transition spd="slow">
-    <p:wipe/>
-  </p:transition>
 </p:sldLayout>
 </file>
 
@@ -13608,9 +13559,6 @@
   <p:clrMapOvr>
     <a:masterClrMapping/>
   </p:clrMapOvr>
-  <p:transition spd="slow">
-    <p:wipe/>
-  </p:transition>
 </p:sldLayout>
 </file>
 
@@ -13778,9 +13726,6 @@
   <p:clrMapOvr>
     <a:masterClrMapping/>
   </p:clrMapOvr>
-  <p:transition spd="slow">
-    <p:wipe/>
-  </p:transition>
 </p:sldLayout>
 </file>
 
@@ -14285,9 +14230,6 @@
   <p:clrMapOvr>
     <a:masterClrMapping/>
   </p:clrMapOvr>
-  <p:transition spd="slow">
-    <p:wipe/>
-  </p:transition>
 </p:sldLayout>
 </file>
 
@@ -15368,9 +15310,6 @@
   <p:clrMapOvr>
     <a:masterClrMapping/>
   </p:clrMapOvr>
-  <p:transition spd="slow">
-    <p:wipe/>
-  </p:transition>
 </p:sldLayout>
 </file>
 
@@ -15709,9 +15648,6 @@
   <p:clrMapOvr>
     <a:masterClrMapping/>
   </p:clrMapOvr>
-  <p:transition spd="slow">
-    <p:wipe/>
-  </p:transition>
 </p:sldLayout>
 </file>
 
@@ -16240,9 +16176,6 @@
   <p:clrMapOvr>
     <a:masterClrMapping/>
   </p:clrMapOvr>
-  <p:transition spd="slow">
-    <p:wipe/>
-  </p:transition>
 </p:sldLayout>
 </file>
 
@@ -16542,9 +16475,6 @@
   <p:clrMapOvr>
     <a:masterClrMapping/>
   </p:clrMapOvr>
-  <p:transition spd="slow">
-    <p:wipe/>
-  </p:transition>
 </p:sldLayout>
 </file>
 
@@ -17001,9 +16931,6 @@
   <p:clrMapOvr>
     <a:masterClrMapping/>
   </p:clrMapOvr>
-  <p:transition spd="slow">
-    <p:wipe/>
-  </p:transition>
 </p:sldLayout>
 </file>
 
@@ -17194,9 +17121,6 @@
   <p:clrMapOvr>
     <a:masterClrMapping/>
   </p:clrMapOvr>
-  <p:transition spd="slow">
-    <p:wipe/>
-  </p:transition>
 </p:sldLayout>
 </file>
 
@@ -17768,9 +17692,6 @@
     <p:sldLayoutId id="2147483685" r:id="rId23"/>
     <p:sldLayoutId id="2147483686" r:id="rId24"/>
   </p:sldLayoutIdLst>
-  <p:transition spd="slow">
-    <p:wipe/>
-  </p:transition>
   <p:txStyles>
     <p:titleStyle>
       <a:defPPr marR="0" lvl="0" algn="l" rtl="0">
@@ -18964,9 +18885,6 @@
     <p:sldLayoutId id="2147483688" r:id="rId1"/>
     <p:sldLayoutId id="2147483689" r:id="rId2"/>
   </p:sldLayoutIdLst>
-  <p:transition spd="slow">
-    <p:wipe/>
-  </p:transition>
   <p:hf hdr="0" ftr="0" dt="0"/>
   <p:txStyles>
     <p:titleStyle>
@@ -19763,9 +19681,6 @@
   <p:clrMapOvr>
     <a:masterClrMapping/>
   </p:clrMapOvr>
-  <p:transition spd="slow">
-    <p:wipe/>
-  </p:transition>
 </p:sld>
 </file>
 
@@ -19870,9 +19785,6 @@
   <p:clrMapOvr>
     <a:masterClrMapping/>
   </p:clrMapOvr>
-  <p:transition spd="slow">
-    <p:wipe/>
-  </p:transition>
 </p:sld>
 </file>
 
@@ -20025,9 +19937,6 @@
   <p:clrMapOvr>
     <a:masterClrMapping/>
   </p:clrMapOvr>
-  <p:transition spd="slow">
-    <p:wipe/>
-  </p:transition>
 </p:sld>
 </file>
 
@@ -20204,9 +20113,6 @@
   <p:clrMapOvr>
     <a:masterClrMapping/>
   </p:clrMapOvr>
-  <p:transition spd="slow">
-    <p:wipe/>
-  </p:transition>
 </p:sld>
 </file>
 
@@ -20381,9 +20287,6 @@
   <p:clrMapOvr>
     <a:masterClrMapping/>
   </p:clrMapOvr>
-  <p:transition spd="slow">
-    <p:wipe/>
-  </p:transition>
 </p:sld>
 </file>
 
@@ -20479,9 +20382,6 @@
   <p:clrMapOvr>
     <a:masterClrMapping/>
   </p:clrMapOvr>
-  <p:transition spd="slow">
-    <p:wipe/>
-  </p:transition>
 </p:sld>
 </file>
 
@@ -20680,9 +20580,6 @@
   <p:clrMapOvr>
     <a:masterClrMapping/>
   </p:clrMapOvr>
-  <p:transition spd="slow">
-    <p:wipe/>
-  </p:transition>
 </p:sld>
 </file>
 
@@ -20811,9 +20708,6 @@
   <p:clrMapOvr>
     <a:masterClrMapping/>
   </p:clrMapOvr>
-  <p:transition spd="slow">
-    <p:wipe/>
-  </p:transition>
 </p:sld>
 </file>
 
@@ -20985,9 +20879,6 @@
   <p:clrMapOvr>
     <a:masterClrMapping/>
   </p:clrMapOvr>
-  <p:transition spd="slow">
-    <p:wipe/>
-  </p:transition>
 </p:sld>
 </file>
 
@@ -21124,9 +21015,6 @@
   <p:clrMapOvr>
     <a:masterClrMapping/>
   </p:clrMapOvr>
-  <p:transition spd="slow">
-    <p:wipe/>
-  </p:transition>
 </p:sld>
 </file>
 
@@ -21263,9 +21151,6 @@
   <p:clrMapOvr>
     <a:masterClrMapping/>
   </p:clrMapOvr>
-  <p:transition spd="slow">
-    <p:wipe/>
-  </p:transition>
 </p:sld>
 </file>
 
@@ -21472,9 +21357,6 @@
   <p:clrMapOvr>
     <a:masterClrMapping/>
   </p:clrMapOvr>
-  <p:transition spd="slow">
-    <p:wipe/>
-  </p:transition>
 </p:sld>
 </file>
 
@@ -21611,9 +21493,6 @@
   <p:clrMapOvr>
     <a:masterClrMapping/>
   </p:clrMapOvr>
-  <p:transition spd="slow">
-    <p:wipe/>
-  </p:transition>
 </p:sld>
 </file>
 
@@ -21764,9 +21643,6 @@
   <p:clrMapOvr>
     <a:masterClrMapping/>
   </p:clrMapOvr>
-  <p:transition spd="slow">
-    <p:wipe/>
-  </p:transition>
 </p:sld>
 </file>
 
@@ -21925,9 +21801,6 @@
   <p:clrMapOvr>
     <a:masterClrMapping/>
   </p:clrMapOvr>
-  <p:transition spd="slow">
-    <p:wipe/>
-  </p:transition>
 </p:sld>
 </file>
 
@@ -22044,9 +21917,6 @@
   <p:clrMapOvr>
     <a:masterClrMapping/>
   </p:clrMapOvr>
-  <p:transition spd="slow">
-    <p:wipe/>
-  </p:transition>
 </p:sld>
 </file>
 
@@ -22241,9 +22111,6 @@
   <p:clrMapOvr>
     <a:masterClrMapping/>
   </p:clrMapOvr>
-  <p:transition spd="slow">
-    <p:wipe/>
-  </p:transition>
 </p:sld>
 </file>
 
@@ -22373,9 +22240,6 @@
   <p:clrMapOvr>
     <a:masterClrMapping/>
   </p:clrMapOvr>
-  <p:transition spd="slow">
-    <p:wipe/>
-  </p:transition>
 </p:sld>
 </file>
 
@@ -22471,9 +22335,6 @@
   <p:clrMapOvr>
     <a:masterClrMapping/>
   </p:clrMapOvr>
-  <p:transition spd="slow">
-    <p:wipe/>
-  </p:transition>
 </p:sld>
 </file>
 
@@ -22622,9 +22483,6 @@
   <p:clrMapOvr>
     <a:masterClrMapping/>
   </p:clrMapOvr>
-  <p:transition spd="slow">
-    <p:wipe/>
-  </p:transition>
 </p:sld>
 </file>
 
@@ -22724,9 +22582,6 @@
   <p:clrMapOvr>
     <a:masterClrMapping/>
   </p:clrMapOvr>
-  <p:transition spd="slow">
-    <p:wipe/>
-  </p:transition>
 </p:sld>
 </file>
 
@@ -23124,9 +22979,6 @@
   <p:clrMapOvr>
     <a:masterClrMapping/>
   </p:clrMapOvr>
-  <p:transition spd="slow">
-    <p:wipe/>
-  </p:transition>
 </p:sld>
 </file>
 
@@ -23258,9 +23110,6 @@
   <p:clrMapOvr>
     <a:masterClrMapping/>
   </p:clrMapOvr>
-  <p:transition spd="slow">
-    <p:wipe/>
-  </p:transition>
 </p:sld>
 </file>
 
@@ -23356,9 +23205,6 @@
   <p:clrMapOvr>
     <a:masterClrMapping/>
   </p:clrMapOvr>
-  <p:transition spd="slow">
-    <p:wipe/>
-  </p:transition>
 </p:sld>
 </file>
 
@@ -23488,9 +23334,6 @@
   <p:clrMapOvr>
     <a:masterClrMapping/>
   </p:clrMapOvr>
-  <p:transition spd="slow">
-    <p:wipe/>
-  </p:transition>
 </p:sld>
 </file>
 
@@ -23587,9 +23430,6 @@
   <p:clrMapOvr>
     <a:masterClrMapping/>
   </p:clrMapOvr>
-  <p:transition spd="slow">
-    <p:wipe/>
-  </p:transition>
 </p:sld>
 </file>
 
@@ -23775,9 +23615,6 @@
   <p:clrMapOvr>
     <a:masterClrMapping/>
   </p:clrMapOvr>
-  <p:transition spd="slow">
-    <p:wipe/>
-  </p:transition>
 </p:sld>
 </file>
 
@@ -23958,9 +23795,6 @@
   <p:clrMapOvr>
     <a:masterClrMapping/>
   </p:clrMapOvr>
-  <p:transition spd="slow">
-    <p:wipe/>
-  </p:transition>
 </p:sld>
 </file>
 
@@ -24123,9 +23957,6 @@
   <p:clrMapOvr>
     <a:masterClrMapping/>
   </p:clrMapOvr>
-  <p:transition spd="slow">
-    <p:wipe/>
-  </p:transition>
 </p:sld>
 </file>
 
@@ -24280,9 +24111,6 @@
   <p:clrMapOvr>
     <a:masterClrMapping/>
   </p:clrMapOvr>
-  <p:transition spd="slow">
-    <p:wipe/>
-  </p:transition>
 </p:sld>
 </file>
 
@@ -24379,9 +24207,6 @@
   <p:clrMapOvr>
     <a:masterClrMapping/>
   </p:clrMapOvr>
-  <p:transition spd="slow">
-    <p:wipe/>
-  </p:transition>
 </p:sld>
 </file>
 
@@ -24524,9 +24349,6 @@
   <p:clrMapOvr>
     <a:masterClrMapping/>
   </p:clrMapOvr>
-  <p:transition spd="slow">
-    <p:wipe/>
-  </p:transition>
 </p:sld>
 </file>
 
@@ -24702,9 +24524,6 @@
   <p:clrMapOvr>
     <a:masterClrMapping/>
   </p:clrMapOvr>
-  <p:transition spd="slow">
-    <p:wipe/>
-  </p:transition>
 </p:sld>
 </file>
 
@@ -24828,9 +24647,6 @@
   <p:clrMapOvr>
     <a:masterClrMapping/>
   </p:clrMapOvr>
-  <p:transition spd="slow">
-    <p:wipe/>
-  </p:transition>
 </p:sld>
 </file>
 
@@ -24901,7 +24717,60 @@
           <a:bodyPr/>
           <a:lstStyle/>
           <a:p>
-            <a:endParaRPr lang="pt-BR"/>
+            <a:r>
+              <a:rPr lang="pt-BR" dirty="0"/>
+              <a:t>C++ possui suporte a tratamento de exceções. O tratamento de exceções em C++ é realizado através dos blocos </a:t>
+            </a:r>
+            <a:r>
+              <a:rPr lang="pt-BR" dirty="0" err="1"/>
+              <a:t>try</a:t>
+            </a:r>
+            <a:r>
+              <a:rPr lang="pt-BR" dirty="0"/>
+              <a:t>, catch e </a:t>
+            </a:r>
+            <a:r>
+              <a:rPr lang="pt-BR" dirty="0" err="1"/>
+              <a:t>throw</a:t>
+            </a:r>
+            <a:r>
+              <a:rPr lang="pt-BR" dirty="0"/>
+              <a:t>.</a:t>
+            </a:r>
+          </a:p>
+          <a:p>
+            <a:endParaRPr lang="pt-BR" dirty="0"/>
+          </a:p>
+          <a:p>
+            <a:r>
+              <a:rPr lang="pt-BR" dirty="0"/>
+              <a:t>Quando ocorre uma exceção, o programa pode "lançá-la" usando a palavra-chave </a:t>
+            </a:r>
+            <a:r>
+              <a:rPr lang="pt-BR" dirty="0" err="1"/>
+              <a:t>throw</a:t>
+            </a:r>
+            <a:r>
+              <a:rPr lang="pt-BR" dirty="0"/>
+              <a:t>, e em seguida, pode ser "capturada" e tratada usando o bloco </a:t>
+            </a:r>
+            <a:r>
+              <a:rPr lang="pt-BR" dirty="0" err="1"/>
+              <a:t>try</a:t>
+            </a:r>
+            <a:r>
+              <a:rPr lang="pt-BR" dirty="0"/>
+              <a:t>-catch.</a:t>
+            </a:r>
+          </a:p>
+          <a:p>
+            <a:endParaRPr lang="pt-BR" dirty="0"/>
+          </a:p>
+          <a:p>
+            <a:r>
+              <a:rPr lang="pt-BR" dirty="0"/>
+              <a:t>O tratamento de exceções em C++ permite que erros sejam capturados, tratados e reportados de maneira adequada, tornando o código mais robusto e seguro.</a:t>
+            </a:r>
           </a:p>
         </p:txBody>
       </p:sp>
@@ -24915,9 +24784,328 @@
   <p:clrMapOvr>
     <a:masterClrMapping/>
   </p:clrMapOvr>
-  <p:transition spd="slow">
-    <p:wipe/>
-  </p:transition>
+</p:sld>
+</file>
+
+<file path=ppt/slides/slide41.xml><?xml version="1.0" encoding="utf-8"?>
+<p:sld xmlns:a="http://schemas.openxmlformats.org/drawingml/2006/main" xmlns:r="http://schemas.openxmlformats.org/officeDocument/2006/relationships" xmlns:p="http://schemas.openxmlformats.org/presentationml/2006/main">
+  <p:cSld>
+    <p:spTree>
+      <p:nvGrpSpPr>
+        <p:cNvPr id="1" name=""/>
+        <p:cNvGrpSpPr/>
+        <p:nvPr/>
+      </p:nvGrpSpPr>
+      <p:grpSpPr>
+        <a:xfrm>
+          <a:off x="0" y="0"/>
+          <a:ext cx="0" cy="0"/>
+          <a:chOff x="0" y="0"/>
+          <a:chExt cx="0" cy="0"/>
+        </a:xfrm>
+      </p:grpSpPr>
+      <p:sp>
+        <p:nvSpPr>
+          <p:cNvPr id="2" name="Título 1">
+            <a:extLst>
+              <a:ext uri="{FF2B5EF4-FFF2-40B4-BE49-F238E27FC236}">
+                <a16:creationId xmlns:a16="http://schemas.microsoft.com/office/drawing/2014/main" id="{14D0A418-B842-5D00-9EEB-E8F19426076F}"/>
+              </a:ext>
+            </a:extLst>
+          </p:cNvPr>
+          <p:cNvSpPr>
+            <a:spLocks noGrp="1"/>
+          </p:cNvSpPr>
+          <p:nvPr>
+            <p:ph type="title"/>
+          </p:nvPr>
+        </p:nvSpPr>
+        <p:spPr/>
+        <p:txBody>
+          <a:bodyPr/>
+          <a:lstStyle/>
+          <a:p>
+            <a:pPr algn="ctr"/>
+            <a:r>
+              <a:rPr lang="pt-BR" dirty="0"/>
+              <a:t>TRATAMENTO DE EXCEÇÕES</a:t>
+            </a:r>
+          </a:p>
+        </p:txBody>
+      </p:sp>
+      <p:sp>
+        <p:nvSpPr>
+          <p:cNvPr id="3" name="Espaço Reservado para Texto 2">
+            <a:extLst>
+              <a:ext uri="{FF2B5EF4-FFF2-40B4-BE49-F238E27FC236}">
+                <a16:creationId xmlns:a16="http://schemas.microsoft.com/office/drawing/2014/main" id="{E314832E-1C8D-4681-6E9B-2C4F73B9C0F0}"/>
+              </a:ext>
+            </a:extLst>
+          </p:cNvPr>
+          <p:cNvSpPr>
+            <a:spLocks noGrp="1"/>
+          </p:cNvSpPr>
+          <p:nvPr>
+            <p:ph type="body" idx="1"/>
+          </p:nvPr>
+        </p:nvSpPr>
+        <p:spPr>
+          <a:xfrm>
+            <a:off x="960000" y="1621000"/>
+            <a:ext cx="3920758" cy="3751600"/>
+          </a:xfrm>
+        </p:spPr>
+        <p:txBody>
+          <a:bodyPr/>
+          <a:lstStyle/>
+          <a:p>
+            <a:r>
+              <a:rPr lang="pt-BR" dirty="0"/>
+              <a:t>Tratando uma exceção de divisão por zero:</a:t>
+            </a:r>
+          </a:p>
+          <a:p>
+            <a:endParaRPr lang="pt-BR" dirty="0"/>
+          </a:p>
+          <a:p>
+            <a:r>
+              <a:rPr lang="pt-BR" dirty="0"/>
+              <a:t>Nesse exemplo, a função divide() verifica se o divisor é zero. Se for, ela lança uma exceção com uma mensagem de erro. No bloco </a:t>
+            </a:r>
+            <a:r>
+              <a:rPr lang="pt-BR" dirty="0" err="1"/>
+              <a:t>try</a:t>
+            </a:r>
+            <a:r>
+              <a:rPr lang="pt-BR" dirty="0"/>
+              <a:t>, chamamos a função divide() passando os argumentos 10 e 0. No bloco catch, a exceção é capturada e a mensagem de erro é exibida.</a:t>
+            </a:r>
+          </a:p>
+        </p:txBody>
+      </p:sp>
+      <p:pic>
+        <p:nvPicPr>
+          <p:cNvPr id="5" name="Imagem 4">
+            <a:extLst>
+              <a:ext uri="{FF2B5EF4-FFF2-40B4-BE49-F238E27FC236}">
+                <a16:creationId xmlns:a16="http://schemas.microsoft.com/office/drawing/2014/main" id="{3987D0D2-BC4C-AF95-CC34-6CAF35909960}"/>
+              </a:ext>
+            </a:extLst>
+          </p:cNvPr>
+          <p:cNvPicPr>
+            <a:picLocks noChangeAspect="1"/>
+          </p:cNvPicPr>
+          <p:nvPr/>
+        </p:nvPicPr>
+        <p:blipFill>
+          <a:blip r:embed="rId2">
+            <a:extLst>
+              <a:ext uri="{28A0092B-C50C-407E-A947-70E740481C1C}">
+                <a14:useLocalDpi xmlns:a14="http://schemas.microsoft.com/office/drawing/2010/main" val="0"/>
+              </a:ext>
+            </a:extLst>
+          </a:blip>
+          <a:stretch>
+            <a:fillRect/>
+          </a:stretch>
+        </p:blipFill>
+        <p:spPr>
+          <a:xfrm>
+            <a:off x="5653164" y="1834254"/>
+            <a:ext cx="5992061" cy="4258269"/>
+          </a:xfrm>
+          <a:prstGeom prst="rect">
+            <a:avLst/>
+          </a:prstGeom>
+        </p:spPr>
+      </p:pic>
+    </p:spTree>
+    <p:extLst>
+      <p:ext uri="{BB962C8B-B14F-4D97-AF65-F5344CB8AC3E}">
+        <p14:creationId xmlns:p14="http://schemas.microsoft.com/office/powerpoint/2010/main" val="4061075325"/>
+      </p:ext>
+    </p:extLst>
+  </p:cSld>
+  <p:clrMapOvr>
+    <a:masterClrMapping/>
+  </p:clrMapOvr>
+</p:sld>
+</file>
+
+<file path=ppt/slides/slide42.xml><?xml version="1.0" encoding="utf-8"?>
+<p:sld xmlns:a="http://schemas.openxmlformats.org/drawingml/2006/main" xmlns:r="http://schemas.openxmlformats.org/officeDocument/2006/relationships" xmlns:p="http://schemas.openxmlformats.org/presentationml/2006/main">
+  <p:cSld>
+    <p:spTree>
+      <p:nvGrpSpPr>
+        <p:cNvPr id="1" name=""/>
+        <p:cNvGrpSpPr/>
+        <p:nvPr/>
+      </p:nvGrpSpPr>
+      <p:grpSpPr>
+        <a:xfrm>
+          <a:off x="0" y="0"/>
+          <a:ext cx="0" cy="0"/>
+          <a:chOff x="0" y="0"/>
+          <a:chExt cx="0" cy="0"/>
+        </a:xfrm>
+      </p:grpSpPr>
+      <p:sp>
+        <p:nvSpPr>
+          <p:cNvPr id="2" name="Título 1">
+            <a:extLst>
+              <a:ext uri="{FF2B5EF4-FFF2-40B4-BE49-F238E27FC236}">
+                <a16:creationId xmlns:a16="http://schemas.microsoft.com/office/drawing/2014/main" id="{14D0A418-B842-5D00-9EEB-E8F19426076F}"/>
+              </a:ext>
+            </a:extLst>
+          </p:cNvPr>
+          <p:cNvSpPr>
+            <a:spLocks noGrp="1"/>
+          </p:cNvSpPr>
+          <p:nvPr>
+            <p:ph type="title"/>
+          </p:nvPr>
+        </p:nvSpPr>
+        <p:spPr/>
+        <p:txBody>
+          <a:bodyPr/>
+          <a:lstStyle/>
+          <a:p>
+            <a:pPr algn="ctr"/>
+            <a:r>
+              <a:rPr lang="pt-BR" dirty="0"/>
+              <a:t>TRATAMENTO DE EXCEÇÕES</a:t>
+            </a:r>
+          </a:p>
+        </p:txBody>
+      </p:sp>
+      <p:sp>
+        <p:nvSpPr>
+          <p:cNvPr id="3" name="Espaço Reservado para Texto 2">
+            <a:extLst>
+              <a:ext uri="{FF2B5EF4-FFF2-40B4-BE49-F238E27FC236}">
+                <a16:creationId xmlns:a16="http://schemas.microsoft.com/office/drawing/2014/main" id="{E314832E-1C8D-4681-6E9B-2C4F73B9C0F0}"/>
+              </a:ext>
+            </a:extLst>
+          </p:cNvPr>
+          <p:cNvSpPr>
+            <a:spLocks noGrp="1"/>
+          </p:cNvSpPr>
+          <p:nvPr>
+            <p:ph type="body" idx="1"/>
+          </p:nvPr>
+        </p:nvSpPr>
+        <p:spPr>
+          <a:xfrm>
+            <a:off x="960000" y="1621000"/>
+            <a:ext cx="3920758" cy="3751600"/>
+          </a:xfrm>
+        </p:spPr>
+        <p:txBody>
+          <a:bodyPr/>
+          <a:lstStyle/>
+          <a:p>
+            <a:r>
+              <a:rPr lang="pt-BR" sz="1450" dirty="0"/>
+              <a:t>Além de exceções de tipos de dados básicos, C++ permite a criação de exceções personalizadas por meio de classes. É possível criar uma hierarquia de classes de exceção, onde cada classe representa um tipo específico de erro.</a:t>
+            </a:r>
+          </a:p>
+          <a:p>
+            <a:endParaRPr lang="pt-BR" sz="1450" dirty="0"/>
+          </a:p>
+          <a:p>
+            <a:r>
+              <a:rPr lang="pt-BR" sz="1450" dirty="0"/>
+              <a:t>Nesse exemplo, criamos uma classe </a:t>
+            </a:r>
+            <a:r>
+              <a:rPr lang="pt-BR" sz="1450" dirty="0" err="1"/>
+              <a:t>MinhaExcecao</a:t>
+            </a:r>
+            <a:r>
+              <a:rPr lang="pt-BR" sz="1450" dirty="0"/>
+              <a:t> que herda da classe </a:t>
+            </a:r>
+            <a:r>
+              <a:rPr lang="pt-BR" sz="1450" dirty="0" err="1"/>
+              <a:t>std</a:t>
+            </a:r>
+            <a:r>
+              <a:rPr lang="pt-BR" sz="1450" dirty="0"/>
+              <a:t>::</a:t>
+            </a:r>
+            <a:r>
+              <a:rPr lang="pt-BR" sz="1450" dirty="0" err="1"/>
+              <a:t>exception</a:t>
+            </a:r>
+            <a:r>
+              <a:rPr lang="pt-BR" sz="1450" dirty="0"/>
+              <a:t>. A classe </a:t>
+            </a:r>
+            <a:r>
+              <a:rPr lang="pt-BR" sz="1450" dirty="0" err="1"/>
+              <a:t>MinhaExcecao</a:t>
+            </a:r>
+            <a:r>
+              <a:rPr lang="pt-BR" sz="1450" dirty="0"/>
+              <a:t> sobrescreve o método </a:t>
+            </a:r>
+            <a:r>
+              <a:rPr lang="pt-BR" sz="1450" dirty="0" err="1"/>
+              <a:t>what</a:t>
+            </a:r>
+            <a:r>
+              <a:rPr lang="pt-BR" sz="1450" dirty="0"/>
+              <a:t>(), que retorna uma mensagem de erro personalizada.</a:t>
+            </a:r>
+          </a:p>
+        </p:txBody>
+      </p:sp>
+      <p:pic>
+        <p:nvPicPr>
+          <p:cNvPr id="6" name="Imagem 5">
+            <a:extLst>
+              <a:ext uri="{FF2B5EF4-FFF2-40B4-BE49-F238E27FC236}">
+                <a16:creationId xmlns:a16="http://schemas.microsoft.com/office/drawing/2014/main" id="{8D5702CB-75AF-CFB5-35D4-695F45068E12}"/>
+              </a:ext>
+            </a:extLst>
+          </p:cNvPr>
+          <p:cNvPicPr>
+            <a:picLocks noChangeAspect="1"/>
+          </p:cNvPicPr>
+          <p:nvPr/>
+        </p:nvPicPr>
+        <p:blipFill>
+          <a:blip r:embed="rId2">
+            <a:extLst>
+              <a:ext uri="{28A0092B-C50C-407E-A947-70E740481C1C}">
+                <a14:useLocalDpi xmlns:a14="http://schemas.microsoft.com/office/drawing/2010/main" val="0"/>
+              </a:ext>
+            </a:extLst>
+          </a:blip>
+          <a:stretch>
+            <a:fillRect/>
+          </a:stretch>
+        </p:blipFill>
+        <p:spPr>
+          <a:xfrm>
+            <a:off x="5605153" y="1721922"/>
+            <a:ext cx="6287235" cy="4900096"/>
+          </a:xfrm>
+          <a:prstGeom prst="rect">
+            <a:avLst/>
+          </a:prstGeom>
+        </p:spPr>
+      </p:pic>
+    </p:spTree>
+    <p:extLst>
+      <p:ext uri="{BB962C8B-B14F-4D97-AF65-F5344CB8AC3E}">
+        <p14:creationId xmlns:p14="http://schemas.microsoft.com/office/powerpoint/2010/main" val="3643464131"/>
+      </p:ext>
+    </p:extLst>
+  </p:cSld>
+  <p:clrMapOvr>
+    <a:masterClrMapping/>
+  </p:clrMapOvr>
 </p:sld>
 </file>
 
@@ -25084,9 +25272,6 @@
   <p:clrMapOvr>
     <a:masterClrMapping/>
   </p:clrMapOvr>
-  <p:transition spd="slow">
-    <p:wipe/>
-  </p:transition>
 </p:sld>
 </file>
 
@@ -25273,9 +25458,6 @@
   <p:clrMapOvr>
     <a:masterClrMapping/>
   </p:clrMapOvr>
-  <p:transition spd="slow">
-    <p:wipe/>
-  </p:transition>
 </p:sld>
 </file>
 
@@ -25501,9 +25683,6 @@
   <p:clrMapOvr>
     <a:masterClrMapping/>
   </p:clrMapOvr>
-  <p:transition spd="slow">
-    <p:wipe/>
-  </p:transition>
 </p:sld>
 </file>
 
@@ -25716,9 +25895,6 @@
   <p:clrMapOvr>
     <a:masterClrMapping/>
   </p:clrMapOvr>
-  <p:transition spd="slow">
-    <p:wipe/>
-  </p:transition>
 </p:sld>
 </file>
 
@@ -25911,9 +26087,6 @@
   <p:clrMapOvr>
     <a:masterClrMapping/>
   </p:clrMapOvr>
-  <p:transition spd="slow">
-    <p:wipe/>
-  </p:transition>
 </p:sld>
 </file>
 

--- a/C++.pptx
+++ b/C++.pptx
@@ -19753,7 +19753,46 @@
           <a:p>
             <a:r>
               <a:rPr lang="pt-BR" dirty="0"/>
-              <a:t>A vinculação de tipos em C++ pode ser estática ou dinâmica, dependendo do contexto. Em geral, a vinculação de tipos em C++ é estática, o que significa que as declarações de tipos devem ser explícitas. Isso significa que é necessário declarar explicitamente o tipo de uma variável ao ser criada e também especificar o tipo de retorno de uma função.</a:t>
+              <a:t>A vinculação de tipos em C++ pode ser </a:t>
+            </a:r>
+            <a:r>
+              <a:rPr lang="pt-BR" dirty="0">
+                <a:solidFill>
+                  <a:schemeClr val="tx1"/>
+                </a:solidFill>
+              </a:rPr>
+              <a:t>estática</a:t>
+            </a:r>
+            <a:r>
+              <a:rPr lang="pt-BR" dirty="0"/>
+              <a:t> ou </a:t>
+            </a:r>
+            <a:r>
+              <a:rPr lang="pt-BR" dirty="0">
+                <a:solidFill>
+                  <a:schemeClr val="bg1">
+                    <a:lumMod val="10000"/>
+                    <a:lumOff val="90000"/>
+                  </a:schemeClr>
+                </a:solidFill>
+              </a:rPr>
+              <a:t>dinâmica</a:t>
+            </a:r>
+            <a:r>
+              <a:rPr lang="pt-BR" dirty="0"/>
+              <a:t>, dependendo do contexto. Em geral, a vinculação de tipos em C++ é </a:t>
+            </a:r>
+            <a:r>
+              <a:rPr lang="pt-BR" dirty="0">
+                <a:solidFill>
+                  <a:srgbClr val="00B0F0"/>
+                </a:solidFill>
+              </a:rPr>
+              <a:t>estática</a:t>
+            </a:r>
+            <a:r>
+              <a:rPr lang="pt-BR" dirty="0"/>
+              <a:t>, o que significa que as declarações de tipos devem ser explícitas. Isso significa que é necessário declarar explicitamente o tipo de uma variável ao ser criada e também especificar o tipo de retorno de uma função.</a:t>
             </a:r>
           </a:p>
           <a:p>
@@ -19762,10 +19801,22 @@
           <a:p>
             <a:r>
               <a:rPr lang="pt-BR" dirty="0"/>
-              <a:t>C++ é uma linguagem fortemente </a:t>
-            </a:r>
-            <a:r>
-              <a:rPr lang="pt-BR" dirty="0" err="1"/>
+              <a:t>C++ é uma linguagem </a:t>
+            </a:r>
+            <a:r>
+              <a:rPr lang="pt-BR" dirty="0">
+                <a:solidFill>
+                  <a:srgbClr val="00B0F0"/>
+                </a:solidFill>
+              </a:rPr>
+              <a:t>fortemente </a:t>
+            </a:r>
+            <a:r>
+              <a:rPr lang="pt-BR" dirty="0" err="1">
+                <a:solidFill>
+                  <a:srgbClr val="00B0F0"/>
+                </a:solidFill>
+              </a:rPr>
               <a:t>tipada</a:t>
             </a:r>
             <a:r>
@@ -19865,7 +19916,7 @@
               <a:t>Nesse exemplo, a variável numero é do tipo </a:t>
             </a:r>
             <a:r>
-              <a:rPr lang="pt-BR" dirty="0" err="1"/>
+              <a:rPr lang="pt-BR" i="1" dirty="0" err="1"/>
               <a:t>int</a:t>
             </a:r>
             <a:r>
@@ -19873,7 +19924,7 @@
               <a:t> e a variável resultado é do tipo </a:t>
             </a:r>
             <a:r>
-              <a:rPr lang="pt-BR" dirty="0" err="1"/>
+              <a:rPr lang="pt-BR" i="1" dirty="0" err="1"/>
               <a:t>double</a:t>
             </a:r>
             <a:r>
@@ -19881,7 +19932,7 @@
               <a:t>. Durante a compilação, o compilador verifica a compatibilidade dos tipos e realiza a conversão implícita do resultado da divisão para o tipo </a:t>
             </a:r>
             <a:r>
-              <a:rPr lang="pt-BR" dirty="0" err="1"/>
+              <a:rPr lang="pt-BR" i="1" dirty="0" err="1"/>
               <a:t>double</a:t>
             </a:r>
             <a:r>
@@ -20017,7 +20068,7 @@
               <a:t>Nesse exemplo, um ponteiro </a:t>
             </a:r>
             <a:r>
-              <a:rPr lang="pt-BR" dirty="0" err="1"/>
+              <a:rPr lang="pt-BR" i="1" dirty="0" err="1"/>
               <a:t>ponteiroInteiro</a:t>
             </a:r>
             <a:r>
@@ -20025,7 +20076,7 @@
               <a:t> é criado para armazenar um valor inteiro. Em seguida, um ponteiro </a:t>
             </a:r>
             <a:r>
-              <a:rPr lang="pt-BR" dirty="0" err="1"/>
+              <a:rPr lang="pt-BR" i="1" dirty="0" err="1"/>
               <a:t>ponteiroFloat</a:t>
             </a:r>
             <a:r>
@@ -20033,15 +20084,19 @@
               <a:t> é criado e usa a operação </a:t>
             </a:r>
             <a:r>
-              <a:rPr lang="pt-BR" dirty="0" err="1"/>
+              <a:rPr lang="pt-BR" i="1" dirty="0" err="1"/>
               <a:t>reinterpret_cast</a:t>
             </a:r>
             <a:r>
+              <a:rPr lang="pt-BR" i="1" dirty="0"/>
+              <a:t> </a:t>
+            </a:r>
+            <a:r>
               <a:rPr lang="pt-BR" dirty="0"/>
-              <a:t> para realizar uma conversão de tipo dinâmica, reinterpretando o ponteiro </a:t>
-            </a:r>
-            <a:r>
-              <a:rPr lang="pt-BR" dirty="0" err="1"/>
+              <a:t>para realizar uma conversão de tipo dinâmica, reinterpretando o ponteiro </a:t>
+            </a:r>
+            <a:r>
+              <a:rPr lang="pt-BR" i="1" dirty="0" err="1"/>
               <a:t>ponteiroInteiro</a:t>
             </a:r>
             <a:r>
@@ -20049,7 +20104,7 @@
               <a:t> como um ponteiro para </a:t>
             </a:r>
             <a:r>
-              <a:rPr lang="pt-BR" dirty="0" err="1"/>
+              <a:rPr lang="pt-BR" i="1" dirty="0" err="1"/>
               <a:t>float</a:t>
             </a:r>
             <a:r>
@@ -20057,7 +20112,7 @@
               <a:t>. Essa é uma vinculação de tipos dinâmica, pois ocorre em tempo de execução através do uso explícito de </a:t>
             </a:r>
             <a:r>
-              <a:rPr lang="pt-BR" dirty="0" err="1"/>
+              <a:rPr lang="pt-BR" i="1" dirty="0" err="1"/>
               <a:t>reinterpret_cast</a:t>
             </a:r>
             <a:r>
@@ -20195,7 +20250,11 @@
           </a:p>
           <a:p>
             <a:r>
-              <a:rPr lang="pt-BR" dirty="0" err="1"/>
+              <a:rPr lang="pt-BR" i="1" dirty="0" err="1">
+                <a:solidFill>
+                  <a:srgbClr val="00B0F0"/>
+                </a:solidFill>
+              </a:rPr>
               <a:t>int</a:t>
             </a:r>
             <a:r>
@@ -20205,7 +20264,11 @@
           </a:p>
           <a:p>
             <a:r>
-              <a:rPr lang="pt-BR" dirty="0" err="1"/>
+              <a:rPr lang="pt-BR" i="1" dirty="0" err="1">
+                <a:solidFill>
+                  <a:srgbClr val="00B0F0"/>
+                </a:solidFill>
+              </a:rPr>
               <a:t>float</a:t>
             </a:r>
             <a:r>
@@ -20215,7 +20278,11 @@
           </a:p>
           <a:p>
             <a:r>
-              <a:rPr lang="pt-BR" dirty="0" err="1"/>
+              <a:rPr lang="pt-BR" i="1" dirty="0" err="1">
+                <a:solidFill>
+                  <a:srgbClr val="00B0F0"/>
+                </a:solidFill>
+              </a:rPr>
               <a:t>double</a:t>
             </a:r>
             <a:r>
@@ -20225,13 +20292,25 @@
           </a:p>
           <a:p>
             <a:r>
+              <a:rPr lang="pt-BR" i="1" dirty="0">
+                <a:solidFill>
+                  <a:srgbClr val="00B0F0"/>
+                </a:solidFill>
+              </a:rPr>
+              <a:t>char</a:t>
+            </a:r>
+            <a:r>
               <a:rPr lang="pt-BR" dirty="0"/>
-              <a:t>char: utilizado para representar caracteres individuais.</a:t>
+              <a:t>: utilizado para representar caracteres individuais.</a:t>
             </a:r>
           </a:p>
           <a:p>
             <a:r>
-              <a:rPr lang="pt-BR" dirty="0" err="1"/>
+              <a:rPr lang="pt-BR" i="1" dirty="0" err="1">
+                <a:solidFill>
+                  <a:srgbClr val="00B0F0"/>
+                </a:solidFill>
+              </a:rPr>
               <a:t>bool</a:t>
             </a:r>
             <a:r>
@@ -20464,7 +20543,11 @@
           </a:p>
           <a:p>
             <a:r>
-              <a:rPr lang="pt-BR" dirty="0" err="1"/>
+              <a:rPr lang="pt-BR" i="1" dirty="0" err="1">
+                <a:solidFill>
+                  <a:srgbClr val="00B0F0"/>
+                </a:solidFill>
+              </a:rPr>
               <a:t>Arrays</a:t>
             </a:r>
             <a:r>
@@ -20474,7 +20557,11 @@
           </a:p>
           <a:p>
             <a:r>
-              <a:rPr lang="pt-BR" dirty="0" err="1"/>
+              <a:rPr lang="pt-BR" i="1" dirty="0" err="1">
+                <a:solidFill>
+                  <a:srgbClr val="00B0F0"/>
+                </a:solidFill>
+              </a:rPr>
               <a:t>Structs</a:t>
             </a:r>
             <a:r>
@@ -20484,11 +20571,19 @@
           </a:p>
           <a:p>
             <a:r>
+              <a:rPr lang="pt-BR" i="1" dirty="0">
+                <a:solidFill>
+                  <a:srgbClr val="00B0F0"/>
+                </a:solidFill>
+              </a:rPr>
+              <a:t>Classes</a:t>
+            </a:r>
+            <a:r>
               <a:rPr lang="pt-BR" dirty="0"/>
-              <a:t>Classes: semelhante a </a:t>
-            </a:r>
-            <a:r>
-              <a:rPr lang="pt-BR" dirty="0" err="1"/>
+              <a:t>: semelhante a </a:t>
+            </a:r>
+            <a:r>
+              <a:rPr lang="pt-BR" i="1" dirty="0" err="1"/>
               <a:t>structs</a:t>
             </a:r>
             <a:r>
@@ -20788,28 +20883,46 @@
               <a:t>Em C++, as </a:t>
             </a:r>
             <a:r>
+              <a:rPr lang="pt-BR" dirty="0" err="1">
+                <a:solidFill>
+                  <a:srgbClr val="00B0F0"/>
+                </a:solidFill>
+              </a:rPr>
+              <a:t>strings</a:t>
+            </a:r>
+            <a:r>
+              <a:rPr lang="pt-BR" dirty="0"/>
+              <a:t> são tratadas como objetos da classe </a:t>
+            </a:r>
+            <a:r>
+              <a:rPr lang="pt-BR" i="1" dirty="0" err="1"/>
+              <a:t>std</a:t>
+            </a:r>
+            <a:r>
+              <a:rPr lang="pt-BR" i="1" dirty="0"/>
+              <a:t>::</a:t>
+            </a:r>
+            <a:r>
+              <a:rPr lang="pt-BR" i="1" dirty="0" err="1"/>
+              <a:t>string</a:t>
+            </a:r>
+            <a:r>
+              <a:rPr lang="pt-BR" dirty="0"/>
+              <a:t> da biblioteca padrão. Essa classe fornece uma ampla gama de funcionalidades para manipulação e processamento de </a:t>
+            </a:r>
+            <a:r>
               <a:rPr lang="pt-BR" dirty="0" err="1"/>
               <a:t>strings</a:t>
             </a:r>
             <a:r>
               <a:rPr lang="pt-BR" dirty="0"/>
-              <a:t> são tratadas como objetos da classe </a:t>
-            </a:r>
-            <a:r>
-              <a:rPr lang="pt-BR" dirty="0" err="1"/>
-              <a:t>std</a:t>
-            </a:r>
+              <a:t>.</a:t>
+            </a:r>
+          </a:p>
+          <a:p>
             <a:r>
               <a:rPr lang="pt-BR" dirty="0"/>
-              <a:t>::</a:t>
-            </a:r>
-            <a:r>
-              <a:rPr lang="pt-BR" dirty="0" err="1"/>
-              <a:t>string</a:t>
-            </a:r>
-            <a:r>
-              <a:rPr lang="pt-BR" dirty="0"/>
-              <a:t> da biblioteca padrão. Essa classe fornece uma ampla gama de funcionalidades para manipulação e processamento de </a:t>
+              <a:t>Ao lado temos o exemplo de um programa que mostra a declaração e atribuição de </a:t>
             </a:r>
             <a:r>
               <a:rPr lang="pt-BR" dirty="0" err="1"/>
@@ -20817,19 +20930,8 @@
             </a:r>
             <a:r>
               <a:rPr lang="pt-BR" dirty="0"/>
-              <a:t>.</a:t>
-            </a:r>
-          </a:p>
-          <a:p>
-            <a:r>
-              <a:rPr lang="pt-BR" dirty="0"/>
-              <a:t>Ao lado temos o exemplo de um programa que mostra a declaração e atribuição de </a:t>
-            </a:r>
-            <a:r>
-              <a:rPr lang="pt-BR" dirty="0" err="1"/>
-              <a:t>strings</a:t>
-            </a:r>
-            <a:endParaRPr lang="pt-BR" dirty="0"/>
+              <a:t>:</a:t>
+            </a:r>
           </a:p>
         </p:txBody>
       </p:sp>
@@ -21226,20 +21328,40 @@
               <a:t>A linguagem de programação C++ é uma extensão da linguagem C e foi criada por </a:t>
             </a:r>
             <a:r>
-              <a:rPr lang="pt-BR" dirty="0" err="1"/>
+              <a:rPr lang="pt-BR" dirty="0" err="1">
+                <a:solidFill>
+                  <a:srgbClr val="00B0F0"/>
+                </a:solidFill>
+              </a:rPr>
               <a:t>Bjarne</a:t>
             </a:r>
             <a:r>
+              <a:rPr lang="pt-BR" dirty="0">
+                <a:solidFill>
+                  <a:srgbClr val="00B0F0"/>
+                </a:solidFill>
+              </a:rPr>
+              <a:t> </a:t>
+            </a:r>
+            <a:r>
+              <a:rPr lang="pt-BR" dirty="0" err="1">
+                <a:solidFill>
+                  <a:srgbClr val="00B0F0"/>
+                </a:solidFill>
+              </a:rPr>
+              <a:t>Stroustrup</a:t>
+            </a:r>
+            <a:r>
+              <a:rPr lang="pt-BR" dirty="0">
+                <a:solidFill>
+                  <a:srgbClr val="00B0F0"/>
+                </a:solidFill>
+              </a:rPr>
+              <a:t> </a:t>
+            </a:r>
+            <a:r>
               <a:rPr lang="pt-BR" dirty="0"/>
-              <a:t> </a:t>
-            </a:r>
-            <a:r>
-              <a:rPr lang="pt-BR" dirty="0" err="1"/>
-              <a:t>Stroustrup</a:t>
-            </a:r>
-            <a:r>
-              <a:rPr lang="pt-BR" dirty="0"/>
-              <a:t> em 1983. </a:t>
+              <a:t>em 1983. </a:t>
             </a:r>
             <a:r>
               <a:rPr lang="pt-BR" dirty="0" err="1"/>
@@ -21437,7 +21559,11 @@
               <a:t>A linguagem C++ suporta variáveis estáticas. Variáveis estáticas são declaradas usando a palavra-chave </a:t>
             </a:r>
             <a:r>
-              <a:rPr lang="pt-BR" dirty="0" err="1"/>
+              <a:rPr lang="pt-BR" i="1" dirty="0" err="1">
+                <a:solidFill>
+                  <a:srgbClr val="00B0F0"/>
+                </a:solidFill>
+              </a:rPr>
               <a:t>static</a:t>
             </a:r>
             <a:r>
@@ -21570,28 +21696,52 @@
           <a:p>
             <a:r>
               <a:rPr lang="pt-BR" dirty="0"/>
-              <a:t>Em C++, variáveis globais são declaradas fora de qualquer função ou bloco de código e podem ser acessadas por todo o programa.</a:t>
+              <a:t>Em C++, variáveis </a:t>
+            </a:r>
+            <a:r>
+              <a:rPr lang="pt-BR" dirty="0">
+                <a:solidFill>
+                  <a:srgbClr val="00B0F0"/>
+                </a:solidFill>
+              </a:rPr>
+              <a:t>globais</a:t>
+            </a:r>
+            <a:r>
+              <a:rPr lang="pt-BR" dirty="0"/>
+              <a:t> são declaradas fora de qualquer função ou bloco de código e podem ser acessadas por todo o programa.</a:t>
             </a:r>
           </a:p>
           <a:p>
             <a:r>
               <a:rPr lang="pt-BR" dirty="0"/>
-              <a:t>Nesse exemplo, a variável numero é uma variável global, declarada fora de qualquer função. Ela pode ser acessada tanto pela função </a:t>
-            </a:r>
-            <a:r>
-              <a:rPr lang="pt-BR" dirty="0" err="1"/>
+              <a:t>Nesse exemplo, a variável </a:t>
+            </a:r>
+            <a:r>
+              <a:rPr lang="pt-BR" i="1" dirty="0"/>
+              <a:t>numero</a:t>
+            </a:r>
+            <a:r>
+              <a:rPr lang="pt-BR" dirty="0"/>
+              <a:t> é uma variável global, declarada fora de qualquer função. Ela pode ser acessada tanto pela função </a:t>
+            </a:r>
+            <a:r>
+              <a:rPr lang="pt-BR" i="1" dirty="0" err="1"/>
               <a:t>main</a:t>
             </a:r>
             <a:r>
+              <a:rPr lang="pt-BR" i="1" dirty="0"/>
+              <a:t>() </a:t>
+            </a:r>
+            <a:r>
               <a:rPr lang="pt-BR" dirty="0"/>
-              <a:t>() quanto pela função </a:t>
-            </a:r>
-            <a:r>
-              <a:rPr lang="pt-BR" dirty="0" err="1"/>
+              <a:t>quanto pela função </a:t>
+            </a:r>
+            <a:r>
+              <a:rPr lang="pt-BR" i="1" dirty="0" err="1"/>
               <a:t>exibirNumero</a:t>
             </a:r>
             <a:r>
-              <a:rPr lang="pt-BR" dirty="0"/>
+              <a:rPr lang="pt-BR" i="1" dirty="0"/>
               <a:t>().</a:t>
             </a:r>
           </a:p>
@@ -21720,7 +21870,31 @@
           <a:p>
             <a:r>
               <a:rPr lang="pt-BR" dirty="0"/>
-              <a:t>A linguagem C++ utiliza escopo estático e dinâmico. As variáveis locais têm escopo estático, o que significa que elas são visíveis apenas dentro do bloco onde são declaradas. </a:t>
+              <a:t>A linguagem C++ utiliza escopo </a:t>
+            </a:r>
+            <a:r>
+              <a:rPr lang="pt-BR" dirty="0">
+                <a:solidFill>
+                  <a:srgbClr val="00B0F0"/>
+                </a:solidFill>
+              </a:rPr>
+              <a:t>estático</a:t>
+            </a:r>
+            <a:r>
+              <a:rPr lang="pt-BR" dirty="0"/>
+              <a:t> e </a:t>
+            </a:r>
+            <a:r>
+              <a:rPr lang="pt-BR" dirty="0">
+                <a:solidFill>
+                  <a:srgbClr val="00B0F0"/>
+                </a:solidFill>
+              </a:rPr>
+              <a:t>dinâmico</a:t>
+            </a:r>
+            <a:r>
+              <a:rPr lang="pt-BR" dirty="0"/>
+              <a:t>. As variáveis locais têm escopo estático, o que significa que elas são visíveis apenas dentro do bloco onde são declaradas. </a:t>
             </a:r>
           </a:p>
           <a:p>
@@ -21729,7 +21903,7 @@
               <a:t>Nesse exemplo, a variável </a:t>
             </a:r>
             <a:r>
-              <a:rPr lang="pt-BR" dirty="0" err="1"/>
+              <a:rPr lang="pt-BR" i="1" dirty="0" err="1"/>
               <a:t>variavelLocal</a:t>
             </a:r>
             <a:r>
@@ -21737,20 +21911,28 @@
               <a:t> é uma variável local dentro da função </a:t>
             </a:r>
             <a:r>
-              <a:rPr lang="pt-BR" dirty="0" err="1"/>
+              <a:rPr lang="pt-BR" i="1" dirty="0" err="1"/>
               <a:t>funcaoExemplo</a:t>
             </a:r>
             <a:r>
+              <a:rPr lang="pt-BR" i="1" dirty="0"/>
+              <a:t>()</a:t>
+            </a:r>
+            <a:r>
               <a:rPr lang="pt-BR" dirty="0"/>
-              <a:t>(). Ela não é visível fora dessa função, como demonstrado pelo erro ao tentar imprimi-la na função </a:t>
-            </a:r>
-            <a:r>
-              <a:rPr lang="pt-BR" dirty="0" err="1"/>
+              <a:t>. Ela não é visível fora dessa função, como demonstrado pelo erro ao tentar imprimi-la na função </a:t>
+            </a:r>
+            <a:r>
+              <a:rPr lang="pt-BR" i="1" dirty="0" err="1"/>
               <a:t>main</a:t>
             </a:r>
             <a:r>
+              <a:rPr lang="pt-BR" i="1" dirty="0"/>
+              <a:t>()</a:t>
+            </a:r>
+            <a:r>
               <a:rPr lang="pt-BR" dirty="0"/>
-              <a:t>().</a:t>
+              <a:t>.</a:t>
             </a:r>
           </a:p>
         </p:txBody>
@@ -21881,7 +22063,11 @@
               <a:t>Em relação à alocação de variáveis na memória, em C++ as variáveis locais são alocadas na pilha (</a:t>
             </a:r>
             <a:r>
-              <a:rPr lang="pt-BR" dirty="0" err="1"/>
+              <a:rPr lang="pt-BR" dirty="0" err="1">
+                <a:solidFill>
+                  <a:srgbClr val="00B0F0"/>
+                </a:solidFill>
+              </a:rPr>
               <a:t>stack</a:t>
             </a:r>
             <a:r>
@@ -21889,12 +22075,41 @@
               <a:t>), enquanto a alocação dinâmica é realizada no </a:t>
             </a:r>
             <a:r>
-              <a:rPr lang="pt-BR" dirty="0" err="1"/>
+              <a:rPr lang="pt-BR" dirty="0" err="1">
+                <a:solidFill>
+                  <a:srgbClr val="00B0F0"/>
+                </a:solidFill>
+              </a:rPr>
               <a:t>heap</a:t>
             </a:r>
             <a:r>
               <a:rPr lang="pt-BR" dirty="0"/>
-              <a:t>. Variáveis locais são alocadas automaticamente quando a função em que são declaradas é chamada, e são desalocadas automaticamente quando a função retorna. Já a alocação dinâmica é realizada usando operadores new e delete para criar e destruir objetos no </a:t>
+              <a:t>.</a:t>
+            </a:r>
+          </a:p>
+          <a:p>
+            <a:endParaRPr lang="pt-BR" dirty="0"/>
+          </a:p>
+          <a:p>
+            <a:r>
+              <a:rPr lang="pt-BR" dirty="0"/>
+              <a:t>Variáveis locais são alocadas automaticamente quando a função em que são declaradas é chamada, e são desalocadas automaticamente quando a função retorna. Já a alocação dinâmica é realizada usando operadores </a:t>
+            </a:r>
+            <a:r>
+              <a:rPr lang="pt-BR" i="1" dirty="0"/>
+              <a:t>new</a:t>
+            </a:r>
+            <a:r>
+              <a:rPr lang="pt-BR" dirty="0"/>
+              <a:t> e </a:t>
+            </a:r>
+            <a:r>
+              <a:rPr lang="pt-BR" i="1" dirty="0"/>
+              <a:t>delete</a:t>
+            </a:r>
+            <a:r>
+              <a:rPr lang="pt-BR" dirty="0"/>
+              <a:t> para criar e destruir objetos no </a:t>
             </a:r>
             <a:r>
               <a:rPr lang="pt-BR" dirty="0" err="1"/>
@@ -21997,7 +22212,7 @@
               <a:t>Nesse exemplo, a variável </a:t>
             </a:r>
             <a:r>
-              <a:rPr lang="pt-BR" dirty="0" err="1"/>
+              <a:rPr lang="pt-BR" i="1" dirty="0" err="1"/>
               <a:t>variavelLocal</a:t>
             </a:r>
             <a:r>
@@ -22005,12 +22220,16 @@
               <a:t> é uma variável local alocada na pilha. Ela é automaticamente desalocada quando a função </a:t>
             </a:r>
             <a:r>
-              <a:rPr lang="pt-BR" dirty="0" err="1"/>
+              <a:rPr lang="pt-BR" i="1" dirty="0" err="1"/>
               <a:t>main</a:t>
             </a:r>
             <a:r>
+              <a:rPr lang="pt-BR" i="1" dirty="0"/>
+              <a:t>() </a:t>
+            </a:r>
+            <a:r>
               <a:rPr lang="pt-BR" dirty="0"/>
-              <a:t>() termina sua execução.</a:t>
+              <a:t>termina sua execução.</a:t>
             </a:r>
           </a:p>
           <a:p>
@@ -22022,12 +22241,20 @@
               <a:t>A variável </a:t>
             </a:r>
             <a:r>
-              <a:rPr lang="pt-BR" dirty="0" err="1"/>
+              <a:rPr lang="pt-BR" i="1" dirty="0" err="1"/>
               <a:t>ponteiroInteiro</a:t>
             </a:r>
             <a:r>
               <a:rPr lang="pt-BR" dirty="0"/>
-              <a:t> é um ponteiro para um inteiro, e a alocação dinâmica é realizada usando o operador new. O valor 5 é atribuído ao local de memória alocado no </a:t>
+              <a:t> é um ponteiro para um inteiro, e a alocação dinâmica é realizada usando o operador </a:t>
+            </a:r>
+            <a:r>
+              <a:rPr lang="pt-BR" i="1" dirty="0"/>
+              <a:t>new</a:t>
+            </a:r>
+            <a:r>
+              <a:rPr lang="pt-BR" dirty="0"/>
+              <a:t>. O valor 5 é atribuído ao local de memória alocado no </a:t>
             </a:r>
             <a:r>
               <a:rPr lang="pt-BR" dirty="0" err="1"/>
@@ -22052,7 +22279,15 @@
             </a:r>
             <a:r>
               <a:rPr lang="pt-BR" dirty="0"/>
-              <a:t>, é necessário liberar a memória usando o operador delete. Isso desaloca o espaço no </a:t>
+              <a:t>, é necessário liberar a memória usando o operador </a:t>
+            </a:r>
+            <a:r>
+              <a:rPr lang="pt-BR" i="1" dirty="0"/>
+              <a:t>delete</a:t>
+            </a:r>
+            <a:r>
+              <a:rPr lang="pt-BR" dirty="0"/>
+              <a:t>. Isso desaloca o espaço no </a:t>
             </a:r>
             <a:r>
               <a:rPr lang="pt-BR" dirty="0" err="1"/>
@@ -22188,7 +22423,31 @@
           <a:p>
             <a:r>
               <a:rPr lang="pt-BR" dirty="0"/>
-              <a:t>A linguagem C++ suporta tanto a passagem de parâmetros por valor quanto por referência. A passagem por valor faz uma cópia do valor do argumento, enquanto a passagem por referência permite manipular diretamente o valor original do argumento. </a:t>
+              <a:t>A linguagem C++ suporta tanto a passagem de parâmetros por </a:t>
+            </a:r>
+            <a:r>
+              <a:rPr lang="pt-BR" dirty="0">
+                <a:solidFill>
+                  <a:srgbClr val="00B0F0"/>
+                </a:solidFill>
+              </a:rPr>
+              <a:t>valor</a:t>
+            </a:r>
+            <a:r>
+              <a:rPr lang="pt-BR" dirty="0"/>
+              <a:t> quanto por </a:t>
+            </a:r>
+            <a:r>
+              <a:rPr lang="pt-BR" dirty="0">
+                <a:solidFill>
+                  <a:srgbClr val="00B0F0"/>
+                </a:solidFill>
+              </a:rPr>
+              <a:t>referência</a:t>
+            </a:r>
+            <a:r>
+              <a:rPr lang="pt-BR" dirty="0"/>
+              <a:t>. A passagem por valor faz uma cópia do valor do argumento, enquanto a passagem por referência permite manipular diretamente o valor original do argumento. </a:t>
             </a:r>
           </a:p>
           <a:p>
@@ -22203,12 +22462,16 @@
               <a:t>No exemplo seguinte, a função </a:t>
             </a:r>
             <a:r>
-              <a:rPr lang="pt-BR" dirty="0" err="1"/>
+              <a:rPr lang="pt-BR" i="1" dirty="0" err="1"/>
               <a:t>alterarValorPorValor</a:t>
             </a:r>
             <a:r>
+              <a:rPr lang="pt-BR" i="1" dirty="0"/>
+              <a:t>()</a:t>
+            </a:r>
+            <a:r>
               <a:rPr lang="pt-BR" dirty="0"/>
-              <a:t>() recebe um valor inteiro por valor. Qualquer modificação realizada dentro da função afeta apenas a cópia local do valor, não afetando a variável original.</a:t>
+              <a:t> recebe um valor inteiro por valor. Qualquer modificação realizada dentro da função afeta apenas a cópia local do valor, não afetando a variável original.</a:t>
             </a:r>
           </a:p>
           <a:p>
@@ -22220,12 +22483,24 @@
               <a:t>A função </a:t>
             </a:r>
             <a:r>
-              <a:rPr lang="pt-BR" dirty="0" err="1"/>
+              <a:rPr lang="pt-BR" i="1" dirty="0" err="1"/>
               <a:t>alterarValorPorReferencia</a:t>
             </a:r>
             <a:r>
+              <a:rPr lang="pt-BR" i="1" dirty="0"/>
+              <a:t>() </a:t>
+            </a:r>
+            <a:r>
               <a:rPr lang="pt-BR" dirty="0"/>
-              <a:t>() recebe o valor por referência, indicado pelo &amp; antes do parâmetro. Isso permite que a função modifique diretamente o valor original da variável.</a:t>
+              <a:t>recebe o valor por referência, indicado pelo </a:t>
+            </a:r>
+            <a:r>
+              <a:rPr lang="pt-BR" i="1" dirty="0"/>
+              <a:t>&amp;</a:t>
+            </a:r>
+            <a:r>
+              <a:rPr lang="pt-BR" dirty="0"/>
+              <a:t> antes do parâmetro. Isso permite que a função modifique diretamente o valor original da variável.</a:t>
             </a:r>
           </a:p>
         </p:txBody>
@@ -22555,7 +22830,31 @@
           <a:p>
             <a:r>
               <a:rPr lang="pt-BR" dirty="0"/>
-              <a:t>A linguagem C++ suporta tanto ponteiros quanto variáveis de referência. Os ponteiros permitem o acesso direto e manipulação de endereços de memória, enquanto as variáveis de referência fornecem um nome alternativo para uma variável existente.</a:t>
+              <a:t>A linguagem C++ suporta tanto </a:t>
+            </a:r>
+            <a:r>
+              <a:rPr lang="pt-BR" dirty="0">
+                <a:solidFill>
+                  <a:srgbClr val="00B0F0"/>
+                </a:solidFill>
+              </a:rPr>
+              <a:t>ponteiros</a:t>
+            </a:r>
+            <a:r>
+              <a:rPr lang="pt-BR" dirty="0"/>
+              <a:t> quanto </a:t>
+            </a:r>
+            <a:r>
+              <a:rPr lang="pt-BR" dirty="0">
+                <a:solidFill>
+                  <a:srgbClr val="00B0F0"/>
+                </a:solidFill>
+              </a:rPr>
+              <a:t>variáveis de referência</a:t>
+            </a:r>
+            <a:r>
+              <a:rPr lang="pt-BR" dirty="0"/>
+              <a:t>. Os ponteiros permitem o acesso direto e manipulação de endereços de memória, enquanto as variáveis de referência fornecem um nome alternativo para uma variável existente.</a:t>
             </a:r>
           </a:p>
           <a:p>
@@ -23056,7 +23355,19 @@
           <a:p>
             <a:r>
               <a:rPr lang="pt-BR" dirty="0"/>
-              <a:t>O paradigma principal do C++ é a programação orientada a objetos (POO). Isso significa que a linguagem suporta conceitos como encapsulamento, herança e polimorfismo, permitindo que os desenvolvedores criem estruturas de dados complexas e organizem seu código de forma modular. No entanto, o C++ também suporta programação procedural, onde é possível escrever código sem a utilização de objetos.</a:t>
+              <a:t>O paradigma principal do C++ é a </a:t>
+            </a:r>
+            <a:r>
+              <a:rPr lang="pt-BR" dirty="0">
+                <a:solidFill>
+                  <a:srgbClr val="00B0F0"/>
+                </a:solidFill>
+              </a:rPr>
+              <a:t>programação orientada a objetos </a:t>
+            </a:r>
+            <a:r>
+              <a:rPr lang="pt-BR" dirty="0"/>
+              <a:t>(POO). Isso significa que a linguagem suporta conceitos como encapsulamento, herança e polimorfismo, permitindo que os desenvolvedores criem estruturas de dados complexas e organizem seu código de forma modular. No entanto, o C++ também suporta programação procedural, onde é possível escrever código sem a utilização de objetos.</a:t>
             </a:r>
           </a:p>
         </p:txBody>
@@ -23280,12 +23591,16 @@
               <a:t>No exemplo anterior, a função </a:t>
             </a:r>
             <a:r>
-              <a:rPr lang="pt-BR" dirty="0" err="1"/>
+              <a:rPr lang="pt-BR" i="1" dirty="0" err="1"/>
               <a:t>alterarValorPorPonteiro</a:t>
             </a:r>
             <a:r>
+              <a:rPr lang="pt-BR" i="1" dirty="0"/>
+              <a:t>() </a:t>
+            </a:r>
+            <a:r>
               <a:rPr lang="pt-BR" dirty="0"/>
-              <a:t>() recebe um ponteiro para um inteiro como parâmetro. Ao usar o operador de </a:t>
+              <a:t>recebe um ponteiro para um inteiro como parâmetro. Ao usar o operador de </a:t>
             </a:r>
             <a:r>
               <a:rPr lang="pt-BR" dirty="0" err="1"/>
@@ -23293,7 +23608,15 @@
             </a:r>
             <a:r>
               <a:rPr lang="pt-BR" dirty="0"/>
-              <a:t> *, podemos modificar o valor apontado pelo ponteiro.</a:t>
+              <a:t> </a:t>
+            </a:r>
+            <a:r>
+              <a:rPr lang="pt-BR" i="1" dirty="0"/>
+              <a:t>*</a:t>
+            </a:r>
+            <a:r>
+              <a:rPr lang="pt-BR" dirty="0"/>
+              <a:t>, podemos modificar o valor apontado pelo ponteiro.</a:t>
             </a:r>
           </a:p>
           <a:p>
@@ -23305,12 +23628,16 @@
               <a:t>A função </a:t>
             </a:r>
             <a:r>
-              <a:rPr lang="pt-BR" dirty="0" err="1"/>
+              <a:rPr lang="pt-BR" i="1" dirty="0" err="1"/>
               <a:t>alterarValorPorReferencia</a:t>
             </a:r>
             <a:r>
+              <a:rPr lang="pt-BR" i="1" dirty="0"/>
+              <a:t>() </a:t>
+            </a:r>
+            <a:r>
               <a:rPr lang="pt-BR" dirty="0"/>
-              <a:t>() recebe uma referência para um inteiro como parâmetro. Ao modificar o valor da referência, estamos modificando diretamente o valor original da variável.</a:t>
+              <a:t>recebe uma referência para um inteiro como parâmetro. Ao modificar o valor da referência, estamos modificando diretamente o valor original da variável.</a:t>
             </a:r>
           </a:p>
           <a:p>
@@ -23415,7 +23742,55 @@
           <a:p>
             <a:r>
               <a:rPr lang="pt-BR" dirty="0"/>
-              <a:t>Com a introdução do C++, a orientação a objetos foi incorporada como um recurso nativo. O C++ adicionou classes e outros recursos, como herança, polimorfismo e encapsulamento, que facilitaram a implementação de programas orientados a objetos.</a:t>
+              <a:t>Com a introdução do C++, a orientação a objetos foi incorporada como um recurso nativo. O C++ adicionou </a:t>
+            </a:r>
+            <a:r>
+              <a:rPr lang="pt-BR" dirty="0">
+                <a:solidFill>
+                  <a:srgbClr val="00B0F0"/>
+                </a:solidFill>
+              </a:rPr>
+              <a:t>classes</a:t>
+            </a:r>
+            <a:r>
+              <a:rPr lang="pt-BR" dirty="0"/>
+              <a:t> e outros recursos, como </a:t>
+            </a:r>
+            <a:r>
+              <a:rPr lang="pt-BR" dirty="0">
+                <a:solidFill>
+                  <a:srgbClr val="00B0F0"/>
+                </a:solidFill>
+              </a:rPr>
+              <a:t>herança</a:t>
+            </a:r>
+            <a:r>
+              <a:rPr lang="pt-BR" dirty="0"/>
+              <a:t>, </a:t>
+            </a:r>
+            <a:r>
+              <a:rPr lang="pt-BR" dirty="0">
+                <a:solidFill>
+                  <a:srgbClr val="00B0F0"/>
+                </a:solidFill>
+              </a:rPr>
+              <a:t>polimorfismo</a:t>
+            </a:r>
+            <a:r>
+              <a:rPr lang="pt-BR" dirty="0"/>
+              <a:t> e </a:t>
+            </a:r>
+            <a:r>
+              <a:rPr lang="pt-BR" dirty="0">
+                <a:solidFill>
+                  <a:srgbClr val="00B0F0"/>
+                </a:solidFill>
+              </a:rPr>
+              <a:t>encapsulamento</a:t>
+            </a:r>
+            <a:r>
+              <a:rPr lang="pt-BR" dirty="0"/>
+              <a:t>, que facilitaram a implementação de programas orientados a objetos.</a:t>
             </a:r>
           </a:p>
         </p:txBody>
@@ -23510,20 +23885,40 @@
               <a:t>Nesse exemplo, temos uma classe chamada </a:t>
             </a:r>
             <a:r>
-              <a:rPr lang="pt-BR" dirty="0" err="1"/>
+              <a:rPr lang="pt-BR" i="1" dirty="0" err="1"/>
               <a:t>Retangulo</a:t>
             </a:r>
             <a:r>
               <a:rPr lang="pt-BR" dirty="0"/>
-              <a:t> que possui os atributos comprimento e largura. Ela também possui um construtor que inicializa esses atributos e um método </a:t>
-            </a:r>
-            <a:r>
-              <a:rPr lang="pt-BR" dirty="0" err="1"/>
+              <a:t> que possui os atributos </a:t>
+            </a:r>
+            <a:r>
+              <a:rPr lang="pt-BR" i="1" dirty="0"/>
+              <a:t>comprimento</a:t>
+            </a:r>
+            <a:r>
+              <a:rPr lang="pt-BR" dirty="0"/>
+              <a:t> e </a:t>
+            </a:r>
+            <a:r>
+              <a:rPr lang="pt-BR" i="1" dirty="0"/>
+              <a:t>largura</a:t>
+            </a:r>
+            <a:r>
+              <a:rPr lang="pt-BR" dirty="0"/>
+              <a:t>. Ela também possui um construtor que inicializa esses atributos e um método </a:t>
+            </a:r>
+            <a:r>
+              <a:rPr lang="pt-BR" i="1" dirty="0" err="1"/>
               <a:t>calcularArea</a:t>
             </a:r>
             <a:r>
+              <a:rPr lang="pt-BR" i="1" dirty="0"/>
+              <a:t>() </a:t>
+            </a:r>
+            <a:r>
               <a:rPr lang="pt-BR" dirty="0"/>
-              <a:t>() que retorna a área do retângulo.</a:t>
+              <a:t>que retorna a área do retângulo.</a:t>
             </a:r>
           </a:p>
           <a:p>
@@ -23535,15 +23930,19 @@
               <a:t>No </a:t>
             </a:r>
             <a:r>
-              <a:rPr lang="pt-BR" dirty="0" err="1"/>
+              <a:rPr lang="pt-BR" i="1" dirty="0" err="1"/>
               <a:t>main</a:t>
             </a:r>
             <a:r>
+              <a:rPr lang="pt-BR" i="1" dirty="0"/>
+              <a:t>()</a:t>
+            </a:r>
+            <a:r>
               <a:rPr lang="pt-BR" dirty="0"/>
-              <a:t>(), criamos um objeto </a:t>
-            </a:r>
-            <a:r>
-              <a:rPr lang="pt-BR" dirty="0" err="1"/>
+              <a:t>, criamos um objeto </a:t>
+            </a:r>
+            <a:r>
+              <a:rPr lang="pt-BR" i="1" dirty="0" err="1"/>
               <a:t>retangulo</a:t>
             </a:r>
             <a:r>
@@ -23551,7 +23950,7 @@
               <a:t> da classe </a:t>
             </a:r>
             <a:r>
-              <a:rPr lang="pt-BR" dirty="0" err="1"/>
+              <a:rPr lang="pt-BR" i="1" dirty="0" err="1"/>
               <a:t>Retangulo</a:t>
             </a:r>
             <a:r>
@@ -23559,12 +23958,16 @@
               <a:t> com um comprimento de 5.0 e largura de 3.0. Em seguida, chamamos o método </a:t>
             </a:r>
             <a:r>
-              <a:rPr lang="pt-BR" dirty="0" err="1"/>
+              <a:rPr lang="pt-BR" i="1" dirty="0" err="1"/>
               <a:t>calcularArea</a:t>
             </a:r>
             <a:r>
+              <a:rPr lang="pt-BR" i="1" dirty="0"/>
+              <a:t>()</a:t>
+            </a:r>
+            <a:r>
               <a:rPr lang="pt-BR" dirty="0"/>
-              <a:t>() do objeto para obter a área do retângulo.</a:t>
+              <a:t> do objeto para obter a área do retângulo.</a:t>
             </a:r>
           </a:p>
         </p:txBody>
@@ -23692,16 +24095,60 @@
           <a:p>
             <a:r>
               <a:rPr lang="pt-BR" sz="1400" dirty="0"/>
-              <a:t>A linguagem C++ permite controlar o acesso aos atributos e métodos de uma classe. Podemos especificar se um membro é público, privado ou protegido usando modificadores de acesso.</a:t>
+              <a:t>A linguagem C++ permite controlar o acesso aos atributos e métodos de uma classe. Podemos especificar se um membro é </a:t>
+            </a:r>
+            <a:r>
+              <a:rPr lang="pt-BR" sz="1400" dirty="0">
+                <a:solidFill>
+                  <a:srgbClr val="00B0F0"/>
+                </a:solidFill>
+              </a:rPr>
+              <a:t>público</a:t>
+            </a:r>
+            <a:r>
+              <a:rPr lang="pt-BR" sz="1400" dirty="0"/>
+              <a:t>, </a:t>
+            </a:r>
+            <a:r>
+              <a:rPr lang="pt-BR" sz="1400" dirty="0">
+                <a:solidFill>
+                  <a:srgbClr val="00B0F0"/>
+                </a:solidFill>
+              </a:rPr>
+              <a:t>privado</a:t>
+            </a:r>
+            <a:r>
+              <a:rPr lang="pt-BR" sz="1400" dirty="0"/>
+              <a:t> ou </a:t>
+            </a:r>
+            <a:r>
+              <a:rPr lang="pt-BR" sz="1400" dirty="0">
+                <a:solidFill>
+                  <a:srgbClr val="00B0F0"/>
+                </a:solidFill>
+              </a:rPr>
+              <a:t>protegido</a:t>
+            </a:r>
+            <a:r>
+              <a:rPr lang="pt-BR" sz="1400" dirty="0"/>
+              <a:t> usando modificadores de acesso.</a:t>
             </a:r>
           </a:p>
           <a:p>
             <a:r>
               <a:rPr lang="pt-BR" sz="1400" dirty="0"/>
-              <a:t>Nesse exemplo, a classe Exemplo possui um atributo </a:t>
-            </a:r>
-            <a:r>
-              <a:rPr lang="pt-BR" sz="1400" dirty="0" err="1"/>
+              <a:t>Nesse exemplo, a classe </a:t>
+            </a:r>
+            <a:r>
+              <a:rPr lang="pt-BR" sz="1400" i="1" dirty="0"/>
+              <a:t>Exemplo</a:t>
+            </a:r>
+            <a:r>
+              <a:rPr lang="pt-BR" sz="1400" dirty="0"/>
+              <a:t> possui um atributo </a:t>
+            </a:r>
+            <a:r>
+              <a:rPr lang="pt-BR" sz="1400" i="1" dirty="0" err="1"/>
               <a:t>atributoPrivado</a:t>
             </a:r>
             <a:r>
@@ -23709,7 +24156,7 @@
               <a:t> definido como privado, um atributo </a:t>
             </a:r>
             <a:r>
-              <a:rPr lang="pt-BR" sz="1400" dirty="0" err="1"/>
+              <a:rPr lang="pt-BR" sz="1400" i="1" dirty="0" err="1"/>
               <a:t>atributoPublico</a:t>
             </a:r>
             <a:r>
@@ -23717,7 +24164,7 @@
               <a:t> definido como público e um atributo </a:t>
             </a:r>
             <a:r>
-              <a:rPr lang="pt-BR" sz="1400" dirty="0" err="1"/>
+              <a:rPr lang="pt-BR" sz="1400" i="1" dirty="0" err="1"/>
               <a:t>atributoProtegido</a:t>
             </a:r>
             <a:r>
@@ -23731,20 +24178,32 @@
               <a:t>No </a:t>
             </a:r>
             <a:r>
-              <a:rPr lang="pt-BR" sz="1400" dirty="0" err="1"/>
+              <a:rPr lang="pt-BR" sz="1400" i="1" dirty="0" err="1"/>
               <a:t>main</a:t>
             </a:r>
             <a:r>
+              <a:rPr lang="pt-BR" sz="1400" i="1" dirty="0"/>
+              <a:t>()</a:t>
+            </a:r>
+            <a:r>
               <a:rPr lang="pt-BR" sz="1400" dirty="0"/>
-              <a:t>(), criamos um objeto </a:t>
-            </a:r>
-            <a:r>
-              <a:rPr lang="pt-BR" sz="1400" dirty="0" err="1"/>
+              <a:t>, criamos um objeto </a:t>
+            </a:r>
+            <a:r>
+              <a:rPr lang="pt-BR" sz="1400" i="1" dirty="0" err="1"/>
               <a:t>obj</a:t>
             </a:r>
             <a:r>
               <a:rPr lang="pt-BR" sz="1400" dirty="0"/>
-              <a:t> da classe Exemplo. Podemos acessar e modificar o atributo público diretamente, mas não podemos acessar o atributo privado ou protegido fora da classe.</a:t>
+              <a:t> da classe </a:t>
+            </a:r>
+            <a:r>
+              <a:rPr lang="pt-BR" sz="1400" i="1" dirty="0"/>
+              <a:t>Exemplo</a:t>
+            </a:r>
+            <a:r>
+              <a:rPr lang="pt-BR" sz="1400" dirty="0"/>
+              <a:t>. Podemos acessar e modificar o atributo público diretamente, mas não podemos acessar o atributo privado ou protegido fora da classe.</a:t>
             </a:r>
           </a:p>
         </p:txBody>
@@ -23872,7 +24331,19 @@
           <a:p>
             <a:r>
               <a:rPr lang="pt-BR" sz="1450" dirty="0"/>
-              <a:t>A linguagem C++ suporta herança de classes. Podemos criar classes derivadas que herdam os atributos e métodos de uma classe base.</a:t>
+              <a:t>A linguagem C++ suporta </a:t>
+            </a:r>
+            <a:r>
+              <a:rPr lang="pt-BR" sz="1450" dirty="0">
+                <a:solidFill>
+                  <a:srgbClr val="00B0F0"/>
+                </a:solidFill>
+              </a:rPr>
+              <a:t>herança de classes</a:t>
+            </a:r>
+            <a:r>
+              <a:rPr lang="pt-BR" sz="1450" dirty="0"/>
+              <a:t>. Podemos criar classes derivadas que herdam os atributos e métodos de uma classe base.</a:t>
             </a:r>
           </a:p>
           <a:p>
@@ -23884,23 +24355,55 @@
           <a:p>
             <a:r>
               <a:rPr lang="pt-BR" sz="1450" dirty="0"/>
-              <a:t>Nesse exemplo, temos uma classe base Animal que possui um método </a:t>
-            </a:r>
-            <a:r>
-              <a:rPr lang="pt-BR" sz="1450" dirty="0" err="1"/>
+              <a:t>Nesse exemplo, temos uma classe base </a:t>
+            </a:r>
+            <a:r>
+              <a:rPr lang="pt-BR" sz="1450" i="1" dirty="0"/>
+              <a:t>Animal</a:t>
+            </a:r>
+            <a:r>
+              <a:rPr lang="pt-BR" sz="1450" dirty="0"/>
+              <a:t> que possui um método </a:t>
+            </a:r>
+            <a:r>
+              <a:rPr lang="pt-BR" sz="1450" i="1" dirty="0" err="1"/>
               <a:t>emitirSom</a:t>
             </a:r>
             <a:r>
+              <a:rPr lang="pt-BR" sz="1450" i="1" dirty="0"/>
+              <a:t>()</a:t>
+            </a:r>
+            <a:r>
               <a:rPr lang="pt-BR" sz="1450" dirty="0"/>
-              <a:t>(). Em seguida, temos uma classe derivada Cachorro que herda de Animal e adiciona um método </a:t>
-            </a:r>
-            <a:r>
-              <a:rPr lang="pt-BR" sz="1450" dirty="0" err="1"/>
+              <a:t>. Em seguida, temos uma classe derivada </a:t>
+            </a:r>
+            <a:r>
+              <a:rPr lang="pt-BR" sz="1450" i="1" dirty="0"/>
+              <a:t>Cachorro</a:t>
+            </a:r>
+            <a:r>
+              <a:rPr lang="pt-BR" sz="1450" dirty="0"/>
+              <a:t> que herda de </a:t>
+            </a:r>
+            <a:r>
+              <a:rPr lang="pt-BR" sz="1450" i="1" dirty="0"/>
+              <a:t>Animal</a:t>
+            </a:r>
+            <a:r>
+              <a:rPr lang="pt-BR" sz="1450" dirty="0"/>
+              <a:t> e adiciona um método </a:t>
+            </a:r>
+            <a:r>
+              <a:rPr lang="pt-BR" sz="1450" i="1" dirty="0" err="1"/>
               <a:t>abanarRabo</a:t>
             </a:r>
             <a:r>
+              <a:rPr lang="pt-BR" sz="1450" i="1" dirty="0"/>
+              <a:t>()</a:t>
+            </a:r>
+            <a:r>
               <a:rPr lang="pt-BR" sz="1450" dirty="0"/>
-              <a:t>().</a:t>
+              <a:t>.</a:t>
             </a:r>
           </a:p>
           <a:p>
@@ -24034,7 +24537,19 @@
           <a:p>
             <a:r>
               <a:rPr lang="pt-BR" sz="1450" dirty="0"/>
-              <a:t>A linguagem C++ também suporta herança múltipla, onde uma classe pode herdar de múltiplas classes base. No entanto, o uso de herança múltipla deve ser feito com cautela, pois pode levar a problemas de ambiguidade.</a:t>
+              <a:t>A linguagem C++ também suporta </a:t>
+            </a:r>
+            <a:r>
+              <a:rPr lang="pt-BR" sz="1450" dirty="0">
+                <a:solidFill>
+                  <a:srgbClr val="00B0F0"/>
+                </a:solidFill>
+              </a:rPr>
+              <a:t>herança múltipla</a:t>
+            </a:r>
+            <a:r>
+              <a:rPr lang="pt-BR" sz="1450" dirty="0"/>
+              <a:t>, onde uma classe pode herdar de múltiplas classes base. No entanto, o uso de herança múltipla deve ser feito com cautela, pois pode levar a problemas de ambiguidade.</a:t>
             </a:r>
           </a:p>
           <a:p>
@@ -24046,15 +24561,83 @@
           <a:p>
             <a:r>
               <a:rPr lang="pt-BR" sz="1450" dirty="0"/>
-              <a:t>Nesse exemplo, temos duas classes base: Animal e Voador. Em seguida, temos uma classe Pato que herda de ambas as classes base. A classe Pato tem acesso aos métodos </a:t>
-            </a:r>
-            <a:r>
-              <a:rPr lang="pt-BR" sz="1450" dirty="0" err="1"/>
+              <a:t>Nesse exemplo, temos duas classes base: </a:t>
+            </a:r>
+            <a:r>
+              <a:rPr lang="pt-BR" sz="1450" i="1" dirty="0"/>
+              <a:t>Animal</a:t>
+            </a:r>
+            <a:r>
+              <a:rPr lang="pt-BR" sz="1450" dirty="0"/>
+              <a:t> e </a:t>
+            </a:r>
+            <a:r>
+              <a:rPr lang="pt-BR" sz="1450" i="1" dirty="0"/>
+              <a:t>Voador</a:t>
+            </a:r>
+            <a:r>
+              <a:rPr lang="pt-BR" sz="1450" dirty="0"/>
+              <a:t>. Em seguida, temos uma classe </a:t>
+            </a:r>
+            <a:r>
+              <a:rPr lang="pt-BR" sz="1450" i="1" dirty="0"/>
+              <a:t>Pato</a:t>
+            </a:r>
+            <a:r>
+              <a:rPr lang="pt-BR" sz="1450" dirty="0"/>
+              <a:t> que herda de ambas as classes base. A classe </a:t>
+            </a:r>
+            <a:r>
+              <a:rPr lang="pt-BR" sz="1450" i="1" dirty="0"/>
+              <a:t>Pato</a:t>
+            </a:r>
+            <a:r>
+              <a:rPr lang="pt-BR" sz="1450" dirty="0"/>
+              <a:t> tem acesso aos métodos </a:t>
+            </a:r>
+            <a:r>
+              <a:rPr lang="pt-BR" sz="1450" i="1" dirty="0" err="1"/>
               <a:t>emitirSom</a:t>
             </a:r>
             <a:r>
+              <a:rPr lang="pt-BR" sz="1450" i="1" dirty="0"/>
+              <a:t>()</a:t>
+            </a:r>
+            <a:r>
               <a:rPr lang="pt-BR" sz="1450" dirty="0"/>
-              <a:t>() da classe Animal e voar() da classe Voador, além de ter seu próprio método nadar().</a:t>
+              <a:t> da classe </a:t>
+            </a:r>
+            <a:r>
+              <a:rPr lang="pt-BR" sz="1450" i="1" dirty="0"/>
+              <a:t>Animal</a:t>
+            </a:r>
+            <a:r>
+              <a:rPr lang="pt-BR" sz="1450" dirty="0"/>
+              <a:t> e </a:t>
+            </a:r>
+            <a:r>
+              <a:rPr lang="pt-BR" sz="1450" i="1" dirty="0"/>
+              <a:t>voar() </a:t>
+            </a:r>
+            <a:r>
+              <a:rPr lang="pt-BR" sz="1450" dirty="0"/>
+              <a:t>da classe </a:t>
+            </a:r>
+            <a:r>
+              <a:rPr lang="pt-BR" sz="1450" i="1" dirty="0"/>
+              <a:t>Voador</a:t>
+            </a:r>
+            <a:r>
+              <a:rPr lang="pt-BR" sz="1450" dirty="0"/>
+              <a:t>, além de ter seu próprio método </a:t>
+            </a:r>
+            <a:r>
+              <a:rPr lang="pt-BR" sz="1450" i="1" dirty="0"/>
+              <a:t>nadar()</a:t>
+            </a:r>
+            <a:r>
+              <a:rPr lang="pt-BR" sz="1450" dirty="0"/>
+              <a:t>.</a:t>
             </a:r>
           </a:p>
           <a:p>
@@ -24183,7 +24766,31 @@
           <a:p>
             <a:r>
               <a:rPr lang="pt-BR" dirty="0"/>
-              <a:t>A linguagem C++ suporta polimorfismo, tanto polimorfismo de sobrecarga quanto polimorfismo de herança. O polimorfismo permite que objetos de diferentes classes sejam tratados de maneira uniforme, permitindo a substituição de implementações específicas de métodos em tempo de execução.</a:t>
+              <a:t>A linguagem C++ suporta polimorfismo, tanto </a:t>
+            </a:r>
+            <a:r>
+              <a:rPr lang="pt-BR" dirty="0">
+                <a:solidFill>
+                  <a:srgbClr val="00B0F0"/>
+                </a:solidFill>
+              </a:rPr>
+              <a:t>polimorfismo de sobrecarga </a:t>
+            </a:r>
+            <a:r>
+              <a:rPr lang="pt-BR" dirty="0"/>
+              <a:t>quanto </a:t>
+            </a:r>
+            <a:r>
+              <a:rPr lang="pt-BR" dirty="0">
+                <a:solidFill>
+                  <a:srgbClr val="00B0F0"/>
+                </a:solidFill>
+              </a:rPr>
+              <a:t>polimorfismo de herança</a:t>
+            </a:r>
+            <a:r>
+              <a:rPr lang="pt-BR" dirty="0"/>
+              <a:t>. O polimorfismo permite que objetos de diferentes classes sejam tratados de maneira uniforme, permitindo a substituição de implementações específicas de métodos em tempo de execução.</a:t>
             </a:r>
           </a:p>
           <a:p>
@@ -24290,7 +24897,23 @@
           <a:p>
             <a:r>
               <a:rPr lang="pt-BR" dirty="0"/>
-              <a:t>Nesse exemplo, a classe Calculadora possui dois métodos somar() com assinaturas diferentes, um para inteiros e outro para </a:t>
+              <a:t>Nesse exemplo, a classe </a:t>
+            </a:r>
+            <a:r>
+              <a:rPr lang="pt-BR" i="1" dirty="0"/>
+              <a:t>Calculadora</a:t>
+            </a:r>
+            <a:r>
+              <a:rPr lang="pt-BR" dirty="0"/>
+              <a:t> possui dois métodos </a:t>
+            </a:r>
+            <a:r>
+              <a:rPr lang="pt-BR" i="1" dirty="0"/>
+              <a:t>somar()</a:t>
+            </a:r>
+            <a:r>
+              <a:rPr lang="pt-BR" dirty="0"/>
+              <a:t> com assinaturas diferentes, um para inteiros e outro para </a:t>
             </a:r>
             <a:r>
               <a:rPr lang="pt-BR" dirty="0" err="1"/>
@@ -24298,7 +24921,15 @@
             </a:r>
             <a:r>
               <a:rPr lang="pt-BR" dirty="0"/>
-              <a:t>. Dependendo do tipo dos argumentos passados durante a chamada, o compilador seleciona automaticamente a versão apropriada do método somar(). Isso é conhecido como polimorfismo de sobrecarga.</a:t>
+              <a:t>. Dependendo do tipo dos argumentos passados durante a chamada, o compilador seleciona automaticamente a versão apropriada do método </a:t>
+            </a:r>
+            <a:r>
+              <a:rPr lang="pt-BR" i="1" dirty="0"/>
+              <a:t>somar()</a:t>
+            </a:r>
+            <a:r>
+              <a:rPr lang="pt-BR" dirty="0"/>
+              <a:t>. Isso é conhecido como polimorfismo de sobrecarga.</a:t>
             </a:r>
           </a:p>
         </p:txBody>
@@ -24432,23 +25063,55 @@
           <a:p>
             <a:r>
               <a:rPr lang="pt-BR" sz="1450" dirty="0"/>
-              <a:t>Nesse exemplo, temos uma classe base Animal com um método </a:t>
-            </a:r>
-            <a:r>
-              <a:rPr lang="pt-BR" sz="1450" dirty="0" err="1"/>
+              <a:t>Nesse exemplo, temos uma classe base </a:t>
+            </a:r>
+            <a:r>
+              <a:rPr lang="pt-BR" sz="1450" i="1" dirty="0"/>
+              <a:t>Animal</a:t>
+            </a:r>
+            <a:r>
+              <a:rPr lang="pt-BR" sz="1450" dirty="0"/>
+              <a:t> com um método </a:t>
+            </a:r>
+            <a:r>
+              <a:rPr lang="pt-BR" sz="1450" i="1" dirty="0" err="1"/>
               <a:t>emitirSom</a:t>
             </a:r>
             <a:r>
+              <a:rPr lang="pt-BR" sz="1450" i="1" dirty="0"/>
+              <a:t>()</a:t>
+            </a:r>
+            <a:r>
               <a:rPr lang="pt-BR" sz="1450" dirty="0"/>
-              <a:t>(). Em seguida, temos classes derivadas Cachorro e Gato, que substituem a implementação do método </a:t>
-            </a:r>
-            <a:r>
-              <a:rPr lang="pt-BR" sz="1450" dirty="0" err="1"/>
+              <a:t>. Em seguida, temos classes derivadas </a:t>
+            </a:r>
+            <a:r>
+              <a:rPr lang="pt-BR" sz="1450" i="1" dirty="0"/>
+              <a:t>Cachorro</a:t>
+            </a:r>
+            <a:r>
+              <a:rPr lang="pt-BR" sz="1450" dirty="0"/>
+              <a:t> e </a:t>
+            </a:r>
+            <a:r>
+              <a:rPr lang="pt-BR" sz="1450" i="1" dirty="0"/>
+              <a:t>Gato</a:t>
+            </a:r>
+            <a:r>
+              <a:rPr lang="pt-BR" sz="1450" dirty="0"/>
+              <a:t>, que substituem a implementação do método </a:t>
+            </a:r>
+            <a:r>
+              <a:rPr lang="pt-BR" sz="1450" i="1" dirty="0" err="1"/>
               <a:t>emitirSom</a:t>
             </a:r>
             <a:r>
+              <a:rPr lang="pt-BR" sz="1450" i="1" dirty="0"/>
+              <a:t>() </a:t>
+            </a:r>
+            <a:r>
               <a:rPr lang="pt-BR" sz="1450" dirty="0"/>
-              <a:t>() para cada animal específico.</a:t>
+              <a:t>para cada animal específico.</a:t>
             </a:r>
           </a:p>
           <a:p>
@@ -24460,20 +25123,52 @@
               <a:t>No </a:t>
             </a:r>
             <a:r>
-              <a:rPr lang="pt-BR" sz="1450" dirty="0" err="1"/>
+              <a:rPr lang="pt-BR" sz="1450" i="1" dirty="0" err="1"/>
               <a:t>main</a:t>
             </a:r>
             <a:r>
+              <a:rPr lang="pt-BR" sz="1450" i="1" dirty="0"/>
+              <a:t>()</a:t>
+            </a:r>
+            <a:r>
               <a:rPr lang="pt-BR" sz="1450" dirty="0"/>
-              <a:t>(), criamos ponteiros de tipo Animal apontando para objetos de tipo Cachorro e Gato. Quando chamamos o método </a:t>
-            </a:r>
-            <a:r>
-              <a:rPr lang="pt-BR" sz="1450" dirty="0" err="1"/>
+              <a:t>, criamos ponteiros de tipo </a:t>
+            </a:r>
+            <a:r>
+              <a:rPr lang="pt-BR" sz="1450" i="1" dirty="0"/>
+              <a:t>Animal</a:t>
+            </a:r>
+            <a:r>
+              <a:rPr lang="pt-BR" sz="1450" dirty="0"/>
+              <a:t> apontando para objetos de tipo </a:t>
+            </a:r>
+            <a:r>
+              <a:rPr lang="pt-BR" sz="1450" i="1" dirty="0"/>
+              <a:t>Cachorro</a:t>
+            </a:r>
+            <a:r>
+              <a:rPr lang="pt-BR" sz="1450" dirty="0"/>
+              <a:t> e </a:t>
+            </a:r>
+            <a:r>
+              <a:rPr lang="pt-BR" sz="1450" i="1" dirty="0"/>
+              <a:t>Gato</a:t>
+            </a:r>
+            <a:r>
+              <a:rPr lang="pt-BR" sz="1450" dirty="0"/>
+              <a:t>. Quando chamamos o método </a:t>
+            </a:r>
+            <a:r>
+              <a:rPr lang="pt-BR" sz="1450" i="1" dirty="0" err="1"/>
               <a:t>emitirSom</a:t>
             </a:r>
             <a:r>
+              <a:rPr lang="pt-BR" sz="1450" i="1" dirty="0"/>
+              <a:t>() </a:t>
+            </a:r>
+            <a:r>
               <a:rPr lang="pt-BR" sz="1450" dirty="0"/>
-              <a:t>() através dos ponteiros, o compilador seleciona automaticamente a versão correta do método, com base no tipo real do objeto apontado. Isso é conhecido como polimorfismo de herança ou polimorfismo de substituição.</a:t>
+              <a:t>através dos ponteiros, o compilador seleciona automaticamente a versão correta do método, com base no tipo real do objeto apontado. Isso é conhecido como polimorfismo de herança ou polimorfismo de substituição.</a:t>
             </a:r>
           </a:p>
         </p:txBody>
@@ -24596,7 +25291,19 @@
           <a:p>
             <a:r>
               <a:rPr lang="pt-BR" dirty="0"/>
-              <a:t>O C++ é uma linguagem compilada, o que significa que o código fonte escrito em C++ deve ser compilado para código de máquina antes de ser executado. O processo de compilação converte o código C++ em um formato executável que pode ser diretamente executado no computador.</a:t>
+              <a:t>O C++ é uma linguagem </a:t>
+            </a:r>
+            <a:r>
+              <a:rPr lang="pt-BR" dirty="0">
+                <a:solidFill>
+                  <a:srgbClr val="00B0F0"/>
+                </a:solidFill>
+              </a:rPr>
+              <a:t>compilada</a:t>
+            </a:r>
+            <a:r>
+              <a:rPr lang="pt-BR" dirty="0"/>
+              <a:t>, o que significa que o código fonte escrito em C++ deve ser compilado para código de máquina antes de ser executado. O processo de compilação converte o código C++ em um formato executável que pode ser diretamente executado no computador.</a:t>
             </a:r>
           </a:p>
         </p:txBody>
@@ -24722,15 +25429,23 @@
               <a:t>C++ possui suporte a tratamento de exceções. O tratamento de exceções em C++ é realizado através dos blocos </a:t>
             </a:r>
             <a:r>
-              <a:rPr lang="pt-BR" dirty="0" err="1"/>
+              <a:rPr lang="pt-BR" i="1" dirty="0" err="1"/>
               <a:t>try</a:t>
             </a:r>
             <a:r>
               <a:rPr lang="pt-BR" dirty="0"/>
-              <a:t>, catch e </a:t>
-            </a:r>
-            <a:r>
-              <a:rPr lang="pt-BR" dirty="0" err="1"/>
+              <a:t>, </a:t>
+            </a:r>
+            <a:r>
+              <a:rPr lang="pt-BR" i="1" dirty="0"/>
+              <a:t>catch</a:t>
+            </a:r>
+            <a:r>
+              <a:rPr lang="pt-BR" dirty="0"/>
+              <a:t> e </a:t>
+            </a:r>
+            <a:r>
+              <a:rPr lang="pt-BR" i="1" dirty="0" err="1"/>
               <a:t>throw</a:t>
             </a:r>
             <a:r>
@@ -24747,7 +25462,7 @@
               <a:t>Quando ocorre uma exceção, o programa pode "lançá-la" usando a palavra-chave </a:t>
             </a:r>
             <a:r>
-              <a:rPr lang="pt-BR" dirty="0" err="1"/>
+              <a:rPr lang="pt-BR" i="1" dirty="0" err="1"/>
               <a:t>throw</a:t>
             </a:r>
             <a:r>
@@ -24755,12 +25470,16 @@
               <a:t>, e em seguida, pode ser "capturada" e tratada usando o bloco </a:t>
             </a:r>
             <a:r>
-              <a:rPr lang="pt-BR" dirty="0" err="1"/>
+              <a:rPr lang="pt-BR" i="1" dirty="0" err="1"/>
               <a:t>try</a:t>
             </a:r>
             <a:r>
+              <a:rPr lang="pt-BR" i="1" dirty="0"/>
+              <a:t>-catch</a:t>
+            </a:r>
+            <a:r>
               <a:rPr lang="pt-BR" dirty="0"/>
-              <a:t>-catch.</a:t>
+              <a:t>.</a:t>
             </a:r>
           </a:p>
           <a:p>
@@ -24870,15 +25589,39 @@
           <a:p>
             <a:r>
               <a:rPr lang="pt-BR" dirty="0"/>
-              <a:t>Nesse exemplo, a função divide() verifica se o divisor é zero. Se for, ela lança uma exceção com uma mensagem de erro. No bloco </a:t>
-            </a:r>
-            <a:r>
-              <a:rPr lang="pt-BR" dirty="0" err="1"/>
+              <a:t>Nesse exemplo, a função </a:t>
+            </a:r>
+            <a:r>
+              <a:rPr lang="pt-BR" i="1" dirty="0"/>
+              <a:t>divide() </a:t>
+            </a:r>
+            <a:r>
+              <a:rPr lang="pt-BR" dirty="0"/>
+              <a:t>verifica se o divisor é zero. Se for, ela lança uma exceção com uma mensagem de erro. No bloco </a:t>
+            </a:r>
+            <a:r>
+              <a:rPr lang="pt-BR" i="1" dirty="0" err="1"/>
               <a:t>try</a:t>
             </a:r>
             <a:r>
               <a:rPr lang="pt-BR" dirty="0"/>
-              <a:t>, chamamos a função divide() passando os argumentos 10 e 0. No bloco catch, a exceção é capturada e a mensagem de erro é exibida.</a:t>
+              <a:t>, chamamos a função </a:t>
+            </a:r>
+            <a:r>
+              <a:rPr lang="pt-BR" i="1" dirty="0"/>
+              <a:t>divide()</a:t>
+            </a:r>
+            <a:r>
+              <a:rPr lang="pt-BR" dirty="0"/>
+              <a:t> passando os argumentos 10 e 0. No bloco </a:t>
+            </a:r>
+            <a:r>
+              <a:rPr lang="pt-BR" i="1" dirty="0"/>
+              <a:t>catch</a:t>
+            </a:r>
+            <a:r>
+              <a:rPr lang="pt-BR" dirty="0"/>
+              <a:t>, a exceção é capturada e a mensagem de erro é exibida.</a:t>
             </a:r>
           </a:p>
         </p:txBody>
@@ -25006,7 +25749,19 @@
           <a:p>
             <a:r>
               <a:rPr lang="pt-BR" sz="1450" dirty="0"/>
-              <a:t>Além de exceções de tipos de dados básicos, C++ permite a criação de exceções personalizadas por meio de classes. É possível criar uma hierarquia de classes de exceção, onde cada classe representa um tipo específico de erro.</a:t>
+              <a:t>Além de exceções de tipos de dados básicos, C++ permite a criação de </a:t>
+            </a:r>
+            <a:r>
+              <a:rPr lang="pt-BR" sz="1450" dirty="0">
+                <a:solidFill>
+                  <a:srgbClr val="00B0F0"/>
+                </a:solidFill>
+              </a:rPr>
+              <a:t>exceções personalizadas </a:t>
+            </a:r>
+            <a:r>
+              <a:rPr lang="pt-BR" sz="1450" dirty="0"/>
+              <a:t>por meio de classes. É possível criar uma hierarquia de classes de exceção, onde cada classe representa um tipo específico de erro.</a:t>
             </a:r>
           </a:p>
           <a:p>
@@ -25018,7 +25773,7 @@
               <a:t>Nesse exemplo, criamos uma classe </a:t>
             </a:r>
             <a:r>
-              <a:rPr lang="pt-BR" sz="1450" dirty="0" err="1"/>
+              <a:rPr lang="pt-BR" sz="1450" i="1" dirty="0" err="1"/>
               <a:t>MinhaExcecao</a:t>
             </a:r>
             <a:r>
@@ -25026,15 +25781,15 @@
               <a:t> que herda da classe </a:t>
             </a:r>
             <a:r>
-              <a:rPr lang="pt-BR" sz="1450" dirty="0" err="1"/>
+              <a:rPr lang="pt-BR" sz="1450" i="1" dirty="0" err="1"/>
               <a:t>std</a:t>
             </a:r>
             <a:r>
-              <a:rPr lang="pt-BR" sz="1450" dirty="0"/>
+              <a:rPr lang="pt-BR" sz="1450" i="1" dirty="0"/>
               <a:t>::</a:t>
             </a:r>
             <a:r>
-              <a:rPr lang="pt-BR" sz="1450" dirty="0" err="1"/>
+              <a:rPr lang="pt-BR" sz="1450" i="1" dirty="0" err="1"/>
               <a:t>exception</a:t>
             </a:r>
             <a:r>
@@ -25042,7 +25797,7 @@
               <a:t>. A classe </a:t>
             </a:r>
             <a:r>
-              <a:rPr lang="pt-BR" sz="1450" dirty="0" err="1"/>
+              <a:rPr lang="pt-BR" sz="1450" i="1" dirty="0" err="1"/>
               <a:t>MinhaExcecao</a:t>
             </a:r>
             <a:r>
@@ -25050,12 +25805,16 @@
               <a:t> sobrescreve o método </a:t>
             </a:r>
             <a:r>
-              <a:rPr lang="pt-BR" sz="1450" dirty="0" err="1"/>
+              <a:rPr lang="pt-BR" sz="1450" i="1" dirty="0" err="1"/>
               <a:t>what</a:t>
             </a:r>
             <a:r>
+              <a:rPr lang="pt-BR" sz="1450" i="1" dirty="0"/>
+              <a:t>()</a:t>
+            </a:r>
+            <a:r>
               <a:rPr lang="pt-BR" sz="1450" dirty="0"/>
-              <a:t>(), que retorna uma mensagem de erro personalizada.</a:t>
+              <a:t>, que retorna uma mensagem de erro personalizada.</a:t>
             </a:r>
           </a:p>
         </p:txBody>
@@ -25183,10 +25942,22 @@
           <a:p>
             <a:r>
               <a:rPr lang="pt-BR" dirty="0"/>
-              <a:t>A sintaxe da linguagem C++ segue uma estrutura semelhante à linguagem C, com algumas adições e modificações para suportar recursos de programação orientada a objetos. A sintaxe é baseada em blocos delimitados por chaves {} e os pontos e vírgulas (;) são usados para separar instruções. A linguagem é case-</a:t>
-            </a:r>
-            <a:r>
-              <a:rPr lang="pt-BR" dirty="0" err="1"/>
+              <a:t>A sintaxe da linguagem C++ segue uma estrutura semelhante à linguagem C, com algumas adições e modificações para suportar recursos de programação orientada a objetos. A sintaxe é baseada em blocos delimitados por chaves {} e os pontos e vírgulas (;) são usados para separar instruções. A linguagem é </a:t>
+            </a:r>
+            <a:r>
+              <a:rPr lang="pt-BR" dirty="0">
+                <a:solidFill>
+                  <a:srgbClr val="00B0F0"/>
+                </a:solidFill>
+              </a:rPr>
+              <a:t>case-</a:t>
+            </a:r>
+            <a:r>
+              <a:rPr lang="pt-BR" dirty="0" err="1">
+                <a:solidFill>
+                  <a:srgbClr val="00B0F0"/>
+                </a:solidFill>
+              </a:rPr>
               <a:t>sensitive</a:t>
             </a:r>
             <a:r>
@@ -25987,7 +26758,7 @@
               <a:t>Para criar um procedimento que não retorna um valor (tipo de retorno </a:t>
             </a:r>
             <a:r>
-              <a:rPr lang="pt-BR" dirty="0" err="1"/>
+              <a:rPr lang="pt-BR" i="1" dirty="0" err="1"/>
               <a:t>void</a:t>
             </a:r>
             <a:r>
@@ -25995,7 +26766,7 @@
               <a:t>), podemos omitir a parte do </a:t>
             </a:r>
             <a:r>
-              <a:rPr lang="pt-BR" dirty="0" err="1"/>
+              <a:rPr lang="pt-BR" i="1" dirty="0" err="1"/>
               <a:t>return</a:t>
             </a:r>
             <a:r>
